--- a/images/Images_pptx.pptx
+++ b/images/Images_pptx.pptx
@@ -6,6 +6,7 @@
   </p:sldMasterIdLst>
   <p:sldIdLst>
     <p:sldId id="259" r:id="rId2"/>
+    <p:sldId id="260" r:id="rId3"/>
   </p:sldIdLst>
   <p:sldSz cx="12192000" cy="6858000"/>
   <p:notesSz cx="6858000" cy="9144000"/>
@@ -104,6 +105,11 @@
       </a:defRPr>
     </a:lvl9pPr>
   </p:defaultTextStyle>
+  <p:extLst>
+    <p:ext uri="{EFAFB233-063F-42B5-8137-9DF3F51BA10A}">
+      <p15:sldGuideLst xmlns:p15="http://schemas.microsoft.com/office/powerpoint/2012/main"/>
+    </p:ext>
+  </p:extLst>
 </p:presentation>
 </file>
 
@@ -4213,6 +4219,1141 @@
 </p:sld>
 </file>
 
+<file path=ppt/slides/slide2.xml><?xml version="1.0" encoding="utf-8"?>
+<p:sld xmlns:a="http://schemas.openxmlformats.org/drawingml/2006/main" xmlns:r="http://schemas.openxmlformats.org/officeDocument/2006/relationships" xmlns:p="http://schemas.openxmlformats.org/presentationml/2006/main">
+  <p:cSld>
+    <p:spTree>
+      <p:nvGrpSpPr>
+        <p:cNvPr id="1" name=""/>
+        <p:cNvGrpSpPr/>
+        <p:nvPr/>
+      </p:nvGrpSpPr>
+      <p:grpSpPr>
+        <a:xfrm>
+          <a:off x="0" y="0"/>
+          <a:ext cx="0" cy="0"/>
+          <a:chOff x="0" y="0"/>
+          <a:chExt cx="0" cy="0"/>
+        </a:xfrm>
+      </p:grpSpPr>
+      <p:sp>
+        <p:nvSpPr>
+          <p:cNvPr id="2" name="TextBox 1">
+            <a:extLst>
+              <a:ext uri="{FF2B5EF4-FFF2-40B4-BE49-F238E27FC236}">
+                <a16:creationId xmlns:a16="http://schemas.microsoft.com/office/drawing/2014/main" id="{68AFE84C-BED5-41A0-89EC-C78D3A049FFC}"/>
+              </a:ext>
+            </a:extLst>
+          </p:cNvPr>
+          <p:cNvSpPr txBox="1"/>
+          <p:nvPr/>
+        </p:nvSpPr>
+        <p:spPr>
+          <a:xfrm>
+            <a:off x="626083" y="3064906"/>
+            <a:ext cx="3296373" cy="1138773"/>
+          </a:xfrm>
+          <a:prstGeom prst="rect">
+            <a:avLst/>
+          </a:prstGeom>
+          <a:noFill/>
+        </p:spPr>
+        <p:txBody>
+          <a:bodyPr wrap="square" rtlCol="0">
+            <a:spAutoFit/>
+          </a:bodyPr>
+          <a:lstStyle/>
+          <a:p>
+            <a:r>
+              <a:rPr lang="en-GB" sz="2800" b="1" dirty="0">
+                <a:solidFill>
+                  <a:schemeClr val="accent5">
+                    <a:lumMod val="50000"/>
+                  </a:schemeClr>
+                </a:solidFill>
+                <a:latin typeface="Bahnschrift SemiBold" panose="020B0502040204020203" pitchFamily="34" charset="0"/>
+              </a:rPr>
+              <a:t>Prepare</a:t>
+            </a:r>
+          </a:p>
+          <a:p>
+            <a:r>
+              <a:rPr lang="en-GB" sz="2000" b="1" dirty="0">
+                <a:solidFill>
+                  <a:schemeClr val="tx1">
+                    <a:lumMod val="50000"/>
+                    <a:lumOff val="50000"/>
+                  </a:schemeClr>
+                </a:solidFill>
+                <a:latin typeface="Bahnschrift SemiBold" panose="020B0502040204020203" pitchFamily="34" charset="0"/>
+              </a:rPr>
+              <a:t>- URL construction</a:t>
+            </a:r>
+          </a:p>
+          <a:p>
+            <a:r>
+              <a:rPr lang="en-GB" sz="2000" b="1" dirty="0">
+                <a:solidFill>
+                  <a:schemeClr val="tx1">
+                    <a:lumMod val="50000"/>
+                    <a:lumOff val="50000"/>
+                  </a:schemeClr>
+                </a:solidFill>
+                <a:latin typeface="Bahnschrift SemiBold" panose="020B0502040204020203" pitchFamily="34" charset="0"/>
+              </a:rPr>
+              <a:t>- Authentication</a:t>
+            </a:r>
+          </a:p>
+        </p:txBody>
+      </p:sp>
+      <p:grpSp>
+        <p:nvGrpSpPr>
+          <p:cNvPr id="30" name="Group 29">
+            <a:extLst>
+              <a:ext uri="{FF2B5EF4-FFF2-40B4-BE49-F238E27FC236}">
+                <a16:creationId xmlns:a16="http://schemas.microsoft.com/office/drawing/2014/main" id="{373D3B2E-2894-494E-ABEE-CE8B86596058}"/>
+              </a:ext>
+            </a:extLst>
+          </p:cNvPr>
+          <p:cNvGrpSpPr/>
+          <p:nvPr/>
+        </p:nvGrpSpPr>
+        <p:grpSpPr>
+          <a:xfrm>
+            <a:off x="6358105" y="771331"/>
+            <a:ext cx="1845350" cy="1897643"/>
+            <a:chOff x="6358105" y="771331"/>
+            <a:chExt cx="1845350" cy="1897643"/>
+          </a:xfrm>
+        </p:grpSpPr>
+        <p:grpSp>
+          <p:nvGrpSpPr>
+            <p:cNvPr id="20" name="Group 19">
+              <a:extLst>
+                <a:ext uri="{FF2B5EF4-FFF2-40B4-BE49-F238E27FC236}">
+                  <a16:creationId xmlns:a16="http://schemas.microsoft.com/office/drawing/2014/main" id="{354BA311-04C6-43D6-AF28-B5DD03A2FE32}"/>
+                </a:ext>
+              </a:extLst>
+            </p:cNvPr>
+            <p:cNvGrpSpPr/>
+            <p:nvPr/>
+          </p:nvGrpSpPr>
+          <p:grpSpPr>
+            <a:xfrm>
+              <a:off x="6358105" y="771331"/>
+              <a:ext cx="1845350" cy="1897643"/>
+              <a:chOff x="6234160" y="771331"/>
+              <a:chExt cx="1845350" cy="1897643"/>
+            </a:xfrm>
+          </p:grpSpPr>
+          <p:sp>
+            <p:nvSpPr>
+              <p:cNvPr id="16" name="Oval 15">
+                <a:extLst>
+                  <a:ext uri="{FF2B5EF4-FFF2-40B4-BE49-F238E27FC236}">
+                    <a16:creationId xmlns:a16="http://schemas.microsoft.com/office/drawing/2014/main" id="{43814879-86D5-4678-A47C-2DA89D6F35EF}"/>
+                  </a:ext>
+                </a:extLst>
+              </p:cNvPr>
+              <p:cNvSpPr/>
+              <p:nvPr/>
+            </p:nvSpPr>
+            <p:spPr>
+              <a:xfrm>
+                <a:off x="6234160" y="823624"/>
+                <a:ext cx="1845350" cy="1845350"/>
+              </a:xfrm>
+              <a:prstGeom prst="ellipse">
+                <a:avLst/>
+              </a:prstGeom>
+              <a:solidFill>
+                <a:schemeClr val="accent5">
+                  <a:lumMod val="50000"/>
+                </a:schemeClr>
+              </a:solidFill>
+            </p:spPr>
+            <p:style>
+              <a:lnRef idx="2">
+                <a:schemeClr val="accent1">
+                  <a:shade val="50000"/>
+                </a:schemeClr>
+              </a:lnRef>
+              <a:fillRef idx="1">
+                <a:schemeClr val="accent1"/>
+              </a:fillRef>
+              <a:effectRef idx="0">
+                <a:schemeClr val="accent1"/>
+              </a:effectRef>
+              <a:fontRef idx="minor">
+                <a:schemeClr val="lt1"/>
+              </a:fontRef>
+            </p:style>
+            <p:txBody>
+              <a:bodyPr lIns="0" tIns="0" rtlCol="0" anchor="t"/>
+              <a:lstStyle/>
+              <a:p>
+                <a:endParaRPr lang="en-GB" sz="4400" b="1" dirty="0"/>
+              </a:p>
+            </p:txBody>
+          </p:sp>
+          <p:sp>
+            <p:nvSpPr>
+              <p:cNvPr id="19" name="TextBox 18">
+                <a:extLst>
+                  <a:ext uri="{FF2B5EF4-FFF2-40B4-BE49-F238E27FC236}">
+                    <a16:creationId xmlns:a16="http://schemas.microsoft.com/office/drawing/2014/main" id="{3BBB027C-677B-4C11-8E8E-1BDC6FED0456}"/>
+                  </a:ext>
+                </a:extLst>
+              </p:cNvPr>
+              <p:cNvSpPr txBox="1"/>
+              <p:nvPr/>
+            </p:nvSpPr>
+            <p:spPr>
+              <a:xfrm>
+                <a:off x="6919080" y="771331"/>
+                <a:ext cx="475510" cy="646331"/>
+              </a:xfrm>
+              <a:prstGeom prst="rect">
+                <a:avLst/>
+              </a:prstGeom>
+              <a:noFill/>
+            </p:spPr>
+            <p:txBody>
+              <a:bodyPr wrap="square" rtlCol="0">
+                <a:spAutoFit/>
+              </a:bodyPr>
+              <a:lstStyle/>
+              <a:p>
+                <a:pPr algn="ctr"/>
+                <a:r>
+                  <a:rPr lang="en-GB" sz="3600" b="1" dirty="0">
+                    <a:solidFill>
+                      <a:schemeClr val="bg2"/>
+                    </a:solidFill>
+                  </a:rPr>
+                  <a:t>3</a:t>
+                </a:r>
+              </a:p>
+            </p:txBody>
+          </p:sp>
+        </p:grpSp>
+        <p:pic>
+          <p:nvPicPr>
+            <p:cNvPr id="14" name="Picture 13">
+              <a:extLst>
+                <a:ext uri="{FF2B5EF4-FFF2-40B4-BE49-F238E27FC236}">
+                  <a16:creationId xmlns:a16="http://schemas.microsoft.com/office/drawing/2014/main" id="{3BC8B2E2-8E65-4BAA-BAC8-D75671F16041}"/>
+                </a:ext>
+              </a:extLst>
+            </p:cNvPr>
+            <p:cNvPicPr>
+              <a:picLocks noChangeAspect="1"/>
+            </p:cNvPicPr>
+            <p:nvPr/>
+          </p:nvPicPr>
+          <p:blipFill>
+            <a:blip r:embed="rId2">
+              <a:lum bright="70000" contrast="-70000"/>
+              <a:extLst>
+                <a:ext uri="{28A0092B-C50C-407E-A947-70E740481C1C}">
+                  <a14:useLocalDpi xmlns:a14="http://schemas.microsoft.com/office/drawing/2010/main" val="0"/>
+                </a:ext>
+              </a:extLst>
+            </a:blip>
+            <a:stretch>
+              <a:fillRect/>
+            </a:stretch>
+          </p:blipFill>
+          <p:spPr>
+            <a:xfrm>
+              <a:off x="6639459" y="1257182"/>
+              <a:ext cx="1282642" cy="1282642"/>
+            </a:xfrm>
+            <a:prstGeom prst="rect">
+              <a:avLst/>
+            </a:prstGeom>
+          </p:spPr>
+        </p:pic>
+      </p:grpSp>
+      <p:grpSp>
+        <p:nvGrpSpPr>
+          <p:cNvPr id="24" name="Group 23">
+            <a:extLst>
+              <a:ext uri="{FF2B5EF4-FFF2-40B4-BE49-F238E27FC236}">
+                <a16:creationId xmlns:a16="http://schemas.microsoft.com/office/drawing/2014/main" id="{3DFE517D-E332-496B-AD81-3D2C386F2180}"/>
+              </a:ext>
+            </a:extLst>
+          </p:cNvPr>
+          <p:cNvGrpSpPr/>
+          <p:nvPr/>
+        </p:nvGrpSpPr>
+        <p:grpSpPr>
+          <a:xfrm>
+            <a:off x="3492667" y="771331"/>
+            <a:ext cx="1845350" cy="1897643"/>
+            <a:chOff x="6234160" y="771331"/>
+            <a:chExt cx="1845350" cy="1897643"/>
+          </a:xfrm>
+        </p:grpSpPr>
+        <p:sp>
+          <p:nvSpPr>
+            <p:cNvPr id="25" name="Oval 24">
+              <a:extLst>
+                <a:ext uri="{FF2B5EF4-FFF2-40B4-BE49-F238E27FC236}">
+                  <a16:creationId xmlns:a16="http://schemas.microsoft.com/office/drawing/2014/main" id="{11C88686-0763-441C-BF0F-B2096B638356}"/>
+                </a:ext>
+              </a:extLst>
+            </p:cNvPr>
+            <p:cNvSpPr/>
+            <p:nvPr/>
+          </p:nvSpPr>
+          <p:spPr>
+            <a:xfrm>
+              <a:off x="6234160" y="823624"/>
+              <a:ext cx="1845350" cy="1845350"/>
+            </a:xfrm>
+            <a:prstGeom prst="ellipse">
+              <a:avLst/>
+            </a:prstGeom>
+            <a:solidFill>
+              <a:schemeClr val="accent5">
+                <a:lumMod val="50000"/>
+              </a:schemeClr>
+            </a:solidFill>
+          </p:spPr>
+          <p:style>
+            <a:lnRef idx="2">
+              <a:schemeClr val="accent1">
+                <a:shade val="50000"/>
+              </a:schemeClr>
+            </a:lnRef>
+            <a:fillRef idx="1">
+              <a:schemeClr val="accent1"/>
+            </a:fillRef>
+            <a:effectRef idx="0">
+              <a:schemeClr val="accent1"/>
+            </a:effectRef>
+            <a:fontRef idx="minor">
+              <a:schemeClr val="lt1"/>
+            </a:fontRef>
+          </p:style>
+          <p:txBody>
+            <a:bodyPr lIns="0" tIns="0" rtlCol="0" anchor="t"/>
+            <a:lstStyle/>
+            <a:p>
+              <a:endParaRPr lang="en-GB" sz="4400" b="1" dirty="0"/>
+            </a:p>
+          </p:txBody>
+        </p:sp>
+        <p:sp>
+          <p:nvSpPr>
+            <p:cNvPr id="26" name="TextBox 25">
+              <a:extLst>
+                <a:ext uri="{FF2B5EF4-FFF2-40B4-BE49-F238E27FC236}">
+                  <a16:creationId xmlns:a16="http://schemas.microsoft.com/office/drawing/2014/main" id="{5A4237AF-BEA9-4C01-AF30-FD50F9EBDF02}"/>
+                </a:ext>
+              </a:extLst>
+            </p:cNvPr>
+            <p:cNvSpPr txBox="1"/>
+            <p:nvPr/>
+          </p:nvSpPr>
+          <p:spPr>
+            <a:xfrm>
+              <a:off x="6919080" y="771331"/>
+              <a:ext cx="475510" cy="646331"/>
+            </a:xfrm>
+            <a:prstGeom prst="rect">
+              <a:avLst/>
+            </a:prstGeom>
+            <a:noFill/>
+          </p:spPr>
+          <p:txBody>
+            <a:bodyPr wrap="square" rtlCol="0">
+              <a:spAutoFit/>
+            </a:bodyPr>
+            <a:lstStyle/>
+            <a:p>
+              <a:pPr algn="ctr"/>
+              <a:r>
+                <a:rPr lang="en-GB" sz="3600" b="1" dirty="0">
+                  <a:solidFill>
+                    <a:schemeClr val="bg2"/>
+                  </a:solidFill>
+                </a:rPr>
+                <a:t>2</a:t>
+              </a:r>
+            </a:p>
+          </p:txBody>
+        </p:sp>
+      </p:grpSp>
+      <p:grpSp>
+        <p:nvGrpSpPr>
+          <p:cNvPr id="27" name="Group 26">
+            <a:extLst>
+              <a:ext uri="{FF2B5EF4-FFF2-40B4-BE49-F238E27FC236}">
+                <a16:creationId xmlns:a16="http://schemas.microsoft.com/office/drawing/2014/main" id="{B40C5B48-CED0-43DB-9FB4-219805F0DDA4}"/>
+              </a:ext>
+            </a:extLst>
+          </p:cNvPr>
+          <p:cNvGrpSpPr/>
+          <p:nvPr/>
+        </p:nvGrpSpPr>
+        <p:grpSpPr>
+          <a:xfrm>
+            <a:off x="627229" y="771331"/>
+            <a:ext cx="1845350" cy="1897643"/>
+            <a:chOff x="6234160" y="771331"/>
+            <a:chExt cx="1845350" cy="1897643"/>
+          </a:xfrm>
+        </p:grpSpPr>
+        <p:sp>
+          <p:nvSpPr>
+            <p:cNvPr id="28" name="Oval 27">
+              <a:extLst>
+                <a:ext uri="{FF2B5EF4-FFF2-40B4-BE49-F238E27FC236}">
+                  <a16:creationId xmlns:a16="http://schemas.microsoft.com/office/drawing/2014/main" id="{020281FB-ACCA-4677-92AC-9F440FF9C64B}"/>
+                </a:ext>
+              </a:extLst>
+            </p:cNvPr>
+            <p:cNvSpPr/>
+            <p:nvPr/>
+          </p:nvSpPr>
+          <p:spPr>
+            <a:xfrm>
+              <a:off x="6234160" y="823624"/>
+              <a:ext cx="1845350" cy="1845350"/>
+            </a:xfrm>
+            <a:prstGeom prst="ellipse">
+              <a:avLst/>
+            </a:prstGeom>
+            <a:solidFill>
+              <a:schemeClr val="accent5">
+                <a:lumMod val="50000"/>
+              </a:schemeClr>
+            </a:solidFill>
+          </p:spPr>
+          <p:style>
+            <a:lnRef idx="2">
+              <a:schemeClr val="accent1">
+                <a:shade val="50000"/>
+              </a:schemeClr>
+            </a:lnRef>
+            <a:fillRef idx="1">
+              <a:schemeClr val="accent1"/>
+            </a:fillRef>
+            <a:effectRef idx="0">
+              <a:schemeClr val="accent1"/>
+            </a:effectRef>
+            <a:fontRef idx="minor">
+              <a:schemeClr val="lt1"/>
+            </a:fontRef>
+          </p:style>
+          <p:txBody>
+            <a:bodyPr lIns="0" tIns="0" rtlCol="0" anchor="t"/>
+            <a:lstStyle/>
+            <a:p>
+              <a:endParaRPr lang="en-GB" sz="4400" b="1" dirty="0"/>
+            </a:p>
+          </p:txBody>
+        </p:sp>
+        <p:sp>
+          <p:nvSpPr>
+            <p:cNvPr id="29" name="TextBox 28">
+              <a:extLst>
+                <a:ext uri="{FF2B5EF4-FFF2-40B4-BE49-F238E27FC236}">
+                  <a16:creationId xmlns:a16="http://schemas.microsoft.com/office/drawing/2014/main" id="{73DAD7B5-3EF1-4B88-95CB-CCEAEDF5A1D1}"/>
+                </a:ext>
+              </a:extLst>
+            </p:cNvPr>
+            <p:cNvSpPr txBox="1"/>
+            <p:nvPr/>
+          </p:nvSpPr>
+          <p:spPr>
+            <a:xfrm>
+              <a:off x="6919080" y="771331"/>
+              <a:ext cx="475510" cy="646331"/>
+            </a:xfrm>
+            <a:prstGeom prst="rect">
+              <a:avLst/>
+            </a:prstGeom>
+            <a:noFill/>
+          </p:spPr>
+          <p:txBody>
+            <a:bodyPr wrap="square" rtlCol="0">
+              <a:spAutoFit/>
+            </a:bodyPr>
+            <a:lstStyle/>
+            <a:p>
+              <a:pPr algn="ctr"/>
+              <a:r>
+                <a:rPr lang="en-GB" sz="3600" b="1" dirty="0">
+                  <a:solidFill>
+                    <a:schemeClr val="bg2"/>
+                  </a:solidFill>
+                </a:rPr>
+                <a:t>1</a:t>
+              </a:r>
+            </a:p>
+          </p:txBody>
+        </p:sp>
+      </p:grpSp>
+      <p:grpSp>
+        <p:nvGrpSpPr>
+          <p:cNvPr id="33" name="Group 32">
+            <a:extLst>
+              <a:ext uri="{FF2B5EF4-FFF2-40B4-BE49-F238E27FC236}">
+                <a16:creationId xmlns:a16="http://schemas.microsoft.com/office/drawing/2014/main" id="{1F5607C2-86B4-4CCF-8690-E32D8D2D2FEC}"/>
+              </a:ext>
+            </a:extLst>
+          </p:cNvPr>
+          <p:cNvGrpSpPr/>
+          <p:nvPr/>
+        </p:nvGrpSpPr>
+        <p:grpSpPr>
+          <a:xfrm>
+            <a:off x="9223544" y="771331"/>
+            <a:ext cx="1845350" cy="1897643"/>
+            <a:chOff x="9223544" y="771331"/>
+            <a:chExt cx="1845350" cy="1897643"/>
+          </a:xfrm>
+        </p:grpSpPr>
+        <p:grpSp>
+          <p:nvGrpSpPr>
+            <p:cNvPr id="21" name="Group 20">
+              <a:extLst>
+                <a:ext uri="{FF2B5EF4-FFF2-40B4-BE49-F238E27FC236}">
+                  <a16:creationId xmlns:a16="http://schemas.microsoft.com/office/drawing/2014/main" id="{7B64E8D8-6386-4163-A432-2BD1A679EEDB}"/>
+                </a:ext>
+              </a:extLst>
+            </p:cNvPr>
+            <p:cNvGrpSpPr/>
+            <p:nvPr/>
+          </p:nvGrpSpPr>
+          <p:grpSpPr>
+            <a:xfrm>
+              <a:off x="9223544" y="771331"/>
+              <a:ext cx="1845350" cy="1897643"/>
+              <a:chOff x="6234160" y="771331"/>
+              <a:chExt cx="1845350" cy="1897643"/>
+            </a:xfrm>
+          </p:grpSpPr>
+          <p:sp>
+            <p:nvSpPr>
+              <p:cNvPr id="22" name="Oval 21">
+                <a:extLst>
+                  <a:ext uri="{FF2B5EF4-FFF2-40B4-BE49-F238E27FC236}">
+                    <a16:creationId xmlns:a16="http://schemas.microsoft.com/office/drawing/2014/main" id="{D7D18F47-4091-4EE8-8D45-00C4707BE8EB}"/>
+                  </a:ext>
+                </a:extLst>
+              </p:cNvPr>
+              <p:cNvSpPr/>
+              <p:nvPr/>
+            </p:nvSpPr>
+            <p:spPr>
+              <a:xfrm>
+                <a:off x="6234160" y="823624"/>
+                <a:ext cx="1845350" cy="1845350"/>
+              </a:xfrm>
+              <a:prstGeom prst="ellipse">
+                <a:avLst/>
+              </a:prstGeom>
+              <a:solidFill>
+                <a:schemeClr val="accent5">
+                  <a:lumMod val="50000"/>
+                </a:schemeClr>
+              </a:solidFill>
+            </p:spPr>
+            <p:style>
+              <a:lnRef idx="2">
+                <a:schemeClr val="accent1">
+                  <a:shade val="50000"/>
+                </a:schemeClr>
+              </a:lnRef>
+              <a:fillRef idx="1">
+                <a:schemeClr val="accent1"/>
+              </a:fillRef>
+              <a:effectRef idx="0">
+                <a:schemeClr val="accent1"/>
+              </a:effectRef>
+              <a:fontRef idx="minor">
+                <a:schemeClr val="lt1"/>
+              </a:fontRef>
+            </p:style>
+            <p:txBody>
+              <a:bodyPr lIns="0" tIns="0" rtlCol="0" anchor="t"/>
+              <a:lstStyle/>
+              <a:p>
+                <a:endParaRPr lang="en-GB" sz="4400" b="1" dirty="0"/>
+              </a:p>
+            </p:txBody>
+          </p:sp>
+          <p:sp>
+            <p:nvSpPr>
+              <p:cNvPr id="23" name="TextBox 22">
+                <a:extLst>
+                  <a:ext uri="{FF2B5EF4-FFF2-40B4-BE49-F238E27FC236}">
+                    <a16:creationId xmlns:a16="http://schemas.microsoft.com/office/drawing/2014/main" id="{D9A5328F-FE5D-4B83-A1BF-F18644873BA5}"/>
+                  </a:ext>
+                </a:extLst>
+              </p:cNvPr>
+              <p:cNvSpPr txBox="1"/>
+              <p:nvPr/>
+            </p:nvSpPr>
+            <p:spPr>
+              <a:xfrm>
+                <a:off x="6919080" y="771331"/>
+                <a:ext cx="475510" cy="646331"/>
+              </a:xfrm>
+              <a:prstGeom prst="rect">
+                <a:avLst/>
+              </a:prstGeom>
+              <a:noFill/>
+            </p:spPr>
+            <p:txBody>
+              <a:bodyPr wrap="square" rtlCol="0">
+                <a:spAutoFit/>
+              </a:bodyPr>
+              <a:lstStyle/>
+              <a:p>
+                <a:pPr algn="ctr"/>
+                <a:r>
+                  <a:rPr lang="en-GB" sz="3600" b="1" dirty="0">
+                    <a:solidFill>
+                      <a:schemeClr val="bg2"/>
+                    </a:solidFill>
+                  </a:rPr>
+                  <a:t>4</a:t>
+                </a:r>
+              </a:p>
+            </p:txBody>
+          </p:sp>
+        </p:grpSp>
+        <p:pic>
+          <p:nvPicPr>
+            <p:cNvPr id="32" name="Picture 31">
+              <a:extLst>
+                <a:ext uri="{FF2B5EF4-FFF2-40B4-BE49-F238E27FC236}">
+                  <a16:creationId xmlns:a16="http://schemas.microsoft.com/office/drawing/2014/main" id="{2B17E324-03A9-4060-A0CD-92F0BFF601AB}"/>
+                </a:ext>
+              </a:extLst>
+            </p:cNvPr>
+            <p:cNvPicPr>
+              <a:picLocks noChangeAspect="1"/>
+            </p:cNvPicPr>
+            <p:nvPr/>
+          </p:nvPicPr>
+          <p:blipFill>
+            <a:blip r:embed="rId3">
+              <a:lum bright="70000" contrast="-70000"/>
+              <a:extLst>
+                <a:ext uri="{28A0092B-C50C-407E-A947-70E740481C1C}">
+                  <a14:useLocalDpi xmlns:a14="http://schemas.microsoft.com/office/drawing/2010/main" val="0"/>
+                </a:ext>
+              </a:extLst>
+            </a:blip>
+            <a:stretch>
+              <a:fillRect/>
+            </a:stretch>
+          </p:blipFill>
+          <p:spPr>
+            <a:xfrm>
+              <a:off x="9741701" y="1421387"/>
+              <a:ext cx="1140655" cy="1140655"/>
+            </a:xfrm>
+            <a:prstGeom prst="rect">
+              <a:avLst/>
+            </a:prstGeom>
+          </p:spPr>
+        </p:pic>
+      </p:grpSp>
+      <p:pic>
+        <p:nvPicPr>
+          <p:cNvPr id="35" name="Picture 34">
+            <a:extLst>
+              <a:ext uri="{FF2B5EF4-FFF2-40B4-BE49-F238E27FC236}">
+                <a16:creationId xmlns:a16="http://schemas.microsoft.com/office/drawing/2014/main" id="{D9532EA3-F3C3-4D1E-BA54-7DEB71871C18}"/>
+              </a:ext>
+            </a:extLst>
+          </p:cNvPr>
+          <p:cNvPicPr>
+            <a:picLocks noChangeAspect="1"/>
+          </p:cNvPicPr>
+          <p:nvPr/>
+        </p:nvPicPr>
+        <p:blipFill>
+          <a:blip r:embed="rId4">
+            <a:lum bright="70000" contrast="-70000"/>
+            <a:extLst>
+              <a:ext uri="{28A0092B-C50C-407E-A947-70E740481C1C}">
+                <a14:useLocalDpi xmlns:a14="http://schemas.microsoft.com/office/drawing/2010/main" val="0"/>
+              </a:ext>
+            </a:extLst>
+          </a:blip>
+          <a:stretch>
+            <a:fillRect/>
+          </a:stretch>
+        </p:blipFill>
+        <p:spPr>
+          <a:xfrm>
+            <a:off x="3935411" y="1450418"/>
+            <a:ext cx="959861" cy="959861"/>
+          </a:xfrm>
+          <a:prstGeom prst="rect">
+            <a:avLst/>
+          </a:prstGeom>
+        </p:spPr>
+      </p:pic>
+      <p:pic>
+        <p:nvPicPr>
+          <p:cNvPr id="4" name="Picture 3">
+            <a:extLst>
+              <a:ext uri="{FF2B5EF4-FFF2-40B4-BE49-F238E27FC236}">
+                <a16:creationId xmlns:a16="http://schemas.microsoft.com/office/drawing/2014/main" id="{7EB271BA-973D-439E-A8B2-73B6C085F383}"/>
+              </a:ext>
+            </a:extLst>
+          </p:cNvPr>
+          <p:cNvPicPr>
+            <a:picLocks noChangeAspect="1"/>
+          </p:cNvPicPr>
+          <p:nvPr/>
+        </p:nvPicPr>
+        <p:blipFill>
+          <a:blip r:embed="rId5">
+            <a:lum bright="70000" contrast="-70000"/>
+            <a:extLst>
+              <a:ext uri="{28A0092B-C50C-407E-A947-70E740481C1C}">
+                <a14:useLocalDpi xmlns:a14="http://schemas.microsoft.com/office/drawing/2010/main" val="0"/>
+              </a:ext>
+            </a:extLst>
+          </a:blip>
+          <a:stretch>
+            <a:fillRect/>
+          </a:stretch>
+        </p:blipFill>
+        <p:spPr>
+          <a:xfrm>
+            <a:off x="1047570" y="1417662"/>
+            <a:ext cx="1053206" cy="1053206"/>
+          </a:xfrm>
+          <a:prstGeom prst="rect">
+            <a:avLst/>
+          </a:prstGeom>
+        </p:spPr>
+      </p:pic>
+      <p:sp>
+        <p:nvSpPr>
+          <p:cNvPr id="31" name="TextBox 30">
+            <a:extLst>
+              <a:ext uri="{FF2B5EF4-FFF2-40B4-BE49-F238E27FC236}">
+                <a16:creationId xmlns:a16="http://schemas.microsoft.com/office/drawing/2014/main" id="{7EA74D73-3793-404D-AC5A-9889034704A6}"/>
+              </a:ext>
+            </a:extLst>
+          </p:cNvPr>
+          <p:cNvSpPr txBox="1"/>
+          <p:nvPr/>
+        </p:nvSpPr>
+        <p:spPr>
+          <a:xfrm>
+            <a:off x="3492667" y="3064906"/>
+            <a:ext cx="3296373" cy="523220"/>
+          </a:xfrm>
+          <a:prstGeom prst="rect">
+            <a:avLst/>
+          </a:prstGeom>
+          <a:noFill/>
+        </p:spPr>
+        <p:txBody>
+          <a:bodyPr wrap="square" rtlCol="0">
+            <a:spAutoFit/>
+          </a:bodyPr>
+          <a:lstStyle/>
+          <a:p>
+            <a:r>
+              <a:rPr lang="en-GB" sz="2800" b="1" dirty="0">
+                <a:solidFill>
+                  <a:schemeClr val="accent5">
+                    <a:lumMod val="50000"/>
+                  </a:schemeClr>
+                </a:solidFill>
+                <a:latin typeface="Bahnschrift SemiBold" panose="020B0502040204020203" pitchFamily="34" charset="0"/>
+              </a:rPr>
+              <a:t>GET request</a:t>
+            </a:r>
+          </a:p>
+        </p:txBody>
+      </p:sp>
+      <p:sp>
+        <p:nvSpPr>
+          <p:cNvPr id="34" name="TextBox 33">
+            <a:extLst>
+              <a:ext uri="{FF2B5EF4-FFF2-40B4-BE49-F238E27FC236}">
+                <a16:creationId xmlns:a16="http://schemas.microsoft.com/office/drawing/2014/main" id="{1EFC3218-AD91-475D-82A5-9C63CE2D7B59}"/>
+              </a:ext>
+            </a:extLst>
+          </p:cNvPr>
+          <p:cNvSpPr txBox="1"/>
+          <p:nvPr/>
+        </p:nvSpPr>
+        <p:spPr>
+          <a:xfrm>
+            <a:off x="6359251" y="3064905"/>
+            <a:ext cx="3296373" cy="830997"/>
+          </a:xfrm>
+          <a:prstGeom prst="rect">
+            <a:avLst/>
+          </a:prstGeom>
+          <a:noFill/>
+        </p:spPr>
+        <p:txBody>
+          <a:bodyPr wrap="square" rtlCol="0">
+            <a:spAutoFit/>
+          </a:bodyPr>
+          <a:lstStyle/>
+          <a:p>
+            <a:r>
+              <a:rPr lang="en-GB" sz="2800" b="1" dirty="0">
+                <a:solidFill>
+                  <a:schemeClr val="accent5">
+                    <a:lumMod val="50000"/>
+                  </a:schemeClr>
+                </a:solidFill>
+                <a:latin typeface="Bahnschrift SemiBold" panose="020B0502040204020203" pitchFamily="34" charset="0"/>
+              </a:rPr>
+              <a:t>Extract</a:t>
+            </a:r>
+          </a:p>
+          <a:p>
+            <a:r>
+              <a:rPr lang="en-GB" sz="2000" b="1" dirty="0">
+                <a:solidFill>
+                  <a:schemeClr val="tx1">
+                    <a:lumMod val="50000"/>
+                    <a:lumOff val="50000"/>
+                  </a:schemeClr>
+                </a:solidFill>
+                <a:latin typeface="Bahnschrift SemiBold" panose="020B0502040204020203" pitchFamily="34" charset="0"/>
+              </a:rPr>
+              <a:t>and parse content</a:t>
+            </a:r>
+          </a:p>
+        </p:txBody>
+      </p:sp>
+      <p:sp>
+        <p:nvSpPr>
+          <p:cNvPr id="36" name="TextBox 35">
+            <a:extLst>
+              <a:ext uri="{FF2B5EF4-FFF2-40B4-BE49-F238E27FC236}">
+                <a16:creationId xmlns:a16="http://schemas.microsoft.com/office/drawing/2014/main" id="{F6A48D41-0F9B-4088-A05D-18871D6CB335}"/>
+              </a:ext>
+            </a:extLst>
+          </p:cNvPr>
+          <p:cNvSpPr txBox="1"/>
+          <p:nvPr/>
+        </p:nvSpPr>
+        <p:spPr>
+          <a:xfrm>
+            <a:off x="9223544" y="3064905"/>
+            <a:ext cx="3296373" cy="830997"/>
+          </a:xfrm>
+          <a:prstGeom prst="rect">
+            <a:avLst/>
+          </a:prstGeom>
+          <a:noFill/>
+        </p:spPr>
+        <p:txBody>
+          <a:bodyPr wrap="square" rtlCol="0">
+            <a:spAutoFit/>
+          </a:bodyPr>
+          <a:lstStyle/>
+          <a:p>
+            <a:r>
+              <a:rPr lang="en-GB" sz="2800" b="1" dirty="0">
+                <a:solidFill>
+                  <a:schemeClr val="accent5">
+                    <a:lumMod val="50000"/>
+                  </a:schemeClr>
+                </a:solidFill>
+                <a:latin typeface="Bahnschrift SemiBold" panose="020B0502040204020203" pitchFamily="34" charset="0"/>
+              </a:rPr>
+              <a:t>Select</a:t>
+            </a:r>
+          </a:p>
+          <a:p>
+            <a:r>
+              <a:rPr lang="en-GB" sz="2000" b="1" dirty="0">
+                <a:solidFill>
+                  <a:schemeClr val="tx1">
+                    <a:lumMod val="50000"/>
+                    <a:lumOff val="50000"/>
+                  </a:schemeClr>
+                </a:solidFill>
+                <a:latin typeface="Bahnschrift SemiBold" panose="020B0502040204020203" pitchFamily="34" charset="0"/>
+              </a:rPr>
+              <a:t>the info you need</a:t>
+            </a:r>
+          </a:p>
+        </p:txBody>
+      </p:sp>
+      <p:sp>
+        <p:nvSpPr>
+          <p:cNvPr id="37" name="TextBox 36">
+            <a:extLst>
+              <a:ext uri="{FF2B5EF4-FFF2-40B4-BE49-F238E27FC236}">
+                <a16:creationId xmlns:a16="http://schemas.microsoft.com/office/drawing/2014/main" id="{CAC5BA7C-0BDB-4F5C-B3BA-2A01D8F0299B}"/>
+              </a:ext>
+            </a:extLst>
+          </p:cNvPr>
+          <p:cNvSpPr txBox="1"/>
+          <p:nvPr/>
+        </p:nvSpPr>
+        <p:spPr>
+          <a:xfrm>
+            <a:off x="626083" y="4421335"/>
+            <a:ext cx="3296373" cy="1015663"/>
+          </a:xfrm>
+          <a:prstGeom prst="rect">
+            <a:avLst/>
+          </a:prstGeom>
+          <a:noFill/>
+        </p:spPr>
+        <p:txBody>
+          <a:bodyPr wrap="square" rtlCol="0">
+            <a:spAutoFit/>
+          </a:bodyPr>
+          <a:lstStyle/>
+          <a:p>
+            <a:r>
+              <a:rPr lang="en-GB" sz="2000" dirty="0">
+                <a:solidFill>
+                  <a:schemeClr val="accent2">
+                    <a:lumMod val="75000"/>
+                  </a:schemeClr>
+                </a:solidFill>
+                <a:latin typeface="Lucida Console" panose="020B0609040504020204" pitchFamily="49" charset="0"/>
+              </a:rPr>
+              <a:t>paste0()</a:t>
+            </a:r>
+          </a:p>
+          <a:p>
+            <a:r>
+              <a:rPr lang="en-GB" sz="2000" dirty="0">
+                <a:solidFill>
+                  <a:schemeClr val="accent2">
+                    <a:lumMod val="75000"/>
+                  </a:schemeClr>
+                </a:solidFill>
+                <a:latin typeface="Lucida Console" panose="020B0609040504020204" pitchFamily="49" charset="0"/>
+              </a:rPr>
+              <a:t>list()</a:t>
+            </a:r>
+          </a:p>
+          <a:p>
+            <a:r>
+              <a:rPr lang="en-GB" sz="2000" dirty="0" err="1">
+                <a:solidFill>
+                  <a:schemeClr val="accent2">
+                    <a:lumMod val="75000"/>
+                  </a:schemeClr>
+                </a:solidFill>
+                <a:latin typeface="Lucida Console" panose="020B0609040504020204" pitchFamily="49" charset="0"/>
+              </a:rPr>
+              <a:t>httr</a:t>
+            </a:r>
+            <a:r>
+              <a:rPr lang="en-GB" sz="2000" dirty="0">
+                <a:solidFill>
+                  <a:schemeClr val="accent2">
+                    <a:lumMod val="75000"/>
+                  </a:schemeClr>
+                </a:solidFill>
+                <a:latin typeface="Lucida Console" panose="020B0609040504020204" pitchFamily="49" charset="0"/>
+              </a:rPr>
+              <a:t>::authenticate()</a:t>
+            </a:r>
+          </a:p>
+        </p:txBody>
+      </p:sp>
+      <p:sp>
+        <p:nvSpPr>
+          <p:cNvPr id="38" name="TextBox 37">
+            <a:extLst>
+              <a:ext uri="{FF2B5EF4-FFF2-40B4-BE49-F238E27FC236}">
+                <a16:creationId xmlns:a16="http://schemas.microsoft.com/office/drawing/2014/main" id="{151AAD26-6A58-4278-B4C0-5BE8F4E41A8A}"/>
+              </a:ext>
+            </a:extLst>
+          </p:cNvPr>
+          <p:cNvSpPr txBox="1"/>
+          <p:nvPr/>
+        </p:nvSpPr>
+        <p:spPr>
+          <a:xfrm>
+            <a:off x="3492667" y="4421335"/>
+            <a:ext cx="3296373" cy="400110"/>
+          </a:xfrm>
+          <a:prstGeom prst="rect">
+            <a:avLst/>
+          </a:prstGeom>
+          <a:noFill/>
+        </p:spPr>
+        <p:txBody>
+          <a:bodyPr wrap="square" rtlCol="0">
+            <a:spAutoFit/>
+          </a:bodyPr>
+          <a:lstStyle/>
+          <a:p>
+            <a:r>
+              <a:rPr lang="en-GB" sz="2000" dirty="0" err="1">
+                <a:solidFill>
+                  <a:schemeClr val="accent2">
+                    <a:lumMod val="75000"/>
+                  </a:schemeClr>
+                </a:solidFill>
+                <a:latin typeface="Lucida Console" panose="020B0609040504020204" pitchFamily="49" charset="0"/>
+              </a:rPr>
+              <a:t>httr</a:t>
+            </a:r>
+            <a:r>
+              <a:rPr lang="en-GB" sz="2000" dirty="0">
+                <a:solidFill>
+                  <a:schemeClr val="accent2">
+                    <a:lumMod val="75000"/>
+                  </a:schemeClr>
+                </a:solidFill>
+                <a:latin typeface="Lucida Console" panose="020B0609040504020204" pitchFamily="49" charset="0"/>
+              </a:rPr>
+              <a:t>::GET()</a:t>
+            </a:r>
+          </a:p>
+        </p:txBody>
+      </p:sp>
+      <p:sp>
+        <p:nvSpPr>
+          <p:cNvPr id="39" name="TextBox 38">
+            <a:extLst>
+              <a:ext uri="{FF2B5EF4-FFF2-40B4-BE49-F238E27FC236}">
+                <a16:creationId xmlns:a16="http://schemas.microsoft.com/office/drawing/2014/main" id="{9AC28CE3-31D9-45C7-8C21-AD1A05557242}"/>
+              </a:ext>
+            </a:extLst>
+          </p:cNvPr>
+          <p:cNvSpPr txBox="1"/>
+          <p:nvPr/>
+        </p:nvSpPr>
+        <p:spPr>
+          <a:xfrm>
+            <a:off x="6359251" y="4421334"/>
+            <a:ext cx="3296373" cy="400110"/>
+          </a:xfrm>
+          <a:prstGeom prst="rect">
+            <a:avLst/>
+          </a:prstGeom>
+          <a:noFill/>
+        </p:spPr>
+        <p:txBody>
+          <a:bodyPr wrap="square" rtlCol="0">
+            <a:spAutoFit/>
+          </a:bodyPr>
+          <a:lstStyle/>
+          <a:p>
+            <a:r>
+              <a:rPr lang="en-GB" sz="2000" dirty="0" err="1">
+                <a:solidFill>
+                  <a:schemeClr val="accent2">
+                    <a:lumMod val="75000"/>
+                  </a:schemeClr>
+                </a:solidFill>
+                <a:latin typeface="Lucida Console" panose="020B0609040504020204" pitchFamily="49" charset="0"/>
+              </a:rPr>
+              <a:t>httr</a:t>
+            </a:r>
+            <a:r>
+              <a:rPr lang="en-GB" sz="2000" dirty="0">
+                <a:solidFill>
+                  <a:schemeClr val="accent2">
+                    <a:lumMod val="75000"/>
+                  </a:schemeClr>
+                </a:solidFill>
+                <a:latin typeface="Lucida Console" panose="020B0609040504020204" pitchFamily="49" charset="0"/>
+              </a:rPr>
+              <a:t>:</a:t>
+            </a:r>
+            <a:r>
+              <a:rPr lang="en-GB" sz="2000" dirty="0">
+                <a:solidFill>
+                  <a:schemeClr val="accent2">
+                    <a:lumMod val="75000"/>
+                  </a:schemeClr>
+                </a:solidFill>
+                <a:latin typeface="Lucida Console" panose="020B0609040504020204" pitchFamily="49" charset="0"/>
+                <a:sym typeface="Wingdings" panose="05000000000000000000" pitchFamily="2" charset="2"/>
+              </a:rPr>
+              <a:t>:content()</a:t>
+            </a:r>
+            <a:endParaRPr lang="en-GB" sz="1600" dirty="0">
+              <a:solidFill>
+                <a:schemeClr val="accent2">
+                  <a:lumMod val="75000"/>
+                </a:schemeClr>
+              </a:solidFill>
+              <a:latin typeface="Lucida Console" panose="020B0609040504020204" pitchFamily="49" charset="0"/>
+            </a:endParaRPr>
+          </a:p>
+        </p:txBody>
+      </p:sp>
+      <p:sp>
+        <p:nvSpPr>
+          <p:cNvPr id="40" name="TextBox 39">
+            <a:extLst>
+              <a:ext uri="{FF2B5EF4-FFF2-40B4-BE49-F238E27FC236}">
+                <a16:creationId xmlns:a16="http://schemas.microsoft.com/office/drawing/2014/main" id="{8302F098-BABC-4664-96A1-3AB457A50833}"/>
+              </a:ext>
+            </a:extLst>
+          </p:cNvPr>
+          <p:cNvSpPr txBox="1"/>
+          <p:nvPr/>
+        </p:nvSpPr>
+        <p:spPr>
+          <a:xfrm>
+            <a:off x="9223544" y="4415482"/>
+            <a:ext cx="3296373" cy="400110"/>
+          </a:xfrm>
+          <a:prstGeom prst="rect">
+            <a:avLst/>
+          </a:prstGeom>
+          <a:noFill/>
+        </p:spPr>
+        <p:txBody>
+          <a:bodyPr wrap="square" rtlCol="0">
+            <a:spAutoFit/>
+          </a:bodyPr>
+          <a:lstStyle/>
+          <a:p>
+            <a:r>
+              <a:rPr lang="en-GB" sz="2000" dirty="0">
+                <a:solidFill>
+                  <a:schemeClr val="accent2">
+                    <a:lumMod val="75000"/>
+                  </a:schemeClr>
+                </a:solidFill>
+                <a:latin typeface="Lucida Console" panose="020B0609040504020204" pitchFamily="49" charset="0"/>
+              </a:rPr>
+              <a:t>list functions</a:t>
+            </a:r>
+          </a:p>
+        </p:txBody>
+      </p:sp>
+    </p:spTree>
+    <p:extLst>
+      <p:ext uri="{BB962C8B-B14F-4D97-AF65-F5344CB8AC3E}">
+        <p14:creationId xmlns:p14="http://schemas.microsoft.com/office/powerpoint/2010/main" val="2390251253"/>
+      </p:ext>
+    </p:extLst>
+  </p:cSld>
+  <p:clrMapOvr>
+    <a:masterClrMapping/>
+  </p:clrMapOvr>
+</p:sld>
+</file>
+
 <file path=ppt/theme/theme1.xml><?xml version="1.0" encoding="utf-8"?>
 <a:theme xmlns:a="http://schemas.openxmlformats.org/drawingml/2006/main" name="Office Theme">
   <a:themeElements>

--- a/images/Images_pptx.pptx
+++ b/images/Images_pptx.pptx
@@ -5,8 +5,13 @@
     <p:sldMasterId id="2147483648" r:id="rId1"/>
   </p:sldMasterIdLst>
   <p:sldIdLst>
-    <p:sldId id="259" r:id="rId2"/>
-    <p:sldId id="260" r:id="rId3"/>
+    <p:sldId id="262" r:id="rId2"/>
+    <p:sldId id="265" r:id="rId3"/>
+    <p:sldId id="266" r:id="rId4"/>
+    <p:sldId id="263" r:id="rId5"/>
+    <p:sldId id="268" r:id="rId6"/>
+    <p:sldId id="267" r:id="rId7"/>
+    <p:sldId id="264" r:id="rId8"/>
   </p:sldIdLst>
   <p:sldSz cx="12192000" cy="6858000"/>
   <p:notesSz cx="6858000" cy="9144000"/>
@@ -262,7 +267,7 @@
           <a:p>
             <a:fld id="{3E2FC8C7-FF0E-4FCF-804D-A269A90AB1E3}" type="datetimeFigureOut">
               <a:rPr lang="en-GB" smtClean="0"/>
-              <a:t>25/09/2018</a:t>
+              <a:t>26/09/2018</a:t>
             </a:fld>
             <a:endParaRPr lang="en-GB"/>
           </a:p>
@@ -462,7 +467,7 @@
           <a:p>
             <a:fld id="{3E2FC8C7-FF0E-4FCF-804D-A269A90AB1E3}" type="datetimeFigureOut">
               <a:rPr lang="en-GB" smtClean="0"/>
-              <a:t>25/09/2018</a:t>
+              <a:t>26/09/2018</a:t>
             </a:fld>
             <a:endParaRPr lang="en-GB"/>
           </a:p>
@@ -672,7 +677,7 @@
           <a:p>
             <a:fld id="{3E2FC8C7-FF0E-4FCF-804D-A269A90AB1E3}" type="datetimeFigureOut">
               <a:rPr lang="en-GB" smtClean="0"/>
-              <a:t>25/09/2018</a:t>
+              <a:t>26/09/2018</a:t>
             </a:fld>
             <a:endParaRPr lang="en-GB"/>
           </a:p>
@@ -872,7 +877,7 @@
           <a:p>
             <a:fld id="{3E2FC8C7-FF0E-4FCF-804D-A269A90AB1E3}" type="datetimeFigureOut">
               <a:rPr lang="en-GB" smtClean="0"/>
-              <a:t>25/09/2018</a:t>
+              <a:t>26/09/2018</a:t>
             </a:fld>
             <a:endParaRPr lang="en-GB"/>
           </a:p>
@@ -1148,7 +1153,7 @@
           <a:p>
             <a:fld id="{3E2FC8C7-FF0E-4FCF-804D-A269A90AB1E3}" type="datetimeFigureOut">
               <a:rPr lang="en-GB" smtClean="0"/>
-              <a:t>25/09/2018</a:t>
+              <a:t>26/09/2018</a:t>
             </a:fld>
             <a:endParaRPr lang="en-GB"/>
           </a:p>
@@ -1416,7 +1421,7 @@
           <a:p>
             <a:fld id="{3E2FC8C7-FF0E-4FCF-804D-A269A90AB1E3}" type="datetimeFigureOut">
               <a:rPr lang="en-GB" smtClean="0"/>
-              <a:t>25/09/2018</a:t>
+              <a:t>26/09/2018</a:t>
             </a:fld>
             <a:endParaRPr lang="en-GB"/>
           </a:p>
@@ -1831,7 +1836,7 @@
           <a:p>
             <a:fld id="{3E2FC8C7-FF0E-4FCF-804D-A269A90AB1E3}" type="datetimeFigureOut">
               <a:rPr lang="en-GB" smtClean="0"/>
-              <a:t>25/09/2018</a:t>
+              <a:t>26/09/2018</a:t>
             </a:fld>
             <a:endParaRPr lang="en-GB"/>
           </a:p>
@@ -1973,7 +1978,7 @@
           <a:p>
             <a:fld id="{3E2FC8C7-FF0E-4FCF-804D-A269A90AB1E3}" type="datetimeFigureOut">
               <a:rPr lang="en-GB" smtClean="0"/>
-              <a:t>25/09/2018</a:t>
+              <a:t>26/09/2018</a:t>
             </a:fld>
             <a:endParaRPr lang="en-GB"/>
           </a:p>
@@ -2086,7 +2091,7 @@
           <a:p>
             <a:fld id="{3E2FC8C7-FF0E-4FCF-804D-A269A90AB1E3}" type="datetimeFigureOut">
               <a:rPr lang="en-GB" smtClean="0"/>
-              <a:t>25/09/2018</a:t>
+              <a:t>26/09/2018</a:t>
             </a:fld>
             <a:endParaRPr lang="en-GB"/>
           </a:p>
@@ -2399,7 +2404,7 @@
           <a:p>
             <a:fld id="{3E2FC8C7-FF0E-4FCF-804D-A269A90AB1E3}" type="datetimeFigureOut">
               <a:rPr lang="en-GB" smtClean="0"/>
-              <a:t>25/09/2018</a:t>
+              <a:t>26/09/2018</a:t>
             </a:fld>
             <a:endParaRPr lang="en-GB"/>
           </a:p>
@@ -2688,7 +2693,7 @@
           <a:p>
             <a:fld id="{3E2FC8C7-FF0E-4FCF-804D-A269A90AB1E3}" type="datetimeFigureOut">
               <a:rPr lang="en-GB" smtClean="0"/>
-              <a:t>25/09/2018</a:t>
+              <a:t>26/09/2018</a:t>
             </a:fld>
             <a:endParaRPr lang="en-GB"/>
           </a:p>
@@ -2931,7 +2936,7 @@
           <a:p>
             <a:fld id="{3E2FC8C7-FF0E-4FCF-804D-A269A90AB1E3}" type="datetimeFigureOut">
               <a:rPr lang="en-GB" smtClean="0"/>
-              <a:t>25/09/2018</a:t>
+              <a:t>26/09/2018</a:t>
             </a:fld>
             <a:endParaRPr lang="en-GB"/>
           </a:p>
@@ -3350,100 +3355,352 @@
       </p:grpSpPr>
       <p:sp>
         <p:nvSpPr>
-          <p:cNvPr id="2" name="TextBox 1">
-            <a:extLst>
-              <a:ext uri="{FF2B5EF4-FFF2-40B4-BE49-F238E27FC236}">
-                <a16:creationId xmlns:a16="http://schemas.microsoft.com/office/drawing/2014/main" id="{68AFE84C-BED5-41A0-89EC-C78D3A049FFC}"/>
-              </a:ext>
-            </a:extLst>
-          </p:cNvPr>
-          <p:cNvSpPr txBox="1"/>
+          <p:cNvPr id="2" name="Title 1">
+            <a:extLst>
+              <a:ext uri="{FF2B5EF4-FFF2-40B4-BE49-F238E27FC236}">
+                <a16:creationId xmlns:a16="http://schemas.microsoft.com/office/drawing/2014/main" id="{3FFDA2FB-656E-4210-BED1-BCAE12A9504F}"/>
+              </a:ext>
+            </a:extLst>
+          </p:cNvPr>
+          <p:cNvSpPr>
+            <a:spLocks noGrp="1"/>
+          </p:cNvSpPr>
+          <p:nvPr>
+            <p:ph type="ctrTitle"/>
+          </p:nvPr>
+        </p:nvSpPr>
+        <p:spPr/>
+        <p:txBody>
+          <a:bodyPr/>
+          <a:lstStyle/>
+          <a:p>
+            <a:r>
+              <a:rPr lang="en-GB" dirty="0"/>
+              <a:t>API workflow</a:t>
+            </a:r>
+          </a:p>
+        </p:txBody>
+      </p:sp>
+      <p:sp>
+        <p:nvSpPr>
+          <p:cNvPr id="3" name="Subtitle 2">
+            <a:extLst>
+              <a:ext uri="{FF2B5EF4-FFF2-40B4-BE49-F238E27FC236}">
+                <a16:creationId xmlns:a16="http://schemas.microsoft.com/office/drawing/2014/main" id="{8778B39E-34FF-4CCD-A592-F7FC7DA2BED4}"/>
+              </a:ext>
+            </a:extLst>
+          </p:cNvPr>
+          <p:cNvSpPr>
+            <a:spLocks noGrp="1"/>
+          </p:cNvSpPr>
+          <p:nvPr>
+            <p:ph type="subTitle" idx="1"/>
+          </p:nvPr>
+        </p:nvSpPr>
+        <p:spPr/>
+        <p:txBody>
+          <a:bodyPr/>
+          <a:lstStyle/>
+          <a:p>
+            <a:endParaRPr lang="en-GB"/>
+          </a:p>
+        </p:txBody>
+      </p:sp>
+    </p:spTree>
+    <p:extLst>
+      <p:ext uri="{BB962C8B-B14F-4D97-AF65-F5344CB8AC3E}">
+        <p14:creationId xmlns:p14="http://schemas.microsoft.com/office/powerpoint/2010/main" val="730715341"/>
+      </p:ext>
+    </p:extLst>
+  </p:cSld>
+  <p:clrMapOvr>
+    <a:masterClrMapping/>
+  </p:clrMapOvr>
+</p:sld>
+</file>
+
+<file path=ppt/slides/slide2.xml><?xml version="1.0" encoding="utf-8"?>
+<p:sld xmlns:a="http://schemas.openxmlformats.org/drawingml/2006/main" xmlns:r="http://schemas.openxmlformats.org/officeDocument/2006/relationships" xmlns:p="http://schemas.openxmlformats.org/presentationml/2006/main">
+  <p:cSld>
+    <p:spTree>
+      <p:nvGrpSpPr>
+        <p:cNvPr id="1" name=""/>
+        <p:cNvGrpSpPr/>
+        <p:nvPr/>
+      </p:nvGrpSpPr>
+      <p:grpSpPr>
+        <a:xfrm>
+          <a:off x="0" y="0"/>
+          <a:ext cx="0" cy="0"/>
+          <a:chOff x="0" y="0"/>
+          <a:chExt cx="0" cy="0"/>
+        </a:xfrm>
+      </p:grpSpPr>
+      <p:grpSp>
+        <p:nvGrpSpPr>
+          <p:cNvPr id="3" name="Group 2">
+            <a:extLst>
+              <a:ext uri="{FF2B5EF4-FFF2-40B4-BE49-F238E27FC236}">
+                <a16:creationId xmlns:a16="http://schemas.microsoft.com/office/drawing/2014/main" id="{319E8B6A-88B5-49D9-B18D-3B383608CA48}"/>
+              </a:ext>
+            </a:extLst>
+          </p:cNvPr>
+          <p:cNvGrpSpPr/>
           <p:nvPr/>
-        </p:nvSpPr>
-        <p:spPr>
+        </p:nvGrpSpPr>
+        <p:grpSpPr>
           <a:xfrm>
-            <a:off x="626083" y="3064906"/>
-            <a:ext cx="3296373" cy="1138773"/>
+            <a:off x="626084" y="1452827"/>
+            <a:ext cx="11088589" cy="3432348"/>
+            <a:chOff x="626084" y="771331"/>
+            <a:chExt cx="11088589" cy="3432348"/>
           </a:xfrm>
-          <a:prstGeom prst="rect">
-            <a:avLst/>
-          </a:prstGeom>
-          <a:noFill/>
-        </p:spPr>
-        <p:txBody>
-          <a:bodyPr wrap="square" rtlCol="0">
-            <a:spAutoFit/>
-          </a:bodyPr>
-          <a:lstStyle/>
-          <a:p>
-            <a:r>
-              <a:rPr lang="en-GB" sz="2800" b="1" dirty="0">
+        </p:grpSpPr>
+        <p:grpSp>
+          <p:nvGrpSpPr>
+            <p:cNvPr id="40" name="Group 39">
+              <a:extLst>
+                <a:ext uri="{FF2B5EF4-FFF2-40B4-BE49-F238E27FC236}">
+                  <a16:creationId xmlns:a16="http://schemas.microsoft.com/office/drawing/2014/main" id="{6652D4A2-0118-4B0B-BBAE-A67D754C27F5}"/>
+                </a:ext>
+              </a:extLst>
+            </p:cNvPr>
+            <p:cNvGrpSpPr/>
+            <p:nvPr/>
+          </p:nvGrpSpPr>
+          <p:grpSpPr>
+            <a:xfrm>
+              <a:off x="3492666" y="771331"/>
+              <a:ext cx="1845350" cy="1897643"/>
+              <a:chOff x="3492667" y="771331"/>
+              <a:chExt cx="1845350" cy="1897643"/>
+            </a:xfrm>
+          </p:grpSpPr>
+          <p:grpSp>
+            <p:nvGrpSpPr>
+              <p:cNvPr id="41" name="Group 40">
+                <a:extLst>
+                  <a:ext uri="{FF2B5EF4-FFF2-40B4-BE49-F238E27FC236}">
+                    <a16:creationId xmlns:a16="http://schemas.microsoft.com/office/drawing/2014/main" id="{45FA5B66-C3C8-4AE1-BE1C-356869426101}"/>
+                  </a:ext>
+                </a:extLst>
+              </p:cNvPr>
+              <p:cNvGrpSpPr/>
+              <p:nvPr/>
+            </p:nvGrpSpPr>
+            <p:grpSpPr>
+              <a:xfrm>
+                <a:off x="3492667" y="771331"/>
+                <a:ext cx="1845350" cy="1897643"/>
+                <a:chOff x="6234160" y="771331"/>
+                <a:chExt cx="1845350" cy="1897643"/>
+              </a:xfrm>
+            </p:grpSpPr>
+            <p:sp>
+              <p:nvSpPr>
+                <p:cNvPr id="43" name="Oval 42">
+                  <a:extLst>
+                    <a:ext uri="{FF2B5EF4-FFF2-40B4-BE49-F238E27FC236}">
+                      <a16:creationId xmlns:a16="http://schemas.microsoft.com/office/drawing/2014/main" id="{82B6B0F0-3ADC-46CF-BDF1-63125E0F60CC}"/>
+                    </a:ext>
+                  </a:extLst>
+                </p:cNvPr>
+                <p:cNvSpPr/>
+                <p:nvPr/>
+              </p:nvSpPr>
+              <p:spPr>
+                <a:xfrm>
+                  <a:off x="6234160" y="823624"/>
+                  <a:ext cx="1845350" cy="1845350"/>
+                </a:xfrm>
+                <a:prstGeom prst="ellipse">
+                  <a:avLst/>
+                </a:prstGeom>
                 <a:solidFill>
                   <a:schemeClr val="accent5">
                     <a:lumMod val="50000"/>
                   </a:schemeClr>
                 </a:solidFill>
-                <a:latin typeface="Bahnschrift SemiBold" panose="020B0502040204020203" pitchFamily="34" charset="0"/>
-              </a:rPr>
-              <a:t>Prepare</a:t>
-            </a:r>
-          </a:p>
-          <a:p>
-            <a:r>
-              <a:rPr lang="en-GB" sz="2000" b="1" dirty="0">
-                <a:solidFill>
-                  <a:schemeClr val="tx1">
-                    <a:lumMod val="50000"/>
-                    <a:lumOff val="50000"/>
+              </p:spPr>
+              <p:style>
+                <a:lnRef idx="2">
+                  <a:schemeClr val="accent1">
+                    <a:shade val="50000"/>
                   </a:schemeClr>
-                </a:solidFill>
-                <a:latin typeface="Bahnschrift SemiBold" panose="020B0502040204020203" pitchFamily="34" charset="0"/>
-              </a:rPr>
-              <a:t>- URL construction</a:t>
-            </a:r>
-          </a:p>
-          <a:p>
-            <a:r>
-              <a:rPr lang="en-GB" sz="2000" b="1" dirty="0">
-                <a:solidFill>
-                  <a:schemeClr val="tx1">
-                    <a:lumMod val="50000"/>
-                    <a:lumOff val="50000"/>
-                  </a:schemeClr>
-                </a:solidFill>
-                <a:latin typeface="Bahnschrift SemiBold" panose="020B0502040204020203" pitchFamily="34" charset="0"/>
-              </a:rPr>
-              <a:t>- Authentication</a:t>
-            </a:r>
-          </a:p>
-        </p:txBody>
-      </p:sp>
-      <p:grpSp>
-        <p:nvGrpSpPr>
-          <p:cNvPr id="30" name="Group 29">
-            <a:extLst>
-              <a:ext uri="{FF2B5EF4-FFF2-40B4-BE49-F238E27FC236}">
-                <a16:creationId xmlns:a16="http://schemas.microsoft.com/office/drawing/2014/main" id="{373D3B2E-2894-494E-ABEE-CE8B86596058}"/>
-              </a:ext>
-            </a:extLst>
-          </p:cNvPr>
-          <p:cNvGrpSpPr/>
-          <p:nvPr/>
-        </p:nvGrpSpPr>
-        <p:grpSpPr>
-          <a:xfrm>
-            <a:off x="6358105" y="771331"/>
-            <a:ext cx="1845350" cy="1897643"/>
-            <a:chOff x="6358105" y="771331"/>
-            <a:chExt cx="1845350" cy="1897643"/>
-          </a:xfrm>
-        </p:grpSpPr>
+                </a:lnRef>
+                <a:fillRef idx="1">
+                  <a:schemeClr val="accent1"/>
+                </a:fillRef>
+                <a:effectRef idx="0">
+                  <a:schemeClr val="accent1"/>
+                </a:effectRef>
+                <a:fontRef idx="minor">
+                  <a:schemeClr val="lt1"/>
+                </a:fontRef>
+              </p:style>
+              <p:txBody>
+                <a:bodyPr lIns="0" tIns="0" rtlCol="0" anchor="t"/>
+                <a:lstStyle/>
+                <a:p>
+                  <a:endParaRPr lang="en-GB" sz="4400" b="1" dirty="0"/>
+                </a:p>
+              </p:txBody>
+            </p:sp>
+            <p:sp>
+              <p:nvSpPr>
+                <p:cNvPr id="44" name="TextBox 43">
+                  <a:extLst>
+                    <a:ext uri="{FF2B5EF4-FFF2-40B4-BE49-F238E27FC236}">
+                      <a16:creationId xmlns:a16="http://schemas.microsoft.com/office/drawing/2014/main" id="{13B0C8C4-5205-4731-A14E-43B31BD8F99B}"/>
+                    </a:ext>
+                  </a:extLst>
+                </p:cNvPr>
+                <p:cNvSpPr txBox="1"/>
+                <p:nvPr/>
+              </p:nvSpPr>
+              <p:spPr>
+                <a:xfrm>
+                  <a:off x="6919080" y="771331"/>
+                  <a:ext cx="475510" cy="646331"/>
+                </a:xfrm>
+                <a:prstGeom prst="rect">
+                  <a:avLst/>
+                </a:prstGeom>
+                <a:noFill/>
+              </p:spPr>
+              <p:txBody>
+                <a:bodyPr wrap="square" rtlCol="0">
+                  <a:spAutoFit/>
+                </a:bodyPr>
+                <a:lstStyle/>
+                <a:p>
+                  <a:pPr algn="ctr"/>
+                  <a:r>
+                    <a:rPr lang="en-GB" sz="3600" b="1" dirty="0">
+                      <a:solidFill>
+                        <a:schemeClr val="bg2"/>
+                      </a:solidFill>
+                    </a:rPr>
+                    <a:t>2</a:t>
+                  </a:r>
+                </a:p>
+              </p:txBody>
+            </p:sp>
+          </p:grpSp>
+          <p:pic>
+            <p:nvPicPr>
+              <p:cNvPr id="42" name="Picture 41">
+                <a:extLst>
+                  <a:ext uri="{FF2B5EF4-FFF2-40B4-BE49-F238E27FC236}">
+                    <a16:creationId xmlns:a16="http://schemas.microsoft.com/office/drawing/2014/main" id="{1D0086F7-E779-4940-99FB-190966BC63E8}"/>
+                  </a:ext>
+                </a:extLst>
+              </p:cNvPr>
+              <p:cNvPicPr>
+                <a:picLocks noChangeAspect="1"/>
+              </p:cNvPicPr>
+              <p:nvPr/>
+            </p:nvPicPr>
+            <p:blipFill>
+              <a:blip r:embed="rId2">
+                <a:lum bright="70000" contrast="-70000"/>
+                <a:extLst>
+                  <a:ext uri="{28A0092B-C50C-407E-A947-70E740481C1C}">
+                    <a14:useLocalDpi xmlns:a14="http://schemas.microsoft.com/office/drawing/2010/main" val="0"/>
+                  </a:ext>
+                </a:extLst>
+              </a:blip>
+              <a:stretch>
+                <a:fillRect/>
+              </a:stretch>
+            </p:blipFill>
+            <p:spPr>
+              <a:xfrm>
+                <a:off x="3935411" y="1450418"/>
+                <a:ext cx="959861" cy="959861"/>
+              </a:xfrm>
+              <a:prstGeom prst="rect">
+                <a:avLst/>
+              </a:prstGeom>
+            </p:spPr>
+          </p:pic>
+        </p:grpSp>
+        <p:sp>
+          <p:nvSpPr>
+            <p:cNvPr id="2" name="TextBox 1">
+              <a:extLst>
+                <a:ext uri="{FF2B5EF4-FFF2-40B4-BE49-F238E27FC236}">
+                  <a16:creationId xmlns:a16="http://schemas.microsoft.com/office/drawing/2014/main" id="{68AFE84C-BED5-41A0-89EC-C78D3A049FFC}"/>
+                </a:ext>
+              </a:extLst>
+            </p:cNvPr>
+            <p:cNvSpPr txBox="1"/>
+            <p:nvPr/>
+          </p:nvSpPr>
+          <p:spPr>
+            <a:xfrm>
+              <a:off x="626084" y="3064906"/>
+              <a:ext cx="2864294" cy="1138773"/>
+            </a:xfrm>
+            <a:prstGeom prst="rect">
+              <a:avLst/>
+            </a:prstGeom>
+            <a:noFill/>
+          </p:spPr>
+          <p:txBody>
+            <a:bodyPr wrap="square" rtlCol="0">
+              <a:spAutoFit/>
+            </a:bodyPr>
+            <a:lstStyle/>
+            <a:p>
+              <a:r>
+                <a:rPr lang="en-GB" sz="2800" b="1" dirty="0">
+                  <a:solidFill>
+                    <a:schemeClr val="accent5">
+                      <a:lumMod val="50000"/>
+                    </a:schemeClr>
+                  </a:solidFill>
+                  <a:latin typeface="Bahnschrift SemiBold" panose="020B0502040204020203" pitchFamily="34" charset="0"/>
+                </a:rPr>
+                <a:t>Prepare</a:t>
+              </a:r>
+            </a:p>
+            <a:p>
+              <a:r>
+                <a:rPr lang="en-GB" sz="2000" b="1" dirty="0">
+                  <a:solidFill>
+                    <a:schemeClr val="tx1">
+                      <a:lumMod val="50000"/>
+                      <a:lumOff val="50000"/>
+                    </a:schemeClr>
+                  </a:solidFill>
+                  <a:latin typeface="Bahnschrift SemiBold" panose="020B0502040204020203" pitchFamily="34" charset="0"/>
+                </a:rPr>
+                <a:t>- URL construction</a:t>
+              </a:r>
+            </a:p>
+            <a:p>
+              <a:r>
+                <a:rPr lang="en-GB" sz="2000" b="1" dirty="0">
+                  <a:solidFill>
+                    <a:schemeClr val="tx1">
+                      <a:lumMod val="50000"/>
+                      <a:lumOff val="50000"/>
+                    </a:schemeClr>
+                  </a:solidFill>
+                  <a:latin typeface="Bahnschrift SemiBold" panose="020B0502040204020203" pitchFamily="34" charset="0"/>
+                </a:rPr>
+                <a:t>- Authentication</a:t>
+              </a:r>
+            </a:p>
+          </p:txBody>
+        </p:sp>
         <p:grpSp>
           <p:nvGrpSpPr>
-            <p:cNvPr id="20" name="Group 19">
+            <p:cNvPr id="30" name="Group 29">
               <a:extLst>
                 <a:ext uri="{FF2B5EF4-FFF2-40B4-BE49-F238E27FC236}">
-                  <a16:creationId xmlns:a16="http://schemas.microsoft.com/office/drawing/2014/main" id="{354BA311-04C6-43D6-AF28-B5DD03A2FE32}"/>
+                  <a16:creationId xmlns:a16="http://schemas.microsoft.com/office/drawing/2014/main" id="{373D3B2E-2894-494E-ABEE-CE8B86596058}"/>
                 </a:ext>
               </a:extLst>
             </p:cNvPr>
@@ -3454,16 +3711,185 @@
             <a:xfrm>
               <a:off x="6358105" y="771331"/>
               <a:ext cx="1845350" cy="1897643"/>
+              <a:chOff x="6358105" y="771331"/>
+              <a:chExt cx="1845350" cy="1897643"/>
+            </a:xfrm>
+          </p:grpSpPr>
+          <p:grpSp>
+            <p:nvGrpSpPr>
+              <p:cNvPr id="20" name="Group 19">
+                <a:extLst>
+                  <a:ext uri="{FF2B5EF4-FFF2-40B4-BE49-F238E27FC236}">
+                    <a16:creationId xmlns:a16="http://schemas.microsoft.com/office/drawing/2014/main" id="{354BA311-04C6-43D6-AF28-B5DD03A2FE32}"/>
+                  </a:ext>
+                </a:extLst>
+              </p:cNvPr>
+              <p:cNvGrpSpPr/>
+              <p:nvPr/>
+            </p:nvGrpSpPr>
+            <p:grpSpPr>
+              <a:xfrm>
+                <a:off x="6358105" y="771331"/>
+                <a:ext cx="1845350" cy="1897643"/>
+                <a:chOff x="6234160" y="771331"/>
+                <a:chExt cx="1845350" cy="1897643"/>
+              </a:xfrm>
+            </p:grpSpPr>
+            <p:sp>
+              <p:nvSpPr>
+                <p:cNvPr id="16" name="Oval 15">
+                  <a:extLst>
+                    <a:ext uri="{FF2B5EF4-FFF2-40B4-BE49-F238E27FC236}">
+                      <a16:creationId xmlns:a16="http://schemas.microsoft.com/office/drawing/2014/main" id="{43814879-86D5-4678-A47C-2DA89D6F35EF}"/>
+                    </a:ext>
+                  </a:extLst>
+                </p:cNvPr>
+                <p:cNvSpPr/>
+                <p:nvPr/>
+              </p:nvSpPr>
+              <p:spPr>
+                <a:xfrm>
+                  <a:off x="6234160" y="823624"/>
+                  <a:ext cx="1845350" cy="1845350"/>
+                </a:xfrm>
+                <a:prstGeom prst="ellipse">
+                  <a:avLst/>
+                </a:prstGeom>
+                <a:solidFill>
+                  <a:schemeClr val="accent5">
+                    <a:lumMod val="50000"/>
+                  </a:schemeClr>
+                </a:solidFill>
+              </p:spPr>
+              <p:style>
+                <a:lnRef idx="2">
+                  <a:schemeClr val="accent1">
+                    <a:shade val="50000"/>
+                  </a:schemeClr>
+                </a:lnRef>
+                <a:fillRef idx="1">
+                  <a:schemeClr val="accent1"/>
+                </a:fillRef>
+                <a:effectRef idx="0">
+                  <a:schemeClr val="accent1"/>
+                </a:effectRef>
+                <a:fontRef idx="minor">
+                  <a:schemeClr val="lt1"/>
+                </a:fontRef>
+              </p:style>
+              <p:txBody>
+                <a:bodyPr lIns="0" tIns="0" rtlCol="0" anchor="t"/>
+                <a:lstStyle/>
+                <a:p>
+                  <a:endParaRPr lang="en-GB" sz="4400" b="1" dirty="0"/>
+                </a:p>
+              </p:txBody>
+            </p:sp>
+            <p:sp>
+              <p:nvSpPr>
+                <p:cNvPr id="19" name="TextBox 18">
+                  <a:extLst>
+                    <a:ext uri="{FF2B5EF4-FFF2-40B4-BE49-F238E27FC236}">
+                      <a16:creationId xmlns:a16="http://schemas.microsoft.com/office/drawing/2014/main" id="{3BBB027C-677B-4C11-8E8E-1BDC6FED0456}"/>
+                    </a:ext>
+                  </a:extLst>
+                </p:cNvPr>
+                <p:cNvSpPr txBox="1"/>
+                <p:nvPr/>
+              </p:nvSpPr>
+              <p:spPr>
+                <a:xfrm>
+                  <a:off x="6919080" y="771331"/>
+                  <a:ext cx="475510" cy="646331"/>
+                </a:xfrm>
+                <a:prstGeom prst="rect">
+                  <a:avLst/>
+                </a:prstGeom>
+                <a:noFill/>
+              </p:spPr>
+              <p:txBody>
+                <a:bodyPr wrap="square" rtlCol="0">
+                  <a:spAutoFit/>
+                </a:bodyPr>
+                <a:lstStyle/>
+                <a:p>
+                  <a:pPr algn="ctr"/>
+                  <a:r>
+                    <a:rPr lang="en-GB" sz="3600" b="1" dirty="0">
+                      <a:solidFill>
+                        <a:schemeClr val="bg2"/>
+                      </a:solidFill>
+                    </a:rPr>
+                    <a:t>3</a:t>
+                  </a:r>
+                </a:p>
+              </p:txBody>
+            </p:sp>
+          </p:grpSp>
+          <p:pic>
+            <p:nvPicPr>
+              <p:cNvPr id="14" name="Picture 13">
+                <a:extLst>
+                  <a:ext uri="{FF2B5EF4-FFF2-40B4-BE49-F238E27FC236}">
+                    <a16:creationId xmlns:a16="http://schemas.microsoft.com/office/drawing/2014/main" id="{3BC8B2E2-8E65-4BAA-BAC8-D75671F16041}"/>
+                  </a:ext>
+                </a:extLst>
+              </p:cNvPr>
+              <p:cNvPicPr>
+                <a:picLocks noChangeAspect="1"/>
+              </p:cNvPicPr>
+              <p:nvPr/>
+            </p:nvPicPr>
+            <p:blipFill>
+              <a:blip r:embed="rId3">
+                <a:lum bright="70000" contrast="-70000"/>
+                <a:extLst>
+                  <a:ext uri="{28A0092B-C50C-407E-A947-70E740481C1C}">
+                    <a14:useLocalDpi xmlns:a14="http://schemas.microsoft.com/office/drawing/2010/main" val="0"/>
+                  </a:ext>
+                </a:extLst>
+              </a:blip>
+              <a:stretch>
+                <a:fillRect/>
+              </a:stretch>
+            </p:blipFill>
+            <p:spPr>
+              <a:xfrm>
+                <a:off x="6639459" y="1257182"/>
+                <a:ext cx="1282642" cy="1282642"/>
+              </a:xfrm>
+              <a:prstGeom prst="rect">
+                <a:avLst/>
+              </a:prstGeom>
+            </p:spPr>
+          </p:pic>
+        </p:grpSp>
+        <p:grpSp>
+          <p:nvGrpSpPr>
+            <p:cNvPr id="27" name="Group 26">
+              <a:extLst>
+                <a:ext uri="{FF2B5EF4-FFF2-40B4-BE49-F238E27FC236}">
+                  <a16:creationId xmlns:a16="http://schemas.microsoft.com/office/drawing/2014/main" id="{B40C5B48-CED0-43DB-9FB4-219805F0DDA4}"/>
+                </a:ext>
+              </a:extLst>
+            </p:cNvPr>
+            <p:cNvGrpSpPr/>
+            <p:nvPr/>
+          </p:nvGrpSpPr>
+          <p:grpSpPr>
+            <a:xfrm>
+              <a:off x="627229" y="771331"/>
+              <a:ext cx="1845350" cy="1897643"/>
               <a:chOff x="6234160" y="771331"/>
               <a:chExt cx="1845350" cy="1897643"/>
             </a:xfrm>
           </p:grpSpPr>
           <p:sp>
             <p:nvSpPr>
-              <p:cNvPr id="16" name="Oval 15">
+              <p:cNvPr id="28" name="Oval 27">
                 <a:extLst>
                   <a:ext uri="{FF2B5EF4-FFF2-40B4-BE49-F238E27FC236}">
-                    <a16:creationId xmlns:a16="http://schemas.microsoft.com/office/drawing/2014/main" id="{43814879-86D5-4678-A47C-2DA89D6F35EF}"/>
+                    <a16:creationId xmlns:a16="http://schemas.microsoft.com/office/drawing/2014/main" id="{020281FB-ACCA-4677-92AC-9F440FF9C64B}"/>
                   </a:ext>
                 </a:extLst>
               </p:cNvPr>
@@ -3510,10 +3936,10 @@
           </p:sp>
           <p:sp>
             <p:nvSpPr>
-              <p:cNvPr id="19" name="TextBox 18">
+              <p:cNvPr id="29" name="TextBox 28">
                 <a:extLst>
                   <a:ext uri="{FF2B5EF4-FFF2-40B4-BE49-F238E27FC236}">
-                    <a16:creationId xmlns:a16="http://schemas.microsoft.com/office/drawing/2014/main" id="{3BBB027C-677B-4C11-8E8E-1BDC6FED0456}"/>
+                    <a16:creationId xmlns:a16="http://schemas.microsoft.com/office/drawing/2014/main" id="{73DAD7B5-3EF1-4B88-95CB-CCEAEDF5A1D1}"/>
                   </a:ext>
                 </a:extLst>
               </p:cNvPr>
@@ -3543,18 +3969,187 @@
                       <a:schemeClr val="bg2"/>
                     </a:solidFill>
                   </a:rPr>
-                  <a:t>3</a:t>
+                  <a:t>1</a:t>
                 </a:r>
               </a:p>
             </p:txBody>
           </p:sp>
         </p:grpSp>
+        <p:grpSp>
+          <p:nvGrpSpPr>
+            <p:cNvPr id="33" name="Group 32">
+              <a:extLst>
+                <a:ext uri="{FF2B5EF4-FFF2-40B4-BE49-F238E27FC236}">
+                  <a16:creationId xmlns:a16="http://schemas.microsoft.com/office/drawing/2014/main" id="{1F5607C2-86B4-4CCF-8690-E32D8D2D2FEC}"/>
+                </a:ext>
+              </a:extLst>
+            </p:cNvPr>
+            <p:cNvGrpSpPr/>
+            <p:nvPr/>
+          </p:nvGrpSpPr>
+          <p:grpSpPr>
+            <a:xfrm>
+              <a:off x="9223544" y="771331"/>
+              <a:ext cx="1845350" cy="1897643"/>
+              <a:chOff x="9223544" y="771331"/>
+              <a:chExt cx="1845350" cy="1897643"/>
+            </a:xfrm>
+          </p:grpSpPr>
+          <p:grpSp>
+            <p:nvGrpSpPr>
+              <p:cNvPr id="21" name="Group 20">
+                <a:extLst>
+                  <a:ext uri="{FF2B5EF4-FFF2-40B4-BE49-F238E27FC236}">
+                    <a16:creationId xmlns:a16="http://schemas.microsoft.com/office/drawing/2014/main" id="{7B64E8D8-6386-4163-A432-2BD1A679EEDB}"/>
+                  </a:ext>
+                </a:extLst>
+              </p:cNvPr>
+              <p:cNvGrpSpPr/>
+              <p:nvPr/>
+            </p:nvGrpSpPr>
+            <p:grpSpPr>
+              <a:xfrm>
+                <a:off x="9223544" y="771331"/>
+                <a:ext cx="1845350" cy="1897643"/>
+                <a:chOff x="6234160" y="771331"/>
+                <a:chExt cx="1845350" cy="1897643"/>
+              </a:xfrm>
+            </p:grpSpPr>
+            <p:sp>
+              <p:nvSpPr>
+                <p:cNvPr id="22" name="Oval 21">
+                  <a:extLst>
+                    <a:ext uri="{FF2B5EF4-FFF2-40B4-BE49-F238E27FC236}">
+                      <a16:creationId xmlns:a16="http://schemas.microsoft.com/office/drawing/2014/main" id="{D7D18F47-4091-4EE8-8D45-00C4707BE8EB}"/>
+                    </a:ext>
+                  </a:extLst>
+                </p:cNvPr>
+                <p:cNvSpPr/>
+                <p:nvPr/>
+              </p:nvSpPr>
+              <p:spPr>
+                <a:xfrm>
+                  <a:off x="6234160" y="823624"/>
+                  <a:ext cx="1845350" cy="1845350"/>
+                </a:xfrm>
+                <a:prstGeom prst="ellipse">
+                  <a:avLst/>
+                </a:prstGeom>
+                <a:solidFill>
+                  <a:schemeClr val="accent5">
+                    <a:lumMod val="50000"/>
+                  </a:schemeClr>
+                </a:solidFill>
+              </p:spPr>
+              <p:style>
+                <a:lnRef idx="2">
+                  <a:schemeClr val="accent1">
+                    <a:shade val="50000"/>
+                  </a:schemeClr>
+                </a:lnRef>
+                <a:fillRef idx="1">
+                  <a:schemeClr val="accent1"/>
+                </a:fillRef>
+                <a:effectRef idx="0">
+                  <a:schemeClr val="accent1"/>
+                </a:effectRef>
+                <a:fontRef idx="minor">
+                  <a:schemeClr val="lt1"/>
+                </a:fontRef>
+              </p:style>
+              <p:txBody>
+                <a:bodyPr lIns="0" tIns="0" rtlCol="0" anchor="t"/>
+                <a:lstStyle/>
+                <a:p>
+                  <a:endParaRPr lang="en-GB" sz="4400" b="1" dirty="0"/>
+                </a:p>
+              </p:txBody>
+            </p:sp>
+            <p:sp>
+              <p:nvSpPr>
+                <p:cNvPr id="23" name="TextBox 22">
+                  <a:extLst>
+                    <a:ext uri="{FF2B5EF4-FFF2-40B4-BE49-F238E27FC236}">
+                      <a16:creationId xmlns:a16="http://schemas.microsoft.com/office/drawing/2014/main" id="{D9A5328F-FE5D-4B83-A1BF-F18644873BA5}"/>
+                    </a:ext>
+                  </a:extLst>
+                </p:cNvPr>
+                <p:cNvSpPr txBox="1"/>
+                <p:nvPr/>
+              </p:nvSpPr>
+              <p:spPr>
+                <a:xfrm>
+                  <a:off x="6919080" y="771331"/>
+                  <a:ext cx="475510" cy="646331"/>
+                </a:xfrm>
+                <a:prstGeom prst="rect">
+                  <a:avLst/>
+                </a:prstGeom>
+                <a:noFill/>
+              </p:spPr>
+              <p:txBody>
+                <a:bodyPr wrap="square" rtlCol="0">
+                  <a:spAutoFit/>
+                </a:bodyPr>
+                <a:lstStyle/>
+                <a:p>
+                  <a:pPr algn="ctr"/>
+                  <a:r>
+                    <a:rPr lang="en-GB" sz="3600" b="1" dirty="0">
+                      <a:solidFill>
+                        <a:schemeClr val="bg2"/>
+                      </a:solidFill>
+                    </a:rPr>
+                    <a:t>4</a:t>
+                  </a:r>
+                </a:p>
+              </p:txBody>
+            </p:sp>
+          </p:grpSp>
+          <p:pic>
+            <p:nvPicPr>
+              <p:cNvPr id="32" name="Picture 31">
+                <a:extLst>
+                  <a:ext uri="{FF2B5EF4-FFF2-40B4-BE49-F238E27FC236}">
+                    <a16:creationId xmlns:a16="http://schemas.microsoft.com/office/drawing/2014/main" id="{2B17E324-03A9-4060-A0CD-92F0BFF601AB}"/>
+                  </a:ext>
+                </a:extLst>
+              </p:cNvPr>
+              <p:cNvPicPr>
+                <a:picLocks noChangeAspect="1"/>
+              </p:cNvPicPr>
+              <p:nvPr/>
+            </p:nvPicPr>
+            <p:blipFill>
+              <a:blip r:embed="rId4">
+                <a:lum bright="70000" contrast="-70000"/>
+                <a:extLst>
+                  <a:ext uri="{28A0092B-C50C-407E-A947-70E740481C1C}">
+                    <a14:useLocalDpi xmlns:a14="http://schemas.microsoft.com/office/drawing/2010/main" val="0"/>
+                  </a:ext>
+                </a:extLst>
+              </a:blip>
+              <a:stretch>
+                <a:fillRect/>
+              </a:stretch>
+            </p:blipFill>
+            <p:spPr>
+              <a:xfrm>
+                <a:off x="9741701" y="1421387"/>
+                <a:ext cx="1140655" cy="1140655"/>
+              </a:xfrm>
+              <a:prstGeom prst="rect">
+                <a:avLst/>
+              </a:prstGeom>
+            </p:spPr>
+          </p:pic>
+        </p:grpSp>
         <p:pic>
           <p:nvPicPr>
-            <p:cNvPr id="14" name="Picture 13">
+            <p:cNvPr id="4" name="Picture 3">
               <a:extLst>
                 <a:ext uri="{FF2B5EF4-FFF2-40B4-BE49-F238E27FC236}">
-                  <a16:creationId xmlns:a16="http://schemas.microsoft.com/office/drawing/2014/main" id="{3BC8B2E2-8E65-4BAA-BAC8-D75671F16041}"/>
+                  <a16:creationId xmlns:a16="http://schemas.microsoft.com/office/drawing/2014/main" id="{7EB271BA-973D-439E-A8B2-73B6C085F383}"/>
                 </a:ext>
               </a:extLst>
             </p:cNvPr>
@@ -3564,7 +4159,7 @@
             <p:nvPr/>
           </p:nvPicPr>
           <p:blipFill>
-            <a:blip r:embed="rId2">
+            <a:blip r:embed="rId5">
               <a:lum bright="70000" contrast="-70000"/>
               <a:extLst>
                 <a:ext uri="{28A0092B-C50C-407E-A947-70E740481C1C}">
@@ -3578,91 +4173,20 @@
           </p:blipFill>
           <p:spPr>
             <a:xfrm>
-              <a:off x="6639459" y="1257182"/>
-              <a:ext cx="1282642" cy="1282642"/>
+              <a:off x="1047570" y="1417662"/>
+              <a:ext cx="1053206" cy="1053206"/>
             </a:xfrm>
             <a:prstGeom prst="rect">
               <a:avLst/>
             </a:prstGeom>
           </p:spPr>
         </p:pic>
-      </p:grpSp>
-      <p:grpSp>
-        <p:nvGrpSpPr>
-          <p:cNvPr id="24" name="Group 23">
-            <a:extLst>
-              <a:ext uri="{FF2B5EF4-FFF2-40B4-BE49-F238E27FC236}">
-                <a16:creationId xmlns:a16="http://schemas.microsoft.com/office/drawing/2014/main" id="{3DFE517D-E332-496B-AD81-3D2C386F2180}"/>
-              </a:ext>
-            </a:extLst>
-          </p:cNvPr>
-          <p:cNvGrpSpPr/>
-          <p:nvPr/>
-        </p:nvGrpSpPr>
-        <p:grpSpPr>
-          <a:xfrm>
-            <a:off x="3492667" y="771331"/>
-            <a:ext cx="1845350" cy="1897643"/>
-            <a:chOff x="6234160" y="771331"/>
-            <a:chExt cx="1845350" cy="1897643"/>
-          </a:xfrm>
-        </p:grpSpPr>
         <p:sp>
           <p:nvSpPr>
-            <p:cNvPr id="25" name="Oval 24">
+            <p:cNvPr id="31" name="TextBox 30">
               <a:extLst>
                 <a:ext uri="{FF2B5EF4-FFF2-40B4-BE49-F238E27FC236}">
-                  <a16:creationId xmlns:a16="http://schemas.microsoft.com/office/drawing/2014/main" id="{11C88686-0763-441C-BF0F-B2096B638356}"/>
-                </a:ext>
-              </a:extLst>
-            </p:cNvPr>
-            <p:cNvSpPr/>
-            <p:nvPr/>
-          </p:nvSpPr>
-          <p:spPr>
-            <a:xfrm>
-              <a:off x="6234160" y="823624"/>
-              <a:ext cx="1845350" cy="1845350"/>
-            </a:xfrm>
-            <a:prstGeom prst="ellipse">
-              <a:avLst/>
-            </a:prstGeom>
-            <a:solidFill>
-              <a:schemeClr val="accent5">
-                <a:lumMod val="50000"/>
-              </a:schemeClr>
-            </a:solidFill>
-          </p:spPr>
-          <p:style>
-            <a:lnRef idx="2">
-              <a:schemeClr val="accent1">
-                <a:shade val="50000"/>
-              </a:schemeClr>
-            </a:lnRef>
-            <a:fillRef idx="1">
-              <a:schemeClr val="accent1"/>
-            </a:fillRef>
-            <a:effectRef idx="0">
-              <a:schemeClr val="accent1"/>
-            </a:effectRef>
-            <a:fontRef idx="minor">
-              <a:schemeClr val="lt1"/>
-            </a:fontRef>
-          </p:style>
-          <p:txBody>
-            <a:bodyPr lIns="0" tIns="0" rtlCol="0" anchor="t"/>
-            <a:lstStyle/>
-            <a:p>
-              <a:endParaRPr lang="en-GB" sz="4400" b="1" dirty="0"/>
-            </a:p>
-          </p:txBody>
-        </p:sp>
-        <p:sp>
-          <p:nvSpPr>
-            <p:cNvPr id="26" name="TextBox 25">
-              <a:extLst>
-                <a:ext uri="{FF2B5EF4-FFF2-40B4-BE49-F238E27FC236}">
-                  <a16:creationId xmlns:a16="http://schemas.microsoft.com/office/drawing/2014/main" id="{5A4237AF-BEA9-4C01-AF30-FD50F9EBDF02}"/>
+                  <a16:creationId xmlns:a16="http://schemas.microsoft.com/office/drawing/2014/main" id="{7EA74D73-3793-404D-AC5A-9889034704A6}"/>
                 </a:ext>
               </a:extLst>
             </p:cNvPr>
@@ -3671,8 +4195,8 @@
           </p:nvSpPr>
           <p:spPr>
             <a:xfrm>
-              <a:off x="6919080" y="771331"/>
-              <a:ext cx="475510" cy="646331"/>
+              <a:off x="3492668" y="3064906"/>
+              <a:ext cx="2770110" cy="523220"/>
             </a:xfrm>
             <a:prstGeom prst="rect">
               <a:avLst/>
@@ -3685,95 +4209,26 @@
             </a:bodyPr>
             <a:lstStyle/>
             <a:p>
-              <a:pPr algn="ctr"/>
               <a:r>
-                <a:rPr lang="en-GB" sz="3600" b="1" dirty="0">
+                <a:rPr lang="en-GB" sz="2800" b="1" dirty="0">
                   <a:solidFill>
-                    <a:schemeClr val="bg2"/>
+                    <a:schemeClr val="accent5">
+                      <a:lumMod val="50000"/>
+                    </a:schemeClr>
                   </a:solidFill>
+                  <a:latin typeface="Bahnschrift SemiBold" panose="020B0502040204020203" pitchFamily="34" charset="0"/>
                 </a:rPr>
-                <a:t>2</a:t>
+                <a:t>GET request</a:t>
               </a:r>
-            </a:p>
-          </p:txBody>
-        </p:sp>
-      </p:grpSp>
-      <p:grpSp>
-        <p:nvGrpSpPr>
-          <p:cNvPr id="27" name="Group 26">
-            <a:extLst>
-              <a:ext uri="{FF2B5EF4-FFF2-40B4-BE49-F238E27FC236}">
-                <a16:creationId xmlns:a16="http://schemas.microsoft.com/office/drawing/2014/main" id="{B40C5B48-CED0-43DB-9FB4-219805F0DDA4}"/>
-              </a:ext>
-            </a:extLst>
-          </p:cNvPr>
-          <p:cNvGrpSpPr/>
-          <p:nvPr/>
-        </p:nvGrpSpPr>
-        <p:grpSpPr>
-          <a:xfrm>
-            <a:off x="627229" y="771331"/>
-            <a:ext cx="1845350" cy="1897643"/>
-            <a:chOff x="6234160" y="771331"/>
-            <a:chExt cx="1845350" cy="1897643"/>
-          </a:xfrm>
-        </p:grpSpPr>
-        <p:sp>
-          <p:nvSpPr>
-            <p:cNvPr id="28" name="Oval 27">
-              <a:extLst>
-                <a:ext uri="{FF2B5EF4-FFF2-40B4-BE49-F238E27FC236}">
-                  <a16:creationId xmlns:a16="http://schemas.microsoft.com/office/drawing/2014/main" id="{020281FB-ACCA-4677-92AC-9F440FF9C64B}"/>
-                </a:ext>
-              </a:extLst>
-            </p:cNvPr>
-            <p:cNvSpPr/>
-            <p:nvPr/>
-          </p:nvSpPr>
-          <p:spPr>
-            <a:xfrm>
-              <a:off x="6234160" y="823624"/>
-              <a:ext cx="1845350" cy="1845350"/>
-            </a:xfrm>
-            <a:prstGeom prst="ellipse">
-              <a:avLst/>
-            </a:prstGeom>
-            <a:solidFill>
-              <a:schemeClr val="accent5">
-                <a:lumMod val="50000"/>
-              </a:schemeClr>
-            </a:solidFill>
-          </p:spPr>
-          <p:style>
-            <a:lnRef idx="2">
-              <a:schemeClr val="accent1">
-                <a:shade val="50000"/>
-              </a:schemeClr>
-            </a:lnRef>
-            <a:fillRef idx="1">
-              <a:schemeClr val="accent1"/>
-            </a:fillRef>
-            <a:effectRef idx="0">
-              <a:schemeClr val="accent1"/>
-            </a:effectRef>
-            <a:fontRef idx="minor">
-              <a:schemeClr val="lt1"/>
-            </a:fontRef>
-          </p:style>
-          <p:txBody>
-            <a:bodyPr lIns="0" tIns="0" rtlCol="0" anchor="t"/>
-            <a:lstStyle/>
-            <a:p>
-              <a:endParaRPr lang="en-GB" sz="4400" b="1" dirty="0"/>
             </a:p>
           </p:txBody>
         </p:sp>
         <p:sp>
           <p:nvSpPr>
-            <p:cNvPr id="29" name="TextBox 28">
+            <p:cNvPr id="34" name="TextBox 33">
               <a:extLst>
                 <a:ext uri="{FF2B5EF4-FFF2-40B4-BE49-F238E27FC236}">
-                  <a16:creationId xmlns:a16="http://schemas.microsoft.com/office/drawing/2014/main" id="{73DAD7B5-3EF1-4B88-95CB-CCEAEDF5A1D1}"/>
+                  <a16:creationId xmlns:a16="http://schemas.microsoft.com/office/drawing/2014/main" id="{1EFC3218-AD91-475D-82A5-9C63CE2D7B59}"/>
                 </a:ext>
               </a:extLst>
             </p:cNvPr>
@@ -3782,8 +4237,8 @@
           </p:nvSpPr>
           <p:spPr>
             <a:xfrm>
-              <a:off x="6919080" y="771331"/>
-              <a:ext cx="475510" cy="646331"/>
+              <a:off x="6359251" y="3064905"/>
+              <a:ext cx="2864293" cy="830997"/>
             </a:xfrm>
             <a:prstGeom prst="rect">
               <a:avLst/>
@@ -3796,25 +4251,284 @@
             </a:bodyPr>
             <a:lstStyle/>
             <a:p>
-              <a:pPr algn="ctr"/>
               <a:r>
-                <a:rPr lang="en-GB" sz="3600" b="1" dirty="0">
+                <a:rPr lang="en-GB" sz="2800" b="1" dirty="0">
                   <a:solidFill>
-                    <a:schemeClr val="bg2"/>
+                    <a:schemeClr val="accent5">
+                      <a:lumMod val="50000"/>
+                    </a:schemeClr>
                   </a:solidFill>
+                  <a:latin typeface="Bahnschrift SemiBold" panose="020B0502040204020203" pitchFamily="34" charset="0"/>
                 </a:rPr>
-                <a:t>1</a:t>
+                <a:t>Extract</a:t>
+              </a:r>
+            </a:p>
+            <a:p>
+              <a:r>
+                <a:rPr lang="en-GB" sz="2000" b="1" dirty="0">
+                  <a:solidFill>
+                    <a:schemeClr val="tx1">
+                      <a:lumMod val="50000"/>
+                      <a:lumOff val="50000"/>
+                    </a:schemeClr>
+                  </a:solidFill>
+                  <a:latin typeface="Bahnschrift SemiBold" panose="020B0502040204020203" pitchFamily="34" charset="0"/>
+                </a:rPr>
+                <a:t>and parse content</a:t>
+              </a:r>
+            </a:p>
+          </p:txBody>
+        </p:sp>
+        <p:sp>
+          <p:nvSpPr>
+            <p:cNvPr id="36" name="TextBox 35">
+              <a:extLst>
+                <a:ext uri="{FF2B5EF4-FFF2-40B4-BE49-F238E27FC236}">
+                  <a16:creationId xmlns:a16="http://schemas.microsoft.com/office/drawing/2014/main" id="{F6A48D41-0F9B-4088-A05D-18871D6CB335}"/>
+                </a:ext>
+              </a:extLst>
+            </p:cNvPr>
+            <p:cNvSpPr txBox="1"/>
+            <p:nvPr/>
+          </p:nvSpPr>
+          <p:spPr>
+            <a:xfrm>
+              <a:off x="9223545" y="3064905"/>
+              <a:ext cx="2491128" cy="830997"/>
+            </a:xfrm>
+            <a:prstGeom prst="rect">
+              <a:avLst/>
+            </a:prstGeom>
+            <a:noFill/>
+          </p:spPr>
+          <p:txBody>
+            <a:bodyPr wrap="square" rtlCol="0">
+              <a:spAutoFit/>
+            </a:bodyPr>
+            <a:lstStyle/>
+            <a:p>
+              <a:r>
+                <a:rPr lang="en-GB" sz="2800" b="1" dirty="0">
+                  <a:solidFill>
+                    <a:schemeClr val="accent5">
+                      <a:lumMod val="50000"/>
+                    </a:schemeClr>
+                  </a:solidFill>
+                  <a:latin typeface="Bahnschrift SemiBold" panose="020B0502040204020203" pitchFamily="34" charset="0"/>
+                </a:rPr>
+                <a:t>Select</a:t>
+              </a:r>
+            </a:p>
+            <a:p>
+              <a:r>
+                <a:rPr lang="en-GB" sz="2000" b="1" dirty="0">
+                  <a:solidFill>
+                    <a:schemeClr val="tx1">
+                      <a:lumMod val="50000"/>
+                      <a:lumOff val="50000"/>
+                    </a:schemeClr>
+                  </a:solidFill>
+                  <a:latin typeface="Bahnschrift SemiBold" panose="020B0502040204020203" pitchFamily="34" charset="0"/>
+                </a:rPr>
+                <a:t>the info you need</a:t>
               </a:r>
             </a:p>
           </p:txBody>
         </p:sp>
       </p:grpSp>
+      <p:sp>
+        <p:nvSpPr>
+          <p:cNvPr id="45" name="Title 1">
+            <a:extLst>
+              <a:ext uri="{FF2B5EF4-FFF2-40B4-BE49-F238E27FC236}">
+                <a16:creationId xmlns:a16="http://schemas.microsoft.com/office/drawing/2014/main" id="{EFD12D2A-E76E-4DBD-B683-1CD85BA6E911}"/>
+              </a:ext>
+            </a:extLst>
+          </p:cNvPr>
+          <p:cNvSpPr txBox="1">
+            <a:spLocks/>
+          </p:cNvSpPr>
+          <p:nvPr/>
+        </p:nvSpPr>
+        <p:spPr>
+          <a:xfrm>
+            <a:off x="553294" y="46041"/>
+            <a:ext cx="10515600" cy="989222"/>
+          </a:xfrm>
+          <a:prstGeom prst="rect">
+            <a:avLst/>
+          </a:prstGeom>
+        </p:spPr>
+        <p:txBody>
+          <a:bodyPr vert="horz" lIns="91440" tIns="45720" rIns="91440" bIns="45720" rtlCol="0" anchor="b">
+            <a:normAutofit/>
+          </a:bodyPr>
+          <a:lstStyle>
+            <a:lvl1pPr algn="ctr" defTabSz="914400" rtl="0" eaLnBrk="1" latinLnBrk="0" hangingPunct="1">
+              <a:lnSpc>
+                <a:spcPct val="90000"/>
+              </a:lnSpc>
+              <a:spcBef>
+                <a:spcPct val="0"/>
+              </a:spcBef>
+              <a:buNone/>
+              <a:defRPr sz="6000" kern="1200">
+                <a:solidFill>
+                  <a:schemeClr val="tx1"/>
+                </a:solidFill>
+                <a:latin typeface="+mj-lt"/>
+                <a:ea typeface="+mj-ea"/>
+                <a:cs typeface="+mj-cs"/>
+              </a:defRPr>
+            </a:lvl1pPr>
+          </a:lstStyle>
+          <a:p>
+            <a:pPr algn="l"/>
+            <a:r>
+              <a:rPr lang="en-GB" sz="4800" dirty="0">
+                <a:solidFill>
+                  <a:schemeClr val="accent5">
+                    <a:lumMod val="75000"/>
+                  </a:schemeClr>
+                </a:solidFill>
+                <a:latin typeface="Bahnschrift Light" panose="020B0502040204020203" pitchFamily="34" charset="0"/>
+              </a:rPr>
+              <a:t>API workflow</a:t>
+            </a:r>
+          </a:p>
+        </p:txBody>
+      </p:sp>
+      <p:sp>
+        <p:nvSpPr>
+          <p:cNvPr id="39" name="TextBox 38">
+            <a:extLst>
+              <a:ext uri="{FF2B5EF4-FFF2-40B4-BE49-F238E27FC236}">
+                <a16:creationId xmlns:a16="http://schemas.microsoft.com/office/drawing/2014/main" id="{E9467F20-F874-42E4-8FCD-9077057EB157}"/>
+              </a:ext>
+            </a:extLst>
+          </p:cNvPr>
+          <p:cNvSpPr txBox="1"/>
+          <p:nvPr/>
+        </p:nvSpPr>
+        <p:spPr>
+          <a:xfrm>
+            <a:off x="9223545" y="5364280"/>
+            <a:ext cx="3296373" cy="830997"/>
+          </a:xfrm>
+          <a:prstGeom prst="rect">
+            <a:avLst/>
+          </a:prstGeom>
+          <a:noFill/>
+        </p:spPr>
+        <p:txBody>
+          <a:bodyPr wrap="square" rtlCol="0">
+            <a:spAutoFit/>
+          </a:bodyPr>
+          <a:lstStyle/>
+          <a:p>
+            <a:r>
+              <a:rPr lang="en-GB" sz="1600" dirty="0">
+                <a:solidFill>
+                  <a:schemeClr val="accent2">
+                    <a:lumMod val="75000"/>
+                  </a:schemeClr>
+                </a:solidFill>
+                <a:latin typeface="Lucida Console" panose="020B0609040504020204" pitchFamily="49" charset="0"/>
+              </a:rPr>
+              <a:t>list functions:</a:t>
+            </a:r>
+          </a:p>
+          <a:p>
+            <a:pPr marL="285750" indent="-285750">
+              <a:buFontTx/>
+              <a:buChar char="-"/>
+            </a:pPr>
+            <a:r>
+              <a:rPr lang="en-GB" sz="1600" dirty="0" err="1">
+                <a:solidFill>
+                  <a:schemeClr val="accent2">
+                    <a:lumMod val="75000"/>
+                  </a:schemeClr>
+                </a:solidFill>
+                <a:latin typeface="Lucida Console" panose="020B0609040504020204" pitchFamily="49" charset="0"/>
+              </a:rPr>
+              <a:t>purrr</a:t>
+            </a:r>
+            <a:r>
+              <a:rPr lang="en-GB" sz="1600" dirty="0">
+                <a:solidFill>
+                  <a:schemeClr val="accent2">
+                    <a:lumMod val="75000"/>
+                  </a:schemeClr>
+                </a:solidFill>
+                <a:latin typeface="Lucida Console" panose="020B0609040504020204" pitchFamily="49" charset="0"/>
+              </a:rPr>
+              <a:t> package</a:t>
+            </a:r>
+          </a:p>
+          <a:p>
+            <a:pPr marL="285750" indent="-285750">
+              <a:buFontTx/>
+              <a:buChar char="-"/>
+            </a:pPr>
+            <a:r>
+              <a:rPr lang="en-GB" sz="1600" dirty="0" err="1">
+                <a:solidFill>
+                  <a:schemeClr val="accent2">
+                    <a:lumMod val="75000"/>
+                  </a:schemeClr>
+                </a:solidFill>
+                <a:latin typeface="Lucida Console" panose="020B0609040504020204" pitchFamily="49" charset="0"/>
+              </a:rPr>
+              <a:t>rlist</a:t>
+            </a:r>
+            <a:endParaRPr lang="en-GB" sz="1600" dirty="0">
+              <a:solidFill>
+                <a:schemeClr val="accent2">
+                  <a:lumMod val="75000"/>
+                </a:schemeClr>
+              </a:solidFill>
+              <a:latin typeface="Lucida Console" panose="020B0609040504020204" pitchFamily="49" charset="0"/>
+            </a:endParaRPr>
+          </a:p>
+        </p:txBody>
+      </p:sp>
+    </p:spTree>
+    <p:extLst>
+      <p:ext uri="{BB962C8B-B14F-4D97-AF65-F5344CB8AC3E}">
+        <p14:creationId xmlns:p14="http://schemas.microsoft.com/office/powerpoint/2010/main" val="1468165656"/>
+      </p:ext>
+    </p:extLst>
+  </p:cSld>
+  <p:clrMapOvr>
+    <a:masterClrMapping/>
+  </p:clrMapOvr>
+</p:sld>
+</file>
+
+<file path=ppt/slides/slide3.xml><?xml version="1.0" encoding="utf-8"?>
+<p:sld xmlns:a="http://schemas.openxmlformats.org/drawingml/2006/main" xmlns:r="http://schemas.openxmlformats.org/officeDocument/2006/relationships" xmlns:p="http://schemas.openxmlformats.org/presentationml/2006/main">
+  <p:cSld>
+    <p:spTree>
+      <p:nvGrpSpPr>
+        <p:cNvPr id="1" name=""/>
+        <p:cNvGrpSpPr/>
+        <p:nvPr/>
+      </p:nvGrpSpPr>
+      <p:grpSpPr>
+        <a:xfrm>
+          <a:off x="0" y="0"/>
+          <a:ext cx="0" cy="0"/>
+          <a:chOff x="0" y="0"/>
+          <a:chExt cx="0" cy="0"/>
+        </a:xfrm>
+      </p:grpSpPr>
       <p:grpSp>
         <p:nvGrpSpPr>
-          <p:cNvPr id="33" name="Group 32">
-            <a:extLst>
-              <a:ext uri="{FF2B5EF4-FFF2-40B4-BE49-F238E27FC236}">
-                <a16:creationId xmlns:a16="http://schemas.microsoft.com/office/drawing/2014/main" id="{1F5607C2-86B4-4CCF-8690-E32D8D2D2FEC}"/>
+          <p:cNvPr id="3" name="Group 2">
+            <a:extLst>
+              <a:ext uri="{FF2B5EF4-FFF2-40B4-BE49-F238E27FC236}">
+                <a16:creationId xmlns:a16="http://schemas.microsoft.com/office/drawing/2014/main" id="{319E8B6A-88B5-49D9-B18D-3B383608CA48}"/>
               </a:ext>
             </a:extLst>
           </p:cNvPr>
@@ -3823,18 +4537,18 @@
         </p:nvGrpSpPr>
         <p:grpSpPr>
           <a:xfrm>
-            <a:off x="9223544" y="771331"/>
-            <a:ext cx="1845350" cy="1897643"/>
-            <a:chOff x="9223544" y="771331"/>
-            <a:chExt cx="1845350" cy="1897643"/>
+            <a:off x="626084" y="1452827"/>
+            <a:ext cx="11088589" cy="3432348"/>
+            <a:chOff x="626084" y="771331"/>
+            <a:chExt cx="11088589" cy="3432348"/>
           </a:xfrm>
         </p:grpSpPr>
         <p:grpSp>
           <p:nvGrpSpPr>
-            <p:cNvPr id="21" name="Group 20">
+            <p:cNvPr id="40" name="Group 39">
               <a:extLst>
                 <a:ext uri="{FF2B5EF4-FFF2-40B4-BE49-F238E27FC236}">
-                  <a16:creationId xmlns:a16="http://schemas.microsoft.com/office/drawing/2014/main" id="{7B64E8D8-6386-4163-A432-2BD1A679EEDB}"/>
+                  <a16:creationId xmlns:a16="http://schemas.microsoft.com/office/drawing/2014/main" id="{6652D4A2-0118-4B0B-BBAE-A67D754C27F5}"/>
                 </a:ext>
               </a:extLst>
             </p:cNvPr>
@@ -3843,7 +4557,415 @@
           </p:nvGrpSpPr>
           <p:grpSpPr>
             <a:xfrm>
-              <a:off x="9223544" y="771331"/>
+              <a:off x="3492666" y="771331"/>
+              <a:ext cx="1845350" cy="1897643"/>
+              <a:chOff x="3492667" y="771331"/>
+              <a:chExt cx="1845350" cy="1897643"/>
+            </a:xfrm>
+          </p:grpSpPr>
+          <p:grpSp>
+            <p:nvGrpSpPr>
+              <p:cNvPr id="41" name="Group 40">
+                <a:extLst>
+                  <a:ext uri="{FF2B5EF4-FFF2-40B4-BE49-F238E27FC236}">
+                    <a16:creationId xmlns:a16="http://schemas.microsoft.com/office/drawing/2014/main" id="{45FA5B66-C3C8-4AE1-BE1C-356869426101}"/>
+                  </a:ext>
+                </a:extLst>
+              </p:cNvPr>
+              <p:cNvGrpSpPr/>
+              <p:nvPr/>
+            </p:nvGrpSpPr>
+            <p:grpSpPr>
+              <a:xfrm>
+                <a:off x="3492667" y="771331"/>
+                <a:ext cx="1845350" cy="1897643"/>
+                <a:chOff x="6234160" y="771331"/>
+                <a:chExt cx="1845350" cy="1897643"/>
+              </a:xfrm>
+            </p:grpSpPr>
+            <p:sp>
+              <p:nvSpPr>
+                <p:cNvPr id="43" name="Oval 42">
+                  <a:extLst>
+                    <a:ext uri="{FF2B5EF4-FFF2-40B4-BE49-F238E27FC236}">
+                      <a16:creationId xmlns:a16="http://schemas.microsoft.com/office/drawing/2014/main" id="{82B6B0F0-3ADC-46CF-BDF1-63125E0F60CC}"/>
+                    </a:ext>
+                  </a:extLst>
+                </p:cNvPr>
+                <p:cNvSpPr/>
+                <p:nvPr/>
+              </p:nvSpPr>
+              <p:spPr>
+                <a:xfrm>
+                  <a:off x="6234160" y="823624"/>
+                  <a:ext cx="1845350" cy="1845350"/>
+                </a:xfrm>
+                <a:prstGeom prst="ellipse">
+                  <a:avLst/>
+                </a:prstGeom>
+                <a:solidFill>
+                  <a:schemeClr val="accent5">
+                    <a:lumMod val="50000"/>
+                  </a:schemeClr>
+                </a:solidFill>
+              </p:spPr>
+              <p:style>
+                <a:lnRef idx="2">
+                  <a:schemeClr val="accent1">
+                    <a:shade val="50000"/>
+                  </a:schemeClr>
+                </a:lnRef>
+                <a:fillRef idx="1">
+                  <a:schemeClr val="accent1"/>
+                </a:fillRef>
+                <a:effectRef idx="0">
+                  <a:schemeClr val="accent1"/>
+                </a:effectRef>
+                <a:fontRef idx="minor">
+                  <a:schemeClr val="lt1"/>
+                </a:fontRef>
+              </p:style>
+              <p:txBody>
+                <a:bodyPr lIns="0" tIns="0" rtlCol="0" anchor="t"/>
+                <a:lstStyle/>
+                <a:p>
+                  <a:endParaRPr lang="en-GB" sz="4400" b="1" dirty="0"/>
+                </a:p>
+              </p:txBody>
+            </p:sp>
+            <p:sp>
+              <p:nvSpPr>
+                <p:cNvPr id="44" name="TextBox 43">
+                  <a:extLst>
+                    <a:ext uri="{FF2B5EF4-FFF2-40B4-BE49-F238E27FC236}">
+                      <a16:creationId xmlns:a16="http://schemas.microsoft.com/office/drawing/2014/main" id="{13B0C8C4-5205-4731-A14E-43B31BD8F99B}"/>
+                    </a:ext>
+                  </a:extLst>
+                </p:cNvPr>
+                <p:cNvSpPr txBox="1"/>
+                <p:nvPr/>
+              </p:nvSpPr>
+              <p:spPr>
+                <a:xfrm>
+                  <a:off x="6919080" y="771331"/>
+                  <a:ext cx="475510" cy="646331"/>
+                </a:xfrm>
+                <a:prstGeom prst="rect">
+                  <a:avLst/>
+                </a:prstGeom>
+                <a:noFill/>
+              </p:spPr>
+              <p:txBody>
+                <a:bodyPr wrap="square" rtlCol="0">
+                  <a:spAutoFit/>
+                </a:bodyPr>
+                <a:lstStyle/>
+                <a:p>
+                  <a:pPr algn="ctr"/>
+                  <a:r>
+                    <a:rPr lang="en-GB" sz="3600" b="1" dirty="0">
+                      <a:solidFill>
+                        <a:schemeClr val="bg2"/>
+                      </a:solidFill>
+                    </a:rPr>
+                    <a:t>2</a:t>
+                  </a:r>
+                </a:p>
+              </p:txBody>
+            </p:sp>
+          </p:grpSp>
+          <p:pic>
+            <p:nvPicPr>
+              <p:cNvPr id="42" name="Picture 41">
+                <a:extLst>
+                  <a:ext uri="{FF2B5EF4-FFF2-40B4-BE49-F238E27FC236}">
+                    <a16:creationId xmlns:a16="http://schemas.microsoft.com/office/drawing/2014/main" id="{1D0086F7-E779-4940-99FB-190966BC63E8}"/>
+                  </a:ext>
+                </a:extLst>
+              </p:cNvPr>
+              <p:cNvPicPr>
+                <a:picLocks noChangeAspect="1"/>
+              </p:cNvPicPr>
+              <p:nvPr/>
+            </p:nvPicPr>
+            <p:blipFill>
+              <a:blip r:embed="rId2">
+                <a:lum bright="70000" contrast="-70000"/>
+                <a:extLst>
+                  <a:ext uri="{28A0092B-C50C-407E-A947-70E740481C1C}">
+                    <a14:useLocalDpi xmlns:a14="http://schemas.microsoft.com/office/drawing/2010/main" val="0"/>
+                  </a:ext>
+                </a:extLst>
+              </a:blip>
+              <a:stretch>
+                <a:fillRect/>
+              </a:stretch>
+            </p:blipFill>
+            <p:spPr>
+              <a:xfrm>
+                <a:off x="3935411" y="1450418"/>
+                <a:ext cx="959861" cy="959861"/>
+              </a:xfrm>
+              <a:prstGeom prst="rect">
+                <a:avLst/>
+              </a:prstGeom>
+            </p:spPr>
+          </p:pic>
+        </p:grpSp>
+        <p:sp>
+          <p:nvSpPr>
+            <p:cNvPr id="2" name="TextBox 1">
+              <a:extLst>
+                <a:ext uri="{FF2B5EF4-FFF2-40B4-BE49-F238E27FC236}">
+                  <a16:creationId xmlns:a16="http://schemas.microsoft.com/office/drawing/2014/main" id="{68AFE84C-BED5-41A0-89EC-C78D3A049FFC}"/>
+                </a:ext>
+              </a:extLst>
+            </p:cNvPr>
+            <p:cNvSpPr txBox="1"/>
+            <p:nvPr/>
+          </p:nvSpPr>
+          <p:spPr>
+            <a:xfrm>
+              <a:off x="626084" y="3064906"/>
+              <a:ext cx="2864294" cy="1138773"/>
+            </a:xfrm>
+            <a:prstGeom prst="rect">
+              <a:avLst/>
+            </a:prstGeom>
+            <a:noFill/>
+          </p:spPr>
+          <p:txBody>
+            <a:bodyPr wrap="square" rtlCol="0">
+              <a:spAutoFit/>
+            </a:bodyPr>
+            <a:lstStyle/>
+            <a:p>
+              <a:r>
+                <a:rPr lang="en-GB" sz="2800" b="1" dirty="0">
+                  <a:solidFill>
+                    <a:schemeClr val="accent5">
+                      <a:lumMod val="50000"/>
+                    </a:schemeClr>
+                  </a:solidFill>
+                  <a:latin typeface="Bahnschrift SemiBold" panose="020B0502040204020203" pitchFamily="34" charset="0"/>
+                </a:rPr>
+                <a:t>Prepare</a:t>
+              </a:r>
+            </a:p>
+            <a:p>
+              <a:r>
+                <a:rPr lang="en-GB" sz="2000" b="1" dirty="0">
+                  <a:solidFill>
+                    <a:schemeClr val="tx1">
+                      <a:lumMod val="50000"/>
+                      <a:lumOff val="50000"/>
+                    </a:schemeClr>
+                  </a:solidFill>
+                  <a:latin typeface="Bahnschrift SemiBold" panose="020B0502040204020203" pitchFamily="34" charset="0"/>
+                </a:rPr>
+                <a:t>- URL construction</a:t>
+              </a:r>
+            </a:p>
+            <a:p>
+              <a:r>
+                <a:rPr lang="en-GB" sz="2000" b="1" dirty="0">
+                  <a:solidFill>
+                    <a:schemeClr val="tx1">
+                      <a:lumMod val="50000"/>
+                      <a:lumOff val="50000"/>
+                    </a:schemeClr>
+                  </a:solidFill>
+                  <a:latin typeface="Bahnschrift SemiBold" panose="020B0502040204020203" pitchFamily="34" charset="0"/>
+                </a:rPr>
+                <a:t>- Authentication</a:t>
+              </a:r>
+            </a:p>
+          </p:txBody>
+        </p:sp>
+        <p:grpSp>
+          <p:nvGrpSpPr>
+            <p:cNvPr id="30" name="Group 29">
+              <a:extLst>
+                <a:ext uri="{FF2B5EF4-FFF2-40B4-BE49-F238E27FC236}">
+                  <a16:creationId xmlns:a16="http://schemas.microsoft.com/office/drawing/2014/main" id="{373D3B2E-2894-494E-ABEE-CE8B86596058}"/>
+                </a:ext>
+              </a:extLst>
+            </p:cNvPr>
+            <p:cNvGrpSpPr/>
+            <p:nvPr/>
+          </p:nvGrpSpPr>
+          <p:grpSpPr>
+            <a:xfrm>
+              <a:off x="6358105" y="771331"/>
+              <a:ext cx="1845350" cy="1897643"/>
+              <a:chOff x="6358105" y="771331"/>
+              <a:chExt cx="1845350" cy="1897643"/>
+            </a:xfrm>
+          </p:grpSpPr>
+          <p:grpSp>
+            <p:nvGrpSpPr>
+              <p:cNvPr id="20" name="Group 19">
+                <a:extLst>
+                  <a:ext uri="{FF2B5EF4-FFF2-40B4-BE49-F238E27FC236}">
+                    <a16:creationId xmlns:a16="http://schemas.microsoft.com/office/drawing/2014/main" id="{354BA311-04C6-43D6-AF28-B5DD03A2FE32}"/>
+                  </a:ext>
+                </a:extLst>
+              </p:cNvPr>
+              <p:cNvGrpSpPr/>
+              <p:nvPr/>
+            </p:nvGrpSpPr>
+            <p:grpSpPr>
+              <a:xfrm>
+                <a:off x="6358105" y="771331"/>
+                <a:ext cx="1845350" cy="1897643"/>
+                <a:chOff x="6234160" y="771331"/>
+                <a:chExt cx="1845350" cy="1897643"/>
+              </a:xfrm>
+            </p:grpSpPr>
+            <p:sp>
+              <p:nvSpPr>
+                <p:cNvPr id="16" name="Oval 15">
+                  <a:extLst>
+                    <a:ext uri="{FF2B5EF4-FFF2-40B4-BE49-F238E27FC236}">
+                      <a16:creationId xmlns:a16="http://schemas.microsoft.com/office/drawing/2014/main" id="{43814879-86D5-4678-A47C-2DA89D6F35EF}"/>
+                    </a:ext>
+                  </a:extLst>
+                </p:cNvPr>
+                <p:cNvSpPr/>
+                <p:nvPr/>
+              </p:nvSpPr>
+              <p:spPr>
+                <a:xfrm>
+                  <a:off x="6234160" y="823624"/>
+                  <a:ext cx="1845350" cy="1845350"/>
+                </a:xfrm>
+                <a:prstGeom prst="ellipse">
+                  <a:avLst/>
+                </a:prstGeom>
+                <a:solidFill>
+                  <a:schemeClr val="accent5">
+                    <a:lumMod val="50000"/>
+                  </a:schemeClr>
+                </a:solidFill>
+              </p:spPr>
+              <p:style>
+                <a:lnRef idx="2">
+                  <a:schemeClr val="accent1">
+                    <a:shade val="50000"/>
+                  </a:schemeClr>
+                </a:lnRef>
+                <a:fillRef idx="1">
+                  <a:schemeClr val="accent1"/>
+                </a:fillRef>
+                <a:effectRef idx="0">
+                  <a:schemeClr val="accent1"/>
+                </a:effectRef>
+                <a:fontRef idx="minor">
+                  <a:schemeClr val="lt1"/>
+                </a:fontRef>
+              </p:style>
+              <p:txBody>
+                <a:bodyPr lIns="0" tIns="0" rtlCol="0" anchor="t"/>
+                <a:lstStyle/>
+                <a:p>
+                  <a:endParaRPr lang="en-GB" sz="4400" b="1" dirty="0"/>
+                </a:p>
+              </p:txBody>
+            </p:sp>
+            <p:sp>
+              <p:nvSpPr>
+                <p:cNvPr id="19" name="TextBox 18">
+                  <a:extLst>
+                    <a:ext uri="{FF2B5EF4-FFF2-40B4-BE49-F238E27FC236}">
+                      <a16:creationId xmlns:a16="http://schemas.microsoft.com/office/drawing/2014/main" id="{3BBB027C-677B-4C11-8E8E-1BDC6FED0456}"/>
+                    </a:ext>
+                  </a:extLst>
+                </p:cNvPr>
+                <p:cNvSpPr txBox="1"/>
+                <p:nvPr/>
+              </p:nvSpPr>
+              <p:spPr>
+                <a:xfrm>
+                  <a:off x="6919080" y="771331"/>
+                  <a:ext cx="475510" cy="646331"/>
+                </a:xfrm>
+                <a:prstGeom prst="rect">
+                  <a:avLst/>
+                </a:prstGeom>
+                <a:noFill/>
+              </p:spPr>
+              <p:txBody>
+                <a:bodyPr wrap="square" rtlCol="0">
+                  <a:spAutoFit/>
+                </a:bodyPr>
+                <a:lstStyle/>
+                <a:p>
+                  <a:pPr algn="ctr"/>
+                  <a:r>
+                    <a:rPr lang="en-GB" sz="3600" b="1" dirty="0">
+                      <a:solidFill>
+                        <a:schemeClr val="bg2"/>
+                      </a:solidFill>
+                    </a:rPr>
+                    <a:t>3</a:t>
+                  </a:r>
+                </a:p>
+              </p:txBody>
+            </p:sp>
+          </p:grpSp>
+          <p:pic>
+            <p:nvPicPr>
+              <p:cNvPr id="14" name="Picture 13">
+                <a:extLst>
+                  <a:ext uri="{FF2B5EF4-FFF2-40B4-BE49-F238E27FC236}">
+                    <a16:creationId xmlns:a16="http://schemas.microsoft.com/office/drawing/2014/main" id="{3BC8B2E2-8E65-4BAA-BAC8-D75671F16041}"/>
+                  </a:ext>
+                </a:extLst>
+              </p:cNvPr>
+              <p:cNvPicPr>
+                <a:picLocks noChangeAspect="1"/>
+              </p:cNvPicPr>
+              <p:nvPr/>
+            </p:nvPicPr>
+            <p:blipFill>
+              <a:blip r:embed="rId3">
+                <a:lum bright="70000" contrast="-70000"/>
+                <a:extLst>
+                  <a:ext uri="{28A0092B-C50C-407E-A947-70E740481C1C}">
+                    <a14:useLocalDpi xmlns:a14="http://schemas.microsoft.com/office/drawing/2010/main" val="0"/>
+                  </a:ext>
+                </a:extLst>
+              </a:blip>
+              <a:stretch>
+                <a:fillRect/>
+              </a:stretch>
+            </p:blipFill>
+            <p:spPr>
+              <a:xfrm>
+                <a:off x="6639459" y="1257182"/>
+                <a:ext cx="1282642" cy="1282642"/>
+              </a:xfrm>
+              <a:prstGeom prst="rect">
+                <a:avLst/>
+              </a:prstGeom>
+            </p:spPr>
+          </p:pic>
+        </p:grpSp>
+        <p:grpSp>
+          <p:nvGrpSpPr>
+            <p:cNvPr id="27" name="Group 26">
+              <a:extLst>
+                <a:ext uri="{FF2B5EF4-FFF2-40B4-BE49-F238E27FC236}">
+                  <a16:creationId xmlns:a16="http://schemas.microsoft.com/office/drawing/2014/main" id="{B40C5B48-CED0-43DB-9FB4-219805F0DDA4}"/>
+                </a:ext>
+              </a:extLst>
+            </p:cNvPr>
+            <p:cNvGrpSpPr/>
+            <p:nvPr/>
+          </p:nvGrpSpPr>
+          <p:grpSpPr>
+            <a:xfrm>
+              <a:off x="627229" y="771331"/>
               <a:ext cx="1845350" cy="1897643"/>
               <a:chOff x="6234160" y="771331"/>
               <a:chExt cx="1845350" cy="1897643"/>
@@ -3851,10 +4973,10 @@
           </p:grpSpPr>
           <p:sp>
             <p:nvSpPr>
-              <p:cNvPr id="22" name="Oval 21">
+              <p:cNvPr id="28" name="Oval 27">
                 <a:extLst>
                   <a:ext uri="{FF2B5EF4-FFF2-40B4-BE49-F238E27FC236}">
-                    <a16:creationId xmlns:a16="http://schemas.microsoft.com/office/drawing/2014/main" id="{D7D18F47-4091-4EE8-8D45-00C4707BE8EB}"/>
+                    <a16:creationId xmlns:a16="http://schemas.microsoft.com/office/drawing/2014/main" id="{020281FB-ACCA-4677-92AC-9F440FF9C64B}"/>
                   </a:ext>
                 </a:extLst>
               </p:cNvPr>
@@ -3901,10 +5023,10 @@
           </p:sp>
           <p:sp>
             <p:nvSpPr>
-              <p:cNvPr id="23" name="TextBox 22">
+              <p:cNvPr id="29" name="TextBox 28">
                 <a:extLst>
                   <a:ext uri="{FF2B5EF4-FFF2-40B4-BE49-F238E27FC236}">
-                    <a16:creationId xmlns:a16="http://schemas.microsoft.com/office/drawing/2014/main" id="{D9A5328F-FE5D-4B83-A1BF-F18644873BA5}"/>
+                    <a16:creationId xmlns:a16="http://schemas.microsoft.com/office/drawing/2014/main" id="{73DAD7B5-3EF1-4B88-95CB-CCEAEDF5A1D1}"/>
                   </a:ext>
                 </a:extLst>
               </p:cNvPr>
@@ -3934,18 +5056,187 @@
                       <a:schemeClr val="bg2"/>
                     </a:solidFill>
                   </a:rPr>
-                  <a:t>4</a:t>
+                  <a:t>1</a:t>
                 </a:r>
               </a:p>
             </p:txBody>
           </p:sp>
         </p:grpSp>
+        <p:grpSp>
+          <p:nvGrpSpPr>
+            <p:cNvPr id="33" name="Group 32">
+              <a:extLst>
+                <a:ext uri="{FF2B5EF4-FFF2-40B4-BE49-F238E27FC236}">
+                  <a16:creationId xmlns:a16="http://schemas.microsoft.com/office/drawing/2014/main" id="{1F5607C2-86B4-4CCF-8690-E32D8D2D2FEC}"/>
+                </a:ext>
+              </a:extLst>
+            </p:cNvPr>
+            <p:cNvGrpSpPr/>
+            <p:nvPr/>
+          </p:nvGrpSpPr>
+          <p:grpSpPr>
+            <a:xfrm>
+              <a:off x="9223544" y="771331"/>
+              <a:ext cx="1845350" cy="1897643"/>
+              <a:chOff x="9223544" y="771331"/>
+              <a:chExt cx="1845350" cy="1897643"/>
+            </a:xfrm>
+          </p:grpSpPr>
+          <p:grpSp>
+            <p:nvGrpSpPr>
+              <p:cNvPr id="21" name="Group 20">
+                <a:extLst>
+                  <a:ext uri="{FF2B5EF4-FFF2-40B4-BE49-F238E27FC236}">
+                    <a16:creationId xmlns:a16="http://schemas.microsoft.com/office/drawing/2014/main" id="{7B64E8D8-6386-4163-A432-2BD1A679EEDB}"/>
+                  </a:ext>
+                </a:extLst>
+              </p:cNvPr>
+              <p:cNvGrpSpPr/>
+              <p:nvPr/>
+            </p:nvGrpSpPr>
+            <p:grpSpPr>
+              <a:xfrm>
+                <a:off x="9223544" y="771331"/>
+                <a:ext cx="1845350" cy="1897643"/>
+                <a:chOff x="6234160" y="771331"/>
+                <a:chExt cx="1845350" cy="1897643"/>
+              </a:xfrm>
+            </p:grpSpPr>
+            <p:sp>
+              <p:nvSpPr>
+                <p:cNvPr id="22" name="Oval 21">
+                  <a:extLst>
+                    <a:ext uri="{FF2B5EF4-FFF2-40B4-BE49-F238E27FC236}">
+                      <a16:creationId xmlns:a16="http://schemas.microsoft.com/office/drawing/2014/main" id="{D7D18F47-4091-4EE8-8D45-00C4707BE8EB}"/>
+                    </a:ext>
+                  </a:extLst>
+                </p:cNvPr>
+                <p:cNvSpPr/>
+                <p:nvPr/>
+              </p:nvSpPr>
+              <p:spPr>
+                <a:xfrm>
+                  <a:off x="6234160" y="823624"/>
+                  <a:ext cx="1845350" cy="1845350"/>
+                </a:xfrm>
+                <a:prstGeom prst="ellipse">
+                  <a:avLst/>
+                </a:prstGeom>
+                <a:solidFill>
+                  <a:schemeClr val="accent5">
+                    <a:lumMod val="50000"/>
+                  </a:schemeClr>
+                </a:solidFill>
+              </p:spPr>
+              <p:style>
+                <a:lnRef idx="2">
+                  <a:schemeClr val="accent1">
+                    <a:shade val="50000"/>
+                  </a:schemeClr>
+                </a:lnRef>
+                <a:fillRef idx="1">
+                  <a:schemeClr val="accent1"/>
+                </a:fillRef>
+                <a:effectRef idx="0">
+                  <a:schemeClr val="accent1"/>
+                </a:effectRef>
+                <a:fontRef idx="minor">
+                  <a:schemeClr val="lt1"/>
+                </a:fontRef>
+              </p:style>
+              <p:txBody>
+                <a:bodyPr lIns="0" tIns="0" rtlCol="0" anchor="t"/>
+                <a:lstStyle/>
+                <a:p>
+                  <a:endParaRPr lang="en-GB" sz="4400" b="1" dirty="0"/>
+                </a:p>
+              </p:txBody>
+            </p:sp>
+            <p:sp>
+              <p:nvSpPr>
+                <p:cNvPr id="23" name="TextBox 22">
+                  <a:extLst>
+                    <a:ext uri="{FF2B5EF4-FFF2-40B4-BE49-F238E27FC236}">
+                      <a16:creationId xmlns:a16="http://schemas.microsoft.com/office/drawing/2014/main" id="{D9A5328F-FE5D-4B83-A1BF-F18644873BA5}"/>
+                    </a:ext>
+                  </a:extLst>
+                </p:cNvPr>
+                <p:cNvSpPr txBox="1"/>
+                <p:nvPr/>
+              </p:nvSpPr>
+              <p:spPr>
+                <a:xfrm>
+                  <a:off x="6919080" y="771331"/>
+                  <a:ext cx="475510" cy="646331"/>
+                </a:xfrm>
+                <a:prstGeom prst="rect">
+                  <a:avLst/>
+                </a:prstGeom>
+                <a:noFill/>
+              </p:spPr>
+              <p:txBody>
+                <a:bodyPr wrap="square" rtlCol="0">
+                  <a:spAutoFit/>
+                </a:bodyPr>
+                <a:lstStyle/>
+                <a:p>
+                  <a:pPr algn="ctr"/>
+                  <a:r>
+                    <a:rPr lang="en-GB" sz="3600" b="1" dirty="0">
+                      <a:solidFill>
+                        <a:schemeClr val="bg2"/>
+                      </a:solidFill>
+                    </a:rPr>
+                    <a:t>4</a:t>
+                  </a:r>
+                </a:p>
+              </p:txBody>
+            </p:sp>
+          </p:grpSp>
+          <p:pic>
+            <p:nvPicPr>
+              <p:cNvPr id="32" name="Picture 31">
+                <a:extLst>
+                  <a:ext uri="{FF2B5EF4-FFF2-40B4-BE49-F238E27FC236}">
+                    <a16:creationId xmlns:a16="http://schemas.microsoft.com/office/drawing/2014/main" id="{2B17E324-03A9-4060-A0CD-92F0BFF601AB}"/>
+                  </a:ext>
+                </a:extLst>
+              </p:cNvPr>
+              <p:cNvPicPr>
+                <a:picLocks noChangeAspect="1"/>
+              </p:cNvPicPr>
+              <p:nvPr/>
+            </p:nvPicPr>
+            <p:blipFill>
+              <a:blip r:embed="rId4">
+                <a:lum bright="70000" contrast="-70000"/>
+                <a:extLst>
+                  <a:ext uri="{28A0092B-C50C-407E-A947-70E740481C1C}">
+                    <a14:useLocalDpi xmlns:a14="http://schemas.microsoft.com/office/drawing/2010/main" val="0"/>
+                  </a:ext>
+                </a:extLst>
+              </a:blip>
+              <a:stretch>
+                <a:fillRect/>
+              </a:stretch>
+            </p:blipFill>
+            <p:spPr>
+              <a:xfrm>
+                <a:off x="9741701" y="1421387"/>
+                <a:ext cx="1140655" cy="1140655"/>
+              </a:xfrm>
+              <a:prstGeom prst="rect">
+                <a:avLst/>
+              </a:prstGeom>
+            </p:spPr>
+          </p:pic>
+        </p:grpSp>
         <p:pic>
           <p:nvPicPr>
-            <p:cNvPr id="32" name="Picture 31">
+            <p:cNvPr id="4" name="Picture 3">
               <a:extLst>
                 <a:ext uri="{FF2B5EF4-FFF2-40B4-BE49-F238E27FC236}">
-                  <a16:creationId xmlns:a16="http://schemas.microsoft.com/office/drawing/2014/main" id="{2B17E324-03A9-4060-A0CD-92F0BFF601AB}"/>
+                  <a16:creationId xmlns:a16="http://schemas.microsoft.com/office/drawing/2014/main" id="{7EB271BA-973D-439E-A8B2-73B6C085F383}"/>
                 </a:ext>
               </a:extLst>
             </p:cNvPr>
@@ -3955,7 +5246,7 @@
             <p:nvPr/>
           </p:nvPicPr>
           <p:blipFill>
-            <a:blip r:embed="rId3">
+            <a:blip r:embed="rId5">
               <a:lum bright="70000" contrast="-70000"/>
               <a:extLst>
                 <a:ext uri="{28A0092B-C50C-407E-A947-70E740481C1C}">
@@ -3969,95 +5260,237 @@
           </p:blipFill>
           <p:spPr>
             <a:xfrm>
-              <a:off x="9741701" y="1421387"/>
-              <a:ext cx="1140655" cy="1140655"/>
+              <a:off x="1047570" y="1417662"/>
+              <a:ext cx="1053206" cy="1053206"/>
             </a:xfrm>
             <a:prstGeom prst="rect">
               <a:avLst/>
             </a:prstGeom>
           </p:spPr>
         </p:pic>
+        <p:sp>
+          <p:nvSpPr>
+            <p:cNvPr id="31" name="TextBox 30">
+              <a:extLst>
+                <a:ext uri="{FF2B5EF4-FFF2-40B4-BE49-F238E27FC236}">
+                  <a16:creationId xmlns:a16="http://schemas.microsoft.com/office/drawing/2014/main" id="{7EA74D73-3793-404D-AC5A-9889034704A6}"/>
+                </a:ext>
+              </a:extLst>
+            </p:cNvPr>
+            <p:cNvSpPr txBox="1"/>
+            <p:nvPr/>
+          </p:nvSpPr>
+          <p:spPr>
+            <a:xfrm>
+              <a:off x="3492668" y="3064906"/>
+              <a:ext cx="2770110" cy="523220"/>
+            </a:xfrm>
+            <a:prstGeom prst="rect">
+              <a:avLst/>
+            </a:prstGeom>
+            <a:noFill/>
+          </p:spPr>
+          <p:txBody>
+            <a:bodyPr wrap="square" rtlCol="0">
+              <a:spAutoFit/>
+            </a:bodyPr>
+            <a:lstStyle/>
+            <a:p>
+              <a:r>
+                <a:rPr lang="en-GB" sz="2800" b="1" dirty="0">
+                  <a:solidFill>
+                    <a:schemeClr val="accent5">
+                      <a:lumMod val="50000"/>
+                    </a:schemeClr>
+                  </a:solidFill>
+                  <a:latin typeface="Bahnschrift SemiBold" panose="020B0502040204020203" pitchFamily="34" charset="0"/>
+                </a:rPr>
+                <a:t>GET request</a:t>
+              </a:r>
+            </a:p>
+          </p:txBody>
+        </p:sp>
+        <p:sp>
+          <p:nvSpPr>
+            <p:cNvPr id="34" name="TextBox 33">
+              <a:extLst>
+                <a:ext uri="{FF2B5EF4-FFF2-40B4-BE49-F238E27FC236}">
+                  <a16:creationId xmlns:a16="http://schemas.microsoft.com/office/drawing/2014/main" id="{1EFC3218-AD91-475D-82A5-9C63CE2D7B59}"/>
+                </a:ext>
+              </a:extLst>
+            </p:cNvPr>
+            <p:cNvSpPr txBox="1"/>
+            <p:nvPr/>
+          </p:nvSpPr>
+          <p:spPr>
+            <a:xfrm>
+              <a:off x="6359251" y="3064905"/>
+              <a:ext cx="2864293" cy="830997"/>
+            </a:xfrm>
+            <a:prstGeom prst="rect">
+              <a:avLst/>
+            </a:prstGeom>
+            <a:noFill/>
+          </p:spPr>
+          <p:txBody>
+            <a:bodyPr wrap="square" rtlCol="0">
+              <a:spAutoFit/>
+            </a:bodyPr>
+            <a:lstStyle/>
+            <a:p>
+              <a:r>
+                <a:rPr lang="en-GB" sz="2800" b="1" dirty="0">
+                  <a:solidFill>
+                    <a:schemeClr val="accent5">
+                      <a:lumMod val="50000"/>
+                    </a:schemeClr>
+                  </a:solidFill>
+                  <a:latin typeface="Bahnschrift SemiBold" panose="020B0502040204020203" pitchFamily="34" charset="0"/>
+                </a:rPr>
+                <a:t>Extract</a:t>
+              </a:r>
+            </a:p>
+            <a:p>
+              <a:r>
+                <a:rPr lang="en-GB" sz="2000" b="1" dirty="0">
+                  <a:solidFill>
+                    <a:schemeClr val="tx1">
+                      <a:lumMod val="50000"/>
+                      <a:lumOff val="50000"/>
+                    </a:schemeClr>
+                  </a:solidFill>
+                  <a:latin typeface="Bahnschrift SemiBold" panose="020B0502040204020203" pitchFamily="34" charset="0"/>
+                </a:rPr>
+                <a:t>and parse content</a:t>
+              </a:r>
+            </a:p>
+          </p:txBody>
+        </p:sp>
+        <p:sp>
+          <p:nvSpPr>
+            <p:cNvPr id="36" name="TextBox 35">
+              <a:extLst>
+                <a:ext uri="{FF2B5EF4-FFF2-40B4-BE49-F238E27FC236}">
+                  <a16:creationId xmlns:a16="http://schemas.microsoft.com/office/drawing/2014/main" id="{F6A48D41-0F9B-4088-A05D-18871D6CB335}"/>
+                </a:ext>
+              </a:extLst>
+            </p:cNvPr>
+            <p:cNvSpPr txBox="1"/>
+            <p:nvPr/>
+          </p:nvSpPr>
+          <p:spPr>
+            <a:xfrm>
+              <a:off x="9223545" y="3064905"/>
+              <a:ext cx="2491128" cy="830997"/>
+            </a:xfrm>
+            <a:prstGeom prst="rect">
+              <a:avLst/>
+            </a:prstGeom>
+            <a:noFill/>
+          </p:spPr>
+          <p:txBody>
+            <a:bodyPr wrap="square" rtlCol="0">
+              <a:spAutoFit/>
+            </a:bodyPr>
+            <a:lstStyle/>
+            <a:p>
+              <a:r>
+                <a:rPr lang="en-GB" sz="2800" b="1" dirty="0">
+                  <a:solidFill>
+                    <a:schemeClr val="accent5">
+                      <a:lumMod val="50000"/>
+                    </a:schemeClr>
+                  </a:solidFill>
+                  <a:latin typeface="Bahnschrift SemiBold" panose="020B0502040204020203" pitchFamily="34" charset="0"/>
+                </a:rPr>
+                <a:t>Select</a:t>
+              </a:r>
+            </a:p>
+            <a:p>
+              <a:r>
+                <a:rPr lang="en-GB" sz="2000" b="1" dirty="0">
+                  <a:solidFill>
+                    <a:schemeClr val="tx1">
+                      <a:lumMod val="50000"/>
+                      <a:lumOff val="50000"/>
+                    </a:schemeClr>
+                  </a:solidFill>
+                  <a:latin typeface="Bahnschrift SemiBold" panose="020B0502040204020203" pitchFamily="34" charset="0"/>
+                </a:rPr>
+                <a:t>the info you need</a:t>
+              </a:r>
+            </a:p>
+          </p:txBody>
+        </p:sp>
       </p:grpSp>
-      <p:pic>
-        <p:nvPicPr>
-          <p:cNvPr id="35" name="Picture 34">
-            <a:extLst>
-              <a:ext uri="{FF2B5EF4-FFF2-40B4-BE49-F238E27FC236}">
-                <a16:creationId xmlns:a16="http://schemas.microsoft.com/office/drawing/2014/main" id="{D9532EA3-F3C3-4D1E-BA54-7DEB71871C18}"/>
-              </a:ext>
-            </a:extLst>
-          </p:cNvPr>
-          <p:cNvPicPr>
-            <a:picLocks noChangeAspect="1"/>
-          </p:cNvPicPr>
+      <p:sp>
+        <p:nvSpPr>
+          <p:cNvPr id="45" name="Title 1">
+            <a:extLst>
+              <a:ext uri="{FF2B5EF4-FFF2-40B4-BE49-F238E27FC236}">
+                <a16:creationId xmlns:a16="http://schemas.microsoft.com/office/drawing/2014/main" id="{EFD12D2A-E76E-4DBD-B683-1CD85BA6E911}"/>
+              </a:ext>
+            </a:extLst>
+          </p:cNvPr>
+          <p:cNvSpPr txBox="1">
+            <a:spLocks/>
+          </p:cNvSpPr>
           <p:nvPr/>
-        </p:nvPicPr>
-        <p:blipFill>
-          <a:blip r:embed="rId4">
-            <a:lum bright="70000" contrast="-70000"/>
-            <a:extLst>
-              <a:ext uri="{28A0092B-C50C-407E-A947-70E740481C1C}">
-                <a14:useLocalDpi xmlns:a14="http://schemas.microsoft.com/office/drawing/2010/main" val="0"/>
-              </a:ext>
-            </a:extLst>
-          </a:blip>
-          <a:stretch>
-            <a:fillRect/>
-          </a:stretch>
-        </p:blipFill>
+        </p:nvSpPr>
         <p:spPr>
           <a:xfrm>
-            <a:off x="3922456" y="1379757"/>
-            <a:ext cx="1037492" cy="1037492"/>
+            <a:off x="553294" y="46041"/>
+            <a:ext cx="10515600" cy="989222"/>
           </a:xfrm>
           <a:prstGeom prst="rect">
             <a:avLst/>
           </a:prstGeom>
         </p:spPr>
-      </p:pic>
-      <p:pic>
-        <p:nvPicPr>
-          <p:cNvPr id="4" name="Picture 3">
-            <a:extLst>
-              <a:ext uri="{FF2B5EF4-FFF2-40B4-BE49-F238E27FC236}">
-                <a16:creationId xmlns:a16="http://schemas.microsoft.com/office/drawing/2014/main" id="{7EB271BA-973D-439E-A8B2-73B6C085F383}"/>
-              </a:ext>
-            </a:extLst>
-          </p:cNvPr>
-          <p:cNvPicPr>
-            <a:picLocks noChangeAspect="1"/>
-          </p:cNvPicPr>
-          <p:nvPr/>
-        </p:nvPicPr>
-        <p:blipFill>
-          <a:blip r:embed="rId5">
-            <a:lum bright="70000" contrast="-70000"/>
-            <a:extLst>
-              <a:ext uri="{28A0092B-C50C-407E-A947-70E740481C1C}">
-                <a14:useLocalDpi xmlns:a14="http://schemas.microsoft.com/office/drawing/2010/main" val="0"/>
-              </a:ext>
-            </a:extLst>
-          </a:blip>
-          <a:stretch>
-            <a:fillRect/>
-          </a:stretch>
-        </p:blipFill>
-        <p:spPr>
-          <a:xfrm>
-            <a:off x="1047570" y="1417662"/>
-            <a:ext cx="1053206" cy="1053206"/>
-          </a:xfrm>
-          <a:prstGeom prst="rect">
-            <a:avLst/>
-          </a:prstGeom>
-        </p:spPr>
-      </p:pic>
+        <p:txBody>
+          <a:bodyPr vert="horz" lIns="91440" tIns="45720" rIns="91440" bIns="45720" rtlCol="0" anchor="b">
+            <a:normAutofit/>
+          </a:bodyPr>
+          <a:lstStyle>
+            <a:lvl1pPr algn="ctr" defTabSz="914400" rtl="0" eaLnBrk="1" latinLnBrk="0" hangingPunct="1">
+              <a:lnSpc>
+                <a:spcPct val="90000"/>
+              </a:lnSpc>
+              <a:spcBef>
+                <a:spcPct val="0"/>
+              </a:spcBef>
+              <a:buNone/>
+              <a:defRPr sz="6000" kern="1200">
+                <a:solidFill>
+                  <a:schemeClr val="tx1"/>
+                </a:solidFill>
+                <a:latin typeface="+mj-lt"/>
+                <a:ea typeface="+mj-ea"/>
+                <a:cs typeface="+mj-cs"/>
+              </a:defRPr>
+            </a:lvl1pPr>
+          </a:lstStyle>
+          <a:p>
+            <a:pPr algn="l"/>
+            <a:r>
+              <a:rPr lang="en-GB" sz="4800" dirty="0">
+                <a:solidFill>
+                  <a:schemeClr val="accent5">
+                    <a:lumMod val="75000"/>
+                  </a:schemeClr>
+                </a:solidFill>
+                <a:latin typeface="Bahnschrift Light" panose="020B0502040204020203" pitchFamily="34" charset="0"/>
+              </a:rPr>
+              <a:t>API workflow</a:t>
+            </a:r>
+          </a:p>
+        </p:txBody>
+      </p:sp>
       <p:sp>
         <p:nvSpPr>
-          <p:cNvPr id="31" name="TextBox 30">
-            <a:extLst>
-              <a:ext uri="{FF2B5EF4-FFF2-40B4-BE49-F238E27FC236}">
-                <a16:creationId xmlns:a16="http://schemas.microsoft.com/office/drawing/2014/main" id="{7EA74D73-3793-404D-AC5A-9889034704A6}"/>
+          <p:cNvPr id="35" name="TextBox 34">
+            <a:extLst>
+              <a:ext uri="{FF2B5EF4-FFF2-40B4-BE49-F238E27FC236}">
+                <a16:creationId xmlns:a16="http://schemas.microsoft.com/office/drawing/2014/main" id="{728574EF-064E-4D26-9842-2BF76EFFF497}"/>
               </a:ext>
             </a:extLst>
           </p:cNvPr>
@@ -4066,8 +5499,8 @@
         </p:nvSpPr>
         <p:spPr>
           <a:xfrm>
-            <a:off x="3492667" y="3064906"/>
-            <a:ext cx="3296373" cy="523220"/>
+            <a:off x="626084" y="5370133"/>
+            <a:ext cx="3296373" cy="1354217"/>
           </a:xfrm>
           <a:prstGeom prst="rect">
             <a:avLst/>
@@ -4081,25 +5514,151 @@
           <a:lstStyle/>
           <a:p>
             <a:r>
-              <a:rPr lang="en-GB" sz="2800" b="1" dirty="0">
+              <a:rPr lang="en-GB" sz="1600" dirty="0">
                 <a:solidFill>
-                  <a:schemeClr val="accent5">
-                    <a:lumMod val="50000"/>
+                  <a:schemeClr val="accent2">
+                    <a:lumMod val="75000"/>
                   </a:schemeClr>
                 </a:solidFill>
-                <a:latin typeface="Bahnschrift SemiBold" panose="020B0502040204020203" pitchFamily="34" charset="0"/>
+                <a:latin typeface="Lucida Console" panose="020B0609040504020204" pitchFamily="49" charset="0"/>
               </a:rPr>
-              <a:t>GET request</a:t>
+              <a:t>paste0()</a:t>
+            </a:r>
+          </a:p>
+          <a:p>
+            <a:r>
+              <a:rPr lang="en-GB" sz="1600" dirty="0" err="1">
+                <a:solidFill>
+                  <a:schemeClr val="accent2">
+                    <a:lumMod val="75000"/>
+                  </a:schemeClr>
+                </a:solidFill>
+                <a:latin typeface="Lucida Console" panose="020B0609040504020204" pitchFamily="49" charset="0"/>
+              </a:rPr>
+              <a:t>httr</a:t>
+            </a:r>
+            <a:r>
+              <a:rPr lang="en-GB" sz="1600" dirty="0">
+                <a:solidFill>
+                  <a:schemeClr val="accent2">
+                    <a:lumMod val="75000"/>
+                  </a:schemeClr>
+                </a:solidFill>
+                <a:latin typeface="Lucida Console" panose="020B0609040504020204" pitchFamily="49" charset="0"/>
+              </a:rPr>
+              <a:t>::</a:t>
+            </a:r>
+            <a:r>
+              <a:rPr lang="en-GB" sz="1600" dirty="0" err="1">
+                <a:solidFill>
+                  <a:schemeClr val="accent2">
+                    <a:lumMod val="75000"/>
+                  </a:schemeClr>
+                </a:solidFill>
+                <a:latin typeface="Lucida Console" panose="020B0609040504020204" pitchFamily="49" charset="0"/>
+              </a:rPr>
+              <a:t>modify_url</a:t>
+            </a:r>
+            <a:r>
+              <a:rPr lang="en-GB" sz="1600" dirty="0">
+                <a:solidFill>
+                  <a:schemeClr val="accent2">
+                    <a:lumMod val="75000"/>
+                  </a:schemeClr>
+                </a:solidFill>
+                <a:latin typeface="Lucida Console" panose="020B0609040504020204" pitchFamily="49" charset="0"/>
+              </a:rPr>
+              <a:t>()</a:t>
+            </a:r>
+          </a:p>
+          <a:p>
+            <a:endParaRPr lang="en-GB" sz="1600" dirty="0">
+              <a:solidFill>
+                <a:schemeClr val="accent2">
+                  <a:lumMod val="75000"/>
+                </a:schemeClr>
+              </a:solidFill>
+              <a:latin typeface="Lucida Console" panose="020B0609040504020204" pitchFamily="49" charset="0"/>
+            </a:endParaRPr>
+          </a:p>
+          <a:p>
+            <a:r>
+              <a:rPr lang="en-GB" sz="1600" dirty="0" err="1">
+                <a:solidFill>
+                  <a:schemeClr val="accent2">
+                    <a:lumMod val="75000"/>
+                  </a:schemeClr>
+                </a:solidFill>
+                <a:latin typeface="Lucida Console" panose="020B0609040504020204" pitchFamily="49" charset="0"/>
+              </a:rPr>
+              <a:t>httr</a:t>
+            </a:r>
+            <a:r>
+              <a:rPr lang="en-GB" sz="1600" dirty="0">
+                <a:solidFill>
+                  <a:schemeClr val="accent2">
+                    <a:lumMod val="75000"/>
+                  </a:schemeClr>
+                </a:solidFill>
+                <a:latin typeface="Lucida Console" panose="020B0609040504020204" pitchFamily="49" charset="0"/>
+              </a:rPr>
+              <a:t>::authenticate()</a:t>
+            </a:r>
+          </a:p>
+          <a:p>
+            <a:r>
+              <a:rPr lang="en-GB" sz="1600" dirty="0" err="1">
+                <a:solidFill>
+                  <a:schemeClr val="accent2">
+                    <a:lumMod val="75000"/>
+                  </a:schemeClr>
+                </a:solidFill>
+                <a:latin typeface="Lucida Console" panose="020B0609040504020204" pitchFamily="49" charset="0"/>
+              </a:rPr>
+              <a:t>httr</a:t>
+            </a:r>
+            <a:r>
+              <a:rPr lang="en-GB" sz="1600" dirty="0">
+                <a:solidFill>
+                  <a:schemeClr val="accent2">
+                    <a:lumMod val="75000"/>
+                  </a:schemeClr>
+                </a:solidFill>
+                <a:latin typeface="Lucida Console" panose="020B0609040504020204" pitchFamily="49" charset="0"/>
+              </a:rPr>
+              <a:t>::</a:t>
+            </a:r>
+            <a:r>
+              <a:rPr lang="en-GB" sz="1600" dirty="0" err="1">
+                <a:solidFill>
+                  <a:schemeClr val="accent2">
+                    <a:lumMod val="75000"/>
+                  </a:schemeClr>
+                </a:solidFill>
+                <a:latin typeface="Lucida Console" panose="020B0609040504020204" pitchFamily="49" charset="0"/>
+              </a:rPr>
+              <a:t>oauth_app</a:t>
+            </a:r>
+            <a:r>
+              <a:rPr lang="en-GB" sz="1600" dirty="0">
+                <a:solidFill>
+                  <a:schemeClr val="accent2">
+                    <a:lumMod val="75000"/>
+                  </a:schemeClr>
+                </a:solidFill>
+                <a:latin typeface="Lucida Console" panose="020B0609040504020204" pitchFamily="49" charset="0"/>
+              </a:rPr>
+              <a:t>()</a:t>
             </a:r>
           </a:p>
         </p:txBody>
       </p:sp>
       <p:sp>
         <p:nvSpPr>
-          <p:cNvPr id="34" name="TextBox 33">
-            <a:extLst>
-              <a:ext uri="{FF2B5EF4-FFF2-40B4-BE49-F238E27FC236}">
-                <a16:creationId xmlns:a16="http://schemas.microsoft.com/office/drawing/2014/main" id="{1EFC3218-AD91-475D-82A5-9C63CE2D7B59}"/>
+          <p:cNvPr id="37" name="TextBox 36">
+            <a:extLst>
+              <a:ext uri="{FF2B5EF4-FFF2-40B4-BE49-F238E27FC236}">
+                <a16:creationId xmlns:a16="http://schemas.microsoft.com/office/drawing/2014/main" id="{D985998D-806A-4C2F-8AD4-8C9D15A1D426}"/>
               </a:ext>
             </a:extLst>
           </p:cNvPr>
@@ -4108,7 +5667,133 @@
         </p:nvSpPr>
         <p:spPr>
           <a:xfrm>
-            <a:off x="6359251" y="3064905"/>
+            <a:off x="3546230" y="5375984"/>
+            <a:ext cx="3296373" cy="338554"/>
+          </a:xfrm>
+          <a:prstGeom prst="rect">
+            <a:avLst/>
+          </a:prstGeom>
+          <a:noFill/>
+        </p:spPr>
+        <p:txBody>
+          <a:bodyPr wrap="square" rtlCol="0">
+            <a:spAutoFit/>
+          </a:bodyPr>
+          <a:lstStyle/>
+          <a:p>
+            <a:r>
+              <a:rPr lang="en-GB" sz="1600" dirty="0" err="1">
+                <a:solidFill>
+                  <a:schemeClr val="accent2">
+                    <a:lumMod val="75000"/>
+                  </a:schemeClr>
+                </a:solidFill>
+                <a:latin typeface="Lucida Console" panose="020B0609040504020204" pitchFamily="49" charset="0"/>
+              </a:rPr>
+              <a:t>httr</a:t>
+            </a:r>
+            <a:r>
+              <a:rPr lang="en-GB" sz="1600" dirty="0">
+                <a:solidFill>
+                  <a:schemeClr val="accent2">
+                    <a:lumMod val="75000"/>
+                  </a:schemeClr>
+                </a:solidFill>
+                <a:latin typeface="Lucida Console" panose="020B0609040504020204" pitchFamily="49" charset="0"/>
+              </a:rPr>
+              <a:t>::GET()</a:t>
+            </a:r>
+          </a:p>
+        </p:txBody>
+      </p:sp>
+      <p:sp>
+        <p:nvSpPr>
+          <p:cNvPr id="38" name="TextBox 37">
+            <a:extLst>
+              <a:ext uri="{FF2B5EF4-FFF2-40B4-BE49-F238E27FC236}">
+                <a16:creationId xmlns:a16="http://schemas.microsoft.com/office/drawing/2014/main" id="{2A02D7EF-A109-49F8-AA80-A9CCBDC6AFF5}"/>
+              </a:ext>
+            </a:extLst>
+          </p:cNvPr>
+          <p:cNvSpPr txBox="1"/>
+          <p:nvPr/>
+        </p:nvSpPr>
+        <p:spPr>
+          <a:xfrm>
+            <a:off x="6359252" y="5370132"/>
+            <a:ext cx="3296373" cy="338554"/>
+          </a:xfrm>
+          <a:prstGeom prst="rect">
+            <a:avLst/>
+          </a:prstGeom>
+          <a:noFill/>
+        </p:spPr>
+        <p:txBody>
+          <a:bodyPr wrap="square" rtlCol="0">
+            <a:spAutoFit/>
+          </a:bodyPr>
+          <a:lstStyle/>
+          <a:p>
+            <a:r>
+              <a:rPr lang="en-GB" sz="1600" dirty="0" err="1">
+                <a:solidFill>
+                  <a:schemeClr val="accent2">
+                    <a:lumMod val="75000"/>
+                  </a:schemeClr>
+                </a:solidFill>
+                <a:latin typeface="Lucida Console" panose="020B0609040504020204" pitchFamily="49" charset="0"/>
+              </a:rPr>
+              <a:t>httr</a:t>
+            </a:r>
+            <a:r>
+              <a:rPr lang="en-GB" sz="1600" dirty="0">
+                <a:solidFill>
+                  <a:schemeClr val="accent2">
+                    <a:lumMod val="75000"/>
+                  </a:schemeClr>
+                </a:solidFill>
+                <a:latin typeface="Lucida Console" panose="020B0609040504020204" pitchFamily="49" charset="0"/>
+              </a:rPr>
+              <a:t>:</a:t>
+            </a:r>
+            <a:r>
+              <a:rPr lang="en-GB" sz="1600" dirty="0">
+                <a:solidFill>
+                  <a:schemeClr val="accent2">
+                    <a:lumMod val="75000"/>
+                  </a:schemeClr>
+                </a:solidFill>
+                <a:latin typeface="Lucida Console" panose="020B0609040504020204" pitchFamily="49" charset="0"/>
+                <a:sym typeface="Wingdings" panose="05000000000000000000" pitchFamily="2" charset="2"/>
+              </a:rPr>
+              <a:t>:content()</a:t>
+            </a:r>
+            <a:endParaRPr lang="en-GB" sz="1200" dirty="0">
+              <a:solidFill>
+                <a:schemeClr val="accent2">
+                  <a:lumMod val="75000"/>
+                </a:schemeClr>
+              </a:solidFill>
+              <a:latin typeface="Lucida Console" panose="020B0609040504020204" pitchFamily="49" charset="0"/>
+            </a:endParaRPr>
+          </a:p>
+        </p:txBody>
+      </p:sp>
+      <p:sp>
+        <p:nvSpPr>
+          <p:cNvPr id="39" name="TextBox 38">
+            <a:extLst>
+              <a:ext uri="{FF2B5EF4-FFF2-40B4-BE49-F238E27FC236}">
+                <a16:creationId xmlns:a16="http://schemas.microsoft.com/office/drawing/2014/main" id="{E9467F20-F874-42E4-8FCD-9077057EB157}"/>
+              </a:ext>
+            </a:extLst>
+          </p:cNvPr>
+          <p:cNvSpPr txBox="1"/>
+          <p:nvPr/>
+        </p:nvSpPr>
+        <p:spPr>
+          <a:xfrm>
+            <a:off x="9223545" y="5364280"/>
             <a:ext cx="3296373" cy="830997"/>
           </a:xfrm>
           <a:prstGeom prst="rect">
@@ -4123,93 +5808,252 @@
           <a:lstStyle/>
           <a:p>
             <a:r>
-              <a:rPr lang="en-GB" sz="2800" b="1" dirty="0">
+              <a:rPr lang="en-GB" sz="1600" dirty="0">
                 <a:solidFill>
-                  <a:schemeClr val="accent5">
-                    <a:lumMod val="50000"/>
+                  <a:schemeClr val="accent2">
+                    <a:lumMod val="75000"/>
                   </a:schemeClr>
                 </a:solidFill>
-                <a:latin typeface="Bahnschrift SemiBold" panose="020B0502040204020203" pitchFamily="34" charset="0"/>
+                <a:latin typeface="Lucida Console" panose="020B0609040504020204" pitchFamily="49" charset="0"/>
               </a:rPr>
-              <a:t>Extract</a:t>
-            </a:r>
-          </a:p>
-          <a:p>
-            <a:r>
-              <a:rPr lang="en-GB" sz="2000" b="1" dirty="0">
+              <a:t>list functions:</a:t>
+            </a:r>
+          </a:p>
+          <a:p>
+            <a:pPr marL="285750" indent="-285750">
+              <a:buFontTx/>
+              <a:buChar char="-"/>
+            </a:pPr>
+            <a:r>
+              <a:rPr lang="en-GB" sz="1600" dirty="0" err="1">
                 <a:solidFill>
-                  <a:schemeClr val="tx1">
-                    <a:lumMod val="50000"/>
-                    <a:lumOff val="50000"/>
+                  <a:schemeClr val="accent2">
+                    <a:lumMod val="75000"/>
                   </a:schemeClr>
                 </a:solidFill>
-                <a:latin typeface="Bahnschrift SemiBold" panose="020B0502040204020203" pitchFamily="34" charset="0"/>
+                <a:latin typeface="Lucida Console" panose="020B0609040504020204" pitchFamily="49" charset="0"/>
               </a:rPr>
-              <a:t>and parse content</a:t>
-            </a:r>
+              <a:t>purrr</a:t>
+            </a:r>
+            <a:r>
+              <a:rPr lang="en-GB" sz="1600" dirty="0">
+                <a:solidFill>
+                  <a:schemeClr val="accent2">
+                    <a:lumMod val="75000"/>
+                  </a:schemeClr>
+                </a:solidFill>
+                <a:latin typeface="Lucida Console" panose="020B0609040504020204" pitchFamily="49" charset="0"/>
+              </a:rPr>
+              <a:t> package</a:t>
+            </a:r>
+          </a:p>
+          <a:p>
+            <a:pPr marL="285750" indent="-285750">
+              <a:buFontTx/>
+              <a:buChar char="-"/>
+            </a:pPr>
+            <a:r>
+              <a:rPr lang="en-GB" sz="1600" dirty="0" err="1">
+                <a:solidFill>
+                  <a:schemeClr val="accent2">
+                    <a:lumMod val="75000"/>
+                  </a:schemeClr>
+                </a:solidFill>
+                <a:latin typeface="Lucida Console" panose="020B0609040504020204" pitchFamily="49" charset="0"/>
+              </a:rPr>
+              <a:t>rlist</a:t>
+            </a:r>
+            <a:endParaRPr lang="en-GB" sz="1600" dirty="0">
+              <a:solidFill>
+                <a:schemeClr val="accent2">
+                  <a:lumMod val="75000"/>
+                </a:schemeClr>
+              </a:solidFill>
+              <a:latin typeface="Lucida Console" panose="020B0609040504020204" pitchFamily="49" charset="0"/>
+            </a:endParaRPr>
           </a:p>
         </p:txBody>
       </p:sp>
-      <p:sp>
-        <p:nvSpPr>
-          <p:cNvPr id="36" name="TextBox 35">
-            <a:extLst>
-              <a:ext uri="{FF2B5EF4-FFF2-40B4-BE49-F238E27FC236}">
-                <a16:creationId xmlns:a16="http://schemas.microsoft.com/office/drawing/2014/main" id="{F6A48D41-0F9B-4088-A05D-18871D6CB335}"/>
-              </a:ext>
-            </a:extLst>
-          </p:cNvPr>
-          <p:cNvSpPr txBox="1"/>
+      <p:cxnSp>
+        <p:nvCxnSpPr>
+          <p:cNvPr id="6" name="Straight Arrow Connector 5">
+            <a:extLst>
+              <a:ext uri="{FF2B5EF4-FFF2-40B4-BE49-F238E27FC236}">
+                <a16:creationId xmlns:a16="http://schemas.microsoft.com/office/drawing/2014/main" id="{6E432887-2528-4CBC-9D2E-69302CAA0FAC}"/>
+              </a:ext>
+            </a:extLst>
+          </p:cNvPr>
+          <p:cNvCxnSpPr/>
           <p:nvPr/>
-        </p:nvSpPr>
+        </p:nvCxnSpPr>
         <p:spPr>
           <a:xfrm>
-            <a:off x="9223544" y="3064905"/>
-            <a:ext cx="3296373" cy="830997"/>
+            <a:off x="1475117" y="4968816"/>
+            <a:ext cx="0" cy="309201"/>
           </a:xfrm>
-          <a:prstGeom prst="rect">
+          <a:prstGeom prst="straightConnector1">
             <a:avLst/>
           </a:prstGeom>
-          <a:noFill/>
+          <a:ln>
+            <a:solidFill>
+              <a:schemeClr val="accent2">
+                <a:lumMod val="75000"/>
+              </a:schemeClr>
+            </a:solidFill>
+            <a:tailEnd type="triangle"/>
+          </a:ln>
         </p:spPr>
-        <p:txBody>
-          <a:bodyPr wrap="square" rtlCol="0">
-            <a:spAutoFit/>
-          </a:bodyPr>
-          <a:lstStyle/>
-          <a:p>
-            <a:r>
-              <a:rPr lang="en-GB" sz="2800" b="1" dirty="0">
-                <a:solidFill>
-                  <a:schemeClr val="accent5">
-                    <a:lumMod val="50000"/>
-                  </a:schemeClr>
-                </a:solidFill>
-                <a:latin typeface="Bahnschrift SemiBold" panose="020B0502040204020203" pitchFamily="34" charset="0"/>
-              </a:rPr>
-              <a:t>Select</a:t>
-            </a:r>
-          </a:p>
-          <a:p>
-            <a:r>
-              <a:rPr lang="en-GB" sz="2000" b="1" dirty="0">
-                <a:solidFill>
-                  <a:schemeClr val="tx1">
-                    <a:lumMod val="50000"/>
-                    <a:lumOff val="50000"/>
-                  </a:schemeClr>
-                </a:solidFill>
-                <a:latin typeface="Bahnschrift SemiBold" panose="020B0502040204020203" pitchFamily="34" charset="0"/>
-              </a:rPr>
-              <a:t>the info you need</a:t>
-            </a:r>
-          </a:p>
-        </p:txBody>
-      </p:sp>
+        <p:style>
+          <a:lnRef idx="1">
+            <a:schemeClr val="accent2"/>
+          </a:lnRef>
+          <a:fillRef idx="0">
+            <a:schemeClr val="accent2"/>
+          </a:fillRef>
+          <a:effectRef idx="0">
+            <a:schemeClr val="accent2"/>
+          </a:effectRef>
+          <a:fontRef idx="minor">
+            <a:schemeClr val="tx1"/>
+          </a:fontRef>
+        </p:style>
+      </p:cxnSp>
+      <p:cxnSp>
+        <p:nvCxnSpPr>
+          <p:cNvPr id="46" name="Straight Arrow Connector 45">
+            <a:extLst>
+              <a:ext uri="{FF2B5EF4-FFF2-40B4-BE49-F238E27FC236}">
+                <a16:creationId xmlns:a16="http://schemas.microsoft.com/office/drawing/2014/main" id="{81F299D7-3B7C-4C40-B251-81111978278C}"/>
+              </a:ext>
+            </a:extLst>
+          </p:cNvPr>
+          <p:cNvCxnSpPr/>
+          <p:nvPr/>
+        </p:nvCxnSpPr>
+        <p:spPr>
+          <a:xfrm>
+            <a:off x="4249947" y="4968816"/>
+            <a:ext cx="0" cy="309201"/>
+          </a:xfrm>
+          <a:prstGeom prst="straightConnector1">
+            <a:avLst/>
+          </a:prstGeom>
+          <a:ln>
+            <a:solidFill>
+              <a:schemeClr val="accent2">
+                <a:lumMod val="75000"/>
+              </a:schemeClr>
+            </a:solidFill>
+            <a:tailEnd type="triangle"/>
+          </a:ln>
+        </p:spPr>
+        <p:style>
+          <a:lnRef idx="1">
+            <a:schemeClr val="accent2"/>
+          </a:lnRef>
+          <a:fillRef idx="0">
+            <a:schemeClr val="accent2"/>
+          </a:fillRef>
+          <a:effectRef idx="0">
+            <a:schemeClr val="accent2"/>
+          </a:effectRef>
+          <a:fontRef idx="minor">
+            <a:schemeClr val="tx1"/>
+          </a:fontRef>
+        </p:style>
+      </p:cxnSp>
+      <p:cxnSp>
+        <p:nvCxnSpPr>
+          <p:cNvPr id="47" name="Straight Arrow Connector 46">
+            <a:extLst>
+              <a:ext uri="{FF2B5EF4-FFF2-40B4-BE49-F238E27FC236}">
+                <a16:creationId xmlns:a16="http://schemas.microsoft.com/office/drawing/2014/main" id="{0FE43C89-CF75-4598-90C3-EC0774799D29}"/>
+              </a:ext>
+            </a:extLst>
+          </p:cNvPr>
+          <p:cNvCxnSpPr/>
+          <p:nvPr/>
+        </p:nvCxnSpPr>
+        <p:spPr>
+          <a:xfrm>
+            <a:off x="7045900" y="4968816"/>
+            <a:ext cx="0" cy="309201"/>
+          </a:xfrm>
+          <a:prstGeom prst="straightConnector1">
+            <a:avLst/>
+          </a:prstGeom>
+          <a:ln>
+            <a:solidFill>
+              <a:schemeClr val="accent2">
+                <a:lumMod val="75000"/>
+              </a:schemeClr>
+            </a:solidFill>
+            <a:tailEnd type="triangle"/>
+          </a:ln>
+        </p:spPr>
+        <p:style>
+          <a:lnRef idx="1">
+            <a:schemeClr val="accent2"/>
+          </a:lnRef>
+          <a:fillRef idx="0">
+            <a:schemeClr val="accent2"/>
+          </a:fillRef>
+          <a:effectRef idx="0">
+            <a:schemeClr val="accent2"/>
+          </a:effectRef>
+          <a:fontRef idx="minor">
+            <a:schemeClr val="tx1"/>
+          </a:fontRef>
+        </p:style>
+      </p:cxnSp>
+      <p:cxnSp>
+        <p:nvCxnSpPr>
+          <p:cNvPr id="48" name="Straight Arrow Connector 47">
+            <a:extLst>
+              <a:ext uri="{FF2B5EF4-FFF2-40B4-BE49-F238E27FC236}">
+                <a16:creationId xmlns:a16="http://schemas.microsoft.com/office/drawing/2014/main" id="{D22AC044-3DEE-425B-BC99-B92197DDBDF1}"/>
+              </a:ext>
+            </a:extLst>
+          </p:cNvPr>
+          <p:cNvCxnSpPr/>
+          <p:nvPr/>
+        </p:nvCxnSpPr>
+        <p:spPr>
+          <a:xfrm>
+            <a:off x="9903707" y="4968816"/>
+            <a:ext cx="0" cy="309201"/>
+          </a:xfrm>
+          <a:prstGeom prst="straightConnector1">
+            <a:avLst/>
+          </a:prstGeom>
+          <a:ln>
+            <a:solidFill>
+              <a:schemeClr val="accent2">
+                <a:lumMod val="75000"/>
+              </a:schemeClr>
+            </a:solidFill>
+            <a:tailEnd type="triangle"/>
+          </a:ln>
+        </p:spPr>
+        <p:style>
+          <a:lnRef idx="1">
+            <a:schemeClr val="accent2"/>
+          </a:lnRef>
+          <a:fillRef idx="0">
+            <a:schemeClr val="accent2"/>
+          </a:fillRef>
+          <a:effectRef idx="0">
+            <a:schemeClr val="accent2"/>
+          </a:effectRef>
+          <a:fontRef idx="minor">
+            <a:schemeClr val="tx1"/>
+          </a:fontRef>
+        </p:style>
+      </p:cxnSp>
     </p:spTree>
     <p:extLst>
       <p:ext uri="{BB962C8B-B14F-4D97-AF65-F5344CB8AC3E}">
-        <p14:creationId xmlns:p14="http://schemas.microsoft.com/office/powerpoint/2010/main" val="1167410364"/>
+        <p14:creationId xmlns:p14="http://schemas.microsoft.com/office/powerpoint/2010/main" val="1804062607"/>
       </p:ext>
     </p:extLst>
   </p:cSld>
@@ -4219,7 +6063,7 @@
 </p:sld>
 </file>
 
-<file path=ppt/slides/slide2.xml><?xml version="1.0" encoding="utf-8"?>
+<file path=ppt/slides/slide4.xml><?xml version="1.0" encoding="utf-8"?>
 <p:sld xmlns:a="http://schemas.openxmlformats.org/drawingml/2006/main" xmlns:r="http://schemas.openxmlformats.org/officeDocument/2006/relationships" xmlns:p="http://schemas.openxmlformats.org/presentationml/2006/main">
   <p:cSld>
     <p:spTree>
@@ -4238,80 +6082,97 @@
       </p:grpSpPr>
       <p:sp>
         <p:nvSpPr>
-          <p:cNvPr id="2" name="TextBox 1">
-            <a:extLst>
-              <a:ext uri="{FF2B5EF4-FFF2-40B4-BE49-F238E27FC236}">
-                <a16:creationId xmlns:a16="http://schemas.microsoft.com/office/drawing/2014/main" id="{68AFE84C-BED5-41A0-89EC-C78D3A049FFC}"/>
-              </a:ext>
-            </a:extLst>
-          </p:cNvPr>
-          <p:cNvSpPr txBox="1"/>
-          <p:nvPr/>
+          <p:cNvPr id="2" name="Title 1">
+            <a:extLst>
+              <a:ext uri="{FF2B5EF4-FFF2-40B4-BE49-F238E27FC236}">
+                <a16:creationId xmlns:a16="http://schemas.microsoft.com/office/drawing/2014/main" id="{3FFDA2FB-656E-4210-BED1-BCAE12A9504F}"/>
+              </a:ext>
+            </a:extLst>
+          </p:cNvPr>
+          <p:cNvSpPr>
+            <a:spLocks noGrp="1"/>
+          </p:cNvSpPr>
+          <p:nvPr>
+            <p:ph type="ctrTitle"/>
+          </p:nvPr>
         </p:nvSpPr>
-        <p:spPr>
-          <a:xfrm>
-            <a:off x="626083" y="3064906"/>
-            <a:ext cx="3296373" cy="1138773"/>
-          </a:xfrm>
-          <a:prstGeom prst="rect">
-            <a:avLst/>
-          </a:prstGeom>
-          <a:noFill/>
-        </p:spPr>
+        <p:spPr/>
         <p:txBody>
-          <a:bodyPr wrap="square" rtlCol="0">
-            <a:spAutoFit/>
-          </a:bodyPr>
+          <a:bodyPr/>
           <a:lstStyle/>
           <a:p>
             <a:r>
-              <a:rPr lang="en-GB" sz="2800" b="1" dirty="0">
-                <a:solidFill>
-                  <a:schemeClr val="accent5">
-                    <a:lumMod val="50000"/>
-                  </a:schemeClr>
-                </a:solidFill>
-                <a:latin typeface="Bahnschrift SemiBold" panose="020B0502040204020203" pitchFamily="34" charset="0"/>
-              </a:rPr>
-              <a:t>Prepare</a:t>
-            </a:r>
-          </a:p>
-          <a:p>
-            <a:r>
-              <a:rPr lang="en-GB" sz="2000" b="1" dirty="0">
-                <a:solidFill>
-                  <a:schemeClr val="tx1">
-                    <a:lumMod val="50000"/>
-                    <a:lumOff val="50000"/>
-                  </a:schemeClr>
-                </a:solidFill>
-                <a:latin typeface="Bahnschrift SemiBold" panose="020B0502040204020203" pitchFamily="34" charset="0"/>
-              </a:rPr>
-              <a:t>- URL construction</a:t>
-            </a:r>
-          </a:p>
-          <a:p>
-            <a:r>
-              <a:rPr lang="en-GB" sz="2000" b="1" dirty="0">
-                <a:solidFill>
-                  <a:schemeClr val="tx1">
-                    <a:lumMod val="50000"/>
-                    <a:lumOff val="50000"/>
-                  </a:schemeClr>
-                </a:solidFill>
-                <a:latin typeface="Bahnschrift SemiBold" panose="020B0502040204020203" pitchFamily="34" charset="0"/>
-              </a:rPr>
-              <a:t>- Authentication</a:t>
+              <a:rPr lang="en-GB" dirty="0" err="1"/>
+              <a:t>webscraping</a:t>
+            </a:r>
+            <a:r>
+              <a:rPr lang="en-GB" dirty="0"/>
+              <a:t> workflow</a:t>
             </a:r>
           </a:p>
         </p:txBody>
       </p:sp>
+      <p:sp>
+        <p:nvSpPr>
+          <p:cNvPr id="3" name="Subtitle 2">
+            <a:extLst>
+              <a:ext uri="{FF2B5EF4-FFF2-40B4-BE49-F238E27FC236}">
+                <a16:creationId xmlns:a16="http://schemas.microsoft.com/office/drawing/2014/main" id="{8778B39E-34FF-4CCD-A592-F7FC7DA2BED4}"/>
+              </a:ext>
+            </a:extLst>
+          </p:cNvPr>
+          <p:cNvSpPr>
+            <a:spLocks noGrp="1"/>
+          </p:cNvSpPr>
+          <p:nvPr>
+            <p:ph type="subTitle" idx="1"/>
+          </p:nvPr>
+        </p:nvSpPr>
+        <p:spPr/>
+        <p:txBody>
+          <a:bodyPr/>
+          <a:lstStyle/>
+          <a:p>
+            <a:endParaRPr lang="en-GB"/>
+          </a:p>
+        </p:txBody>
+      </p:sp>
+    </p:spTree>
+    <p:extLst>
+      <p:ext uri="{BB962C8B-B14F-4D97-AF65-F5344CB8AC3E}">
+        <p14:creationId xmlns:p14="http://schemas.microsoft.com/office/powerpoint/2010/main" val="468650886"/>
+      </p:ext>
+    </p:extLst>
+  </p:cSld>
+  <p:clrMapOvr>
+    <a:masterClrMapping/>
+  </p:clrMapOvr>
+</p:sld>
+</file>
+
+<file path=ppt/slides/slide5.xml><?xml version="1.0" encoding="utf-8"?>
+<p:sld xmlns:a="http://schemas.openxmlformats.org/drawingml/2006/main" xmlns:r="http://schemas.openxmlformats.org/officeDocument/2006/relationships" xmlns:p="http://schemas.openxmlformats.org/presentationml/2006/main">
+  <p:cSld>
+    <p:spTree>
+      <p:nvGrpSpPr>
+        <p:cNvPr id="1" name=""/>
+        <p:cNvGrpSpPr/>
+        <p:nvPr/>
+      </p:nvGrpSpPr>
+      <p:grpSpPr>
+        <a:xfrm>
+          <a:off x="0" y="0"/>
+          <a:ext cx="0" cy="0"/>
+          <a:chOff x="0" y="0"/>
+          <a:chExt cx="0" cy="0"/>
+        </a:xfrm>
+      </p:grpSpPr>
       <p:grpSp>
         <p:nvGrpSpPr>
-          <p:cNvPr id="30" name="Group 29">
-            <a:extLst>
-              <a:ext uri="{FF2B5EF4-FFF2-40B4-BE49-F238E27FC236}">
-                <a16:creationId xmlns:a16="http://schemas.microsoft.com/office/drawing/2014/main" id="{373D3B2E-2894-494E-ABEE-CE8B86596058}"/>
+          <p:cNvPr id="71" name="Group 70">
+            <a:extLst>
+              <a:ext uri="{FF2B5EF4-FFF2-40B4-BE49-F238E27FC236}">
+                <a16:creationId xmlns:a16="http://schemas.microsoft.com/office/drawing/2014/main" id="{E76DC818-B93F-4292-A99A-48F76A72ED60}"/>
               </a:ext>
             </a:extLst>
           </p:cNvPr>
@@ -4320,18 +6181,18 @@
         </p:nvGrpSpPr>
         <p:grpSpPr>
           <a:xfrm>
-            <a:off x="6358105" y="771331"/>
-            <a:ext cx="1845350" cy="1897643"/>
-            <a:chOff x="6358105" y="771331"/>
-            <a:chExt cx="1845350" cy="1897643"/>
+            <a:off x="626084" y="1443976"/>
+            <a:ext cx="11286996" cy="3124572"/>
+            <a:chOff x="626083" y="771331"/>
+            <a:chExt cx="11286996" cy="3124572"/>
           </a:xfrm>
         </p:grpSpPr>
         <p:grpSp>
           <p:nvGrpSpPr>
-            <p:cNvPr id="20" name="Group 19">
+            <p:cNvPr id="72" name="Group 71">
               <a:extLst>
                 <a:ext uri="{FF2B5EF4-FFF2-40B4-BE49-F238E27FC236}">
-                  <a16:creationId xmlns:a16="http://schemas.microsoft.com/office/drawing/2014/main" id="{354BA311-04C6-43D6-AF28-B5DD03A2FE32}"/>
+                  <a16:creationId xmlns:a16="http://schemas.microsoft.com/office/drawing/2014/main" id="{1934E49D-DA5E-4F2E-A520-88EDADF5D425}"/>
                 </a:ext>
               </a:extLst>
             </p:cNvPr>
@@ -4342,16 +6203,410 @@
             <a:xfrm>
               <a:off x="6358105" y="771331"/>
               <a:ext cx="1845350" cy="1897643"/>
+              <a:chOff x="9223544" y="771331"/>
+              <a:chExt cx="1845350" cy="1897643"/>
+            </a:xfrm>
+          </p:grpSpPr>
+          <p:grpSp>
+            <p:nvGrpSpPr>
+              <p:cNvPr id="90" name="Group 89">
+                <a:extLst>
+                  <a:ext uri="{FF2B5EF4-FFF2-40B4-BE49-F238E27FC236}">
+                    <a16:creationId xmlns:a16="http://schemas.microsoft.com/office/drawing/2014/main" id="{A0FF00A5-2009-404D-94A8-32F1F351689B}"/>
+                  </a:ext>
+                </a:extLst>
+              </p:cNvPr>
+              <p:cNvGrpSpPr/>
+              <p:nvPr/>
+            </p:nvGrpSpPr>
+            <p:grpSpPr>
+              <a:xfrm>
+                <a:off x="9223544" y="771331"/>
+                <a:ext cx="1845350" cy="1897643"/>
+                <a:chOff x="6234160" y="771331"/>
+                <a:chExt cx="1845350" cy="1897643"/>
+              </a:xfrm>
+            </p:grpSpPr>
+            <p:sp>
+              <p:nvSpPr>
+                <p:cNvPr id="92" name="Oval 91">
+                  <a:extLst>
+                    <a:ext uri="{FF2B5EF4-FFF2-40B4-BE49-F238E27FC236}">
+                      <a16:creationId xmlns:a16="http://schemas.microsoft.com/office/drawing/2014/main" id="{CEF0AF62-762E-4994-8CE5-B972CA0BD954}"/>
+                    </a:ext>
+                  </a:extLst>
+                </p:cNvPr>
+                <p:cNvSpPr/>
+                <p:nvPr/>
+              </p:nvSpPr>
+              <p:spPr>
+                <a:xfrm>
+                  <a:off x="6234160" y="823624"/>
+                  <a:ext cx="1845350" cy="1845350"/>
+                </a:xfrm>
+                <a:prstGeom prst="ellipse">
+                  <a:avLst/>
+                </a:prstGeom>
+                <a:solidFill>
+                  <a:schemeClr val="accent5">
+                    <a:lumMod val="50000"/>
+                  </a:schemeClr>
+                </a:solidFill>
+              </p:spPr>
+              <p:style>
+                <a:lnRef idx="2">
+                  <a:schemeClr val="accent1">
+                    <a:shade val="50000"/>
+                  </a:schemeClr>
+                </a:lnRef>
+                <a:fillRef idx="1">
+                  <a:schemeClr val="accent1"/>
+                </a:fillRef>
+                <a:effectRef idx="0">
+                  <a:schemeClr val="accent1"/>
+                </a:effectRef>
+                <a:fontRef idx="minor">
+                  <a:schemeClr val="lt1"/>
+                </a:fontRef>
+              </p:style>
+              <p:txBody>
+                <a:bodyPr lIns="0" tIns="0" rtlCol="0" anchor="t"/>
+                <a:lstStyle/>
+                <a:p>
+                  <a:endParaRPr lang="en-GB" sz="4400" b="1" dirty="0"/>
+                </a:p>
+              </p:txBody>
+            </p:sp>
+            <p:sp>
+              <p:nvSpPr>
+                <p:cNvPr id="93" name="TextBox 92">
+                  <a:extLst>
+                    <a:ext uri="{FF2B5EF4-FFF2-40B4-BE49-F238E27FC236}">
+                      <a16:creationId xmlns:a16="http://schemas.microsoft.com/office/drawing/2014/main" id="{B778D133-7B43-4AAF-BA3C-B40D1E7D9B3E}"/>
+                    </a:ext>
+                  </a:extLst>
+                </p:cNvPr>
+                <p:cNvSpPr txBox="1"/>
+                <p:nvPr/>
+              </p:nvSpPr>
+              <p:spPr>
+                <a:xfrm>
+                  <a:off x="6919080" y="771331"/>
+                  <a:ext cx="475510" cy="646331"/>
+                </a:xfrm>
+                <a:prstGeom prst="rect">
+                  <a:avLst/>
+                </a:prstGeom>
+                <a:noFill/>
+              </p:spPr>
+              <p:txBody>
+                <a:bodyPr wrap="square" rtlCol="0">
+                  <a:spAutoFit/>
+                </a:bodyPr>
+                <a:lstStyle/>
+                <a:p>
+                  <a:pPr algn="ctr"/>
+                  <a:r>
+                    <a:rPr lang="en-GB" sz="3600" b="1" dirty="0">
+                      <a:solidFill>
+                        <a:schemeClr val="bg2"/>
+                      </a:solidFill>
+                    </a:rPr>
+                    <a:t>3</a:t>
+                  </a:r>
+                </a:p>
+              </p:txBody>
+            </p:sp>
+          </p:grpSp>
+          <p:pic>
+            <p:nvPicPr>
+              <p:cNvPr id="91" name="Picture 90">
+                <a:extLst>
+                  <a:ext uri="{FF2B5EF4-FFF2-40B4-BE49-F238E27FC236}">
+                    <a16:creationId xmlns:a16="http://schemas.microsoft.com/office/drawing/2014/main" id="{A56C8C85-5046-4706-A6F5-D33B928AC175}"/>
+                  </a:ext>
+                </a:extLst>
+              </p:cNvPr>
+              <p:cNvPicPr>
+                <a:picLocks noChangeAspect="1"/>
+              </p:cNvPicPr>
+              <p:nvPr/>
+            </p:nvPicPr>
+            <p:blipFill>
+              <a:blip r:embed="rId2">
+                <a:lum bright="70000" contrast="-70000"/>
+                <a:extLst>
+                  <a:ext uri="{28A0092B-C50C-407E-A947-70E740481C1C}">
+                    <a14:useLocalDpi xmlns:a14="http://schemas.microsoft.com/office/drawing/2010/main" val="0"/>
+                  </a:ext>
+                </a:extLst>
+              </a:blip>
+              <a:stretch>
+                <a:fillRect/>
+              </a:stretch>
+            </p:blipFill>
+            <p:spPr>
+              <a:xfrm>
+                <a:off x="9741701" y="1421387"/>
+                <a:ext cx="1140655" cy="1140655"/>
+              </a:xfrm>
+              <a:prstGeom prst="rect">
+                <a:avLst/>
+              </a:prstGeom>
+            </p:spPr>
+          </p:pic>
+        </p:grpSp>
+        <p:sp>
+          <p:nvSpPr>
+            <p:cNvPr id="73" name="TextBox 72">
+              <a:extLst>
+                <a:ext uri="{FF2B5EF4-FFF2-40B4-BE49-F238E27FC236}">
+                  <a16:creationId xmlns:a16="http://schemas.microsoft.com/office/drawing/2014/main" id="{1CCFE1CC-D475-413E-B868-DE716941353B}"/>
+                </a:ext>
+              </a:extLst>
+            </p:cNvPr>
+            <p:cNvSpPr txBox="1"/>
+            <p:nvPr/>
+          </p:nvSpPr>
+          <p:spPr>
+            <a:xfrm>
+              <a:off x="626083" y="3064906"/>
+              <a:ext cx="3296373" cy="830997"/>
+            </a:xfrm>
+            <a:prstGeom prst="rect">
+              <a:avLst/>
+            </a:prstGeom>
+            <a:noFill/>
+          </p:spPr>
+          <p:txBody>
+            <a:bodyPr wrap="square" rtlCol="0">
+              <a:spAutoFit/>
+            </a:bodyPr>
+            <a:lstStyle/>
+            <a:p>
+              <a:r>
+                <a:rPr lang="en-GB" sz="2800" b="1" dirty="0">
+                  <a:solidFill>
+                    <a:schemeClr val="accent5">
+                      <a:lumMod val="50000"/>
+                    </a:schemeClr>
+                  </a:solidFill>
+                  <a:latin typeface="Bahnschrift SemiBold" panose="020B0502040204020203" pitchFamily="34" charset="0"/>
+                </a:rPr>
+                <a:t>Prepare</a:t>
+              </a:r>
+            </a:p>
+            <a:p>
+              <a:r>
+                <a:rPr lang="en-GB" sz="2000" b="1" dirty="0">
+                  <a:solidFill>
+                    <a:schemeClr val="tx1">
+                      <a:lumMod val="50000"/>
+                      <a:lumOff val="50000"/>
+                    </a:schemeClr>
+                  </a:solidFill>
+                  <a:latin typeface="Bahnschrift SemiBold" panose="020B0502040204020203" pitchFamily="34" charset="0"/>
+                </a:rPr>
+                <a:t>- URL construction</a:t>
+              </a:r>
+            </a:p>
+          </p:txBody>
+        </p:sp>
+        <p:grpSp>
+          <p:nvGrpSpPr>
+            <p:cNvPr id="74" name="Group 73">
+              <a:extLst>
+                <a:ext uri="{FF2B5EF4-FFF2-40B4-BE49-F238E27FC236}">
+                  <a16:creationId xmlns:a16="http://schemas.microsoft.com/office/drawing/2014/main" id="{5B81FD76-D573-4908-B585-06BA4565A38C}"/>
+                </a:ext>
+              </a:extLst>
+            </p:cNvPr>
+            <p:cNvGrpSpPr/>
+            <p:nvPr/>
+          </p:nvGrpSpPr>
+          <p:grpSpPr>
+            <a:xfrm>
+              <a:off x="9223543" y="771331"/>
+              <a:ext cx="1845350" cy="1897643"/>
+              <a:chOff x="6358105" y="771331"/>
+              <a:chExt cx="1845350" cy="1897643"/>
+            </a:xfrm>
+          </p:grpSpPr>
+          <p:grpSp>
+            <p:nvGrpSpPr>
+              <p:cNvPr id="86" name="Group 85">
+                <a:extLst>
+                  <a:ext uri="{FF2B5EF4-FFF2-40B4-BE49-F238E27FC236}">
+                    <a16:creationId xmlns:a16="http://schemas.microsoft.com/office/drawing/2014/main" id="{2F37D4A5-21D1-492A-A9B8-90107F13E1EC}"/>
+                  </a:ext>
+                </a:extLst>
+              </p:cNvPr>
+              <p:cNvGrpSpPr/>
+              <p:nvPr/>
+            </p:nvGrpSpPr>
+            <p:grpSpPr>
+              <a:xfrm>
+                <a:off x="6358105" y="771331"/>
+                <a:ext cx="1845350" cy="1897643"/>
+                <a:chOff x="6234160" y="771331"/>
+                <a:chExt cx="1845350" cy="1897643"/>
+              </a:xfrm>
+            </p:grpSpPr>
+            <p:sp>
+              <p:nvSpPr>
+                <p:cNvPr id="88" name="Oval 87">
+                  <a:extLst>
+                    <a:ext uri="{FF2B5EF4-FFF2-40B4-BE49-F238E27FC236}">
+                      <a16:creationId xmlns:a16="http://schemas.microsoft.com/office/drawing/2014/main" id="{301E771A-B9CE-4485-BB1E-544E92D2AFC8}"/>
+                    </a:ext>
+                  </a:extLst>
+                </p:cNvPr>
+                <p:cNvSpPr/>
+                <p:nvPr/>
+              </p:nvSpPr>
+              <p:spPr>
+                <a:xfrm>
+                  <a:off x="6234160" y="823624"/>
+                  <a:ext cx="1845350" cy="1845350"/>
+                </a:xfrm>
+                <a:prstGeom prst="ellipse">
+                  <a:avLst/>
+                </a:prstGeom>
+                <a:solidFill>
+                  <a:schemeClr val="accent5">
+                    <a:lumMod val="50000"/>
+                  </a:schemeClr>
+                </a:solidFill>
+              </p:spPr>
+              <p:style>
+                <a:lnRef idx="2">
+                  <a:schemeClr val="accent1">
+                    <a:shade val="50000"/>
+                  </a:schemeClr>
+                </a:lnRef>
+                <a:fillRef idx="1">
+                  <a:schemeClr val="accent1"/>
+                </a:fillRef>
+                <a:effectRef idx="0">
+                  <a:schemeClr val="accent1"/>
+                </a:effectRef>
+                <a:fontRef idx="minor">
+                  <a:schemeClr val="lt1"/>
+                </a:fontRef>
+              </p:style>
+              <p:txBody>
+                <a:bodyPr lIns="0" tIns="0" rtlCol="0" anchor="t"/>
+                <a:lstStyle/>
+                <a:p>
+                  <a:endParaRPr lang="en-GB" sz="4400" b="1" dirty="0"/>
+                </a:p>
+              </p:txBody>
+            </p:sp>
+            <p:sp>
+              <p:nvSpPr>
+                <p:cNvPr id="89" name="TextBox 88">
+                  <a:extLst>
+                    <a:ext uri="{FF2B5EF4-FFF2-40B4-BE49-F238E27FC236}">
+                      <a16:creationId xmlns:a16="http://schemas.microsoft.com/office/drawing/2014/main" id="{81B184DA-C4CD-4BA5-933C-D485DF5677FA}"/>
+                    </a:ext>
+                  </a:extLst>
+                </p:cNvPr>
+                <p:cNvSpPr txBox="1"/>
+                <p:nvPr/>
+              </p:nvSpPr>
+              <p:spPr>
+                <a:xfrm>
+                  <a:off x="6919080" y="771331"/>
+                  <a:ext cx="475510" cy="646331"/>
+                </a:xfrm>
+                <a:prstGeom prst="rect">
+                  <a:avLst/>
+                </a:prstGeom>
+                <a:noFill/>
+              </p:spPr>
+              <p:txBody>
+                <a:bodyPr wrap="square" rtlCol="0">
+                  <a:spAutoFit/>
+                </a:bodyPr>
+                <a:lstStyle/>
+                <a:p>
+                  <a:pPr algn="ctr"/>
+                  <a:r>
+                    <a:rPr lang="en-GB" sz="3600" b="1" dirty="0">
+                      <a:solidFill>
+                        <a:schemeClr val="bg2"/>
+                      </a:solidFill>
+                    </a:rPr>
+                    <a:t>4</a:t>
+                  </a:r>
+                </a:p>
+              </p:txBody>
+            </p:sp>
+          </p:grpSp>
+          <p:pic>
+            <p:nvPicPr>
+              <p:cNvPr id="87" name="Picture 86">
+                <a:extLst>
+                  <a:ext uri="{FF2B5EF4-FFF2-40B4-BE49-F238E27FC236}">
+                    <a16:creationId xmlns:a16="http://schemas.microsoft.com/office/drawing/2014/main" id="{8E9BDD0C-2DD7-408B-B762-352786E05F3C}"/>
+                  </a:ext>
+                </a:extLst>
+              </p:cNvPr>
+              <p:cNvPicPr>
+                <a:picLocks noChangeAspect="1"/>
+              </p:cNvPicPr>
+              <p:nvPr/>
+            </p:nvPicPr>
+            <p:blipFill>
+              <a:blip r:embed="rId3">
+                <a:lum bright="70000" contrast="-70000"/>
+                <a:extLst>
+                  <a:ext uri="{28A0092B-C50C-407E-A947-70E740481C1C}">
+                    <a14:useLocalDpi xmlns:a14="http://schemas.microsoft.com/office/drawing/2010/main" val="0"/>
+                  </a:ext>
+                </a:extLst>
+              </a:blip>
+              <a:stretch>
+                <a:fillRect/>
+              </a:stretch>
+            </p:blipFill>
+            <p:spPr>
+              <a:xfrm>
+                <a:off x="6639459" y="1257182"/>
+                <a:ext cx="1282642" cy="1282642"/>
+              </a:xfrm>
+              <a:prstGeom prst="rect">
+                <a:avLst/>
+              </a:prstGeom>
+            </p:spPr>
+          </p:pic>
+        </p:grpSp>
+        <p:grpSp>
+          <p:nvGrpSpPr>
+            <p:cNvPr id="75" name="Group 74">
+              <a:extLst>
+                <a:ext uri="{FF2B5EF4-FFF2-40B4-BE49-F238E27FC236}">
+                  <a16:creationId xmlns:a16="http://schemas.microsoft.com/office/drawing/2014/main" id="{1312F440-5451-493C-86B8-DE920D5B3AF1}"/>
+                </a:ext>
+              </a:extLst>
+            </p:cNvPr>
+            <p:cNvGrpSpPr/>
+            <p:nvPr/>
+          </p:nvGrpSpPr>
+          <p:grpSpPr>
+            <a:xfrm>
+              <a:off x="3492667" y="771331"/>
+              <a:ext cx="1845350" cy="1897643"/>
               <a:chOff x="6234160" y="771331"/>
               <a:chExt cx="1845350" cy="1897643"/>
             </a:xfrm>
           </p:grpSpPr>
           <p:sp>
             <p:nvSpPr>
-              <p:cNvPr id="16" name="Oval 15">
+              <p:cNvPr id="84" name="Oval 83">
                 <a:extLst>
                   <a:ext uri="{FF2B5EF4-FFF2-40B4-BE49-F238E27FC236}">
-                    <a16:creationId xmlns:a16="http://schemas.microsoft.com/office/drawing/2014/main" id="{43814879-86D5-4678-A47C-2DA89D6F35EF}"/>
+                    <a16:creationId xmlns:a16="http://schemas.microsoft.com/office/drawing/2014/main" id="{94F4EEEA-3604-4DE2-AC5D-87465D3457DE}"/>
                   </a:ext>
                 </a:extLst>
               </p:cNvPr>
@@ -4398,10 +6653,10 @@
           </p:sp>
           <p:sp>
             <p:nvSpPr>
-              <p:cNvPr id="19" name="TextBox 18">
+              <p:cNvPr id="85" name="TextBox 84">
                 <a:extLst>
                   <a:ext uri="{FF2B5EF4-FFF2-40B4-BE49-F238E27FC236}">
-                    <a16:creationId xmlns:a16="http://schemas.microsoft.com/office/drawing/2014/main" id="{3BBB027C-677B-4C11-8E8E-1BDC6FED0456}"/>
+                    <a16:creationId xmlns:a16="http://schemas.microsoft.com/office/drawing/2014/main" id="{1A492863-AD04-44DD-BD11-3E341077F08C}"/>
                   </a:ext>
                 </a:extLst>
               </p:cNvPr>
@@ -4431,298 +6686,18 @@
                       <a:schemeClr val="bg2"/>
                     </a:solidFill>
                   </a:rPr>
-                  <a:t>3</a:t>
+                  <a:t>2</a:t>
                 </a:r>
               </a:p>
             </p:txBody>
           </p:sp>
         </p:grpSp>
-        <p:pic>
-          <p:nvPicPr>
-            <p:cNvPr id="14" name="Picture 13">
+        <p:grpSp>
+          <p:nvGrpSpPr>
+            <p:cNvPr id="76" name="Group 75">
               <a:extLst>
                 <a:ext uri="{FF2B5EF4-FFF2-40B4-BE49-F238E27FC236}">
-                  <a16:creationId xmlns:a16="http://schemas.microsoft.com/office/drawing/2014/main" id="{3BC8B2E2-8E65-4BAA-BAC8-D75671F16041}"/>
-                </a:ext>
-              </a:extLst>
-            </p:cNvPr>
-            <p:cNvPicPr>
-              <a:picLocks noChangeAspect="1"/>
-            </p:cNvPicPr>
-            <p:nvPr/>
-          </p:nvPicPr>
-          <p:blipFill>
-            <a:blip r:embed="rId2">
-              <a:lum bright="70000" contrast="-70000"/>
-              <a:extLst>
-                <a:ext uri="{28A0092B-C50C-407E-A947-70E740481C1C}">
-                  <a14:useLocalDpi xmlns:a14="http://schemas.microsoft.com/office/drawing/2010/main" val="0"/>
-                </a:ext>
-              </a:extLst>
-            </a:blip>
-            <a:stretch>
-              <a:fillRect/>
-            </a:stretch>
-          </p:blipFill>
-          <p:spPr>
-            <a:xfrm>
-              <a:off x="6639459" y="1257182"/>
-              <a:ext cx="1282642" cy="1282642"/>
-            </a:xfrm>
-            <a:prstGeom prst="rect">
-              <a:avLst/>
-            </a:prstGeom>
-          </p:spPr>
-        </p:pic>
-      </p:grpSp>
-      <p:grpSp>
-        <p:nvGrpSpPr>
-          <p:cNvPr id="24" name="Group 23">
-            <a:extLst>
-              <a:ext uri="{FF2B5EF4-FFF2-40B4-BE49-F238E27FC236}">
-                <a16:creationId xmlns:a16="http://schemas.microsoft.com/office/drawing/2014/main" id="{3DFE517D-E332-496B-AD81-3D2C386F2180}"/>
-              </a:ext>
-            </a:extLst>
-          </p:cNvPr>
-          <p:cNvGrpSpPr/>
-          <p:nvPr/>
-        </p:nvGrpSpPr>
-        <p:grpSpPr>
-          <a:xfrm>
-            <a:off x="3492667" y="771331"/>
-            <a:ext cx="1845350" cy="1897643"/>
-            <a:chOff x="6234160" y="771331"/>
-            <a:chExt cx="1845350" cy="1897643"/>
-          </a:xfrm>
-        </p:grpSpPr>
-        <p:sp>
-          <p:nvSpPr>
-            <p:cNvPr id="25" name="Oval 24">
-              <a:extLst>
-                <a:ext uri="{FF2B5EF4-FFF2-40B4-BE49-F238E27FC236}">
-                  <a16:creationId xmlns:a16="http://schemas.microsoft.com/office/drawing/2014/main" id="{11C88686-0763-441C-BF0F-B2096B638356}"/>
-                </a:ext>
-              </a:extLst>
-            </p:cNvPr>
-            <p:cNvSpPr/>
-            <p:nvPr/>
-          </p:nvSpPr>
-          <p:spPr>
-            <a:xfrm>
-              <a:off x="6234160" y="823624"/>
-              <a:ext cx="1845350" cy="1845350"/>
-            </a:xfrm>
-            <a:prstGeom prst="ellipse">
-              <a:avLst/>
-            </a:prstGeom>
-            <a:solidFill>
-              <a:schemeClr val="accent5">
-                <a:lumMod val="50000"/>
-              </a:schemeClr>
-            </a:solidFill>
-          </p:spPr>
-          <p:style>
-            <a:lnRef idx="2">
-              <a:schemeClr val="accent1">
-                <a:shade val="50000"/>
-              </a:schemeClr>
-            </a:lnRef>
-            <a:fillRef idx="1">
-              <a:schemeClr val="accent1"/>
-            </a:fillRef>
-            <a:effectRef idx="0">
-              <a:schemeClr val="accent1"/>
-            </a:effectRef>
-            <a:fontRef idx="minor">
-              <a:schemeClr val="lt1"/>
-            </a:fontRef>
-          </p:style>
-          <p:txBody>
-            <a:bodyPr lIns="0" tIns="0" rtlCol="0" anchor="t"/>
-            <a:lstStyle/>
-            <a:p>
-              <a:endParaRPr lang="en-GB" sz="4400" b="1" dirty="0"/>
-            </a:p>
-          </p:txBody>
-        </p:sp>
-        <p:sp>
-          <p:nvSpPr>
-            <p:cNvPr id="26" name="TextBox 25">
-              <a:extLst>
-                <a:ext uri="{FF2B5EF4-FFF2-40B4-BE49-F238E27FC236}">
-                  <a16:creationId xmlns:a16="http://schemas.microsoft.com/office/drawing/2014/main" id="{5A4237AF-BEA9-4C01-AF30-FD50F9EBDF02}"/>
-                </a:ext>
-              </a:extLst>
-            </p:cNvPr>
-            <p:cNvSpPr txBox="1"/>
-            <p:nvPr/>
-          </p:nvSpPr>
-          <p:spPr>
-            <a:xfrm>
-              <a:off x="6919080" y="771331"/>
-              <a:ext cx="475510" cy="646331"/>
-            </a:xfrm>
-            <a:prstGeom prst="rect">
-              <a:avLst/>
-            </a:prstGeom>
-            <a:noFill/>
-          </p:spPr>
-          <p:txBody>
-            <a:bodyPr wrap="square" rtlCol="0">
-              <a:spAutoFit/>
-            </a:bodyPr>
-            <a:lstStyle/>
-            <a:p>
-              <a:pPr algn="ctr"/>
-              <a:r>
-                <a:rPr lang="en-GB" sz="3600" b="1" dirty="0">
-                  <a:solidFill>
-                    <a:schemeClr val="bg2"/>
-                  </a:solidFill>
-                </a:rPr>
-                <a:t>2</a:t>
-              </a:r>
-            </a:p>
-          </p:txBody>
-        </p:sp>
-      </p:grpSp>
-      <p:grpSp>
-        <p:nvGrpSpPr>
-          <p:cNvPr id="27" name="Group 26">
-            <a:extLst>
-              <a:ext uri="{FF2B5EF4-FFF2-40B4-BE49-F238E27FC236}">
-                <a16:creationId xmlns:a16="http://schemas.microsoft.com/office/drawing/2014/main" id="{B40C5B48-CED0-43DB-9FB4-219805F0DDA4}"/>
-              </a:ext>
-            </a:extLst>
-          </p:cNvPr>
-          <p:cNvGrpSpPr/>
-          <p:nvPr/>
-        </p:nvGrpSpPr>
-        <p:grpSpPr>
-          <a:xfrm>
-            <a:off x="627229" y="771331"/>
-            <a:ext cx="1845350" cy="1897643"/>
-            <a:chOff x="6234160" y="771331"/>
-            <a:chExt cx="1845350" cy="1897643"/>
-          </a:xfrm>
-        </p:grpSpPr>
-        <p:sp>
-          <p:nvSpPr>
-            <p:cNvPr id="28" name="Oval 27">
-              <a:extLst>
-                <a:ext uri="{FF2B5EF4-FFF2-40B4-BE49-F238E27FC236}">
-                  <a16:creationId xmlns:a16="http://schemas.microsoft.com/office/drawing/2014/main" id="{020281FB-ACCA-4677-92AC-9F440FF9C64B}"/>
-                </a:ext>
-              </a:extLst>
-            </p:cNvPr>
-            <p:cNvSpPr/>
-            <p:nvPr/>
-          </p:nvSpPr>
-          <p:spPr>
-            <a:xfrm>
-              <a:off x="6234160" y="823624"/>
-              <a:ext cx="1845350" cy="1845350"/>
-            </a:xfrm>
-            <a:prstGeom prst="ellipse">
-              <a:avLst/>
-            </a:prstGeom>
-            <a:solidFill>
-              <a:schemeClr val="accent5">
-                <a:lumMod val="50000"/>
-              </a:schemeClr>
-            </a:solidFill>
-          </p:spPr>
-          <p:style>
-            <a:lnRef idx="2">
-              <a:schemeClr val="accent1">
-                <a:shade val="50000"/>
-              </a:schemeClr>
-            </a:lnRef>
-            <a:fillRef idx="1">
-              <a:schemeClr val="accent1"/>
-            </a:fillRef>
-            <a:effectRef idx="0">
-              <a:schemeClr val="accent1"/>
-            </a:effectRef>
-            <a:fontRef idx="minor">
-              <a:schemeClr val="lt1"/>
-            </a:fontRef>
-          </p:style>
-          <p:txBody>
-            <a:bodyPr lIns="0" tIns="0" rtlCol="0" anchor="t"/>
-            <a:lstStyle/>
-            <a:p>
-              <a:endParaRPr lang="en-GB" sz="4400" b="1" dirty="0"/>
-            </a:p>
-          </p:txBody>
-        </p:sp>
-        <p:sp>
-          <p:nvSpPr>
-            <p:cNvPr id="29" name="TextBox 28">
-              <a:extLst>
-                <a:ext uri="{FF2B5EF4-FFF2-40B4-BE49-F238E27FC236}">
-                  <a16:creationId xmlns:a16="http://schemas.microsoft.com/office/drawing/2014/main" id="{73DAD7B5-3EF1-4B88-95CB-CCEAEDF5A1D1}"/>
-                </a:ext>
-              </a:extLst>
-            </p:cNvPr>
-            <p:cNvSpPr txBox="1"/>
-            <p:nvPr/>
-          </p:nvSpPr>
-          <p:spPr>
-            <a:xfrm>
-              <a:off x="6919080" y="771331"/>
-              <a:ext cx="475510" cy="646331"/>
-            </a:xfrm>
-            <a:prstGeom prst="rect">
-              <a:avLst/>
-            </a:prstGeom>
-            <a:noFill/>
-          </p:spPr>
-          <p:txBody>
-            <a:bodyPr wrap="square" rtlCol="0">
-              <a:spAutoFit/>
-            </a:bodyPr>
-            <a:lstStyle/>
-            <a:p>
-              <a:pPr algn="ctr"/>
-              <a:r>
-                <a:rPr lang="en-GB" sz="3600" b="1" dirty="0">
-                  <a:solidFill>
-                    <a:schemeClr val="bg2"/>
-                  </a:solidFill>
-                </a:rPr>
-                <a:t>1</a:t>
-              </a:r>
-            </a:p>
-          </p:txBody>
-        </p:sp>
-      </p:grpSp>
-      <p:grpSp>
-        <p:nvGrpSpPr>
-          <p:cNvPr id="33" name="Group 32">
-            <a:extLst>
-              <a:ext uri="{FF2B5EF4-FFF2-40B4-BE49-F238E27FC236}">
-                <a16:creationId xmlns:a16="http://schemas.microsoft.com/office/drawing/2014/main" id="{1F5607C2-86B4-4CCF-8690-E32D8D2D2FEC}"/>
-              </a:ext>
-            </a:extLst>
-          </p:cNvPr>
-          <p:cNvGrpSpPr/>
-          <p:nvPr/>
-        </p:nvGrpSpPr>
-        <p:grpSpPr>
-          <a:xfrm>
-            <a:off x="9223544" y="771331"/>
-            <a:ext cx="1845350" cy="1897643"/>
-            <a:chOff x="9223544" y="771331"/>
-            <a:chExt cx="1845350" cy="1897643"/>
-          </a:xfrm>
-        </p:grpSpPr>
-        <p:grpSp>
-          <p:nvGrpSpPr>
-            <p:cNvPr id="21" name="Group 20">
-              <a:extLst>
-                <a:ext uri="{FF2B5EF4-FFF2-40B4-BE49-F238E27FC236}">
-                  <a16:creationId xmlns:a16="http://schemas.microsoft.com/office/drawing/2014/main" id="{7B64E8D8-6386-4163-A432-2BD1A679EEDB}"/>
+                  <a16:creationId xmlns:a16="http://schemas.microsoft.com/office/drawing/2014/main" id="{14C45A30-925D-46C8-8BB4-CEA6CCA14C35}"/>
                 </a:ext>
               </a:extLst>
             </p:cNvPr>
@@ -4731,7 +6706,7 @@
           </p:nvGrpSpPr>
           <p:grpSpPr>
             <a:xfrm>
-              <a:off x="9223544" y="771331"/>
+              <a:off x="627229" y="771331"/>
               <a:ext cx="1845350" cy="1897643"/>
               <a:chOff x="6234160" y="771331"/>
               <a:chExt cx="1845350" cy="1897643"/>
@@ -4739,10 +6714,10 @@
           </p:grpSpPr>
           <p:sp>
             <p:nvSpPr>
-              <p:cNvPr id="22" name="Oval 21">
+              <p:cNvPr id="82" name="Oval 81">
                 <a:extLst>
                   <a:ext uri="{FF2B5EF4-FFF2-40B4-BE49-F238E27FC236}">
-                    <a16:creationId xmlns:a16="http://schemas.microsoft.com/office/drawing/2014/main" id="{D7D18F47-4091-4EE8-8D45-00C4707BE8EB}"/>
+                    <a16:creationId xmlns:a16="http://schemas.microsoft.com/office/drawing/2014/main" id="{AC421048-CF00-441B-B88D-FDE85ADDF47E}"/>
                   </a:ext>
                 </a:extLst>
               </p:cNvPr>
@@ -4789,10 +6764,10 @@
           </p:sp>
           <p:sp>
             <p:nvSpPr>
-              <p:cNvPr id="23" name="TextBox 22">
+              <p:cNvPr id="83" name="TextBox 82">
                 <a:extLst>
                   <a:ext uri="{FF2B5EF4-FFF2-40B4-BE49-F238E27FC236}">
-                    <a16:creationId xmlns:a16="http://schemas.microsoft.com/office/drawing/2014/main" id="{D9A5328F-FE5D-4B83-A1BF-F18644873BA5}"/>
+                    <a16:creationId xmlns:a16="http://schemas.microsoft.com/office/drawing/2014/main" id="{0E614711-D2BB-4BF1-B4A1-7E61A151C1FC}"/>
                   </a:ext>
                 </a:extLst>
               </p:cNvPr>
@@ -4822,7 +6797,7 @@
                       <a:schemeClr val="bg2"/>
                     </a:solidFill>
                   </a:rPr>
-                  <a:t>4</a:t>
+                  <a:t>1</a:t>
                 </a:r>
               </a:p>
             </p:txBody>
@@ -4830,10 +6805,10 @@
         </p:grpSp>
         <p:pic>
           <p:nvPicPr>
-            <p:cNvPr id="32" name="Picture 31">
+            <p:cNvPr id="77" name="Picture 76">
               <a:extLst>
                 <a:ext uri="{FF2B5EF4-FFF2-40B4-BE49-F238E27FC236}">
-                  <a16:creationId xmlns:a16="http://schemas.microsoft.com/office/drawing/2014/main" id="{2B17E324-03A9-4060-A0CD-92F0BFF601AB}"/>
+                  <a16:creationId xmlns:a16="http://schemas.microsoft.com/office/drawing/2014/main" id="{CF0593A2-EB0E-41F3-B700-C5EECC4B6944}"/>
                 </a:ext>
               </a:extLst>
             </p:cNvPr>
@@ -4843,7 +6818,7 @@
             <p:nvPr/>
           </p:nvPicPr>
           <p:blipFill>
-            <a:blip r:embed="rId3">
+            <a:blip r:embed="rId4">
               <a:lum bright="70000" contrast="-70000"/>
               <a:extLst>
                 <a:ext uri="{28A0092B-C50C-407E-A947-70E740481C1C}">
@@ -4857,95 +6832,1281 @@
           </p:blipFill>
           <p:spPr>
             <a:xfrm>
-              <a:off x="9741701" y="1421387"/>
-              <a:ext cx="1140655" cy="1140655"/>
+              <a:off x="3935411" y="1450418"/>
+              <a:ext cx="959861" cy="959861"/>
             </a:xfrm>
             <a:prstGeom prst="rect">
               <a:avLst/>
             </a:prstGeom>
           </p:spPr>
         </p:pic>
+        <p:pic>
+          <p:nvPicPr>
+            <p:cNvPr id="78" name="Picture 77">
+              <a:extLst>
+                <a:ext uri="{FF2B5EF4-FFF2-40B4-BE49-F238E27FC236}">
+                  <a16:creationId xmlns:a16="http://schemas.microsoft.com/office/drawing/2014/main" id="{87AAFD73-BA91-4CB9-9382-54F47353FE81}"/>
+                </a:ext>
+              </a:extLst>
+            </p:cNvPr>
+            <p:cNvPicPr>
+              <a:picLocks noChangeAspect="1"/>
+            </p:cNvPicPr>
+            <p:nvPr/>
+          </p:nvPicPr>
+          <p:blipFill>
+            <a:blip r:embed="rId5">
+              <a:lum bright="70000" contrast="-70000"/>
+              <a:extLst>
+                <a:ext uri="{28A0092B-C50C-407E-A947-70E740481C1C}">
+                  <a14:useLocalDpi xmlns:a14="http://schemas.microsoft.com/office/drawing/2010/main" val="0"/>
+                </a:ext>
+              </a:extLst>
+            </a:blip>
+            <a:stretch>
+              <a:fillRect/>
+            </a:stretch>
+          </p:blipFill>
+          <p:spPr>
+            <a:xfrm>
+              <a:off x="1047570" y="1417662"/>
+              <a:ext cx="1053206" cy="1053206"/>
+            </a:xfrm>
+            <a:prstGeom prst="rect">
+              <a:avLst/>
+            </a:prstGeom>
+          </p:spPr>
+        </p:pic>
+        <p:sp>
+          <p:nvSpPr>
+            <p:cNvPr id="79" name="TextBox 78">
+              <a:extLst>
+                <a:ext uri="{FF2B5EF4-FFF2-40B4-BE49-F238E27FC236}">
+                  <a16:creationId xmlns:a16="http://schemas.microsoft.com/office/drawing/2014/main" id="{30C406BB-6C08-4953-80DC-77654BD38747}"/>
+                </a:ext>
+              </a:extLst>
+            </p:cNvPr>
+            <p:cNvSpPr txBox="1"/>
+            <p:nvPr/>
+          </p:nvSpPr>
+          <p:spPr>
+            <a:xfrm>
+              <a:off x="3492667" y="3064906"/>
+              <a:ext cx="3296373" cy="830997"/>
+            </a:xfrm>
+            <a:prstGeom prst="rect">
+              <a:avLst/>
+            </a:prstGeom>
+            <a:noFill/>
+          </p:spPr>
+          <p:txBody>
+            <a:bodyPr wrap="square" rtlCol="0">
+              <a:spAutoFit/>
+            </a:bodyPr>
+            <a:lstStyle/>
+            <a:p>
+              <a:r>
+                <a:rPr lang="en-GB" sz="2800" b="1" dirty="0">
+                  <a:solidFill>
+                    <a:schemeClr val="accent5">
+                      <a:lumMod val="50000"/>
+                    </a:schemeClr>
+                  </a:solidFill>
+                  <a:latin typeface="Bahnschrift SemiBold" panose="020B0502040204020203" pitchFamily="34" charset="0"/>
+                </a:rPr>
+                <a:t>Load info</a:t>
+              </a:r>
+            </a:p>
+            <a:p>
+              <a:r>
+                <a:rPr lang="en-GB" sz="2000" b="1" dirty="0">
+                  <a:solidFill>
+                    <a:schemeClr val="tx1">
+                      <a:lumMod val="50000"/>
+                      <a:lumOff val="50000"/>
+                    </a:schemeClr>
+                  </a:solidFill>
+                  <a:latin typeface="Bahnschrift SemiBold" panose="020B0502040204020203" pitchFamily="34" charset="0"/>
+                </a:rPr>
+                <a:t>get a local version</a:t>
+              </a:r>
+            </a:p>
+          </p:txBody>
+        </p:sp>
+        <p:sp>
+          <p:nvSpPr>
+            <p:cNvPr id="80" name="TextBox 79">
+              <a:extLst>
+                <a:ext uri="{FF2B5EF4-FFF2-40B4-BE49-F238E27FC236}">
+                  <a16:creationId xmlns:a16="http://schemas.microsoft.com/office/drawing/2014/main" id="{CAEC3FD2-EBFE-4AA0-937A-D2E906B481B2}"/>
+                </a:ext>
+              </a:extLst>
+            </p:cNvPr>
+            <p:cNvSpPr txBox="1"/>
+            <p:nvPr/>
+          </p:nvSpPr>
+          <p:spPr>
+            <a:xfrm>
+              <a:off x="6359251" y="3064905"/>
+              <a:ext cx="3296373" cy="830997"/>
+            </a:xfrm>
+            <a:prstGeom prst="rect">
+              <a:avLst/>
+            </a:prstGeom>
+            <a:noFill/>
+          </p:spPr>
+          <p:txBody>
+            <a:bodyPr wrap="square" rtlCol="0">
+              <a:spAutoFit/>
+            </a:bodyPr>
+            <a:lstStyle/>
+            <a:p>
+              <a:r>
+                <a:rPr lang="en-GB" sz="2800" b="1" dirty="0">
+                  <a:solidFill>
+                    <a:schemeClr val="accent5">
+                      <a:lumMod val="50000"/>
+                    </a:schemeClr>
+                  </a:solidFill>
+                  <a:latin typeface="Bahnschrift SemiBold" panose="020B0502040204020203" pitchFamily="34" charset="0"/>
+                </a:rPr>
+                <a:t>Select info</a:t>
+              </a:r>
+            </a:p>
+            <a:p>
+              <a:r>
+                <a:rPr lang="en-GB" sz="2000" b="1" dirty="0">
+                  <a:solidFill>
+                    <a:schemeClr val="tx1">
+                      <a:lumMod val="50000"/>
+                      <a:lumOff val="50000"/>
+                    </a:schemeClr>
+                  </a:solidFill>
+                  <a:latin typeface="Bahnschrift SemiBold" panose="020B0502040204020203" pitchFamily="34" charset="0"/>
+                </a:rPr>
+                <a:t>grab the node(s)</a:t>
+              </a:r>
+            </a:p>
+          </p:txBody>
+        </p:sp>
+        <p:sp>
+          <p:nvSpPr>
+            <p:cNvPr id="81" name="TextBox 80">
+              <a:extLst>
+                <a:ext uri="{FF2B5EF4-FFF2-40B4-BE49-F238E27FC236}">
+                  <a16:creationId xmlns:a16="http://schemas.microsoft.com/office/drawing/2014/main" id="{8B2AB00E-40E0-4A4C-97D7-4493630F7B82}"/>
+                </a:ext>
+              </a:extLst>
+            </p:cNvPr>
+            <p:cNvSpPr txBox="1"/>
+            <p:nvPr/>
+          </p:nvSpPr>
+          <p:spPr>
+            <a:xfrm>
+              <a:off x="9223544" y="3064905"/>
+              <a:ext cx="2689535" cy="830997"/>
+            </a:xfrm>
+            <a:prstGeom prst="rect">
+              <a:avLst/>
+            </a:prstGeom>
+            <a:noFill/>
+          </p:spPr>
+          <p:txBody>
+            <a:bodyPr wrap="square" rtlCol="0">
+              <a:spAutoFit/>
+            </a:bodyPr>
+            <a:lstStyle/>
+            <a:p>
+              <a:r>
+                <a:rPr lang="en-GB" sz="2800" b="1" dirty="0">
+                  <a:solidFill>
+                    <a:schemeClr val="accent5">
+                      <a:lumMod val="50000"/>
+                    </a:schemeClr>
+                  </a:solidFill>
+                  <a:latin typeface="Bahnschrift SemiBold" panose="020B0502040204020203" pitchFamily="34" charset="0"/>
+                </a:rPr>
+                <a:t>Extract </a:t>
+              </a:r>
+            </a:p>
+            <a:p>
+              <a:r>
+                <a:rPr lang="en-GB" sz="2000" b="1" dirty="0">
+                  <a:solidFill>
+                    <a:schemeClr val="tx1">
+                      <a:lumMod val="50000"/>
+                      <a:lumOff val="50000"/>
+                    </a:schemeClr>
+                  </a:solidFill>
+                  <a:latin typeface="Bahnschrift SemiBold" panose="020B0502040204020203" pitchFamily="34" charset="0"/>
+                </a:rPr>
+                <a:t>and parse to R</a:t>
+              </a:r>
+            </a:p>
+          </p:txBody>
+        </p:sp>
       </p:grpSp>
-      <p:pic>
-        <p:nvPicPr>
-          <p:cNvPr id="35" name="Picture 34">
-            <a:extLst>
-              <a:ext uri="{FF2B5EF4-FFF2-40B4-BE49-F238E27FC236}">
-                <a16:creationId xmlns:a16="http://schemas.microsoft.com/office/drawing/2014/main" id="{D9532EA3-F3C3-4D1E-BA54-7DEB71871C18}"/>
-              </a:ext>
-            </a:extLst>
-          </p:cNvPr>
-          <p:cNvPicPr>
-            <a:picLocks noChangeAspect="1"/>
-          </p:cNvPicPr>
+      <p:sp>
+        <p:nvSpPr>
+          <p:cNvPr id="45" name="Title 1">
+            <a:extLst>
+              <a:ext uri="{FF2B5EF4-FFF2-40B4-BE49-F238E27FC236}">
+                <a16:creationId xmlns:a16="http://schemas.microsoft.com/office/drawing/2014/main" id="{EFD12D2A-E76E-4DBD-B683-1CD85BA6E911}"/>
+              </a:ext>
+            </a:extLst>
+          </p:cNvPr>
+          <p:cNvSpPr txBox="1">
+            <a:spLocks/>
+          </p:cNvSpPr>
           <p:nvPr/>
-        </p:nvPicPr>
-        <p:blipFill>
-          <a:blip r:embed="rId4">
-            <a:lum bright="70000" contrast="-70000"/>
-            <a:extLst>
-              <a:ext uri="{28A0092B-C50C-407E-A947-70E740481C1C}">
-                <a14:useLocalDpi xmlns:a14="http://schemas.microsoft.com/office/drawing/2010/main" val="0"/>
-              </a:ext>
-            </a:extLst>
-          </a:blip>
-          <a:stretch>
-            <a:fillRect/>
-          </a:stretch>
-        </p:blipFill>
+        </p:nvSpPr>
         <p:spPr>
           <a:xfrm>
-            <a:off x="3935411" y="1450418"/>
-            <a:ext cx="959861" cy="959861"/>
+            <a:off x="553294" y="46041"/>
+            <a:ext cx="10515600" cy="989222"/>
           </a:xfrm>
           <a:prstGeom prst="rect">
             <a:avLst/>
           </a:prstGeom>
         </p:spPr>
-      </p:pic>
-      <p:pic>
-        <p:nvPicPr>
-          <p:cNvPr id="4" name="Picture 3">
-            <a:extLst>
-              <a:ext uri="{FF2B5EF4-FFF2-40B4-BE49-F238E27FC236}">
-                <a16:creationId xmlns:a16="http://schemas.microsoft.com/office/drawing/2014/main" id="{7EB271BA-973D-439E-A8B2-73B6C085F383}"/>
-              </a:ext>
-            </a:extLst>
-          </p:cNvPr>
-          <p:cNvPicPr>
-            <a:picLocks noChangeAspect="1"/>
-          </p:cNvPicPr>
+        <p:txBody>
+          <a:bodyPr vert="horz" lIns="91440" tIns="45720" rIns="91440" bIns="45720" rtlCol="0" anchor="b">
+            <a:normAutofit/>
+          </a:bodyPr>
+          <a:lstStyle>
+            <a:lvl1pPr algn="ctr" defTabSz="914400" rtl="0" eaLnBrk="1" latinLnBrk="0" hangingPunct="1">
+              <a:lnSpc>
+                <a:spcPct val="90000"/>
+              </a:lnSpc>
+              <a:spcBef>
+                <a:spcPct val="0"/>
+              </a:spcBef>
+              <a:buNone/>
+              <a:defRPr sz="6000" kern="1200">
+                <a:solidFill>
+                  <a:schemeClr val="tx1"/>
+                </a:solidFill>
+                <a:latin typeface="+mj-lt"/>
+                <a:ea typeface="+mj-ea"/>
+                <a:cs typeface="+mj-cs"/>
+              </a:defRPr>
+            </a:lvl1pPr>
+          </a:lstStyle>
+          <a:p>
+            <a:pPr algn="l"/>
+            <a:r>
+              <a:rPr lang="en-GB" sz="4800" dirty="0" err="1">
+                <a:solidFill>
+                  <a:schemeClr val="accent5">
+                    <a:lumMod val="75000"/>
+                  </a:schemeClr>
+                </a:solidFill>
+                <a:latin typeface="Bahnschrift Light" panose="020B0502040204020203" pitchFamily="34" charset="0"/>
+              </a:rPr>
+              <a:t>Webscraping</a:t>
+            </a:r>
+            <a:r>
+              <a:rPr lang="en-GB" sz="4800" dirty="0">
+                <a:solidFill>
+                  <a:schemeClr val="accent5">
+                    <a:lumMod val="75000"/>
+                  </a:schemeClr>
+                </a:solidFill>
+                <a:latin typeface="Bahnschrift Light" panose="020B0502040204020203" pitchFamily="34" charset="0"/>
+              </a:rPr>
+              <a:t> workflow</a:t>
+            </a:r>
+          </a:p>
+        </p:txBody>
+      </p:sp>
+    </p:spTree>
+    <p:extLst>
+      <p:ext uri="{BB962C8B-B14F-4D97-AF65-F5344CB8AC3E}">
+        <p14:creationId xmlns:p14="http://schemas.microsoft.com/office/powerpoint/2010/main" val="1029403929"/>
+      </p:ext>
+    </p:extLst>
+  </p:cSld>
+  <p:clrMapOvr>
+    <a:masterClrMapping/>
+  </p:clrMapOvr>
+</p:sld>
+</file>
+
+<file path=ppt/slides/slide6.xml><?xml version="1.0" encoding="utf-8"?>
+<p:sld xmlns:a="http://schemas.openxmlformats.org/drawingml/2006/main" xmlns:r="http://schemas.openxmlformats.org/officeDocument/2006/relationships" xmlns:p="http://schemas.openxmlformats.org/presentationml/2006/main">
+  <p:cSld>
+    <p:spTree>
+      <p:nvGrpSpPr>
+        <p:cNvPr id="1" name=""/>
+        <p:cNvGrpSpPr/>
+        <p:nvPr/>
+      </p:nvGrpSpPr>
+      <p:grpSpPr>
+        <a:xfrm>
+          <a:off x="0" y="0"/>
+          <a:ext cx="0" cy="0"/>
+          <a:chOff x="0" y="0"/>
+          <a:chExt cx="0" cy="0"/>
+        </a:xfrm>
+      </p:grpSpPr>
+      <p:grpSp>
+        <p:nvGrpSpPr>
+          <p:cNvPr id="71" name="Group 70">
+            <a:extLst>
+              <a:ext uri="{FF2B5EF4-FFF2-40B4-BE49-F238E27FC236}">
+                <a16:creationId xmlns:a16="http://schemas.microsoft.com/office/drawing/2014/main" id="{E76DC818-B93F-4292-A99A-48F76A72ED60}"/>
+              </a:ext>
+            </a:extLst>
+          </p:cNvPr>
+          <p:cNvGrpSpPr/>
           <p:nvPr/>
-        </p:nvPicPr>
-        <p:blipFill>
-          <a:blip r:embed="rId5">
-            <a:lum bright="70000" contrast="-70000"/>
-            <a:extLst>
-              <a:ext uri="{28A0092B-C50C-407E-A947-70E740481C1C}">
-                <a14:useLocalDpi xmlns:a14="http://schemas.microsoft.com/office/drawing/2010/main" val="0"/>
-              </a:ext>
-            </a:extLst>
-          </a:blip>
-          <a:stretch>
-            <a:fillRect/>
-          </a:stretch>
-        </p:blipFill>
+        </p:nvGrpSpPr>
+        <p:grpSpPr>
+          <a:xfrm>
+            <a:off x="626084" y="1443976"/>
+            <a:ext cx="11286996" cy="3124572"/>
+            <a:chOff x="626083" y="771331"/>
+            <a:chExt cx="11286996" cy="3124572"/>
+          </a:xfrm>
+        </p:grpSpPr>
+        <p:grpSp>
+          <p:nvGrpSpPr>
+            <p:cNvPr id="72" name="Group 71">
+              <a:extLst>
+                <a:ext uri="{FF2B5EF4-FFF2-40B4-BE49-F238E27FC236}">
+                  <a16:creationId xmlns:a16="http://schemas.microsoft.com/office/drawing/2014/main" id="{1934E49D-DA5E-4F2E-A520-88EDADF5D425}"/>
+                </a:ext>
+              </a:extLst>
+            </p:cNvPr>
+            <p:cNvGrpSpPr/>
+            <p:nvPr/>
+          </p:nvGrpSpPr>
+          <p:grpSpPr>
+            <a:xfrm>
+              <a:off x="6358105" y="771331"/>
+              <a:ext cx="1845350" cy="1897643"/>
+              <a:chOff x="9223544" y="771331"/>
+              <a:chExt cx="1845350" cy="1897643"/>
+            </a:xfrm>
+          </p:grpSpPr>
+          <p:grpSp>
+            <p:nvGrpSpPr>
+              <p:cNvPr id="90" name="Group 89">
+                <a:extLst>
+                  <a:ext uri="{FF2B5EF4-FFF2-40B4-BE49-F238E27FC236}">
+                    <a16:creationId xmlns:a16="http://schemas.microsoft.com/office/drawing/2014/main" id="{A0FF00A5-2009-404D-94A8-32F1F351689B}"/>
+                  </a:ext>
+                </a:extLst>
+              </p:cNvPr>
+              <p:cNvGrpSpPr/>
+              <p:nvPr/>
+            </p:nvGrpSpPr>
+            <p:grpSpPr>
+              <a:xfrm>
+                <a:off x="9223544" y="771331"/>
+                <a:ext cx="1845350" cy="1897643"/>
+                <a:chOff x="6234160" y="771331"/>
+                <a:chExt cx="1845350" cy="1897643"/>
+              </a:xfrm>
+            </p:grpSpPr>
+            <p:sp>
+              <p:nvSpPr>
+                <p:cNvPr id="92" name="Oval 91">
+                  <a:extLst>
+                    <a:ext uri="{FF2B5EF4-FFF2-40B4-BE49-F238E27FC236}">
+                      <a16:creationId xmlns:a16="http://schemas.microsoft.com/office/drawing/2014/main" id="{CEF0AF62-762E-4994-8CE5-B972CA0BD954}"/>
+                    </a:ext>
+                  </a:extLst>
+                </p:cNvPr>
+                <p:cNvSpPr/>
+                <p:nvPr/>
+              </p:nvSpPr>
+              <p:spPr>
+                <a:xfrm>
+                  <a:off x="6234160" y="823624"/>
+                  <a:ext cx="1845350" cy="1845350"/>
+                </a:xfrm>
+                <a:prstGeom prst="ellipse">
+                  <a:avLst/>
+                </a:prstGeom>
+                <a:solidFill>
+                  <a:schemeClr val="accent5">
+                    <a:lumMod val="50000"/>
+                  </a:schemeClr>
+                </a:solidFill>
+              </p:spPr>
+              <p:style>
+                <a:lnRef idx="2">
+                  <a:schemeClr val="accent1">
+                    <a:shade val="50000"/>
+                  </a:schemeClr>
+                </a:lnRef>
+                <a:fillRef idx="1">
+                  <a:schemeClr val="accent1"/>
+                </a:fillRef>
+                <a:effectRef idx="0">
+                  <a:schemeClr val="accent1"/>
+                </a:effectRef>
+                <a:fontRef idx="minor">
+                  <a:schemeClr val="lt1"/>
+                </a:fontRef>
+              </p:style>
+              <p:txBody>
+                <a:bodyPr lIns="0" tIns="0" rtlCol="0" anchor="t"/>
+                <a:lstStyle/>
+                <a:p>
+                  <a:endParaRPr lang="en-GB" sz="4400" b="1" dirty="0"/>
+                </a:p>
+              </p:txBody>
+            </p:sp>
+            <p:sp>
+              <p:nvSpPr>
+                <p:cNvPr id="93" name="TextBox 92">
+                  <a:extLst>
+                    <a:ext uri="{FF2B5EF4-FFF2-40B4-BE49-F238E27FC236}">
+                      <a16:creationId xmlns:a16="http://schemas.microsoft.com/office/drawing/2014/main" id="{B778D133-7B43-4AAF-BA3C-B40D1E7D9B3E}"/>
+                    </a:ext>
+                  </a:extLst>
+                </p:cNvPr>
+                <p:cNvSpPr txBox="1"/>
+                <p:nvPr/>
+              </p:nvSpPr>
+              <p:spPr>
+                <a:xfrm>
+                  <a:off x="6919080" y="771331"/>
+                  <a:ext cx="475510" cy="646331"/>
+                </a:xfrm>
+                <a:prstGeom prst="rect">
+                  <a:avLst/>
+                </a:prstGeom>
+                <a:noFill/>
+              </p:spPr>
+              <p:txBody>
+                <a:bodyPr wrap="square" rtlCol="0">
+                  <a:spAutoFit/>
+                </a:bodyPr>
+                <a:lstStyle/>
+                <a:p>
+                  <a:pPr algn="ctr"/>
+                  <a:r>
+                    <a:rPr lang="en-GB" sz="3600" b="1" dirty="0">
+                      <a:solidFill>
+                        <a:schemeClr val="bg2"/>
+                      </a:solidFill>
+                    </a:rPr>
+                    <a:t>3</a:t>
+                  </a:r>
+                </a:p>
+              </p:txBody>
+            </p:sp>
+          </p:grpSp>
+          <p:pic>
+            <p:nvPicPr>
+              <p:cNvPr id="91" name="Picture 90">
+                <a:extLst>
+                  <a:ext uri="{FF2B5EF4-FFF2-40B4-BE49-F238E27FC236}">
+                    <a16:creationId xmlns:a16="http://schemas.microsoft.com/office/drawing/2014/main" id="{A56C8C85-5046-4706-A6F5-D33B928AC175}"/>
+                  </a:ext>
+                </a:extLst>
+              </p:cNvPr>
+              <p:cNvPicPr>
+                <a:picLocks noChangeAspect="1"/>
+              </p:cNvPicPr>
+              <p:nvPr/>
+            </p:nvPicPr>
+            <p:blipFill>
+              <a:blip r:embed="rId2">
+                <a:lum bright="70000" contrast="-70000"/>
+                <a:extLst>
+                  <a:ext uri="{28A0092B-C50C-407E-A947-70E740481C1C}">
+                    <a14:useLocalDpi xmlns:a14="http://schemas.microsoft.com/office/drawing/2010/main" val="0"/>
+                  </a:ext>
+                </a:extLst>
+              </a:blip>
+              <a:stretch>
+                <a:fillRect/>
+              </a:stretch>
+            </p:blipFill>
+            <p:spPr>
+              <a:xfrm>
+                <a:off x="9741701" y="1421387"/>
+                <a:ext cx="1140655" cy="1140655"/>
+              </a:xfrm>
+              <a:prstGeom prst="rect">
+                <a:avLst/>
+              </a:prstGeom>
+            </p:spPr>
+          </p:pic>
+        </p:grpSp>
+        <p:sp>
+          <p:nvSpPr>
+            <p:cNvPr id="73" name="TextBox 72">
+              <a:extLst>
+                <a:ext uri="{FF2B5EF4-FFF2-40B4-BE49-F238E27FC236}">
+                  <a16:creationId xmlns:a16="http://schemas.microsoft.com/office/drawing/2014/main" id="{1CCFE1CC-D475-413E-B868-DE716941353B}"/>
+                </a:ext>
+              </a:extLst>
+            </p:cNvPr>
+            <p:cNvSpPr txBox="1"/>
+            <p:nvPr/>
+          </p:nvSpPr>
+          <p:spPr>
+            <a:xfrm>
+              <a:off x="626083" y="3064906"/>
+              <a:ext cx="3296373" cy="830997"/>
+            </a:xfrm>
+            <a:prstGeom prst="rect">
+              <a:avLst/>
+            </a:prstGeom>
+            <a:noFill/>
+          </p:spPr>
+          <p:txBody>
+            <a:bodyPr wrap="square" rtlCol="0">
+              <a:spAutoFit/>
+            </a:bodyPr>
+            <a:lstStyle/>
+            <a:p>
+              <a:r>
+                <a:rPr lang="en-GB" sz="2800" b="1" dirty="0">
+                  <a:solidFill>
+                    <a:schemeClr val="accent5">
+                      <a:lumMod val="50000"/>
+                    </a:schemeClr>
+                  </a:solidFill>
+                  <a:latin typeface="Bahnschrift SemiBold" panose="020B0502040204020203" pitchFamily="34" charset="0"/>
+                </a:rPr>
+                <a:t>Prepare</a:t>
+              </a:r>
+            </a:p>
+            <a:p>
+              <a:r>
+                <a:rPr lang="en-GB" sz="2000" b="1" dirty="0">
+                  <a:solidFill>
+                    <a:schemeClr val="tx1">
+                      <a:lumMod val="50000"/>
+                      <a:lumOff val="50000"/>
+                    </a:schemeClr>
+                  </a:solidFill>
+                  <a:latin typeface="Bahnschrift SemiBold" panose="020B0502040204020203" pitchFamily="34" charset="0"/>
+                </a:rPr>
+                <a:t>- URL construction</a:t>
+              </a:r>
+            </a:p>
+          </p:txBody>
+        </p:sp>
+        <p:grpSp>
+          <p:nvGrpSpPr>
+            <p:cNvPr id="74" name="Group 73">
+              <a:extLst>
+                <a:ext uri="{FF2B5EF4-FFF2-40B4-BE49-F238E27FC236}">
+                  <a16:creationId xmlns:a16="http://schemas.microsoft.com/office/drawing/2014/main" id="{5B81FD76-D573-4908-B585-06BA4565A38C}"/>
+                </a:ext>
+              </a:extLst>
+            </p:cNvPr>
+            <p:cNvGrpSpPr/>
+            <p:nvPr/>
+          </p:nvGrpSpPr>
+          <p:grpSpPr>
+            <a:xfrm>
+              <a:off x="9223543" y="771331"/>
+              <a:ext cx="1845350" cy="1897643"/>
+              <a:chOff x="6358105" y="771331"/>
+              <a:chExt cx="1845350" cy="1897643"/>
+            </a:xfrm>
+          </p:grpSpPr>
+          <p:grpSp>
+            <p:nvGrpSpPr>
+              <p:cNvPr id="86" name="Group 85">
+                <a:extLst>
+                  <a:ext uri="{FF2B5EF4-FFF2-40B4-BE49-F238E27FC236}">
+                    <a16:creationId xmlns:a16="http://schemas.microsoft.com/office/drawing/2014/main" id="{2F37D4A5-21D1-492A-A9B8-90107F13E1EC}"/>
+                  </a:ext>
+                </a:extLst>
+              </p:cNvPr>
+              <p:cNvGrpSpPr/>
+              <p:nvPr/>
+            </p:nvGrpSpPr>
+            <p:grpSpPr>
+              <a:xfrm>
+                <a:off x="6358105" y="771331"/>
+                <a:ext cx="1845350" cy="1897643"/>
+                <a:chOff x="6234160" y="771331"/>
+                <a:chExt cx="1845350" cy="1897643"/>
+              </a:xfrm>
+            </p:grpSpPr>
+            <p:sp>
+              <p:nvSpPr>
+                <p:cNvPr id="88" name="Oval 87">
+                  <a:extLst>
+                    <a:ext uri="{FF2B5EF4-FFF2-40B4-BE49-F238E27FC236}">
+                      <a16:creationId xmlns:a16="http://schemas.microsoft.com/office/drawing/2014/main" id="{301E771A-B9CE-4485-BB1E-544E92D2AFC8}"/>
+                    </a:ext>
+                  </a:extLst>
+                </p:cNvPr>
+                <p:cNvSpPr/>
+                <p:nvPr/>
+              </p:nvSpPr>
+              <p:spPr>
+                <a:xfrm>
+                  <a:off x="6234160" y="823624"/>
+                  <a:ext cx="1845350" cy="1845350"/>
+                </a:xfrm>
+                <a:prstGeom prst="ellipse">
+                  <a:avLst/>
+                </a:prstGeom>
+                <a:solidFill>
+                  <a:schemeClr val="accent5">
+                    <a:lumMod val="50000"/>
+                  </a:schemeClr>
+                </a:solidFill>
+              </p:spPr>
+              <p:style>
+                <a:lnRef idx="2">
+                  <a:schemeClr val="accent1">
+                    <a:shade val="50000"/>
+                  </a:schemeClr>
+                </a:lnRef>
+                <a:fillRef idx="1">
+                  <a:schemeClr val="accent1"/>
+                </a:fillRef>
+                <a:effectRef idx="0">
+                  <a:schemeClr val="accent1"/>
+                </a:effectRef>
+                <a:fontRef idx="minor">
+                  <a:schemeClr val="lt1"/>
+                </a:fontRef>
+              </p:style>
+              <p:txBody>
+                <a:bodyPr lIns="0" tIns="0" rtlCol="0" anchor="t"/>
+                <a:lstStyle/>
+                <a:p>
+                  <a:endParaRPr lang="en-GB" sz="4400" b="1" dirty="0"/>
+                </a:p>
+              </p:txBody>
+            </p:sp>
+            <p:sp>
+              <p:nvSpPr>
+                <p:cNvPr id="89" name="TextBox 88">
+                  <a:extLst>
+                    <a:ext uri="{FF2B5EF4-FFF2-40B4-BE49-F238E27FC236}">
+                      <a16:creationId xmlns:a16="http://schemas.microsoft.com/office/drawing/2014/main" id="{81B184DA-C4CD-4BA5-933C-D485DF5677FA}"/>
+                    </a:ext>
+                  </a:extLst>
+                </p:cNvPr>
+                <p:cNvSpPr txBox="1"/>
+                <p:nvPr/>
+              </p:nvSpPr>
+              <p:spPr>
+                <a:xfrm>
+                  <a:off x="6919080" y="771331"/>
+                  <a:ext cx="475510" cy="646331"/>
+                </a:xfrm>
+                <a:prstGeom prst="rect">
+                  <a:avLst/>
+                </a:prstGeom>
+                <a:noFill/>
+              </p:spPr>
+              <p:txBody>
+                <a:bodyPr wrap="square" rtlCol="0">
+                  <a:spAutoFit/>
+                </a:bodyPr>
+                <a:lstStyle/>
+                <a:p>
+                  <a:pPr algn="ctr"/>
+                  <a:r>
+                    <a:rPr lang="en-GB" sz="3600" b="1" dirty="0">
+                      <a:solidFill>
+                        <a:schemeClr val="bg2"/>
+                      </a:solidFill>
+                    </a:rPr>
+                    <a:t>4</a:t>
+                  </a:r>
+                </a:p>
+              </p:txBody>
+            </p:sp>
+          </p:grpSp>
+          <p:pic>
+            <p:nvPicPr>
+              <p:cNvPr id="87" name="Picture 86">
+                <a:extLst>
+                  <a:ext uri="{FF2B5EF4-FFF2-40B4-BE49-F238E27FC236}">
+                    <a16:creationId xmlns:a16="http://schemas.microsoft.com/office/drawing/2014/main" id="{8E9BDD0C-2DD7-408B-B762-352786E05F3C}"/>
+                  </a:ext>
+                </a:extLst>
+              </p:cNvPr>
+              <p:cNvPicPr>
+                <a:picLocks noChangeAspect="1"/>
+              </p:cNvPicPr>
+              <p:nvPr/>
+            </p:nvPicPr>
+            <p:blipFill>
+              <a:blip r:embed="rId3">
+                <a:lum bright="70000" contrast="-70000"/>
+                <a:extLst>
+                  <a:ext uri="{28A0092B-C50C-407E-A947-70E740481C1C}">
+                    <a14:useLocalDpi xmlns:a14="http://schemas.microsoft.com/office/drawing/2010/main" val="0"/>
+                  </a:ext>
+                </a:extLst>
+              </a:blip>
+              <a:stretch>
+                <a:fillRect/>
+              </a:stretch>
+            </p:blipFill>
+            <p:spPr>
+              <a:xfrm>
+                <a:off x="6639459" y="1257182"/>
+                <a:ext cx="1282642" cy="1282642"/>
+              </a:xfrm>
+              <a:prstGeom prst="rect">
+                <a:avLst/>
+              </a:prstGeom>
+            </p:spPr>
+          </p:pic>
+        </p:grpSp>
+        <p:grpSp>
+          <p:nvGrpSpPr>
+            <p:cNvPr id="75" name="Group 74">
+              <a:extLst>
+                <a:ext uri="{FF2B5EF4-FFF2-40B4-BE49-F238E27FC236}">
+                  <a16:creationId xmlns:a16="http://schemas.microsoft.com/office/drawing/2014/main" id="{1312F440-5451-493C-86B8-DE920D5B3AF1}"/>
+                </a:ext>
+              </a:extLst>
+            </p:cNvPr>
+            <p:cNvGrpSpPr/>
+            <p:nvPr/>
+          </p:nvGrpSpPr>
+          <p:grpSpPr>
+            <a:xfrm>
+              <a:off x="3492667" y="771331"/>
+              <a:ext cx="1845350" cy="1897643"/>
+              <a:chOff x="6234160" y="771331"/>
+              <a:chExt cx="1845350" cy="1897643"/>
+            </a:xfrm>
+          </p:grpSpPr>
+          <p:sp>
+            <p:nvSpPr>
+              <p:cNvPr id="84" name="Oval 83">
+                <a:extLst>
+                  <a:ext uri="{FF2B5EF4-FFF2-40B4-BE49-F238E27FC236}">
+                    <a16:creationId xmlns:a16="http://schemas.microsoft.com/office/drawing/2014/main" id="{94F4EEEA-3604-4DE2-AC5D-87465D3457DE}"/>
+                  </a:ext>
+                </a:extLst>
+              </p:cNvPr>
+              <p:cNvSpPr/>
+              <p:nvPr/>
+            </p:nvSpPr>
+            <p:spPr>
+              <a:xfrm>
+                <a:off x="6234160" y="823624"/>
+                <a:ext cx="1845350" cy="1845350"/>
+              </a:xfrm>
+              <a:prstGeom prst="ellipse">
+                <a:avLst/>
+              </a:prstGeom>
+              <a:solidFill>
+                <a:schemeClr val="accent5">
+                  <a:lumMod val="50000"/>
+                </a:schemeClr>
+              </a:solidFill>
+            </p:spPr>
+            <p:style>
+              <a:lnRef idx="2">
+                <a:schemeClr val="accent1">
+                  <a:shade val="50000"/>
+                </a:schemeClr>
+              </a:lnRef>
+              <a:fillRef idx="1">
+                <a:schemeClr val="accent1"/>
+              </a:fillRef>
+              <a:effectRef idx="0">
+                <a:schemeClr val="accent1"/>
+              </a:effectRef>
+              <a:fontRef idx="minor">
+                <a:schemeClr val="lt1"/>
+              </a:fontRef>
+            </p:style>
+            <p:txBody>
+              <a:bodyPr lIns="0" tIns="0" rtlCol="0" anchor="t"/>
+              <a:lstStyle/>
+              <a:p>
+                <a:endParaRPr lang="en-GB" sz="4400" b="1" dirty="0"/>
+              </a:p>
+            </p:txBody>
+          </p:sp>
+          <p:sp>
+            <p:nvSpPr>
+              <p:cNvPr id="85" name="TextBox 84">
+                <a:extLst>
+                  <a:ext uri="{FF2B5EF4-FFF2-40B4-BE49-F238E27FC236}">
+                    <a16:creationId xmlns:a16="http://schemas.microsoft.com/office/drawing/2014/main" id="{1A492863-AD04-44DD-BD11-3E341077F08C}"/>
+                  </a:ext>
+                </a:extLst>
+              </p:cNvPr>
+              <p:cNvSpPr txBox="1"/>
+              <p:nvPr/>
+            </p:nvSpPr>
+            <p:spPr>
+              <a:xfrm>
+                <a:off x="6919080" y="771331"/>
+                <a:ext cx="475510" cy="646331"/>
+              </a:xfrm>
+              <a:prstGeom prst="rect">
+                <a:avLst/>
+              </a:prstGeom>
+              <a:noFill/>
+            </p:spPr>
+            <p:txBody>
+              <a:bodyPr wrap="square" rtlCol="0">
+                <a:spAutoFit/>
+              </a:bodyPr>
+              <a:lstStyle/>
+              <a:p>
+                <a:pPr algn="ctr"/>
+                <a:r>
+                  <a:rPr lang="en-GB" sz="3600" b="1" dirty="0">
+                    <a:solidFill>
+                      <a:schemeClr val="bg2"/>
+                    </a:solidFill>
+                  </a:rPr>
+                  <a:t>2</a:t>
+                </a:r>
+              </a:p>
+            </p:txBody>
+          </p:sp>
+        </p:grpSp>
+        <p:grpSp>
+          <p:nvGrpSpPr>
+            <p:cNvPr id="76" name="Group 75">
+              <a:extLst>
+                <a:ext uri="{FF2B5EF4-FFF2-40B4-BE49-F238E27FC236}">
+                  <a16:creationId xmlns:a16="http://schemas.microsoft.com/office/drawing/2014/main" id="{14C45A30-925D-46C8-8BB4-CEA6CCA14C35}"/>
+                </a:ext>
+              </a:extLst>
+            </p:cNvPr>
+            <p:cNvGrpSpPr/>
+            <p:nvPr/>
+          </p:nvGrpSpPr>
+          <p:grpSpPr>
+            <a:xfrm>
+              <a:off x="627229" y="771331"/>
+              <a:ext cx="1845350" cy="1897643"/>
+              <a:chOff x="6234160" y="771331"/>
+              <a:chExt cx="1845350" cy="1897643"/>
+            </a:xfrm>
+          </p:grpSpPr>
+          <p:sp>
+            <p:nvSpPr>
+              <p:cNvPr id="82" name="Oval 81">
+                <a:extLst>
+                  <a:ext uri="{FF2B5EF4-FFF2-40B4-BE49-F238E27FC236}">
+                    <a16:creationId xmlns:a16="http://schemas.microsoft.com/office/drawing/2014/main" id="{AC421048-CF00-441B-B88D-FDE85ADDF47E}"/>
+                  </a:ext>
+                </a:extLst>
+              </p:cNvPr>
+              <p:cNvSpPr/>
+              <p:nvPr/>
+            </p:nvSpPr>
+            <p:spPr>
+              <a:xfrm>
+                <a:off x="6234160" y="823624"/>
+                <a:ext cx="1845350" cy="1845350"/>
+              </a:xfrm>
+              <a:prstGeom prst="ellipse">
+                <a:avLst/>
+              </a:prstGeom>
+              <a:solidFill>
+                <a:schemeClr val="accent5">
+                  <a:lumMod val="50000"/>
+                </a:schemeClr>
+              </a:solidFill>
+            </p:spPr>
+            <p:style>
+              <a:lnRef idx="2">
+                <a:schemeClr val="accent1">
+                  <a:shade val="50000"/>
+                </a:schemeClr>
+              </a:lnRef>
+              <a:fillRef idx="1">
+                <a:schemeClr val="accent1"/>
+              </a:fillRef>
+              <a:effectRef idx="0">
+                <a:schemeClr val="accent1"/>
+              </a:effectRef>
+              <a:fontRef idx="minor">
+                <a:schemeClr val="lt1"/>
+              </a:fontRef>
+            </p:style>
+            <p:txBody>
+              <a:bodyPr lIns="0" tIns="0" rtlCol="0" anchor="t"/>
+              <a:lstStyle/>
+              <a:p>
+                <a:endParaRPr lang="en-GB" sz="4400" b="1" dirty="0"/>
+              </a:p>
+            </p:txBody>
+          </p:sp>
+          <p:sp>
+            <p:nvSpPr>
+              <p:cNvPr id="83" name="TextBox 82">
+                <a:extLst>
+                  <a:ext uri="{FF2B5EF4-FFF2-40B4-BE49-F238E27FC236}">
+                    <a16:creationId xmlns:a16="http://schemas.microsoft.com/office/drawing/2014/main" id="{0E614711-D2BB-4BF1-B4A1-7E61A151C1FC}"/>
+                  </a:ext>
+                </a:extLst>
+              </p:cNvPr>
+              <p:cNvSpPr txBox="1"/>
+              <p:nvPr/>
+            </p:nvSpPr>
+            <p:spPr>
+              <a:xfrm>
+                <a:off x="6919080" y="771331"/>
+                <a:ext cx="475510" cy="646331"/>
+              </a:xfrm>
+              <a:prstGeom prst="rect">
+                <a:avLst/>
+              </a:prstGeom>
+              <a:noFill/>
+            </p:spPr>
+            <p:txBody>
+              <a:bodyPr wrap="square" rtlCol="0">
+                <a:spAutoFit/>
+              </a:bodyPr>
+              <a:lstStyle/>
+              <a:p>
+                <a:pPr algn="ctr"/>
+                <a:r>
+                  <a:rPr lang="en-GB" sz="3600" b="1" dirty="0">
+                    <a:solidFill>
+                      <a:schemeClr val="bg2"/>
+                    </a:solidFill>
+                  </a:rPr>
+                  <a:t>1</a:t>
+                </a:r>
+              </a:p>
+            </p:txBody>
+          </p:sp>
+        </p:grpSp>
+        <p:pic>
+          <p:nvPicPr>
+            <p:cNvPr id="77" name="Picture 76">
+              <a:extLst>
+                <a:ext uri="{FF2B5EF4-FFF2-40B4-BE49-F238E27FC236}">
+                  <a16:creationId xmlns:a16="http://schemas.microsoft.com/office/drawing/2014/main" id="{CF0593A2-EB0E-41F3-B700-C5EECC4B6944}"/>
+                </a:ext>
+              </a:extLst>
+            </p:cNvPr>
+            <p:cNvPicPr>
+              <a:picLocks noChangeAspect="1"/>
+            </p:cNvPicPr>
+            <p:nvPr/>
+          </p:nvPicPr>
+          <p:blipFill>
+            <a:blip r:embed="rId4">
+              <a:lum bright="70000" contrast="-70000"/>
+              <a:extLst>
+                <a:ext uri="{28A0092B-C50C-407E-A947-70E740481C1C}">
+                  <a14:useLocalDpi xmlns:a14="http://schemas.microsoft.com/office/drawing/2010/main" val="0"/>
+                </a:ext>
+              </a:extLst>
+            </a:blip>
+            <a:stretch>
+              <a:fillRect/>
+            </a:stretch>
+          </p:blipFill>
+          <p:spPr>
+            <a:xfrm>
+              <a:off x="3935411" y="1450418"/>
+              <a:ext cx="959861" cy="959861"/>
+            </a:xfrm>
+            <a:prstGeom prst="rect">
+              <a:avLst/>
+            </a:prstGeom>
+          </p:spPr>
+        </p:pic>
+        <p:pic>
+          <p:nvPicPr>
+            <p:cNvPr id="78" name="Picture 77">
+              <a:extLst>
+                <a:ext uri="{FF2B5EF4-FFF2-40B4-BE49-F238E27FC236}">
+                  <a16:creationId xmlns:a16="http://schemas.microsoft.com/office/drawing/2014/main" id="{87AAFD73-BA91-4CB9-9382-54F47353FE81}"/>
+                </a:ext>
+              </a:extLst>
+            </p:cNvPr>
+            <p:cNvPicPr>
+              <a:picLocks noChangeAspect="1"/>
+            </p:cNvPicPr>
+            <p:nvPr/>
+          </p:nvPicPr>
+          <p:blipFill>
+            <a:blip r:embed="rId5">
+              <a:lum bright="70000" contrast="-70000"/>
+              <a:extLst>
+                <a:ext uri="{28A0092B-C50C-407E-A947-70E740481C1C}">
+                  <a14:useLocalDpi xmlns:a14="http://schemas.microsoft.com/office/drawing/2010/main" val="0"/>
+                </a:ext>
+              </a:extLst>
+            </a:blip>
+            <a:stretch>
+              <a:fillRect/>
+            </a:stretch>
+          </p:blipFill>
+          <p:spPr>
+            <a:xfrm>
+              <a:off x="1047570" y="1417662"/>
+              <a:ext cx="1053206" cy="1053206"/>
+            </a:xfrm>
+            <a:prstGeom prst="rect">
+              <a:avLst/>
+            </a:prstGeom>
+          </p:spPr>
+        </p:pic>
+        <p:sp>
+          <p:nvSpPr>
+            <p:cNvPr id="79" name="TextBox 78">
+              <a:extLst>
+                <a:ext uri="{FF2B5EF4-FFF2-40B4-BE49-F238E27FC236}">
+                  <a16:creationId xmlns:a16="http://schemas.microsoft.com/office/drawing/2014/main" id="{30C406BB-6C08-4953-80DC-77654BD38747}"/>
+                </a:ext>
+              </a:extLst>
+            </p:cNvPr>
+            <p:cNvSpPr txBox="1"/>
+            <p:nvPr/>
+          </p:nvSpPr>
+          <p:spPr>
+            <a:xfrm>
+              <a:off x="3492667" y="3064906"/>
+              <a:ext cx="3296373" cy="830997"/>
+            </a:xfrm>
+            <a:prstGeom prst="rect">
+              <a:avLst/>
+            </a:prstGeom>
+            <a:noFill/>
+          </p:spPr>
+          <p:txBody>
+            <a:bodyPr wrap="square" rtlCol="0">
+              <a:spAutoFit/>
+            </a:bodyPr>
+            <a:lstStyle/>
+            <a:p>
+              <a:r>
+                <a:rPr lang="en-GB" sz="2800" b="1" dirty="0">
+                  <a:solidFill>
+                    <a:schemeClr val="accent5">
+                      <a:lumMod val="50000"/>
+                    </a:schemeClr>
+                  </a:solidFill>
+                  <a:latin typeface="Bahnschrift SemiBold" panose="020B0502040204020203" pitchFamily="34" charset="0"/>
+                </a:rPr>
+                <a:t>Load info</a:t>
+              </a:r>
+            </a:p>
+            <a:p>
+              <a:r>
+                <a:rPr lang="en-GB" sz="2000" b="1" dirty="0">
+                  <a:solidFill>
+                    <a:schemeClr val="tx1">
+                      <a:lumMod val="50000"/>
+                      <a:lumOff val="50000"/>
+                    </a:schemeClr>
+                  </a:solidFill>
+                  <a:latin typeface="Bahnschrift SemiBold" panose="020B0502040204020203" pitchFamily="34" charset="0"/>
+                </a:rPr>
+                <a:t>get a local version</a:t>
+              </a:r>
+            </a:p>
+          </p:txBody>
+        </p:sp>
+        <p:sp>
+          <p:nvSpPr>
+            <p:cNvPr id="80" name="TextBox 79">
+              <a:extLst>
+                <a:ext uri="{FF2B5EF4-FFF2-40B4-BE49-F238E27FC236}">
+                  <a16:creationId xmlns:a16="http://schemas.microsoft.com/office/drawing/2014/main" id="{CAEC3FD2-EBFE-4AA0-937A-D2E906B481B2}"/>
+                </a:ext>
+              </a:extLst>
+            </p:cNvPr>
+            <p:cNvSpPr txBox="1"/>
+            <p:nvPr/>
+          </p:nvSpPr>
+          <p:spPr>
+            <a:xfrm>
+              <a:off x="6359251" y="3064905"/>
+              <a:ext cx="3296373" cy="830997"/>
+            </a:xfrm>
+            <a:prstGeom prst="rect">
+              <a:avLst/>
+            </a:prstGeom>
+            <a:noFill/>
+          </p:spPr>
+          <p:txBody>
+            <a:bodyPr wrap="square" rtlCol="0">
+              <a:spAutoFit/>
+            </a:bodyPr>
+            <a:lstStyle/>
+            <a:p>
+              <a:r>
+                <a:rPr lang="en-GB" sz="2800" b="1" dirty="0">
+                  <a:solidFill>
+                    <a:schemeClr val="accent5">
+                      <a:lumMod val="50000"/>
+                    </a:schemeClr>
+                  </a:solidFill>
+                  <a:latin typeface="Bahnschrift SemiBold" panose="020B0502040204020203" pitchFamily="34" charset="0"/>
+                </a:rPr>
+                <a:t>Select info</a:t>
+              </a:r>
+            </a:p>
+            <a:p>
+              <a:r>
+                <a:rPr lang="en-GB" sz="2000" b="1" dirty="0">
+                  <a:solidFill>
+                    <a:schemeClr val="tx1">
+                      <a:lumMod val="50000"/>
+                      <a:lumOff val="50000"/>
+                    </a:schemeClr>
+                  </a:solidFill>
+                  <a:latin typeface="Bahnschrift SemiBold" panose="020B0502040204020203" pitchFamily="34" charset="0"/>
+                </a:rPr>
+                <a:t>grab the node(s)</a:t>
+              </a:r>
+            </a:p>
+          </p:txBody>
+        </p:sp>
+        <p:sp>
+          <p:nvSpPr>
+            <p:cNvPr id="81" name="TextBox 80">
+              <a:extLst>
+                <a:ext uri="{FF2B5EF4-FFF2-40B4-BE49-F238E27FC236}">
+                  <a16:creationId xmlns:a16="http://schemas.microsoft.com/office/drawing/2014/main" id="{8B2AB00E-40E0-4A4C-97D7-4493630F7B82}"/>
+                </a:ext>
+              </a:extLst>
+            </p:cNvPr>
+            <p:cNvSpPr txBox="1"/>
+            <p:nvPr/>
+          </p:nvSpPr>
+          <p:spPr>
+            <a:xfrm>
+              <a:off x="9223544" y="3064905"/>
+              <a:ext cx="2689535" cy="830997"/>
+            </a:xfrm>
+            <a:prstGeom prst="rect">
+              <a:avLst/>
+            </a:prstGeom>
+            <a:noFill/>
+          </p:spPr>
+          <p:txBody>
+            <a:bodyPr wrap="square" rtlCol="0">
+              <a:spAutoFit/>
+            </a:bodyPr>
+            <a:lstStyle/>
+            <a:p>
+              <a:r>
+                <a:rPr lang="en-GB" sz="2800" b="1" dirty="0">
+                  <a:solidFill>
+                    <a:schemeClr val="accent5">
+                      <a:lumMod val="50000"/>
+                    </a:schemeClr>
+                  </a:solidFill>
+                  <a:latin typeface="Bahnschrift SemiBold" panose="020B0502040204020203" pitchFamily="34" charset="0"/>
+                </a:rPr>
+                <a:t>Extract </a:t>
+              </a:r>
+            </a:p>
+            <a:p>
+              <a:r>
+                <a:rPr lang="en-GB" sz="2000" b="1" dirty="0">
+                  <a:solidFill>
+                    <a:schemeClr val="tx1">
+                      <a:lumMod val="50000"/>
+                      <a:lumOff val="50000"/>
+                    </a:schemeClr>
+                  </a:solidFill>
+                  <a:latin typeface="Bahnschrift SemiBold" panose="020B0502040204020203" pitchFamily="34" charset="0"/>
+                </a:rPr>
+                <a:t>and parse to R</a:t>
+              </a:r>
+            </a:p>
+          </p:txBody>
+        </p:sp>
+      </p:grpSp>
+      <p:sp>
+        <p:nvSpPr>
+          <p:cNvPr id="45" name="Title 1">
+            <a:extLst>
+              <a:ext uri="{FF2B5EF4-FFF2-40B4-BE49-F238E27FC236}">
+                <a16:creationId xmlns:a16="http://schemas.microsoft.com/office/drawing/2014/main" id="{EFD12D2A-E76E-4DBD-B683-1CD85BA6E911}"/>
+              </a:ext>
+            </a:extLst>
+          </p:cNvPr>
+          <p:cNvSpPr txBox="1">
+            <a:spLocks/>
+          </p:cNvSpPr>
+          <p:nvPr/>
+        </p:nvSpPr>
         <p:spPr>
           <a:xfrm>
-            <a:off x="1047570" y="1417662"/>
-            <a:ext cx="1053206" cy="1053206"/>
+            <a:off x="553294" y="46041"/>
+            <a:ext cx="10515600" cy="989222"/>
           </a:xfrm>
           <a:prstGeom prst="rect">
             <a:avLst/>
           </a:prstGeom>
         </p:spPr>
-      </p:pic>
+        <p:txBody>
+          <a:bodyPr vert="horz" lIns="91440" tIns="45720" rIns="91440" bIns="45720" rtlCol="0" anchor="b">
+            <a:normAutofit/>
+          </a:bodyPr>
+          <a:lstStyle>
+            <a:lvl1pPr algn="ctr" defTabSz="914400" rtl="0" eaLnBrk="1" latinLnBrk="0" hangingPunct="1">
+              <a:lnSpc>
+                <a:spcPct val="90000"/>
+              </a:lnSpc>
+              <a:spcBef>
+                <a:spcPct val="0"/>
+              </a:spcBef>
+              <a:buNone/>
+              <a:defRPr sz="6000" kern="1200">
+                <a:solidFill>
+                  <a:schemeClr val="tx1"/>
+                </a:solidFill>
+                <a:latin typeface="+mj-lt"/>
+                <a:ea typeface="+mj-ea"/>
+                <a:cs typeface="+mj-cs"/>
+              </a:defRPr>
+            </a:lvl1pPr>
+          </a:lstStyle>
+          <a:p>
+            <a:pPr algn="l"/>
+            <a:r>
+              <a:rPr lang="en-GB" sz="4800" dirty="0" err="1">
+                <a:solidFill>
+                  <a:schemeClr val="accent5">
+                    <a:lumMod val="75000"/>
+                  </a:schemeClr>
+                </a:solidFill>
+                <a:latin typeface="Bahnschrift Light" panose="020B0502040204020203" pitchFamily="34" charset="0"/>
+              </a:rPr>
+              <a:t>Webscraping</a:t>
+            </a:r>
+            <a:r>
+              <a:rPr lang="en-GB" sz="4800" dirty="0">
+                <a:solidFill>
+                  <a:schemeClr val="accent5">
+                    <a:lumMod val="75000"/>
+                  </a:schemeClr>
+                </a:solidFill>
+                <a:latin typeface="Bahnschrift Light" panose="020B0502040204020203" pitchFamily="34" charset="0"/>
+              </a:rPr>
+              <a:t> workflow</a:t>
+            </a:r>
+          </a:p>
+        </p:txBody>
+      </p:sp>
       <p:sp>
         <p:nvSpPr>
-          <p:cNvPr id="31" name="TextBox 30">
-            <a:extLst>
-              <a:ext uri="{FF2B5EF4-FFF2-40B4-BE49-F238E27FC236}">
-                <a16:creationId xmlns:a16="http://schemas.microsoft.com/office/drawing/2014/main" id="{7EA74D73-3793-404D-AC5A-9889034704A6}"/>
+          <p:cNvPr id="35" name="TextBox 34">
+            <a:extLst>
+              <a:ext uri="{FF2B5EF4-FFF2-40B4-BE49-F238E27FC236}">
+                <a16:creationId xmlns:a16="http://schemas.microsoft.com/office/drawing/2014/main" id="{728574EF-064E-4D26-9842-2BF76EFFF497}"/>
               </a:ext>
             </a:extLst>
           </p:cNvPr>
@@ -4954,8 +8115,8 @@
         </p:nvSpPr>
         <p:spPr>
           <a:xfrm>
-            <a:off x="3492667" y="3064906"/>
-            <a:ext cx="3296373" cy="523220"/>
+            <a:off x="626084" y="5370133"/>
+            <a:ext cx="3296373" cy="584775"/>
           </a:xfrm>
           <a:prstGeom prst="rect">
             <a:avLst/>
@@ -4969,25 +8130,71 @@
           <a:lstStyle/>
           <a:p>
             <a:r>
-              <a:rPr lang="en-GB" sz="2800" b="1" dirty="0">
+              <a:rPr lang="en-GB" sz="1600" dirty="0">
                 <a:solidFill>
-                  <a:schemeClr val="accent5">
-                    <a:lumMod val="50000"/>
+                  <a:schemeClr val="accent2">
+                    <a:lumMod val="75000"/>
                   </a:schemeClr>
                 </a:solidFill>
-                <a:latin typeface="Bahnschrift SemiBold" panose="020B0502040204020203" pitchFamily="34" charset="0"/>
+                <a:latin typeface="Lucida Console" panose="020B0609040504020204" pitchFamily="49" charset="0"/>
               </a:rPr>
-              <a:t>GET request</a:t>
+              <a:t>paste0()</a:t>
+            </a:r>
+          </a:p>
+          <a:p>
+            <a:r>
+              <a:rPr lang="en-GB" sz="1600" dirty="0" err="1">
+                <a:solidFill>
+                  <a:schemeClr val="accent2">
+                    <a:lumMod val="75000"/>
+                  </a:schemeClr>
+                </a:solidFill>
+                <a:latin typeface="Lucida Console" panose="020B0609040504020204" pitchFamily="49" charset="0"/>
+              </a:rPr>
+              <a:t>httr</a:t>
+            </a:r>
+            <a:r>
+              <a:rPr lang="en-GB" sz="1600" dirty="0">
+                <a:solidFill>
+                  <a:schemeClr val="accent2">
+                    <a:lumMod val="75000"/>
+                  </a:schemeClr>
+                </a:solidFill>
+                <a:latin typeface="Lucida Console" panose="020B0609040504020204" pitchFamily="49" charset="0"/>
+              </a:rPr>
+              <a:t>::</a:t>
+            </a:r>
+            <a:r>
+              <a:rPr lang="en-GB" sz="1600" dirty="0" err="1">
+                <a:solidFill>
+                  <a:schemeClr val="accent2">
+                    <a:lumMod val="75000"/>
+                  </a:schemeClr>
+                </a:solidFill>
+                <a:latin typeface="Lucida Console" panose="020B0609040504020204" pitchFamily="49" charset="0"/>
+              </a:rPr>
+              <a:t>modify_url</a:t>
+            </a:r>
+            <a:r>
+              <a:rPr lang="en-GB" sz="1600" dirty="0">
+                <a:solidFill>
+                  <a:schemeClr val="accent2">
+                    <a:lumMod val="75000"/>
+                  </a:schemeClr>
+                </a:solidFill>
+                <a:latin typeface="Lucida Console" panose="020B0609040504020204" pitchFamily="49" charset="0"/>
+              </a:rPr>
+              <a:t>()</a:t>
             </a:r>
           </a:p>
         </p:txBody>
       </p:sp>
       <p:sp>
         <p:nvSpPr>
-          <p:cNvPr id="34" name="TextBox 33">
-            <a:extLst>
-              <a:ext uri="{FF2B5EF4-FFF2-40B4-BE49-F238E27FC236}">
-                <a16:creationId xmlns:a16="http://schemas.microsoft.com/office/drawing/2014/main" id="{1EFC3218-AD91-475D-82A5-9C63CE2D7B59}"/>
+          <p:cNvPr id="37" name="TextBox 36">
+            <a:extLst>
+              <a:ext uri="{FF2B5EF4-FFF2-40B4-BE49-F238E27FC236}">
+                <a16:creationId xmlns:a16="http://schemas.microsoft.com/office/drawing/2014/main" id="{D985998D-806A-4C2F-8AD4-8C9D15A1D426}"/>
               </a:ext>
             </a:extLst>
           </p:cNvPr>
@@ -4996,8 +8203,8 @@
         </p:nvSpPr>
         <p:spPr>
           <a:xfrm>
-            <a:off x="6359251" y="3064905"/>
-            <a:ext cx="3296373" cy="830997"/>
+            <a:off x="3546230" y="5375984"/>
+            <a:ext cx="3296373" cy="338554"/>
           </a:xfrm>
           <a:prstGeom prst="rect">
             <a:avLst/>
@@ -5011,39 +8218,58 @@
           <a:lstStyle/>
           <a:p>
             <a:r>
-              <a:rPr lang="en-GB" sz="2800" b="1" dirty="0">
+              <a:rPr lang="en-GB" sz="1600" dirty="0" err="1">
                 <a:solidFill>
-                  <a:schemeClr val="accent5">
-                    <a:lumMod val="50000"/>
+                  <a:schemeClr val="accent2">
+                    <a:lumMod val="75000"/>
                   </a:schemeClr>
                 </a:solidFill>
-                <a:latin typeface="Bahnschrift SemiBold" panose="020B0502040204020203" pitchFamily="34" charset="0"/>
+                <a:latin typeface="Lucida Console" panose="020B0609040504020204" pitchFamily="49" charset="0"/>
               </a:rPr>
-              <a:t>Extract</a:t>
-            </a:r>
-          </a:p>
-          <a:p>
-            <a:r>
-              <a:rPr lang="en-GB" sz="2000" b="1" dirty="0">
+              <a:t>rvest</a:t>
+            </a:r>
+            <a:r>
+              <a:rPr lang="en-GB" sz="1600" dirty="0">
                 <a:solidFill>
-                  <a:schemeClr val="tx1">
-                    <a:lumMod val="50000"/>
-                    <a:lumOff val="50000"/>
+                  <a:schemeClr val="accent2">
+                    <a:lumMod val="75000"/>
                   </a:schemeClr>
                 </a:solidFill>
-                <a:latin typeface="Bahnschrift SemiBold" panose="020B0502040204020203" pitchFamily="34" charset="0"/>
+                <a:latin typeface="Lucida Console" panose="020B0609040504020204" pitchFamily="49" charset="0"/>
               </a:rPr>
-              <a:t>and parse content</a:t>
+              <a:t>::</a:t>
+            </a:r>
+            <a:r>
+              <a:rPr lang="en-GB" sz="1600" dirty="0" err="1">
+                <a:solidFill>
+                  <a:schemeClr val="accent2">
+                    <a:lumMod val="75000"/>
+                  </a:schemeClr>
+                </a:solidFill>
+                <a:latin typeface="Lucida Console" panose="020B0609040504020204" pitchFamily="49" charset="0"/>
+              </a:rPr>
+              <a:t>read_html</a:t>
+            </a:r>
+            <a:r>
+              <a:rPr lang="en-GB" sz="1600" dirty="0">
+                <a:solidFill>
+                  <a:schemeClr val="accent2">
+                    <a:lumMod val="75000"/>
+                  </a:schemeClr>
+                </a:solidFill>
+                <a:latin typeface="Lucida Console" panose="020B0609040504020204" pitchFamily="49" charset="0"/>
+              </a:rPr>
+              <a:t>()</a:t>
             </a:r>
           </a:p>
         </p:txBody>
       </p:sp>
       <p:sp>
         <p:nvSpPr>
-          <p:cNvPr id="36" name="TextBox 35">
-            <a:extLst>
-              <a:ext uri="{FF2B5EF4-FFF2-40B4-BE49-F238E27FC236}">
-                <a16:creationId xmlns:a16="http://schemas.microsoft.com/office/drawing/2014/main" id="{F6A48D41-0F9B-4088-A05D-18871D6CB335}"/>
+          <p:cNvPr id="38" name="TextBox 37">
+            <a:extLst>
+              <a:ext uri="{FF2B5EF4-FFF2-40B4-BE49-F238E27FC236}">
+                <a16:creationId xmlns:a16="http://schemas.microsoft.com/office/drawing/2014/main" id="{2A02D7EF-A109-49F8-AA80-A9CCBDC6AFF5}"/>
               </a:ext>
             </a:extLst>
           </p:cNvPr>
@@ -5052,8 +8278,8 @@
         </p:nvSpPr>
         <p:spPr>
           <a:xfrm>
-            <a:off x="9223544" y="3064905"/>
-            <a:ext cx="3296373" cy="830997"/>
+            <a:off x="6359252" y="5370132"/>
+            <a:ext cx="3296373" cy="584775"/>
           </a:xfrm>
           <a:prstGeom prst="rect">
             <a:avLst/>
@@ -5067,39 +8293,112 @@
           <a:lstStyle/>
           <a:p>
             <a:r>
-              <a:rPr lang="en-GB" sz="2800" b="1" dirty="0">
+              <a:rPr lang="en-GB" sz="1600" dirty="0" err="1">
                 <a:solidFill>
-                  <a:schemeClr val="accent5">
-                    <a:lumMod val="50000"/>
+                  <a:schemeClr val="accent2">
+                    <a:lumMod val="75000"/>
                   </a:schemeClr>
                 </a:solidFill>
-                <a:latin typeface="Bahnschrift SemiBold" panose="020B0502040204020203" pitchFamily="34" charset="0"/>
+                <a:latin typeface="Lucida Console" panose="020B0609040504020204" pitchFamily="49" charset="0"/>
               </a:rPr>
-              <a:t>Select</a:t>
-            </a:r>
-          </a:p>
-          <a:p>
-            <a:r>
-              <a:rPr lang="en-GB" sz="2000" b="1" dirty="0">
+              <a:t>rvest</a:t>
+            </a:r>
+            <a:r>
+              <a:rPr lang="en-GB" sz="1600" dirty="0">
                 <a:solidFill>
-                  <a:schemeClr val="tx1">
-                    <a:lumMod val="50000"/>
-                    <a:lumOff val="50000"/>
+                  <a:schemeClr val="accent2">
+                    <a:lumMod val="75000"/>
                   </a:schemeClr>
                 </a:solidFill>
-                <a:latin typeface="Bahnschrift SemiBold" panose="020B0502040204020203" pitchFamily="34" charset="0"/>
+                <a:latin typeface="Lucida Console" panose="020B0609040504020204" pitchFamily="49" charset="0"/>
               </a:rPr>
-              <a:t>the info you need</a:t>
-            </a:r>
+              <a:t>::</a:t>
+            </a:r>
+            <a:r>
+              <a:rPr lang="en-GB" sz="1600" dirty="0" err="1">
+                <a:solidFill>
+                  <a:schemeClr val="accent2">
+                    <a:lumMod val="75000"/>
+                  </a:schemeClr>
+                </a:solidFill>
+                <a:latin typeface="Lucida Console" panose="020B0609040504020204" pitchFamily="49" charset="0"/>
+              </a:rPr>
+              <a:t>html_node</a:t>
+            </a:r>
+            <a:r>
+              <a:rPr lang="en-GB" sz="1600" dirty="0">
+                <a:solidFill>
+                  <a:schemeClr val="accent2">
+                    <a:lumMod val="75000"/>
+                  </a:schemeClr>
+                </a:solidFill>
+                <a:latin typeface="Lucida Console" panose="020B0609040504020204" pitchFamily="49" charset="0"/>
+              </a:rPr>
+              <a:t>()</a:t>
+            </a:r>
+          </a:p>
+          <a:p>
+            <a:r>
+              <a:rPr lang="en-GB" sz="1600" dirty="0" err="1">
+                <a:solidFill>
+                  <a:schemeClr val="accent2">
+                    <a:lumMod val="75000"/>
+                  </a:schemeClr>
+                </a:solidFill>
+                <a:latin typeface="Lucida Console" panose="020B0609040504020204" pitchFamily="49" charset="0"/>
+              </a:rPr>
+              <a:t>rvest</a:t>
+            </a:r>
+            <a:r>
+              <a:rPr lang="en-GB" sz="1600" dirty="0">
+                <a:solidFill>
+                  <a:schemeClr val="accent2">
+                    <a:lumMod val="75000"/>
+                  </a:schemeClr>
+                </a:solidFill>
+                <a:latin typeface="Lucida Console" panose="020B0609040504020204" pitchFamily="49" charset="0"/>
+              </a:rPr>
+              <a:t>::</a:t>
+            </a:r>
+            <a:r>
+              <a:rPr lang="en-GB" sz="1600" dirty="0" err="1">
+                <a:solidFill>
+                  <a:schemeClr val="accent2">
+                    <a:lumMod val="75000"/>
+                  </a:schemeClr>
+                </a:solidFill>
+                <a:latin typeface="Lucida Console" panose="020B0609040504020204" pitchFamily="49" charset="0"/>
+              </a:rPr>
+              <a:t>html_nodes</a:t>
+            </a:r>
+            <a:r>
+              <a:rPr lang="en-GB" sz="1600" dirty="0">
+                <a:solidFill>
+                  <a:schemeClr val="accent2">
+                    <a:lumMod val="75000"/>
+                  </a:schemeClr>
+                </a:solidFill>
+                <a:latin typeface="Lucida Console" panose="020B0609040504020204" pitchFamily="49" charset="0"/>
+              </a:rPr>
+              <a:t>()</a:t>
+            </a:r>
+            <a:endParaRPr lang="en-GB" sz="1200" dirty="0">
+              <a:solidFill>
+                <a:schemeClr val="accent2">
+                  <a:lumMod val="75000"/>
+                </a:schemeClr>
+              </a:solidFill>
+              <a:latin typeface="Lucida Console" panose="020B0609040504020204" pitchFamily="49" charset="0"/>
+            </a:endParaRPr>
           </a:p>
         </p:txBody>
       </p:sp>
       <p:sp>
         <p:nvSpPr>
-          <p:cNvPr id="37" name="TextBox 36">
-            <a:extLst>
-              <a:ext uri="{FF2B5EF4-FFF2-40B4-BE49-F238E27FC236}">
-                <a16:creationId xmlns:a16="http://schemas.microsoft.com/office/drawing/2014/main" id="{CAC5BA7C-0BDB-4F5C-B3BA-2A01D8F0299B}"/>
+          <p:cNvPr id="39" name="TextBox 38">
+            <a:extLst>
+              <a:ext uri="{FF2B5EF4-FFF2-40B4-BE49-F238E27FC236}">
+                <a16:creationId xmlns:a16="http://schemas.microsoft.com/office/drawing/2014/main" id="{E9467F20-F874-42E4-8FCD-9077057EB157}"/>
               </a:ext>
             </a:extLst>
           </p:cNvPr>
@@ -5108,8 +8407,8 @@
         </p:nvSpPr>
         <p:spPr>
           <a:xfrm>
-            <a:off x="626083" y="4421335"/>
-            <a:ext cx="3296373" cy="1015663"/>
+            <a:off x="9223545" y="5364280"/>
+            <a:ext cx="3296373" cy="584775"/>
           </a:xfrm>
           <a:prstGeom prst="rect">
             <a:avLst/>
@@ -5123,7 +8422,7 @@
           <a:lstStyle/>
           <a:p>
             <a:r>
-              <a:rPr lang="en-GB" sz="2000" dirty="0">
+              <a:rPr lang="en-GB" sz="1600" dirty="0" err="1">
                 <a:solidFill>
                   <a:schemeClr val="accent2">
                     <a:lumMod val="75000"/>
@@ -5131,12 +8430,10 @@
                 </a:solidFill>
                 <a:latin typeface="Lucida Console" panose="020B0609040504020204" pitchFamily="49" charset="0"/>
               </a:rPr>
-              <a:t>paste0()</a:t>
-            </a:r>
-          </a:p>
-          <a:p>
-            <a:r>
-              <a:rPr lang="en-GB" sz="2000" dirty="0">
+              <a:t>rvest</a:t>
+            </a:r>
+            <a:r>
+              <a:rPr lang="en-GB" sz="1600" dirty="0">
                 <a:solidFill>
                   <a:schemeClr val="accent2">
                     <a:lumMod val="75000"/>
@@ -5144,12 +8441,10 @@
                 </a:solidFill>
                 <a:latin typeface="Lucida Console" panose="020B0609040504020204" pitchFamily="49" charset="0"/>
               </a:rPr>
-              <a:t>list()</a:t>
-            </a:r>
-          </a:p>
-          <a:p>
-            <a:r>
-              <a:rPr lang="en-GB" sz="2000" dirty="0" err="1">
+              <a:t>::</a:t>
+            </a:r>
+            <a:r>
+              <a:rPr lang="en-GB" sz="1600" dirty="0" err="1">
                 <a:solidFill>
                   <a:schemeClr val="accent2">
                     <a:lumMod val="75000"/>
@@ -5157,10 +8452,10 @@
                 </a:solidFill>
                 <a:latin typeface="Lucida Console" panose="020B0609040504020204" pitchFamily="49" charset="0"/>
               </a:rPr>
-              <a:t>httr</a:t>
-            </a:r>
-            <a:r>
-              <a:rPr lang="en-GB" sz="2000" dirty="0">
+              <a:t>html_text</a:t>
+            </a:r>
+            <a:r>
+              <a:rPr lang="en-GB" sz="1600" dirty="0">
                 <a:solidFill>
                   <a:schemeClr val="accent2">
                     <a:lumMod val="75000"/>
@@ -5168,41 +8463,12 @@
                 </a:solidFill>
                 <a:latin typeface="Lucida Console" panose="020B0609040504020204" pitchFamily="49" charset="0"/>
               </a:rPr>
-              <a:t>::authenticate()</a:t>
-            </a:r>
-          </a:p>
-        </p:txBody>
-      </p:sp>
-      <p:sp>
-        <p:nvSpPr>
-          <p:cNvPr id="38" name="TextBox 37">
-            <a:extLst>
-              <a:ext uri="{FF2B5EF4-FFF2-40B4-BE49-F238E27FC236}">
-                <a16:creationId xmlns:a16="http://schemas.microsoft.com/office/drawing/2014/main" id="{151AAD26-6A58-4278-B4C0-5BE8F4E41A8A}"/>
-              </a:ext>
-            </a:extLst>
-          </p:cNvPr>
-          <p:cNvSpPr txBox="1"/>
-          <p:nvPr/>
-        </p:nvSpPr>
-        <p:spPr>
-          <a:xfrm>
-            <a:off x="3492667" y="4421335"/>
-            <a:ext cx="3296373" cy="400110"/>
-          </a:xfrm>
-          <a:prstGeom prst="rect">
-            <a:avLst/>
-          </a:prstGeom>
-          <a:noFill/>
-        </p:spPr>
-        <p:txBody>
-          <a:bodyPr wrap="square" rtlCol="0">
-            <a:spAutoFit/>
-          </a:bodyPr>
-          <a:lstStyle/>
-          <a:p>
-            <a:r>
-              <a:rPr lang="en-GB" sz="2000" dirty="0" err="1">
+              <a:t>()</a:t>
+            </a:r>
+          </a:p>
+          <a:p>
+            <a:r>
+              <a:rPr lang="en-GB" sz="1600" dirty="0" err="1">
                 <a:solidFill>
                   <a:schemeClr val="accent2">
                     <a:lumMod val="75000"/>
@@ -5210,10 +8476,10 @@
                 </a:solidFill>
                 <a:latin typeface="Lucida Console" panose="020B0609040504020204" pitchFamily="49" charset="0"/>
               </a:rPr>
-              <a:t>httr</a:t>
-            </a:r>
-            <a:r>
-              <a:rPr lang="en-GB" sz="2000" dirty="0">
+              <a:t>rvest</a:t>
+            </a:r>
+            <a:r>
+              <a:rPr lang="en-GB" sz="1600" dirty="0">
                 <a:solidFill>
                   <a:schemeClr val="accent2">
                     <a:lumMod val="75000"/>
@@ -5221,41 +8487,10 @@
                 </a:solidFill>
                 <a:latin typeface="Lucida Console" panose="020B0609040504020204" pitchFamily="49" charset="0"/>
               </a:rPr>
-              <a:t>::GET()</a:t>
-            </a:r>
-          </a:p>
-        </p:txBody>
-      </p:sp>
-      <p:sp>
-        <p:nvSpPr>
-          <p:cNvPr id="39" name="TextBox 38">
-            <a:extLst>
-              <a:ext uri="{FF2B5EF4-FFF2-40B4-BE49-F238E27FC236}">
-                <a16:creationId xmlns:a16="http://schemas.microsoft.com/office/drawing/2014/main" id="{9AC28CE3-31D9-45C7-8C21-AD1A05557242}"/>
-              </a:ext>
-            </a:extLst>
-          </p:cNvPr>
-          <p:cNvSpPr txBox="1"/>
-          <p:nvPr/>
-        </p:nvSpPr>
-        <p:spPr>
-          <a:xfrm>
-            <a:off x="6359251" y="4421334"/>
-            <a:ext cx="3296373" cy="400110"/>
-          </a:xfrm>
-          <a:prstGeom prst="rect">
-            <a:avLst/>
-          </a:prstGeom>
-          <a:noFill/>
-        </p:spPr>
-        <p:txBody>
-          <a:bodyPr wrap="square" rtlCol="0">
-            <a:spAutoFit/>
-          </a:bodyPr>
-          <a:lstStyle/>
-          <a:p>
-            <a:r>
-              <a:rPr lang="en-GB" sz="2000" dirty="0" err="1">
+              <a:t>::</a:t>
+            </a:r>
+            <a:r>
+              <a:rPr lang="en-GB" sz="1600" dirty="0" err="1">
                 <a:solidFill>
                   <a:schemeClr val="accent2">
                     <a:lumMod val="75000"/>
@@ -5263,10 +8498,10 @@
                 </a:solidFill>
                 <a:latin typeface="Lucida Console" panose="020B0609040504020204" pitchFamily="49" charset="0"/>
               </a:rPr>
-              <a:t>httr</a:t>
-            </a:r>
-            <a:r>
-              <a:rPr lang="en-GB" sz="2000" dirty="0">
+              <a:t>html_tables</a:t>
+            </a:r>
+            <a:r>
+              <a:rPr lang="en-GB" sz="1600" dirty="0">
                 <a:solidFill>
                   <a:schemeClr val="accent2">
                     <a:lumMod val="75000"/>
@@ -5274,69 +8509,269 @@
                 </a:solidFill>
                 <a:latin typeface="Lucida Console" panose="020B0609040504020204" pitchFamily="49" charset="0"/>
               </a:rPr>
-              <a:t>:</a:t>
-            </a:r>
-            <a:r>
-              <a:rPr lang="en-GB" sz="2000" dirty="0">
-                <a:solidFill>
-                  <a:schemeClr val="accent2">
-                    <a:lumMod val="75000"/>
-                  </a:schemeClr>
-                </a:solidFill>
-                <a:latin typeface="Lucida Console" panose="020B0609040504020204" pitchFamily="49" charset="0"/>
-                <a:sym typeface="Wingdings" panose="05000000000000000000" pitchFamily="2" charset="2"/>
-              </a:rPr>
-              <a:t>:content()</a:t>
-            </a:r>
-            <a:endParaRPr lang="en-GB" sz="1600" dirty="0">
-              <a:solidFill>
-                <a:schemeClr val="accent2">
-                  <a:lumMod val="75000"/>
-                </a:schemeClr>
-              </a:solidFill>
-              <a:latin typeface="Lucida Console" panose="020B0609040504020204" pitchFamily="49" charset="0"/>
-            </a:endParaRPr>
+              <a:t>()</a:t>
+            </a:r>
+          </a:p>
+        </p:txBody>
+      </p:sp>
+      <p:cxnSp>
+        <p:nvCxnSpPr>
+          <p:cNvPr id="6" name="Straight Arrow Connector 5">
+            <a:extLst>
+              <a:ext uri="{FF2B5EF4-FFF2-40B4-BE49-F238E27FC236}">
+                <a16:creationId xmlns:a16="http://schemas.microsoft.com/office/drawing/2014/main" id="{6E432887-2528-4CBC-9D2E-69302CAA0FAC}"/>
+              </a:ext>
+            </a:extLst>
+          </p:cNvPr>
+          <p:cNvCxnSpPr/>
+          <p:nvPr/>
+        </p:nvCxnSpPr>
+        <p:spPr>
+          <a:xfrm>
+            <a:off x="1475117" y="4968816"/>
+            <a:ext cx="0" cy="309201"/>
+          </a:xfrm>
+          <a:prstGeom prst="straightConnector1">
+            <a:avLst/>
+          </a:prstGeom>
+          <a:ln>
+            <a:solidFill>
+              <a:schemeClr val="accent2">
+                <a:lumMod val="75000"/>
+              </a:schemeClr>
+            </a:solidFill>
+            <a:tailEnd type="triangle"/>
+          </a:ln>
+        </p:spPr>
+        <p:style>
+          <a:lnRef idx="1">
+            <a:schemeClr val="accent2"/>
+          </a:lnRef>
+          <a:fillRef idx="0">
+            <a:schemeClr val="accent2"/>
+          </a:fillRef>
+          <a:effectRef idx="0">
+            <a:schemeClr val="accent2"/>
+          </a:effectRef>
+          <a:fontRef idx="minor">
+            <a:schemeClr val="tx1"/>
+          </a:fontRef>
+        </p:style>
+      </p:cxnSp>
+      <p:cxnSp>
+        <p:nvCxnSpPr>
+          <p:cNvPr id="46" name="Straight Arrow Connector 45">
+            <a:extLst>
+              <a:ext uri="{FF2B5EF4-FFF2-40B4-BE49-F238E27FC236}">
+                <a16:creationId xmlns:a16="http://schemas.microsoft.com/office/drawing/2014/main" id="{81F299D7-3B7C-4C40-B251-81111978278C}"/>
+              </a:ext>
+            </a:extLst>
+          </p:cNvPr>
+          <p:cNvCxnSpPr/>
+          <p:nvPr/>
+        </p:nvCxnSpPr>
+        <p:spPr>
+          <a:xfrm>
+            <a:off x="4249947" y="4968816"/>
+            <a:ext cx="0" cy="309201"/>
+          </a:xfrm>
+          <a:prstGeom prst="straightConnector1">
+            <a:avLst/>
+          </a:prstGeom>
+          <a:ln>
+            <a:solidFill>
+              <a:schemeClr val="accent2">
+                <a:lumMod val="75000"/>
+              </a:schemeClr>
+            </a:solidFill>
+            <a:tailEnd type="triangle"/>
+          </a:ln>
+        </p:spPr>
+        <p:style>
+          <a:lnRef idx="1">
+            <a:schemeClr val="accent2"/>
+          </a:lnRef>
+          <a:fillRef idx="0">
+            <a:schemeClr val="accent2"/>
+          </a:fillRef>
+          <a:effectRef idx="0">
+            <a:schemeClr val="accent2"/>
+          </a:effectRef>
+          <a:fontRef idx="minor">
+            <a:schemeClr val="tx1"/>
+          </a:fontRef>
+        </p:style>
+      </p:cxnSp>
+      <p:cxnSp>
+        <p:nvCxnSpPr>
+          <p:cNvPr id="47" name="Straight Arrow Connector 46">
+            <a:extLst>
+              <a:ext uri="{FF2B5EF4-FFF2-40B4-BE49-F238E27FC236}">
+                <a16:creationId xmlns:a16="http://schemas.microsoft.com/office/drawing/2014/main" id="{0FE43C89-CF75-4598-90C3-EC0774799D29}"/>
+              </a:ext>
+            </a:extLst>
+          </p:cNvPr>
+          <p:cNvCxnSpPr/>
+          <p:nvPr/>
+        </p:nvCxnSpPr>
+        <p:spPr>
+          <a:xfrm>
+            <a:off x="7045900" y="4968816"/>
+            <a:ext cx="0" cy="309201"/>
+          </a:xfrm>
+          <a:prstGeom prst="straightConnector1">
+            <a:avLst/>
+          </a:prstGeom>
+          <a:ln>
+            <a:solidFill>
+              <a:schemeClr val="accent2">
+                <a:lumMod val="75000"/>
+              </a:schemeClr>
+            </a:solidFill>
+            <a:tailEnd type="triangle"/>
+          </a:ln>
+        </p:spPr>
+        <p:style>
+          <a:lnRef idx="1">
+            <a:schemeClr val="accent2"/>
+          </a:lnRef>
+          <a:fillRef idx="0">
+            <a:schemeClr val="accent2"/>
+          </a:fillRef>
+          <a:effectRef idx="0">
+            <a:schemeClr val="accent2"/>
+          </a:effectRef>
+          <a:fontRef idx="minor">
+            <a:schemeClr val="tx1"/>
+          </a:fontRef>
+        </p:style>
+      </p:cxnSp>
+      <p:cxnSp>
+        <p:nvCxnSpPr>
+          <p:cNvPr id="48" name="Straight Arrow Connector 47">
+            <a:extLst>
+              <a:ext uri="{FF2B5EF4-FFF2-40B4-BE49-F238E27FC236}">
+                <a16:creationId xmlns:a16="http://schemas.microsoft.com/office/drawing/2014/main" id="{D22AC044-3DEE-425B-BC99-B92197DDBDF1}"/>
+              </a:ext>
+            </a:extLst>
+          </p:cNvPr>
+          <p:cNvCxnSpPr/>
+          <p:nvPr/>
+        </p:nvCxnSpPr>
+        <p:spPr>
+          <a:xfrm>
+            <a:off x="9903707" y="4968816"/>
+            <a:ext cx="0" cy="309201"/>
+          </a:xfrm>
+          <a:prstGeom prst="straightConnector1">
+            <a:avLst/>
+          </a:prstGeom>
+          <a:ln>
+            <a:solidFill>
+              <a:schemeClr val="accent2">
+                <a:lumMod val="75000"/>
+              </a:schemeClr>
+            </a:solidFill>
+            <a:tailEnd type="triangle"/>
+          </a:ln>
+        </p:spPr>
+        <p:style>
+          <a:lnRef idx="1">
+            <a:schemeClr val="accent2"/>
+          </a:lnRef>
+          <a:fillRef idx="0">
+            <a:schemeClr val="accent2"/>
+          </a:fillRef>
+          <a:effectRef idx="0">
+            <a:schemeClr val="accent2"/>
+          </a:effectRef>
+          <a:fontRef idx="minor">
+            <a:schemeClr val="tx1"/>
+          </a:fontRef>
+        </p:style>
+      </p:cxnSp>
+    </p:spTree>
+    <p:extLst>
+      <p:ext uri="{BB962C8B-B14F-4D97-AF65-F5344CB8AC3E}">
+        <p14:creationId xmlns:p14="http://schemas.microsoft.com/office/powerpoint/2010/main" val="2971363445"/>
+      </p:ext>
+    </p:extLst>
+  </p:cSld>
+  <p:clrMapOvr>
+    <a:masterClrMapping/>
+  </p:clrMapOvr>
+</p:sld>
+</file>
+
+<file path=ppt/slides/slide7.xml><?xml version="1.0" encoding="utf-8"?>
+<p:sld xmlns:a="http://schemas.openxmlformats.org/drawingml/2006/main" xmlns:r="http://schemas.openxmlformats.org/officeDocument/2006/relationships" xmlns:p="http://schemas.openxmlformats.org/presentationml/2006/main">
+  <p:cSld>
+    <p:spTree>
+      <p:nvGrpSpPr>
+        <p:cNvPr id="1" name=""/>
+        <p:cNvGrpSpPr/>
+        <p:nvPr/>
+      </p:nvGrpSpPr>
+      <p:grpSpPr>
+        <a:xfrm>
+          <a:off x="0" y="0"/>
+          <a:ext cx="0" cy="0"/>
+          <a:chOff x="0" y="0"/>
+          <a:chExt cx="0" cy="0"/>
+        </a:xfrm>
+      </p:grpSpPr>
+      <p:sp>
+        <p:nvSpPr>
+          <p:cNvPr id="2" name="Title 1">
+            <a:extLst>
+              <a:ext uri="{FF2B5EF4-FFF2-40B4-BE49-F238E27FC236}">
+                <a16:creationId xmlns:a16="http://schemas.microsoft.com/office/drawing/2014/main" id="{A68DE92A-B862-484E-8684-352C276EF4A1}"/>
+              </a:ext>
+            </a:extLst>
+          </p:cNvPr>
+          <p:cNvSpPr>
+            <a:spLocks noGrp="1"/>
+          </p:cNvSpPr>
+          <p:nvPr>
+            <p:ph type="title"/>
+          </p:nvPr>
+        </p:nvSpPr>
+        <p:spPr/>
+        <p:txBody>
+          <a:bodyPr/>
+          <a:lstStyle/>
+          <a:p>
+            <a:endParaRPr lang="en-GB"/>
           </a:p>
         </p:txBody>
       </p:sp>
       <p:sp>
         <p:nvSpPr>
-          <p:cNvPr id="40" name="TextBox 39">
-            <a:extLst>
-              <a:ext uri="{FF2B5EF4-FFF2-40B4-BE49-F238E27FC236}">
-                <a16:creationId xmlns:a16="http://schemas.microsoft.com/office/drawing/2014/main" id="{8302F098-BABC-4664-96A1-3AB457A50833}"/>
-              </a:ext>
-            </a:extLst>
-          </p:cNvPr>
-          <p:cNvSpPr txBox="1"/>
-          <p:nvPr/>
+          <p:cNvPr id="3" name="Content Placeholder 2">
+            <a:extLst>
+              <a:ext uri="{FF2B5EF4-FFF2-40B4-BE49-F238E27FC236}">
+                <a16:creationId xmlns:a16="http://schemas.microsoft.com/office/drawing/2014/main" id="{CBFED1A9-8AAA-484A-9954-27CA28C024B1}"/>
+              </a:ext>
+            </a:extLst>
+          </p:cNvPr>
+          <p:cNvSpPr>
+            <a:spLocks noGrp="1"/>
+          </p:cNvSpPr>
+          <p:nvPr>
+            <p:ph idx="1"/>
+          </p:nvPr>
         </p:nvSpPr>
-        <p:spPr>
-          <a:xfrm>
-            <a:off x="9223544" y="4415482"/>
-            <a:ext cx="3296373" cy="400110"/>
-          </a:xfrm>
-          <a:prstGeom prst="rect">
-            <a:avLst/>
-          </a:prstGeom>
-          <a:noFill/>
-        </p:spPr>
+        <p:spPr/>
         <p:txBody>
-          <a:bodyPr wrap="square" rtlCol="0">
-            <a:spAutoFit/>
-          </a:bodyPr>
+          <a:bodyPr/>
           <a:lstStyle/>
           <a:p>
-            <a:r>
-              <a:rPr lang="en-GB" sz="2000" dirty="0">
-                <a:solidFill>
-                  <a:schemeClr val="accent2">
-                    <a:lumMod val="75000"/>
-                  </a:schemeClr>
-                </a:solidFill>
-                <a:latin typeface="Lucida Console" panose="020B0609040504020204" pitchFamily="49" charset="0"/>
-              </a:rPr>
-              <a:t>list functions</a:t>
+            <a:pPr marL="0" indent="0">
+              <a:buNone/>
+            </a:pPr>
+            <a:r>
+              <a:rPr lang="en-GB" dirty="0"/>
+              <a:t>&lt;table class = “____” style = “____”&gt; _________  &lt;\table&gt;</a:t>
             </a:r>
           </a:p>
         </p:txBody>
@@ -5344,7 +8779,7 @@
     </p:spTree>
     <p:extLst>
       <p:ext uri="{BB962C8B-B14F-4D97-AF65-F5344CB8AC3E}">
-        <p14:creationId xmlns:p14="http://schemas.microsoft.com/office/powerpoint/2010/main" val="2390251253"/>
+        <p14:creationId xmlns:p14="http://schemas.microsoft.com/office/powerpoint/2010/main" val="3101913871"/>
       </p:ext>
     </p:extLst>
   </p:cSld>

--- a/images/Images_pptx.pptx
+++ b/images/Images_pptx.pptx
@@ -4,14 +4,18 @@
   <p:sldMasterIdLst>
     <p:sldMasterId id="2147483648" r:id="rId1"/>
   </p:sldMasterIdLst>
+  <p:notesMasterIdLst>
+    <p:notesMasterId r:id="rId10"/>
+  </p:notesMasterIdLst>
   <p:sldIdLst>
-    <p:sldId id="262" r:id="rId2"/>
-    <p:sldId id="265" r:id="rId3"/>
-    <p:sldId id="266" r:id="rId4"/>
-    <p:sldId id="263" r:id="rId5"/>
-    <p:sldId id="268" r:id="rId6"/>
-    <p:sldId id="267" r:id="rId7"/>
-    <p:sldId id="264" r:id="rId8"/>
+    <p:sldId id="256" r:id="rId2"/>
+    <p:sldId id="262" r:id="rId3"/>
+    <p:sldId id="265" r:id="rId4"/>
+    <p:sldId id="266" r:id="rId5"/>
+    <p:sldId id="263" r:id="rId6"/>
+    <p:sldId id="268" r:id="rId7"/>
+    <p:sldId id="267" r:id="rId8"/>
+    <p:sldId id="264" r:id="rId9"/>
   </p:sldIdLst>
   <p:sldSz cx="12192000" cy="6858000"/>
   <p:notesSz cx="6858000" cy="9144000"/>
@@ -118,6 +122,457 @@
 </p:presentation>
 </file>
 
+<file path=ppt/notesMasters/notesMaster1.xml><?xml version="1.0" encoding="utf-8"?>
+<p:notesMaster xmlns:a="http://schemas.openxmlformats.org/drawingml/2006/main" xmlns:r="http://schemas.openxmlformats.org/officeDocument/2006/relationships" xmlns:p="http://schemas.openxmlformats.org/presentationml/2006/main">
+  <p:cSld>
+    <p:bg>
+      <p:bgRef idx="1001">
+        <a:schemeClr val="bg1"/>
+      </p:bgRef>
+    </p:bg>
+    <p:spTree>
+      <p:nvGrpSpPr>
+        <p:cNvPr id="1" name=""/>
+        <p:cNvGrpSpPr/>
+        <p:nvPr/>
+      </p:nvGrpSpPr>
+      <p:grpSpPr>
+        <a:xfrm>
+          <a:off x="0" y="0"/>
+          <a:ext cx="0" cy="0"/>
+          <a:chOff x="0" y="0"/>
+          <a:chExt cx="0" cy="0"/>
+        </a:xfrm>
+      </p:grpSpPr>
+      <p:sp>
+        <p:nvSpPr>
+          <p:cNvPr id="2" name="Header Placeholder 1"/>
+          <p:cNvSpPr>
+            <a:spLocks noGrp="1"/>
+          </p:cNvSpPr>
+          <p:nvPr>
+            <p:ph type="hdr" sz="quarter"/>
+          </p:nvPr>
+        </p:nvSpPr>
+        <p:spPr>
+          <a:xfrm>
+            <a:off x="0" y="0"/>
+            <a:ext cx="2971800" cy="458788"/>
+          </a:xfrm>
+          <a:prstGeom prst="rect">
+            <a:avLst/>
+          </a:prstGeom>
+        </p:spPr>
+        <p:txBody>
+          <a:bodyPr vert="horz" lIns="91440" tIns="45720" rIns="91440" bIns="45720" rtlCol="0"/>
+          <a:lstStyle>
+            <a:lvl1pPr algn="l">
+              <a:defRPr sz="1200"/>
+            </a:lvl1pPr>
+          </a:lstStyle>
+          <a:p>
+            <a:endParaRPr lang="en-GB"/>
+          </a:p>
+        </p:txBody>
+      </p:sp>
+      <p:sp>
+        <p:nvSpPr>
+          <p:cNvPr id="3" name="Date Placeholder 2"/>
+          <p:cNvSpPr>
+            <a:spLocks noGrp="1"/>
+          </p:cNvSpPr>
+          <p:nvPr>
+            <p:ph type="dt" idx="1"/>
+          </p:nvPr>
+        </p:nvSpPr>
+        <p:spPr>
+          <a:xfrm>
+            <a:off x="3884613" y="0"/>
+            <a:ext cx="2971800" cy="458788"/>
+          </a:xfrm>
+          <a:prstGeom prst="rect">
+            <a:avLst/>
+          </a:prstGeom>
+        </p:spPr>
+        <p:txBody>
+          <a:bodyPr vert="horz" lIns="91440" tIns="45720" rIns="91440" bIns="45720" rtlCol="0"/>
+          <a:lstStyle>
+            <a:lvl1pPr algn="r">
+              <a:defRPr sz="1200"/>
+            </a:lvl1pPr>
+          </a:lstStyle>
+          <a:p>
+            <a:fld id="{9E9AA8DD-40B9-448A-89CB-16B73E88C72D}" type="datetimeFigureOut">
+              <a:rPr lang="en-GB" smtClean="0"/>
+              <a:t>26/09/2018</a:t>
+            </a:fld>
+            <a:endParaRPr lang="en-GB"/>
+          </a:p>
+        </p:txBody>
+      </p:sp>
+      <p:sp>
+        <p:nvSpPr>
+          <p:cNvPr id="4" name="Slide Image Placeholder 3"/>
+          <p:cNvSpPr>
+            <a:spLocks noGrp="1" noRot="1" noChangeAspect="1"/>
+          </p:cNvSpPr>
+          <p:nvPr>
+            <p:ph type="sldImg" idx="2"/>
+          </p:nvPr>
+        </p:nvSpPr>
+        <p:spPr>
+          <a:xfrm>
+            <a:off x="685800" y="1143000"/>
+            <a:ext cx="5486400" cy="3086100"/>
+          </a:xfrm>
+          <a:prstGeom prst="rect">
+            <a:avLst/>
+          </a:prstGeom>
+          <a:noFill/>
+          <a:ln w="12700">
+            <a:solidFill>
+              <a:prstClr val="black"/>
+            </a:solidFill>
+          </a:ln>
+        </p:spPr>
+        <p:txBody>
+          <a:bodyPr vert="horz" lIns="91440" tIns="45720" rIns="91440" bIns="45720" rtlCol="0" anchor="ctr"/>
+          <a:lstStyle/>
+          <a:p>
+            <a:endParaRPr lang="en-GB"/>
+          </a:p>
+        </p:txBody>
+      </p:sp>
+      <p:sp>
+        <p:nvSpPr>
+          <p:cNvPr id="5" name="Notes Placeholder 4"/>
+          <p:cNvSpPr>
+            <a:spLocks noGrp="1"/>
+          </p:cNvSpPr>
+          <p:nvPr>
+            <p:ph type="body" sz="quarter" idx="3"/>
+          </p:nvPr>
+        </p:nvSpPr>
+        <p:spPr>
+          <a:xfrm>
+            <a:off x="685800" y="4400550"/>
+            <a:ext cx="5486400" cy="3600450"/>
+          </a:xfrm>
+          <a:prstGeom prst="rect">
+            <a:avLst/>
+          </a:prstGeom>
+        </p:spPr>
+        <p:txBody>
+          <a:bodyPr vert="horz" lIns="91440" tIns="45720" rIns="91440" bIns="45720" rtlCol="0"/>
+          <a:lstStyle/>
+          <a:p>
+            <a:pPr lvl="0"/>
+            <a:r>
+              <a:rPr lang="en-US"/>
+              <a:t>Edit Master text styles</a:t>
+            </a:r>
+          </a:p>
+          <a:p>
+            <a:pPr lvl="1"/>
+            <a:r>
+              <a:rPr lang="en-US"/>
+              <a:t>Second level</a:t>
+            </a:r>
+          </a:p>
+          <a:p>
+            <a:pPr lvl="2"/>
+            <a:r>
+              <a:rPr lang="en-US"/>
+              <a:t>Third level</a:t>
+            </a:r>
+          </a:p>
+          <a:p>
+            <a:pPr lvl="3"/>
+            <a:r>
+              <a:rPr lang="en-US"/>
+              <a:t>Fourth level</a:t>
+            </a:r>
+          </a:p>
+          <a:p>
+            <a:pPr lvl="4"/>
+            <a:r>
+              <a:rPr lang="en-US"/>
+              <a:t>Fifth level</a:t>
+            </a:r>
+            <a:endParaRPr lang="en-GB"/>
+          </a:p>
+        </p:txBody>
+      </p:sp>
+      <p:sp>
+        <p:nvSpPr>
+          <p:cNvPr id="6" name="Footer Placeholder 5"/>
+          <p:cNvSpPr>
+            <a:spLocks noGrp="1"/>
+          </p:cNvSpPr>
+          <p:nvPr>
+            <p:ph type="ftr" sz="quarter" idx="4"/>
+          </p:nvPr>
+        </p:nvSpPr>
+        <p:spPr>
+          <a:xfrm>
+            <a:off x="0" y="8685213"/>
+            <a:ext cx="2971800" cy="458787"/>
+          </a:xfrm>
+          <a:prstGeom prst="rect">
+            <a:avLst/>
+          </a:prstGeom>
+        </p:spPr>
+        <p:txBody>
+          <a:bodyPr vert="horz" lIns="91440" tIns="45720" rIns="91440" bIns="45720" rtlCol="0" anchor="b"/>
+          <a:lstStyle>
+            <a:lvl1pPr algn="l">
+              <a:defRPr sz="1200"/>
+            </a:lvl1pPr>
+          </a:lstStyle>
+          <a:p>
+            <a:endParaRPr lang="en-GB"/>
+          </a:p>
+        </p:txBody>
+      </p:sp>
+      <p:sp>
+        <p:nvSpPr>
+          <p:cNvPr id="7" name="Slide Number Placeholder 6"/>
+          <p:cNvSpPr>
+            <a:spLocks noGrp="1"/>
+          </p:cNvSpPr>
+          <p:nvPr>
+            <p:ph type="sldNum" sz="quarter" idx="5"/>
+          </p:nvPr>
+        </p:nvSpPr>
+        <p:spPr>
+          <a:xfrm>
+            <a:off x="3884613" y="8685213"/>
+            <a:ext cx="2971800" cy="458787"/>
+          </a:xfrm>
+          <a:prstGeom prst="rect">
+            <a:avLst/>
+          </a:prstGeom>
+        </p:spPr>
+        <p:txBody>
+          <a:bodyPr vert="horz" lIns="91440" tIns="45720" rIns="91440" bIns="45720" rtlCol="0" anchor="b"/>
+          <a:lstStyle>
+            <a:lvl1pPr algn="r">
+              <a:defRPr sz="1200"/>
+            </a:lvl1pPr>
+          </a:lstStyle>
+          <a:p>
+            <a:fld id="{DA596761-C702-4B3A-8DFB-07C7C1E88E09}" type="slidenum">
+              <a:rPr lang="en-GB" smtClean="0"/>
+              <a:t>‹#›</a:t>
+            </a:fld>
+            <a:endParaRPr lang="en-GB"/>
+          </a:p>
+        </p:txBody>
+      </p:sp>
+    </p:spTree>
+    <p:extLst>
+      <p:ext uri="{BB962C8B-B14F-4D97-AF65-F5344CB8AC3E}">
+        <p14:creationId xmlns:p14="http://schemas.microsoft.com/office/powerpoint/2010/main" val="3271228846"/>
+      </p:ext>
+    </p:extLst>
+  </p:cSld>
+  <p:clrMap bg1="lt1" tx1="dk1" bg2="lt2" tx2="dk2" accent1="accent1" accent2="accent2" accent3="accent3" accent4="accent4" accent5="accent5" accent6="accent6" hlink="hlink" folHlink="folHlink"/>
+  <p:notesStyle>
+    <a:lvl1pPr marL="0" algn="l" defTabSz="914400" rtl="0" eaLnBrk="1" latinLnBrk="0" hangingPunct="1">
+      <a:defRPr sz="1200" kern="1200">
+        <a:solidFill>
+          <a:schemeClr val="tx1"/>
+        </a:solidFill>
+        <a:latin typeface="+mn-lt"/>
+        <a:ea typeface="+mn-ea"/>
+        <a:cs typeface="+mn-cs"/>
+      </a:defRPr>
+    </a:lvl1pPr>
+    <a:lvl2pPr marL="457200" algn="l" defTabSz="914400" rtl="0" eaLnBrk="1" latinLnBrk="0" hangingPunct="1">
+      <a:defRPr sz="1200" kern="1200">
+        <a:solidFill>
+          <a:schemeClr val="tx1"/>
+        </a:solidFill>
+        <a:latin typeface="+mn-lt"/>
+        <a:ea typeface="+mn-ea"/>
+        <a:cs typeface="+mn-cs"/>
+      </a:defRPr>
+    </a:lvl2pPr>
+    <a:lvl3pPr marL="914400" algn="l" defTabSz="914400" rtl="0" eaLnBrk="1" latinLnBrk="0" hangingPunct="1">
+      <a:defRPr sz="1200" kern="1200">
+        <a:solidFill>
+          <a:schemeClr val="tx1"/>
+        </a:solidFill>
+        <a:latin typeface="+mn-lt"/>
+        <a:ea typeface="+mn-ea"/>
+        <a:cs typeface="+mn-cs"/>
+      </a:defRPr>
+    </a:lvl3pPr>
+    <a:lvl4pPr marL="1371600" algn="l" defTabSz="914400" rtl="0" eaLnBrk="1" latinLnBrk="0" hangingPunct="1">
+      <a:defRPr sz="1200" kern="1200">
+        <a:solidFill>
+          <a:schemeClr val="tx1"/>
+        </a:solidFill>
+        <a:latin typeface="+mn-lt"/>
+        <a:ea typeface="+mn-ea"/>
+        <a:cs typeface="+mn-cs"/>
+      </a:defRPr>
+    </a:lvl4pPr>
+    <a:lvl5pPr marL="1828800" algn="l" defTabSz="914400" rtl="0" eaLnBrk="1" latinLnBrk="0" hangingPunct="1">
+      <a:defRPr sz="1200" kern="1200">
+        <a:solidFill>
+          <a:schemeClr val="tx1"/>
+        </a:solidFill>
+        <a:latin typeface="+mn-lt"/>
+        <a:ea typeface="+mn-ea"/>
+        <a:cs typeface="+mn-cs"/>
+      </a:defRPr>
+    </a:lvl5pPr>
+    <a:lvl6pPr marL="2286000" algn="l" defTabSz="914400" rtl="0" eaLnBrk="1" latinLnBrk="0" hangingPunct="1">
+      <a:defRPr sz="1200" kern="1200">
+        <a:solidFill>
+          <a:schemeClr val="tx1"/>
+        </a:solidFill>
+        <a:latin typeface="+mn-lt"/>
+        <a:ea typeface="+mn-ea"/>
+        <a:cs typeface="+mn-cs"/>
+      </a:defRPr>
+    </a:lvl6pPr>
+    <a:lvl7pPr marL="2743200" algn="l" defTabSz="914400" rtl="0" eaLnBrk="1" latinLnBrk="0" hangingPunct="1">
+      <a:defRPr sz="1200" kern="1200">
+        <a:solidFill>
+          <a:schemeClr val="tx1"/>
+        </a:solidFill>
+        <a:latin typeface="+mn-lt"/>
+        <a:ea typeface="+mn-ea"/>
+        <a:cs typeface="+mn-cs"/>
+      </a:defRPr>
+    </a:lvl7pPr>
+    <a:lvl8pPr marL="3200400" algn="l" defTabSz="914400" rtl="0" eaLnBrk="1" latinLnBrk="0" hangingPunct="1">
+      <a:defRPr sz="1200" kern="1200">
+        <a:solidFill>
+          <a:schemeClr val="tx1"/>
+        </a:solidFill>
+        <a:latin typeface="+mn-lt"/>
+        <a:ea typeface="+mn-ea"/>
+        <a:cs typeface="+mn-cs"/>
+      </a:defRPr>
+    </a:lvl8pPr>
+    <a:lvl9pPr marL="3657600" algn="l" defTabSz="914400" rtl="0" eaLnBrk="1" latinLnBrk="0" hangingPunct="1">
+      <a:defRPr sz="1200" kern="1200">
+        <a:solidFill>
+          <a:schemeClr val="tx1"/>
+        </a:solidFill>
+        <a:latin typeface="+mn-lt"/>
+        <a:ea typeface="+mn-ea"/>
+        <a:cs typeface="+mn-cs"/>
+      </a:defRPr>
+    </a:lvl9pPr>
+  </p:notesStyle>
+</p:notesMaster>
+</file>
+
+<file path=ppt/notesSlides/notesSlide1.xml><?xml version="1.0" encoding="utf-8"?>
+<p:notes xmlns:a="http://schemas.openxmlformats.org/drawingml/2006/main" xmlns:r="http://schemas.openxmlformats.org/officeDocument/2006/relationships" xmlns:p="http://schemas.openxmlformats.org/presentationml/2006/main" showMasterSp="0" showMasterPhAnim="0">
+  <p:cSld>
+    <p:spTree>
+      <p:nvGrpSpPr>
+        <p:cNvPr id="1" name="Shape 69"/>
+        <p:cNvGrpSpPr/>
+        <p:nvPr/>
+      </p:nvGrpSpPr>
+      <p:grpSpPr>
+        <a:xfrm>
+          <a:off x="0" y="0"/>
+          <a:ext cx="0" cy="0"/>
+          <a:chOff x="0" y="0"/>
+          <a:chExt cx="0" cy="0"/>
+        </a:xfrm>
+      </p:grpSpPr>
+      <p:sp>
+        <p:nvSpPr>
+          <p:cNvPr id="70" name="Shape 70"/>
+          <p:cNvSpPr>
+            <a:spLocks noGrp="1" noRot="1" noChangeAspect="1"/>
+          </p:cNvSpPr>
+          <p:nvPr>
+            <p:ph type="sldImg" idx="2"/>
+          </p:nvPr>
+        </p:nvSpPr>
+        <p:spPr>
+          <a:xfrm>
+            <a:off x="381000" y="685800"/>
+            <a:ext cx="6096000" cy="3429000"/>
+          </a:xfrm>
+          <a:custGeom>
+            <a:avLst/>
+            <a:gdLst/>
+            <a:ahLst/>
+            <a:cxnLst/>
+            <a:rect l="0" t="0" r="0" b="0"/>
+            <a:pathLst>
+              <a:path w="120000" h="120000" extrusionOk="0">
+                <a:moveTo>
+                  <a:pt x="0" y="0"/>
+                </a:moveTo>
+                <a:lnTo>
+                  <a:pt x="120000" y="0"/>
+                </a:lnTo>
+                <a:lnTo>
+                  <a:pt x="120000" y="120000"/>
+                </a:lnTo>
+                <a:lnTo>
+                  <a:pt x="0" y="120000"/>
+                </a:lnTo>
+                <a:close/>
+              </a:path>
+            </a:pathLst>
+          </a:custGeom>
+        </p:spPr>
+      </p:sp>
+      <p:sp>
+        <p:nvSpPr>
+          <p:cNvPr id="71" name="Shape 71"/>
+          <p:cNvSpPr txBox="1">
+            <a:spLocks noGrp="1"/>
+          </p:cNvSpPr>
+          <p:nvPr>
+            <p:ph type="body" idx="1"/>
+          </p:nvPr>
+        </p:nvSpPr>
+        <p:spPr>
+          <a:xfrm>
+            <a:off x="685800" y="4343400"/>
+            <a:ext cx="5486399" cy="4114800"/>
+          </a:xfrm>
+          <a:prstGeom prst="rect">
+            <a:avLst/>
+          </a:prstGeom>
+        </p:spPr>
+        <p:txBody>
+          <a:bodyPr lIns="91425" tIns="91425" rIns="91425" bIns="91425" anchor="t" anchorCtr="0">
+            <a:noAutofit/>
+          </a:bodyPr>
+          <a:lstStyle/>
+          <a:p>
+            <a:pPr lvl="0">
+              <a:spcBef>
+                <a:spcPts val="0"/>
+              </a:spcBef>
+              <a:buNone/>
+            </a:pPr>
+            <a:endParaRPr/>
+          </a:p>
+        </p:txBody>
+      </p:sp>
+    </p:spTree>
+  </p:cSld>
+  <p:clrMapOvr>
+    <a:masterClrMapping/>
+  </p:clrMapOvr>
+</p:notes>
+</file>
+
 <file path=ppt/slideLayouts/slideLayout1.xml><?xml version="1.0" encoding="utf-8"?>
 <p:sldLayout xmlns:a="http://schemas.openxmlformats.org/drawingml/2006/main" xmlns:r="http://schemas.openxmlformats.org/officeDocument/2006/relationships" xmlns:p="http://schemas.openxmlformats.org/presentationml/2006/main" type="title" preserve="1">
   <p:cSld name="Title Slide">
@@ -741,6 +1196,301 @@
     <p:extLst>
       <p:ext uri="{BB962C8B-B14F-4D97-AF65-F5344CB8AC3E}">
         <p14:creationId xmlns:p14="http://schemas.microsoft.com/office/powerpoint/2010/main" val="2446182705"/>
+      </p:ext>
+    </p:extLst>
+  </p:cSld>
+  <p:clrMapOvr>
+    <a:masterClrMapping/>
+  </p:clrMapOvr>
+</p:sldLayout>
+</file>
+
+<file path=ppt/slideLayouts/slideLayout12.xml><?xml version="1.0" encoding="utf-8"?>
+<p:sldLayout xmlns:a="http://schemas.openxmlformats.org/drawingml/2006/main" xmlns:r="http://schemas.openxmlformats.org/officeDocument/2006/relationships" xmlns:p="http://schemas.openxmlformats.org/presentationml/2006/main" type="title">
+  <p:cSld name="Title">
+    <p:spTree>
+      <p:nvGrpSpPr>
+        <p:cNvPr id="1" name="Shape 9"/>
+        <p:cNvGrpSpPr/>
+        <p:nvPr/>
+      </p:nvGrpSpPr>
+      <p:grpSpPr>
+        <a:xfrm>
+          <a:off x="0" y="0"/>
+          <a:ext cx="0" cy="0"/>
+          <a:chOff x="0" y="0"/>
+          <a:chExt cx="0" cy="0"/>
+        </a:xfrm>
+      </p:grpSpPr>
+      <p:sp>
+        <p:nvSpPr>
+          <p:cNvPr id="10" name="Shape 10"/>
+          <p:cNvSpPr/>
+          <p:nvPr/>
+        </p:nvSpPr>
+        <p:spPr>
+          <a:xfrm>
+            <a:off x="873600" y="3808200"/>
+            <a:ext cx="72400" cy="1589200"/>
+          </a:xfrm>
+          <a:prstGeom prst="rect">
+            <a:avLst/>
+          </a:prstGeom>
+          <a:solidFill>
+            <a:srgbClr val="562457"/>
+          </a:solidFill>
+          <a:ln>
+            <a:noFill/>
+          </a:ln>
+        </p:spPr>
+        <p:txBody>
+          <a:bodyPr lIns="121900" tIns="121900" rIns="121900" bIns="121900" anchor="ctr" anchorCtr="0">
+            <a:noAutofit/>
+          </a:bodyPr>
+          <a:lstStyle/>
+          <a:p>
+            <a:pPr lvl="0" rtl="0">
+              <a:spcBef>
+                <a:spcPts val="0"/>
+              </a:spcBef>
+              <a:buNone/>
+            </a:pPr>
+            <a:endParaRPr sz="2400">
+              <a:solidFill>
+                <a:srgbClr val="88398A"/>
+              </a:solidFill>
+            </a:endParaRPr>
+          </a:p>
+        </p:txBody>
+      </p:sp>
+      <p:sp>
+        <p:nvSpPr>
+          <p:cNvPr id="11" name="Shape 11"/>
+          <p:cNvSpPr txBox="1">
+            <a:spLocks noGrp="1"/>
+          </p:cNvSpPr>
+          <p:nvPr>
+            <p:ph type="ctrTitle"/>
+          </p:nvPr>
+        </p:nvSpPr>
+        <p:spPr>
+          <a:xfrm>
+            <a:off x="1016000" y="3801767"/>
+            <a:ext cx="7216400" cy="1546400"/>
+          </a:xfrm>
+          <a:prstGeom prst="rect">
+            <a:avLst/>
+          </a:prstGeom>
+        </p:spPr>
+        <p:txBody>
+          <a:bodyPr lIns="91425" tIns="91425" rIns="91425" bIns="91425" anchor="ctr" anchorCtr="0"/>
+          <a:lstStyle>
+            <a:lvl1pPr lvl="0">
+              <a:spcBef>
+                <a:spcPts val="0"/>
+              </a:spcBef>
+              <a:buClr>
+                <a:srgbClr val="88398A"/>
+              </a:buClr>
+              <a:buSzPct val="100000"/>
+              <a:buFont typeface="Helvetica Neue"/>
+              <a:defRPr sz="6400">
+                <a:solidFill>
+                  <a:srgbClr val="88398A"/>
+                </a:solidFill>
+                <a:latin typeface="Helvetica Neue"/>
+                <a:ea typeface="Helvetica Neue"/>
+                <a:cs typeface="Helvetica Neue"/>
+                <a:sym typeface="Helvetica Neue"/>
+              </a:defRPr>
+            </a:lvl1pPr>
+            <a:lvl2pPr lvl="1">
+              <a:spcBef>
+                <a:spcPts val="0"/>
+              </a:spcBef>
+              <a:buClr>
+                <a:srgbClr val="88398A"/>
+              </a:buClr>
+              <a:buSzPct val="100000"/>
+              <a:defRPr sz="6400">
+                <a:solidFill>
+                  <a:srgbClr val="88398A"/>
+                </a:solidFill>
+              </a:defRPr>
+            </a:lvl2pPr>
+            <a:lvl3pPr lvl="2">
+              <a:spcBef>
+                <a:spcPts val="0"/>
+              </a:spcBef>
+              <a:buClr>
+                <a:srgbClr val="88398A"/>
+              </a:buClr>
+              <a:buSzPct val="100000"/>
+              <a:defRPr sz="6400">
+                <a:solidFill>
+                  <a:srgbClr val="88398A"/>
+                </a:solidFill>
+              </a:defRPr>
+            </a:lvl3pPr>
+            <a:lvl4pPr lvl="3">
+              <a:spcBef>
+                <a:spcPts val="0"/>
+              </a:spcBef>
+              <a:buClr>
+                <a:srgbClr val="88398A"/>
+              </a:buClr>
+              <a:buSzPct val="100000"/>
+              <a:defRPr sz="6400">
+                <a:solidFill>
+                  <a:srgbClr val="88398A"/>
+                </a:solidFill>
+              </a:defRPr>
+            </a:lvl4pPr>
+            <a:lvl5pPr lvl="4">
+              <a:spcBef>
+                <a:spcPts val="0"/>
+              </a:spcBef>
+              <a:buClr>
+                <a:srgbClr val="88398A"/>
+              </a:buClr>
+              <a:buSzPct val="100000"/>
+              <a:defRPr sz="6400">
+                <a:solidFill>
+                  <a:srgbClr val="88398A"/>
+                </a:solidFill>
+              </a:defRPr>
+            </a:lvl5pPr>
+            <a:lvl6pPr lvl="5">
+              <a:spcBef>
+                <a:spcPts val="0"/>
+              </a:spcBef>
+              <a:buClr>
+                <a:srgbClr val="88398A"/>
+              </a:buClr>
+              <a:buSzPct val="100000"/>
+              <a:defRPr sz="6400">
+                <a:solidFill>
+                  <a:srgbClr val="88398A"/>
+                </a:solidFill>
+              </a:defRPr>
+            </a:lvl6pPr>
+            <a:lvl7pPr lvl="6">
+              <a:spcBef>
+                <a:spcPts val="0"/>
+              </a:spcBef>
+              <a:buClr>
+                <a:srgbClr val="88398A"/>
+              </a:buClr>
+              <a:buSzPct val="100000"/>
+              <a:defRPr sz="6400">
+                <a:solidFill>
+                  <a:srgbClr val="88398A"/>
+                </a:solidFill>
+              </a:defRPr>
+            </a:lvl7pPr>
+            <a:lvl8pPr lvl="7">
+              <a:spcBef>
+                <a:spcPts val="0"/>
+              </a:spcBef>
+              <a:buClr>
+                <a:srgbClr val="88398A"/>
+              </a:buClr>
+              <a:buSzPct val="100000"/>
+              <a:defRPr sz="6400">
+                <a:solidFill>
+                  <a:srgbClr val="88398A"/>
+                </a:solidFill>
+              </a:defRPr>
+            </a:lvl8pPr>
+            <a:lvl9pPr lvl="8">
+              <a:spcBef>
+                <a:spcPts val="0"/>
+              </a:spcBef>
+              <a:buClr>
+                <a:srgbClr val="88398A"/>
+              </a:buClr>
+              <a:buSzPct val="100000"/>
+              <a:defRPr sz="6400">
+                <a:solidFill>
+                  <a:srgbClr val="88398A"/>
+                </a:solidFill>
+              </a:defRPr>
+            </a:lvl9pPr>
+          </a:lstStyle>
+          <a:p>
+            <a:endParaRPr/>
+          </a:p>
+        </p:txBody>
+      </p:sp>
+      <p:pic>
+        <p:nvPicPr>
+          <p:cNvPr id="12" name="Shape 12" descr="download.png"/>
+          <p:cNvPicPr preferRelativeResize="0"/>
+          <p:nvPr/>
+        </p:nvPicPr>
+        <p:blipFill>
+          <a:blip r:embed="rId2">
+            <a:alphaModFix/>
+          </a:blip>
+          <a:stretch>
+            <a:fillRect/>
+          </a:stretch>
+        </p:blipFill>
+        <p:spPr>
+          <a:xfrm>
+            <a:off x="8130801" y="476665"/>
+            <a:ext cx="3811433" cy="1269200"/>
+          </a:xfrm>
+          <a:prstGeom prst="rect">
+            <a:avLst/>
+          </a:prstGeom>
+          <a:noFill/>
+          <a:ln>
+            <a:noFill/>
+          </a:ln>
+        </p:spPr>
+      </p:pic>
+      <p:sp>
+        <p:nvSpPr>
+          <p:cNvPr id="13" name="Shape 13"/>
+          <p:cNvSpPr/>
+          <p:nvPr/>
+        </p:nvSpPr>
+        <p:spPr>
+          <a:xfrm rot="5400000">
+            <a:off x="6056333" y="-6065033"/>
+            <a:ext cx="81200" cy="12194000"/>
+          </a:xfrm>
+          <a:prstGeom prst="rect">
+            <a:avLst/>
+          </a:prstGeom>
+          <a:solidFill>
+            <a:srgbClr val="88398A"/>
+          </a:solidFill>
+          <a:ln>
+            <a:noFill/>
+          </a:ln>
+        </p:spPr>
+        <p:txBody>
+          <a:bodyPr lIns="121900" tIns="121900" rIns="121900" bIns="121900" anchor="ctr" anchorCtr="0">
+            <a:noAutofit/>
+          </a:bodyPr>
+          <a:lstStyle/>
+          <a:p>
+            <a:pPr lvl="0">
+              <a:spcBef>
+                <a:spcPts val="0"/>
+              </a:spcBef>
+              <a:buNone/>
+            </a:pPr>
+            <a:endParaRPr sz="2400"/>
+          </a:p>
+        </p:txBody>
+      </p:sp>
+    </p:spTree>
+    <p:extLst>
+      <p:ext uri="{BB962C8B-B14F-4D97-AF65-F5344CB8AC3E}">
+        <p14:creationId xmlns:p14="http://schemas.microsoft.com/office/powerpoint/2010/main" val="4279644009"/>
       </p:ext>
     </p:extLst>
   </p:cSld>
@@ -3052,6 +3802,7 @@
     <p:sldLayoutId id="2147483657" r:id="rId9"/>
     <p:sldLayoutId id="2147483658" r:id="rId10"/>
     <p:sldLayoutId id="2147483659" r:id="rId11"/>
+    <p:sldLayoutId id="2147483660" r:id="rId12"/>
   </p:sldLayoutIdLst>
   <p:txStyles>
     <p:titleStyle>
@@ -3341,6 +4092,251 @@
   <p:cSld>
     <p:spTree>
       <p:nvGrpSpPr>
+        <p:cNvPr id="1" name="Shape 72"/>
+        <p:cNvGrpSpPr/>
+        <p:nvPr/>
+      </p:nvGrpSpPr>
+      <p:grpSpPr>
+        <a:xfrm>
+          <a:off x="0" y="0"/>
+          <a:ext cx="0" cy="0"/>
+          <a:chOff x="0" y="0"/>
+          <a:chExt cx="0" cy="0"/>
+        </a:xfrm>
+      </p:grpSpPr>
+      <p:sp>
+        <p:nvSpPr>
+          <p:cNvPr id="73" name="Shape 73"/>
+          <p:cNvSpPr txBox="1">
+            <a:spLocks noGrp="1"/>
+          </p:cNvSpPr>
+          <p:nvPr>
+            <p:ph type="ctrTitle"/>
+          </p:nvPr>
+        </p:nvSpPr>
+        <p:spPr>
+          <a:xfrm>
+            <a:off x="1016000" y="3801767"/>
+            <a:ext cx="11020152" cy="1546400"/>
+          </a:xfrm>
+          <a:prstGeom prst="rect">
+            <a:avLst/>
+          </a:prstGeom>
+        </p:spPr>
+        <p:txBody>
+          <a:bodyPr vert="horz" lIns="121900" tIns="121900" rIns="121900" bIns="121900" rtlCol="0" anchor="ctr" anchorCtr="0">
+            <a:noAutofit/>
+          </a:bodyPr>
+          <a:lstStyle/>
+          <a:p>
+            <a:r>
+              <a:rPr lang="en-GB" dirty="0"/>
+              <a:t>API and </a:t>
+            </a:r>
+            <a:r>
+              <a:rPr lang="en-GB" dirty="0" err="1"/>
+              <a:t>webscraping</a:t>
+            </a:r>
+            <a:r>
+              <a:rPr lang="en-GB" dirty="0"/>
+              <a:t>:</a:t>
+            </a:r>
+            <a:br>
+              <a:rPr lang="en-GB" dirty="0"/>
+            </a:br>
+            <a:r>
+              <a:rPr lang="en-GB" sz="4000" dirty="0">
+                <a:solidFill>
+                  <a:srgbClr val="5E275F"/>
+                </a:solidFill>
+              </a:rPr>
+              <a:t>getting data from the web straight into R</a:t>
+            </a:r>
+            <a:endParaRPr lang="en" dirty="0">
+              <a:solidFill>
+                <a:srgbClr val="5E275F"/>
+              </a:solidFill>
+            </a:endParaRPr>
+          </a:p>
+        </p:txBody>
+      </p:sp>
+      <p:sp>
+        <p:nvSpPr>
+          <p:cNvPr id="74" name="Shape 74"/>
+          <p:cNvSpPr txBox="1"/>
+          <p:nvPr/>
+        </p:nvSpPr>
+        <p:spPr>
+          <a:xfrm>
+            <a:off x="772000" y="491833"/>
+            <a:ext cx="5823600" cy="1267600"/>
+          </a:xfrm>
+          <a:prstGeom prst="rect">
+            <a:avLst/>
+          </a:prstGeom>
+          <a:noFill/>
+          <a:ln>
+            <a:noFill/>
+          </a:ln>
+        </p:spPr>
+        <p:txBody>
+          <a:bodyPr lIns="121900" tIns="121900" rIns="121900" bIns="121900" anchor="t" anchorCtr="0">
+            <a:noAutofit/>
+          </a:bodyPr>
+          <a:lstStyle/>
+          <a:p>
+            <a:r>
+              <a:rPr lang="en" sz="2400" dirty="0">
+                <a:solidFill>
+                  <a:srgbClr val="0000FF"/>
+                </a:solidFill>
+                <a:latin typeface="Courier"/>
+                <a:ea typeface="Courier"/>
+                <a:cs typeface="Courier"/>
+                <a:sym typeface="Courier"/>
+              </a:rPr>
+              <a:t>library</a:t>
+            </a:r>
+            <a:r>
+              <a:rPr lang="en" sz="2400" dirty="0">
+                <a:solidFill>
+                  <a:srgbClr val="687687"/>
+                </a:solidFill>
+                <a:latin typeface="Courier"/>
+                <a:ea typeface="Courier"/>
+                <a:cs typeface="Courier"/>
+                <a:sym typeface="Courier"/>
+              </a:rPr>
+              <a:t>(</a:t>
+            </a:r>
+            <a:r>
+              <a:rPr lang="en" sz="2400" dirty="0">
+                <a:latin typeface="Courier"/>
+                <a:ea typeface="Courier"/>
+                <a:cs typeface="Courier"/>
+                <a:sym typeface="Courier"/>
+              </a:rPr>
+              <a:t>dplyr</a:t>
+            </a:r>
+            <a:r>
+              <a:rPr lang="en" sz="2400" dirty="0">
+                <a:solidFill>
+                  <a:srgbClr val="687687"/>
+                </a:solidFill>
+                <a:latin typeface="Courier"/>
+                <a:ea typeface="Courier"/>
+                <a:cs typeface="Courier"/>
+                <a:sym typeface="Courier"/>
+              </a:rPr>
+              <a:t>)</a:t>
+            </a:r>
+          </a:p>
+          <a:p>
+            <a:r>
+              <a:rPr lang="en" sz="2400" dirty="0">
+                <a:latin typeface="Courier"/>
+                <a:ea typeface="Courier"/>
+                <a:cs typeface="Courier"/>
+                <a:sym typeface="Courier"/>
+              </a:rPr>
+              <a:t>rladies_global </a:t>
+            </a:r>
+            <a:r>
+              <a:rPr lang="en" sz="2400" dirty="0">
+                <a:solidFill>
+                  <a:srgbClr val="687687"/>
+                </a:solidFill>
+                <a:latin typeface="Courier"/>
+                <a:ea typeface="Courier"/>
+                <a:cs typeface="Courier"/>
+                <a:sym typeface="Courier"/>
+              </a:rPr>
+              <a:t>%&gt;%</a:t>
+            </a:r>
+          </a:p>
+          <a:p>
+            <a:r>
+              <a:rPr lang="en" sz="2400" dirty="0">
+                <a:latin typeface="Courier"/>
+                <a:ea typeface="Courier"/>
+                <a:cs typeface="Courier"/>
+                <a:sym typeface="Courier"/>
+              </a:rPr>
+              <a:t>  filter</a:t>
+            </a:r>
+            <a:r>
+              <a:rPr lang="en" sz="2400" dirty="0">
+                <a:solidFill>
+                  <a:srgbClr val="687687"/>
+                </a:solidFill>
+                <a:latin typeface="Courier"/>
+                <a:ea typeface="Courier"/>
+                <a:cs typeface="Courier"/>
+                <a:sym typeface="Courier"/>
+              </a:rPr>
+              <a:t>(</a:t>
+            </a:r>
+            <a:r>
+              <a:rPr lang="en" sz="2400" dirty="0">
+                <a:latin typeface="Courier"/>
+                <a:ea typeface="Courier"/>
+                <a:cs typeface="Courier"/>
+                <a:sym typeface="Courier"/>
+              </a:rPr>
+              <a:t>city == </a:t>
+            </a:r>
+            <a:r>
+              <a:rPr lang="en-GB" sz="2400" dirty="0">
+                <a:solidFill>
+                  <a:srgbClr val="036A07"/>
+                </a:solidFill>
+                <a:latin typeface="Courier"/>
+                <a:ea typeface="Courier"/>
+                <a:cs typeface="Courier"/>
+                <a:sym typeface="Courier"/>
+              </a:rPr>
+              <a:t>Brussels</a:t>
+            </a:r>
+            <a:r>
+              <a:rPr lang="en" sz="2400" dirty="0">
+                <a:solidFill>
+                  <a:srgbClr val="036A07"/>
+                </a:solidFill>
+                <a:latin typeface="Courier"/>
+                <a:ea typeface="Courier"/>
+                <a:cs typeface="Courier"/>
+                <a:sym typeface="Courier"/>
+              </a:rPr>
+              <a:t>'</a:t>
+            </a:r>
+            <a:r>
+              <a:rPr lang="en" sz="2400" dirty="0">
+                <a:solidFill>
+                  <a:srgbClr val="687687"/>
+                </a:solidFill>
+                <a:latin typeface="Courier"/>
+                <a:ea typeface="Courier"/>
+                <a:cs typeface="Courier"/>
+                <a:sym typeface="Courier"/>
+              </a:rPr>
+              <a:t>)</a:t>
+            </a:r>
+          </a:p>
+        </p:txBody>
+      </p:sp>
+    </p:spTree>
+  </p:cSld>
+  <p:clrMapOvr>
+    <a:masterClrMapping/>
+  </p:clrMapOvr>
+</p:sld>
+</file>
+
+<file path=ppt/slides/slide2.xml><?xml version="1.0" encoding="utf-8"?>
+<p:sld xmlns:a="http://schemas.openxmlformats.org/drawingml/2006/main" xmlns:r="http://schemas.openxmlformats.org/officeDocument/2006/relationships" xmlns:p="http://schemas.openxmlformats.org/presentationml/2006/main">
+  <p:cSld>
+    <p:spTree>
+      <p:nvGrpSpPr>
         <p:cNvPr id="1" name=""/>
         <p:cNvGrpSpPr/>
         <p:nvPr/>
@@ -3410,1093 +4406,6 @@
     <p:extLst>
       <p:ext uri="{BB962C8B-B14F-4D97-AF65-F5344CB8AC3E}">
         <p14:creationId xmlns:p14="http://schemas.microsoft.com/office/powerpoint/2010/main" val="730715341"/>
-      </p:ext>
-    </p:extLst>
-  </p:cSld>
-  <p:clrMapOvr>
-    <a:masterClrMapping/>
-  </p:clrMapOvr>
-</p:sld>
-</file>
-
-<file path=ppt/slides/slide2.xml><?xml version="1.0" encoding="utf-8"?>
-<p:sld xmlns:a="http://schemas.openxmlformats.org/drawingml/2006/main" xmlns:r="http://schemas.openxmlformats.org/officeDocument/2006/relationships" xmlns:p="http://schemas.openxmlformats.org/presentationml/2006/main">
-  <p:cSld>
-    <p:spTree>
-      <p:nvGrpSpPr>
-        <p:cNvPr id="1" name=""/>
-        <p:cNvGrpSpPr/>
-        <p:nvPr/>
-      </p:nvGrpSpPr>
-      <p:grpSpPr>
-        <a:xfrm>
-          <a:off x="0" y="0"/>
-          <a:ext cx="0" cy="0"/>
-          <a:chOff x="0" y="0"/>
-          <a:chExt cx="0" cy="0"/>
-        </a:xfrm>
-      </p:grpSpPr>
-      <p:grpSp>
-        <p:nvGrpSpPr>
-          <p:cNvPr id="3" name="Group 2">
-            <a:extLst>
-              <a:ext uri="{FF2B5EF4-FFF2-40B4-BE49-F238E27FC236}">
-                <a16:creationId xmlns:a16="http://schemas.microsoft.com/office/drawing/2014/main" id="{319E8B6A-88B5-49D9-B18D-3B383608CA48}"/>
-              </a:ext>
-            </a:extLst>
-          </p:cNvPr>
-          <p:cNvGrpSpPr/>
-          <p:nvPr/>
-        </p:nvGrpSpPr>
-        <p:grpSpPr>
-          <a:xfrm>
-            <a:off x="626084" y="1452827"/>
-            <a:ext cx="11088589" cy="3432348"/>
-            <a:chOff x="626084" y="771331"/>
-            <a:chExt cx="11088589" cy="3432348"/>
-          </a:xfrm>
-        </p:grpSpPr>
-        <p:grpSp>
-          <p:nvGrpSpPr>
-            <p:cNvPr id="40" name="Group 39">
-              <a:extLst>
-                <a:ext uri="{FF2B5EF4-FFF2-40B4-BE49-F238E27FC236}">
-                  <a16:creationId xmlns:a16="http://schemas.microsoft.com/office/drawing/2014/main" id="{6652D4A2-0118-4B0B-BBAE-A67D754C27F5}"/>
-                </a:ext>
-              </a:extLst>
-            </p:cNvPr>
-            <p:cNvGrpSpPr/>
-            <p:nvPr/>
-          </p:nvGrpSpPr>
-          <p:grpSpPr>
-            <a:xfrm>
-              <a:off x="3492666" y="771331"/>
-              <a:ext cx="1845350" cy="1897643"/>
-              <a:chOff x="3492667" y="771331"/>
-              <a:chExt cx="1845350" cy="1897643"/>
-            </a:xfrm>
-          </p:grpSpPr>
-          <p:grpSp>
-            <p:nvGrpSpPr>
-              <p:cNvPr id="41" name="Group 40">
-                <a:extLst>
-                  <a:ext uri="{FF2B5EF4-FFF2-40B4-BE49-F238E27FC236}">
-                    <a16:creationId xmlns:a16="http://schemas.microsoft.com/office/drawing/2014/main" id="{45FA5B66-C3C8-4AE1-BE1C-356869426101}"/>
-                  </a:ext>
-                </a:extLst>
-              </p:cNvPr>
-              <p:cNvGrpSpPr/>
-              <p:nvPr/>
-            </p:nvGrpSpPr>
-            <p:grpSpPr>
-              <a:xfrm>
-                <a:off x="3492667" y="771331"/>
-                <a:ext cx="1845350" cy="1897643"/>
-                <a:chOff x="6234160" y="771331"/>
-                <a:chExt cx="1845350" cy="1897643"/>
-              </a:xfrm>
-            </p:grpSpPr>
-            <p:sp>
-              <p:nvSpPr>
-                <p:cNvPr id="43" name="Oval 42">
-                  <a:extLst>
-                    <a:ext uri="{FF2B5EF4-FFF2-40B4-BE49-F238E27FC236}">
-                      <a16:creationId xmlns:a16="http://schemas.microsoft.com/office/drawing/2014/main" id="{82B6B0F0-3ADC-46CF-BDF1-63125E0F60CC}"/>
-                    </a:ext>
-                  </a:extLst>
-                </p:cNvPr>
-                <p:cNvSpPr/>
-                <p:nvPr/>
-              </p:nvSpPr>
-              <p:spPr>
-                <a:xfrm>
-                  <a:off x="6234160" y="823624"/>
-                  <a:ext cx="1845350" cy="1845350"/>
-                </a:xfrm>
-                <a:prstGeom prst="ellipse">
-                  <a:avLst/>
-                </a:prstGeom>
-                <a:solidFill>
-                  <a:schemeClr val="accent5">
-                    <a:lumMod val="50000"/>
-                  </a:schemeClr>
-                </a:solidFill>
-              </p:spPr>
-              <p:style>
-                <a:lnRef idx="2">
-                  <a:schemeClr val="accent1">
-                    <a:shade val="50000"/>
-                  </a:schemeClr>
-                </a:lnRef>
-                <a:fillRef idx="1">
-                  <a:schemeClr val="accent1"/>
-                </a:fillRef>
-                <a:effectRef idx="0">
-                  <a:schemeClr val="accent1"/>
-                </a:effectRef>
-                <a:fontRef idx="minor">
-                  <a:schemeClr val="lt1"/>
-                </a:fontRef>
-              </p:style>
-              <p:txBody>
-                <a:bodyPr lIns="0" tIns="0" rtlCol="0" anchor="t"/>
-                <a:lstStyle/>
-                <a:p>
-                  <a:endParaRPr lang="en-GB" sz="4400" b="1" dirty="0"/>
-                </a:p>
-              </p:txBody>
-            </p:sp>
-            <p:sp>
-              <p:nvSpPr>
-                <p:cNvPr id="44" name="TextBox 43">
-                  <a:extLst>
-                    <a:ext uri="{FF2B5EF4-FFF2-40B4-BE49-F238E27FC236}">
-                      <a16:creationId xmlns:a16="http://schemas.microsoft.com/office/drawing/2014/main" id="{13B0C8C4-5205-4731-A14E-43B31BD8F99B}"/>
-                    </a:ext>
-                  </a:extLst>
-                </p:cNvPr>
-                <p:cNvSpPr txBox="1"/>
-                <p:nvPr/>
-              </p:nvSpPr>
-              <p:spPr>
-                <a:xfrm>
-                  <a:off x="6919080" y="771331"/>
-                  <a:ext cx="475510" cy="646331"/>
-                </a:xfrm>
-                <a:prstGeom prst="rect">
-                  <a:avLst/>
-                </a:prstGeom>
-                <a:noFill/>
-              </p:spPr>
-              <p:txBody>
-                <a:bodyPr wrap="square" rtlCol="0">
-                  <a:spAutoFit/>
-                </a:bodyPr>
-                <a:lstStyle/>
-                <a:p>
-                  <a:pPr algn="ctr"/>
-                  <a:r>
-                    <a:rPr lang="en-GB" sz="3600" b="1" dirty="0">
-                      <a:solidFill>
-                        <a:schemeClr val="bg2"/>
-                      </a:solidFill>
-                    </a:rPr>
-                    <a:t>2</a:t>
-                  </a:r>
-                </a:p>
-              </p:txBody>
-            </p:sp>
-          </p:grpSp>
-          <p:pic>
-            <p:nvPicPr>
-              <p:cNvPr id="42" name="Picture 41">
-                <a:extLst>
-                  <a:ext uri="{FF2B5EF4-FFF2-40B4-BE49-F238E27FC236}">
-                    <a16:creationId xmlns:a16="http://schemas.microsoft.com/office/drawing/2014/main" id="{1D0086F7-E779-4940-99FB-190966BC63E8}"/>
-                  </a:ext>
-                </a:extLst>
-              </p:cNvPr>
-              <p:cNvPicPr>
-                <a:picLocks noChangeAspect="1"/>
-              </p:cNvPicPr>
-              <p:nvPr/>
-            </p:nvPicPr>
-            <p:blipFill>
-              <a:blip r:embed="rId2">
-                <a:lum bright="70000" contrast="-70000"/>
-                <a:extLst>
-                  <a:ext uri="{28A0092B-C50C-407E-A947-70E740481C1C}">
-                    <a14:useLocalDpi xmlns:a14="http://schemas.microsoft.com/office/drawing/2010/main" val="0"/>
-                  </a:ext>
-                </a:extLst>
-              </a:blip>
-              <a:stretch>
-                <a:fillRect/>
-              </a:stretch>
-            </p:blipFill>
-            <p:spPr>
-              <a:xfrm>
-                <a:off x="3935411" y="1450418"/>
-                <a:ext cx="959861" cy="959861"/>
-              </a:xfrm>
-              <a:prstGeom prst="rect">
-                <a:avLst/>
-              </a:prstGeom>
-            </p:spPr>
-          </p:pic>
-        </p:grpSp>
-        <p:sp>
-          <p:nvSpPr>
-            <p:cNvPr id="2" name="TextBox 1">
-              <a:extLst>
-                <a:ext uri="{FF2B5EF4-FFF2-40B4-BE49-F238E27FC236}">
-                  <a16:creationId xmlns:a16="http://schemas.microsoft.com/office/drawing/2014/main" id="{68AFE84C-BED5-41A0-89EC-C78D3A049FFC}"/>
-                </a:ext>
-              </a:extLst>
-            </p:cNvPr>
-            <p:cNvSpPr txBox="1"/>
-            <p:nvPr/>
-          </p:nvSpPr>
-          <p:spPr>
-            <a:xfrm>
-              <a:off x="626084" y="3064906"/>
-              <a:ext cx="2864294" cy="1138773"/>
-            </a:xfrm>
-            <a:prstGeom prst="rect">
-              <a:avLst/>
-            </a:prstGeom>
-            <a:noFill/>
-          </p:spPr>
-          <p:txBody>
-            <a:bodyPr wrap="square" rtlCol="0">
-              <a:spAutoFit/>
-            </a:bodyPr>
-            <a:lstStyle/>
-            <a:p>
-              <a:r>
-                <a:rPr lang="en-GB" sz="2800" b="1" dirty="0">
-                  <a:solidFill>
-                    <a:schemeClr val="accent5">
-                      <a:lumMod val="50000"/>
-                    </a:schemeClr>
-                  </a:solidFill>
-                  <a:latin typeface="Bahnschrift SemiBold" panose="020B0502040204020203" pitchFamily="34" charset="0"/>
-                </a:rPr>
-                <a:t>Prepare</a:t>
-              </a:r>
-            </a:p>
-            <a:p>
-              <a:r>
-                <a:rPr lang="en-GB" sz="2000" b="1" dirty="0">
-                  <a:solidFill>
-                    <a:schemeClr val="tx1">
-                      <a:lumMod val="50000"/>
-                      <a:lumOff val="50000"/>
-                    </a:schemeClr>
-                  </a:solidFill>
-                  <a:latin typeface="Bahnschrift SemiBold" panose="020B0502040204020203" pitchFamily="34" charset="0"/>
-                </a:rPr>
-                <a:t>- URL construction</a:t>
-              </a:r>
-            </a:p>
-            <a:p>
-              <a:r>
-                <a:rPr lang="en-GB" sz="2000" b="1" dirty="0">
-                  <a:solidFill>
-                    <a:schemeClr val="tx1">
-                      <a:lumMod val="50000"/>
-                      <a:lumOff val="50000"/>
-                    </a:schemeClr>
-                  </a:solidFill>
-                  <a:latin typeface="Bahnschrift SemiBold" panose="020B0502040204020203" pitchFamily="34" charset="0"/>
-                </a:rPr>
-                <a:t>- Authentication</a:t>
-              </a:r>
-            </a:p>
-          </p:txBody>
-        </p:sp>
-        <p:grpSp>
-          <p:nvGrpSpPr>
-            <p:cNvPr id="30" name="Group 29">
-              <a:extLst>
-                <a:ext uri="{FF2B5EF4-FFF2-40B4-BE49-F238E27FC236}">
-                  <a16:creationId xmlns:a16="http://schemas.microsoft.com/office/drawing/2014/main" id="{373D3B2E-2894-494E-ABEE-CE8B86596058}"/>
-                </a:ext>
-              </a:extLst>
-            </p:cNvPr>
-            <p:cNvGrpSpPr/>
-            <p:nvPr/>
-          </p:nvGrpSpPr>
-          <p:grpSpPr>
-            <a:xfrm>
-              <a:off x="6358105" y="771331"/>
-              <a:ext cx="1845350" cy="1897643"/>
-              <a:chOff x="6358105" y="771331"/>
-              <a:chExt cx="1845350" cy="1897643"/>
-            </a:xfrm>
-          </p:grpSpPr>
-          <p:grpSp>
-            <p:nvGrpSpPr>
-              <p:cNvPr id="20" name="Group 19">
-                <a:extLst>
-                  <a:ext uri="{FF2B5EF4-FFF2-40B4-BE49-F238E27FC236}">
-                    <a16:creationId xmlns:a16="http://schemas.microsoft.com/office/drawing/2014/main" id="{354BA311-04C6-43D6-AF28-B5DD03A2FE32}"/>
-                  </a:ext>
-                </a:extLst>
-              </p:cNvPr>
-              <p:cNvGrpSpPr/>
-              <p:nvPr/>
-            </p:nvGrpSpPr>
-            <p:grpSpPr>
-              <a:xfrm>
-                <a:off x="6358105" y="771331"/>
-                <a:ext cx="1845350" cy="1897643"/>
-                <a:chOff x="6234160" y="771331"/>
-                <a:chExt cx="1845350" cy="1897643"/>
-              </a:xfrm>
-            </p:grpSpPr>
-            <p:sp>
-              <p:nvSpPr>
-                <p:cNvPr id="16" name="Oval 15">
-                  <a:extLst>
-                    <a:ext uri="{FF2B5EF4-FFF2-40B4-BE49-F238E27FC236}">
-                      <a16:creationId xmlns:a16="http://schemas.microsoft.com/office/drawing/2014/main" id="{43814879-86D5-4678-A47C-2DA89D6F35EF}"/>
-                    </a:ext>
-                  </a:extLst>
-                </p:cNvPr>
-                <p:cNvSpPr/>
-                <p:nvPr/>
-              </p:nvSpPr>
-              <p:spPr>
-                <a:xfrm>
-                  <a:off x="6234160" y="823624"/>
-                  <a:ext cx="1845350" cy="1845350"/>
-                </a:xfrm>
-                <a:prstGeom prst="ellipse">
-                  <a:avLst/>
-                </a:prstGeom>
-                <a:solidFill>
-                  <a:schemeClr val="accent5">
-                    <a:lumMod val="50000"/>
-                  </a:schemeClr>
-                </a:solidFill>
-              </p:spPr>
-              <p:style>
-                <a:lnRef idx="2">
-                  <a:schemeClr val="accent1">
-                    <a:shade val="50000"/>
-                  </a:schemeClr>
-                </a:lnRef>
-                <a:fillRef idx="1">
-                  <a:schemeClr val="accent1"/>
-                </a:fillRef>
-                <a:effectRef idx="0">
-                  <a:schemeClr val="accent1"/>
-                </a:effectRef>
-                <a:fontRef idx="minor">
-                  <a:schemeClr val="lt1"/>
-                </a:fontRef>
-              </p:style>
-              <p:txBody>
-                <a:bodyPr lIns="0" tIns="0" rtlCol="0" anchor="t"/>
-                <a:lstStyle/>
-                <a:p>
-                  <a:endParaRPr lang="en-GB" sz="4400" b="1" dirty="0"/>
-                </a:p>
-              </p:txBody>
-            </p:sp>
-            <p:sp>
-              <p:nvSpPr>
-                <p:cNvPr id="19" name="TextBox 18">
-                  <a:extLst>
-                    <a:ext uri="{FF2B5EF4-FFF2-40B4-BE49-F238E27FC236}">
-                      <a16:creationId xmlns:a16="http://schemas.microsoft.com/office/drawing/2014/main" id="{3BBB027C-677B-4C11-8E8E-1BDC6FED0456}"/>
-                    </a:ext>
-                  </a:extLst>
-                </p:cNvPr>
-                <p:cNvSpPr txBox="1"/>
-                <p:nvPr/>
-              </p:nvSpPr>
-              <p:spPr>
-                <a:xfrm>
-                  <a:off x="6919080" y="771331"/>
-                  <a:ext cx="475510" cy="646331"/>
-                </a:xfrm>
-                <a:prstGeom prst="rect">
-                  <a:avLst/>
-                </a:prstGeom>
-                <a:noFill/>
-              </p:spPr>
-              <p:txBody>
-                <a:bodyPr wrap="square" rtlCol="0">
-                  <a:spAutoFit/>
-                </a:bodyPr>
-                <a:lstStyle/>
-                <a:p>
-                  <a:pPr algn="ctr"/>
-                  <a:r>
-                    <a:rPr lang="en-GB" sz="3600" b="1" dirty="0">
-                      <a:solidFill>
-                        <a:schemeClr val="bg2"/>
-                      </a:solidFill>
-                    </a:rPr>
-                    <a:t>3</a:t>
-                  </a:r>
-                </a:p>
-              </p:txBody>
-            </p:sp>
-          </p:grpSp>
-          <p:pic>
-            <p:nvPicPr>
-              <p:cNvPr id="14" name="Picture 13">
-                <a:extLst>
-                  <a:ext uri="{FF2B5EF4-FFF2-40B4-BE49-F238E27FC236}">
-                    <a16:creationId xmlns:a16="http://schemas.microsoft.com/office/drawing/2014/main" id="{3BC8B2E2-8E65-4BAA-BAC8-D75671F16041}"/>
-                  </a:ext>
-                </a:extLst>
-              </p:cNvPr>
-              <p:cNvPicPr>
-                <a:picLocks noChangeAspect="1"/>
-              </p:cNvPicPr>
-              <p:nvPr/>
-            </p:nvPicPr>
-            <p:blipFill>
-              <a:blip r:embed="rId3">
-                <a:lum bright="70000" contrast="-70000"/>
-                <a:extLst>
-                  <a:ext uri="{28A0092B-C50C-407E-A947-70E740481C1C}">
-                    <a14:useLocalDpi xmlns:a14="http://schemas.microsoft.com/office/drawing/2010/main" val="0"/>
-                  </a:ext>
-                </a:extLst>
-              </a:blip>
-              <a:stretch>
-                <a:fillRect/>
-              </a:stretch>
-            </p:blipFill>
-            <p:spPr>
-              <a:xfrm>
-                <a:off x="6639459" y="1257182"/>
-                <a:ext cx="1282642" cy="1282642"/>
-              </a:xfrm>
-              <a:prstGeom prst="rect">
-                <a:avLst/>
-              </a:prstGeom>
-            </p:spPr>
-          </p:pic>
-        </p:grpSp>
-        <p:grpSp>
-          <p:nvGrpSpPr>
-            <p:cNvPr id="27" name="Group 26">
-              <a:extLst>
-                <a:ext uri="{FF2B5EF4-FFF2-40B4-BE49-F238E27FC236}">
-                  <a16:creationId xmlns:a16="http://schemas.microsoft.com/office/drawing/2014/main" id="{B40C5B48-CED0-43DB-9FB4-219805F0DDA4}"/>
-                </a:ext>
-              </a:extLst>
-            </p:cNvPr>
-            <p:cNvGrpSpPr/>
-            <p:nvPr/>
-          </p:nvGrpSpPr>
-          <p:grpSpPr>
-            <a:xfrm>
-              <a:off x="627229" y="771331"/>
-              <a:ext cx="1845350" cy="1897643"/>
-              <a:chOff x="6234160" y="771331"/>
-              <a:chExt cx="1845350" cy="1897643"/>
-            </a:xfrm>
-          </p:grpSpPr>
-          <p:sp>
-            <p:nvSpPr>
-              <p:cNvPr id="28" name="Oval 27">
-                <a:extLst>
-                  <a:ext uri="{FF2B5EF4-FFF2-40B4-BE49-F238E27FC236}">
-                    <a16:creationId xmlns:a16="http://schemas.microsoft.com/office/drawing/2014/main" id="{020281FB-ACCA-4677-92AC-9F440FF9C64B}"/>
-                  </a:ext>
-                </a:extLst>
-              </p:cNvPr>
-              <p:cNvSpPr/>
-              <p:nvPr/>
-            </p:nvSpPr>
-            <p:spPr>
-              <a:xfrm>
-                <a:off x="6234160" y="823624"/>
-                <a:ext cx="1845350" cy="1845350"/>
-              </a:xfrm>
-              <a:prstGeom prst="ellipse">
-                <a:avLst/>
-              </a:prstGeom>
-              <a:solidFill>
-                <a:schemeClr val="accent5">
-                  <a:lumMod val="50000"/>
-                </a:schemeClr>
-              </a:solidFill>
-            </p:spPr>
-            <p:style>
-              <a:lnRef idx="2">
-                <a:schemeClr val="accent1">
-                  <a:shade val="50000"/>
-                </a:schemeClr>
-              </a:lnRef>
-              <a:fillRef idx="1">
-                <a:schemeClr val="accent1"/>
-              </a:fillRef>
-              <a:effectRef idx="0">
-                <a:schemeClr val="accent1"/>
-              </a:effectRef>
-              <a:fontRef idx="minor">
-                <a:schemeClr val="lt1"/>
-              </a:fontRef>
-            </p:style>
-            <p:txBody>
-              <a:bodyPr lIns="0" tIns="0" rtlCol="0" anchor="t"/>
-              <a:lstStyle/>
-              <a:p>
-                <a:endParaRPr lang="en-GB" sz="4400" b="1" dirty="0"/>
-              </a:p>
-            </p:txBody>
-          </p:sp>
-          <p:sp>
-            <p:nvSpPr>
-              <p:cNvPr id="29" name="TextBox 28">
-                <a:extLst>
-                  <a:ext uri="{FF2B5EF4-FFF2-40B4-BE49-F238E27FC236}">
-                    <a16:creationId xmlns:a16="http://schemas.microsoft.com/office/drawing/2014/main" id="{73DAD7B5-3EF1-4B88-95CB-CCEAEDF5A1D1}"/>
-                  </a:ext>
-                </a:extLst>
-              </p:cNvPr>
-              <p:cNvSpPr txBox="1"/>
-              <p:nvPr/>
-            </p:nvSpPr>
-            <p:spPr>
-              <a:xfrm>
-                <a:off x="6919080" y="771331"/>
-                <a:ext cx="475510" cy="646331"/>
-              </a:xfrm>
-              <a:prstGeom prst="rect">
-                <a:avLst/>
-              </a:prstGeom>
-              <a:noFill/>
-            </p:spPr>
-            <p:txBody>
-              <a:bodyPr wrap="square" rtlCol="0">
-                <a:spAutoFit/>
-              </a:bodyPr>
-              <a:lstStyle/>
-              <a:p>
-                <a:pPr algn="ctr"/>
-                <a:r>
-                  <a:rPr lang="en-GB" sz="3600" b="1" dirty="0">
-                    <a:solidFill>
-                      <a:schemeClr val="bg2"/>
-                    </a:solidFill>
-                  </a:rPr>
-                  <a:t>1</a:t>
-                </a:r>
-              </a:p>
-            </p:txBody>
-          </p:sp>
-        </p:grpSp>
-        <p:grpSp>
-          <p:nvGrpSpPr>
-            <p:cNvPr id="33" name="Group 32">
-              <a:extLst>
-                <a:ext uri="{FF2B5EF4-FFF2-40B4-BE49-F238E27FC236}">
-                  <a16:creationId xmlns:a16="http://schemas.microsoft.com/office/drawing/2014/main" id="{1F5607C2-86B4-4CCF-8690-E32D8D2D2FEC}"/>
-                </a:ext>
-              </a:extLst>
-            </p:cNvPr>
-            <p:cNvGrpSpPr/>
-            <p:nvPr/>
-          </p:nvGrpSpPr>
-          <p:grpSpPr>
-            <a:xfrm>
-              <a:off x="9223544" y="771331"/>
-              <a:ext cx="1845350" cy="1897643"/>
-              <a:chOff x="9223544" y="771331"/>
-              <a:chExt cx="1845350" cy="1897643"/>
-            </a:xfrm>
-          </p:grpSpPr>
-          <p:grpSp>
-            <p:nvGrpSpPr>
-              <p:cNvPr id="21" name="Group 20">
-                <a:extLst>
-                  <a:ext uri="{FF2B5EF4-FFF2-40B4-BE49-F238E27FC236}">
-                    <a16:creationId xmlns:a16="http://schemas.microsoft.com/office/drawing/2014/main" id="{7B64E8D8-6386-4163-A432-2BD1A679EEDB}"/>
-                  </a:ext>
-                </a:extLst>
-              </p:cNvPr>
-              <p:cNvGrpSpPr/>
-              <p:nvPr/>
-            </p:nvGrpSpPr>
-            <p:grpSpPr>
-              <a:xfrm>
-                <a:off x="9223544" y="771331"/>
-                <a:ext cx="1845350" cy="1897643"/>
-                <a:chOff x="6234160" y="771331"/>
-                <a:chExt cx="1845350" cy="1897643"/>
-              </a:xfrm>
-            </p:grpSpPr>
-            <p:sp>
-              <p:nvSpPr>
-                <p:cNvPr id="22" name="Oval 21">
-                  <a:extLst>
-                    <a:ext uri="{FF2B5EF4-FFF2-40B4-BE49-F238E27FC236}">
-                      <a16:creationId xmlns:a16="http://schemas.microsoft.com/office/drawing/2014/main" id="{D7D18F47-4091-4EE8-8D45-00C4707BE8EB}"/>
-                    </a:ext>
-                  </a:extLst>
-                </p:cNvPr>
-                <p:cNvSpPr/>
-                <p:nvPr/>
-              </p:nvSpPr>
-              <p:spPr>
-                <a:xfrm>
-                  <a:off x="6234160" y="823624"/>
-                  <a:ext cx="1845350" cy="1845350"/>
-                </a:xfrm>
-                <a:prstGeom prst="ellipse">
-                  <a:avLst/>
-                </a:prstGeom>
-                <a:solidFill>
-                  <a:schemeClr val="accent5">
-                    <a:lumMod val="50000"/>
-                  </a:schemeClr>
-                </a:solidFill>
-              </p:spPr>
-              <p:style>
-                <a:lnRef idx="2">
-                  <a:schemeClr val="accent1">
-                    <a:shade val="50000"/>
-                  </a:schemeClr>
-                </a:lnRef>
-                <a:fillRef idx="1">
-                  <a:schemeClr val="accent1"/>
-                </a:fillRef>
-                <a:effectRef idx="0">
-                  <a:schemeClr val="accent1"/>
-                </a:effectRef>
-                <a:fontRef idx="minor">
-                  <a:schemeClr val="lt1"/>
-                </a:fontRef>
-              </p:style>
-              <p:txBody>
-                <a:bodyPr lIns="0" tIns="0" rtlCol="0" anchor="t"/>
-                <a:lstStyle/>
-                <a:p>
-                  <a:endParaRPr lang="en-GB" sz="4400" b="1" dirty="0"/>
-                </a:p>
-              </p:txBody>
-            </p:sp>
-            <p:sp>
-              <p:nvSpPr>
-                <p:cNvPr id="23" name="TextBox 22">
-                  <a:extLst>
-                    <a:ext uri="{FF2B5EF4-FFF2-40B4-BE49-F238E27FC236}">
-                      <a16:creationId xmlns:a16="http://schemas.microsoft.com/office/drawing/2014/main" id="{D9A5328F-FE5D-4B83-A1BF-F18644873BA5}"/>
-                    </a:ext>
-                  </a:extLst>
-                </p:cNvPr>
-                <p:cNvSpPr txBox="1"/>
-                <p:nvPr/>
-              </p:nvSpPr>
-              <p:spPr>
-                <a:xfrm>
-                  <a:off x="6919080" y="771331"/>
-                  <a:ext cx="475510" cy="646331"/>
-                </a:xfrm>
-                <a:prstGeom prst="rect">
-                  <a:avLst/>
-                </a:prstGeom>
-                <a:noFill/>
-              </p:spPr>
-              <p:txBody>
-                <a:bodyPr wrap="square" rtlCol="0">
-                  <a:spAutoFit/>
-                </a:bodyPr>
-                <a:lstStyle/>
-                <a:p>
-                  <a:pPr algn="ctr"/>
-                  <a:r>
-                    <a:rPr lang="en-GB" sz="3600" b="1" dirty="0">
-                      <a:solidFill>
-                        <a:schemeClr val="bg2"/>
-                      </a:solidFill>
-                    </a:rPr>
-                    <a:t>4</a:t>
-                  </a:r>
-                </a:p>
-              </p:txBody>
-            </p:sp>
-          </p:grpSp>
-          <p:pic>
-            <p:nvPicPr>
-              <p:cNvPr id="32" name="Picture 31">
-                <a:extLst>
-                  <a:ext uri="{FF2B5EF4-FFF2-40B4-BE49-F238E27FC236}">
-                    <a16:creationId xmlns:a16="http://schemas.microsoft.com/office/drawing/2014/main" id="{2B17E324-03A9-4060-A0CD-92F0BFF601AB}"/>
-                  </a:ext>
-                </a:extLst>
-              </p:cNvPr>
-              <p:cNvPicPr>
-                <a:picLocks noChangeAspect="1"/>
-              </p:cNvPicPr>
-              <p:nvPr/>
-            </p:nvPicPr>
-            <p:blipFill>
-              <a:blip r:embed="rId4">
-                <a:lum bright="70000" contrast="-70000"/>
-                <a:extLst>
-                  <a:ext uri="{28A0092B-C50C-407E-A947-70E740481C1C}">
-                    <a14:useLocalDpi xmlns:a14="http://schemas.microsoft.com/office/drawing/2010/main" val="0"/>
-                  </a:ext>
-                </a:extLst>
-              </a:blip>
-              <a:stretch>
-                <a:fillRect/>
-              </a:stretch>
-            </p:blipFill>
-            <p:spPr>
-              <a:xfrm>
-                <a:off x="9741701" y="1421387"/>
-                <a:ext cx="1140655" cy="1140655"/>
-              </a:xfrm>
-              <a:prstGeom prst="rect">
-                <a:avLst/>
-              </a:prstGeom>
-            </p:spPr>
-          </p:pic>
-        </p:grpSp>
-        <p:pic>
-          <p:nvPicPr>
-            <p:cNvPr id="4" name="Picture 3">
-              <a:extLst>
-                <a:ext uri="{FF2B5EF4-FFF2-40B4-BE49-F238E27FC236}">
-                  <a16:creationId xmlns:a16="http://schemas.microsoft.com/office/drawing/2014/main" id="{7EB271BA-973D-439E-A8B2-73B6C085F383}"/>
-                </a:ext>
-              </a:extLst>
-            </p:cNvPr>
-            <p:cNvPicPr>
-              <a:picLocks noChangeAspect="1"/>
-            </p:cNvPicPr>
-            <p:nvPr/>
-          </p:nvPicPr>
-          <p:blipFill>
-            <a:blip r:embed="rId5">
-              <a:lum bright="70000" contrast="-70000"/>
-              <a:extLst>
-                <a:ext uri="{28A0092B-C50C-407E-A947-70E740481C1C}">
-                  <a14:useLocalDpi xmlns:a14="http://schemas.microsoft.com/office/drawing/2010/main" val="0"/>
-                </a:ext>
-              </a:extLst>
-            </a:blip>
-            <a:stretch>
-              <a:fillRect/>
-            </a:stretch>
-          </p:blipFill>
-          <p:spPr>
-            <a:xfrm>
-              <a:off x="1047570" y="1417662"/>
-              <a:ext cx="1053206" cy="1053206"/>
-            </a:xfrm>
-            <a:prstGeom prst="rect">
-              <a:avLst/>
-            </a:prstGeom>
-          </p:spPr>
-        </p:pic>
-        <p:sp>
-          <p:nvSpPr>
-            <p:cNvPr id="31" name="TextBox 30">
-              <a:extLst>
-                <a:ext uri="{FF2B5EF4-FFF2-40B4-BE49-F238E27FC236}">
-                  <a16:creationId xmlns:a16="http://schemas.microsoft.com/office/drawing/2014/main" id="{7EA74D73-3793-404D-AC5A-9889034704A6}"/>
-                </a:ext>
-              </a:extLst>
-            </p:cNvPr>
-            <p:cNvSpPr txBox="1"/>
-            <p:nvPr/>
-          </p:nvSpPr>
-          <p:spPr>
-            <a:xfrm>
-              <a:off x="3492668" y="3064906"/>
-              <a:ext cx="2770110" cy="523220"/>
-            </a:xfrm>
-            <a:prstGeom prst="rect">
-              <a:avLst/>
-            </a:prstGeom>
-            <a:noFill/>
-          </p:spPr>
-          <p:txBody>
-            <a:bodyPr wrap="square" rtlCol="0">
-              <a:spAutoFit/>
-            </a:bodyPr>
-            <a:lstStyle/>
-            <a:p>
-              <a:r>
-                <a:rPr lang="en-GB" sz="2800" b="1" dirty="0">
-                  <a:solidFill>
-                    <a:schemeClr val="accent5">
-                      <a:lumMod val="50000"/>
-                    </a:schemeClr>
-                  </a:solidFill>
-                  <a:latin typeface="Bahnschrift SemiBold" panose="020B0502040204020203" pitchFamily="34" charset="0"/>
-                </a:rPr>
-                <a:t>GET request</a:t>
-              </a:r>
-            </a:p>
-          </p:txBody>
-        </p:sp>
-        <p:sp>
-          <p:nvSpPr>
-            <p:cNvPr id="34" name="TextBox 33">
-              <a:extLst>
-                <a:ext uri="{FF2B5EF4-FFF2-40B4-BE49-F238E27FC236}">
-                  <a16:creationId xmlns:a16="http://schemas.microsoft.com/office/drawing/2014/main" id="{1EFC3218-AD91-475D-82A5-9C63CE2D7B59}"/>
-                </a:ext>
-              </a:extLst>
-            </p:cNvPr>
-            <p:cNvSpPr txBox="1"/>
-            <p:nvPr/>
-          </p:nvSpPr>
-          <p:spPr>
-            <a:xfrm>
-              <a:off x="6359251" y="3064905"/>
-              <a:ext cx="2864293" cy="830997"/>
-            </a:xfrm>
-            <a:prstGeom prst="rect">
-              <a:avLst/>
-            </a:prstGeom>
-            <a:noFill/>
-          </p:spPr>
-          <p:txBody>
-            <a:bodyPr wrap="square" rtlCol="0">
-              <a:spAutoFit/>
-            </a:bodyPr>
-            <a:lstStyle/>
-            <a:p>
-              <a:r>
-                <a:rPr lang="en-GB" sz="2800" b="1" dirty="0">
-                  <a:solidFill>
-                    <a:schemeClr val="accent5">
-                      <a:lumMod val="50000"/>
-                    </a:schemeClr>
-                  </a:solidFill>
-                  <a:latin typeface="Bahnschrift SemiBold" panose="020B0502040204020203" pitchFamily="34" charset="0"/>
-                </a:rPr>
-                <a:t>Extract</a:t>
-              </a:r>
-            </a:p>
-            <a:p>
-              <a:r>
-                <a:rPr lang="en-GB" sz="2000" b="1" dirty="0">
-                  <a:solidFill>
-                    <a:schemeClr val="tx1">
-                      <a:lumMod val="50000"/>
-                      <a:lumOff val="50000"/>
-                    </a:schemeClr>
-                  </a:solidFill>
-                  <a:latin typeface="Bahnschrift SemiBold" panose="020B0502040204020203" pitchFamily="34" charset="0"/>
-                </a:rPr>
-                <a:t>and parse content</a:t>
-              </a:r>
-            </a:p>
-          </p:txBody>
-        </p:sp>
-        <p:sp>
-          <p:nvSpPr>
-            <p:cNvPr id="36" name="TextBox 35">
-              <a:extLst>
-                <a:ext uri="{FF2B5EF4-FFF2-40B4-BE49-F238E27FC236}">
-                  <a16:creationId xmlns:a16="http://schemas.microsoft.com/office/drawing/2014/main" id="{F6A48D41-0F9B-4088-A05D-18871D6CB335}"/>
-                </a:ext>
-              </a:extLst>
-            </p:cNvPr>
-            <p:cNvSpPr txBox="1"/>
-            <p:nvPr/>
-          </p:nvSpPr>
-          <p:spPr>
-            <a:xfrm>
-              <a:off x="9223545" y="3064905"/>
-              <a:ext cx="2491128" cy="830997"/>
-            </a:xfrm>
-            <a:prstGeom prst="rect">
-              <a:avLst/>
-            </a:prstGeom>
-            <a:noFill/>
-          </p:spPr>
-          <p:txBody>
-            <a:bodyPr wrap="square" rtlCol="0">
-              <a:spAutoFit/>
-            </a:bodyPr>
-            <a:lstStyle/>
-            <a:p>
-              <a:r>
-                <a:rPr lang="en-GB" sz="2800" b="1" dirty="0">
-                  <a:solidFill>
-                    <a:schemeClr val="accent5">
-                      <a:lumMod val="50000"/>
-                    </a:schemeClr>
-                  </a:solidFill>
-                  <a:latin typeface="Bahnschrift SemiBold" panose="020B0502040204020203" pitchFamily="34" charset="0"/>
-                </a:rPr>
-                <a:t>Select</a:t>
-              </a:r>
-            </a:p>
-            <a:p>
-              <a:r>
-                <a:rPr lang="en-GB" sz="2000" b="1" dirty="0">
-                  <a:solidFill>
-                    <a:schemeClr val="tx1">
-                      <a:lumMod val="50000"/>
-                      <a:lumOff val="50000"/>
-                    </a:schemeClr>
-                  </a:solidFill>
-                  <a:latin typeface="Bahnschrift SemiBold" panose="020B0502040204020203" pitchFamily="34" charset="0"/>
-                </a:rPr>
-                <a:t>the info you need</a:t>
-              </a:r>
-            </a:p>
-          </p:txBody>
-        </p:sp>
-      </p:grpSp>
-      <p:sp>
-        <p:nvSpPr>
-          <p:cNvPr id="45" name="Title 1">
-            <a:extLst>
-              <a:ext uri="{FF2B5EF4-FFF2-40B4-BE49-F238E27FC236}">
-                <a16:creationId xmlns:a16="http://schemas.microsoft.com/office/drawing/2014/main" id="{EFD12D2A-E76E-4DBD-B683-1CD85BA6E911}"/>
-              </a:ext>
-            </a:extLst>
-          </p:cNvPr>
-          <p:cNvSpPr txBox="1">
-            <a:spLocks/>
-          </p:cNvSpPr>
-          <p:nvPr/>
-        </p:nvSpPr>
-        <p:spPr>
-          <a:xfrm>
-            <a:off x="553294" y="46041"/>
-            <a:ext cx="10515600" cy="989222"/>
-          </a:xfrm>
-          <a:prstGeom prst="rect">
-            <a:avLst/>
-          </a:prstGeom>
-        </p:spPr>
-        <p:txBody>
-          <a:bodyPr vert="horz" lIns="91440" tIns="45720" rIns="91440" bIns="45720" rtlCol="0" anchor="b">
-            <a:normAutofit/>
-          </a:bodyPr>
-          <a:lstStyle>
-            <a:lvl1pPr algn="ctr" defTabSz="914400" rtl="0" eaLnBrk="1" latinLnBrk="0" hangingPunct="1">
-              <a:lnSpc>
-                <a:spcPct val="90000"/>
-              </a:lnSpc>
-              <a:spcBef>
-                <a:spcPct val="0"/>
-              </a:spcBef>
-              <a:buNone/>
-              <a:defRPr sz="6000" kern="1200">
-                <a:solidFill>
-                  <a:schemeClr val="tx1"/>
-                </a:solidFill>
-                <a:latin typeface="+mj-lt"/>
-                <a:ea typeface="+mj-ea"/>
-                <a:cs typeface="+mj-cs"/>
-              </a:defRPr>
-            </a:lvl1pPr>
-          </a:lstStyle>
-          <a:p>
-            <a:pPr algn="l"/>
-            <a:r>
-              <a:rPr lang="en-GB" sz="4800" dirty="0">
-                <a:solidFill>
-                  <a:schemeClr val="accent5">
-                    <a:lumMod val="75000"/>
-                  </a:schemeClr>
-                </a:solidFill>
-                <a:latin typeface="Bahnschrift Light" panose="020B0502040204020203" pitchFamily="34" charset="0"/>
-              </a:rPr>
-              <a:t>API workflow</a:t>
-            </a:r>
-          </a:p>
-        </p:txBody>
-      </p:sp>
-      <p:sp>
-        <p:nvSpPr>
-          <p:cNvPr id="39" name="TextBox 38">
-            <a:extLst>
-              <a:ext uri="{FF2B5EF4-FFF2-40B4-BE49-F238E27FC236}">
-                <a16:creationId xmlns:a16="http://schemas.microsoft.com/office/drawing/2014/main" id="{E9467F20-F874-42E4-8FCD-9077057EB157}"/>
-              </a:ext>
-            </a:extLst>
-          </p:cNvPr>
-          <p:cNvSpPr txBox="1"/>
-          <p:nvPr/>
-        </p:nvSpPr>
-        <p:spPr>
-          <a:xfrm>
-            <a:off x="9223545" y="5364280"/>
-            <a:ext cx="3296373" cy="830997"/>
-          </a:xfrm>
-          <a:prstGeom prst="rect">
-            <a:avLst/>
-          </a:prstGeom>
-          <a:noFill/>
-        </p:spPr>
-        <p:txBody>
-          <a:bodyPr wrap="square" rtlCol="0">
-            <a:spAutoFit/>
-          </a:bodyPr>
-          <a:lstStyle/>
-          <a:p>
-            <a:r>
-              <a:rPr lang="en-GB" sz="1600" dirty="0">
-                <a:solidFill>
-                  <a:schemeClr val="accent2">
-                    <a:lumMod val="75000"/>
-                  </a:schemeClr>
-                </a:solidFill>
-                <a:latin typeface="Lucida Console" panose="020B0609040504020204" pitchFamily="49" charset="0"/>
-              </a:rPr>
-              <a:t>list functions:</a:t>
-            </a:r>
-          </a:p>
-          <a:p>
-            <a:pPr marL="285750" indent="-285750">
-              <a:buFontTx/>
-              <a:buChar char="-"/>
-            </a:pPr>
-            <a:r>
-              <a:rPr lang="en-GB" sz="1600" dirty="0" err="1">
-                <a:solidFill>
-                  <a:schemeClr val="accent2">
-                    <a:lumMod val="75000"/>
-                  </a:schemeClr>
-                </a:solidFill>
-                <a:latin typeface="Lucida Console" panose="020B0609040504020204" pitchFamily="49" charset="0"/>
-              </a:rPr>
-              <a:t>purrr</a:t>
-            </a:r>
-            <a:r>
-              <a:rPr lang="en-GB" sz="1600" dirty="0">
-                <a:solidFill>
-                  <a:schemeClr val="accent2">
-                    <a:lumMod val="75000"/>
-                  </a:schemeClr>
-                </a:solidFill>
-                <a:latin typeface="Lucida Console" panose="020B0609040504020204" pitchFamily="49" charset="0"/>
-              </a:rPr>
-              <a:t> package</a:t>
-            </a:r>
-          </a:p>
-          <a:p>
-            <a:pPr marL="285750" indent="-285750">
-              <a:buFontTx/>
-              <a:buChar char="-"/>
-            </a:pPr>
-            <a:r>
-              <a:rPr lang="en-GB" sz="1600" dirty="0" err="1">
-                <a:solidFill>
-                  <a:schemeClr val="accent2">
-                    <a:lumMod val="75000"/>
-                  </a:schemeClr>
-                </a:solidFill>
-                <a:latin typeface="Lucida Console" panose="020B0609040504020204" pitchFamily="49" charset="0"/>
-              </a:rPr>
-              <a:t>rlist</a:t>
-            </a:r>
-            <a:endParaRPr lang="en-GB" sz="1600" dirty="0">
-              <a:solidFill>
-                <a:schemeClr val="accent2">
-                  <a:lumMod val="75000"/>
-                </a:schemeClr>
-              </a:solidFill>
-              <a:latin typeface="Lucida Console" panose="020B0609040504020204" pitchFamily="49" charset="0"/>
-            </a:endParaRPr>
-          </a:p>
-        </p:txBody>
-      </p:sp>
-    </p:spTree>
-    <p:extLst>
-      <p:ext uri="{BB962C8B-B14F-4D97-AF65-F5344CB8AC3E}">
-        <p14:creationId xmlns:p14="http://schemas.microsoft.com/office/powerpoint/2010/main" val="1468165656"/>
       </p:ext>
     </p:extLst>
   </p:cSld>
@@ -5485,6 +5394,998 @@
           </a:p>
         </p:txBody>
       </p:sp>
+    </p:spTree>
+    <p:extLst>
+      <p:ext uri="{BB962C8B-B14F-4D97-AF65-F5344CB8AC3E}">
+        <p14:creationId xmlns:p14="http://schemas.microsoft.com/office/powerpoint/2010/main" val="1468165656"/>
+      </p:ext>
+    </p:extLst>
+  </p:cSld>
+  <p:clrMapOvr>
+    <a:masterClrMapping/>
+  </p:clrMapOvr>
+</p:sld>
+</file>
+
+<file path=ppt/slides/slide4.xml><?xml version="1.0" encoding="utf-8"?>
+<p:sld xmlns:a="http://schemas.openxmlformats.org/drawingml/2006/main" xmlns:r="http://schemas.openxmlformats.org/officeDocument/2006/relationships" xmlns:p="http://schemas.openxmlformats.org/presentationml/2006/main">
+  <p:cSld>
+    <p:spTree>
+      <p:nvGrpSpPr>
+        <p:cNvPr id="1" name=""/>
+        <p:cNvGrpSpPr/>
+        <p:nvPr/>
+      </p:nvGrpSpPr>
+      <p:grpSpPr>
+        <a:xfrm>
+          <a:off x="0" y="0"/>
+          <a:ext cx="0" cy="0"/>
+          <a:chOff x="0" y="0"/>
+          <a:chExt cx="0" cy="0"/>
+        </a:xfrm>
+      </p:grpSpPr>
+      <p:grpSp>
+        <p:nvGrpSpPr>
+          <p:cNvPr id="3" name="Group 2">
+            <a:extLst>
+              <a:ext uri="{FF2B5EF4-FFF2-40B4-BE49-F238E27FC236}">
+                <a16:creationId xmlns:a16="http://schemas.microsoft.com/office/drawing/2014/main" id="{319E8B6A-88B5-49D9-B18D-3B383608CA48}"/>
+              </a:ext>
+            </a:extLst>
+          </p:cNvPr>
+          <p:cNvGrpSpPr/>
+          <p:nvPr/>
+        </p:nvGrpSpPr>
+        <p:grpSpPr>
+          <a:xfrm>
+            <a:off x="626084" y="1452827"/>
+            <a:ext cx="11088589" cy="3432348"/>
+            <a:chOff x="626084" y="771331"/>
+            <a:chExt cx="11088589" cy="3432348"/>
+          </a:xfrm>
+        </p:grpSpPr>
+        <p:grpSp>
+          <p:nvGrpSpPr>
+            <p:cNvPr id="40" name="Group 39">
+              <a:extLst>
+                <a:ext uri="{FF2B5EF4-FFF2-40B4-BE49-F238E27FC236}">
+                  <a16:creationId xmlns:a16="http://schemas.microsoft.com/office/drawing/2014/main" id="{6652D4A2-0118-4B0B-BBAE-A67D754C27F5}"/>
+                </a:ext>
+              </a:extLst>
+            </p:cNvPr>
+            <p:cNvGrpSpPr/>
+            <p:nvPr/>
+          </p:nvGrpSpPr>
+          <p:grpSpPr>
+            <a:xfrm>
+              <a:off x="3492666" y="771331"/>
+              <a:ext cx="1845350" cy="1897643"/>
+              <a:chOff x="3492667" y="771331"/>
+              <a:chExt cx="1845350" cy="1897643"/>
+            </a:xfrm>
+          </p:grpSpPr>
+          <p:grpSp>
+            <p:nvGrpSpPr>
+              <p:cNvPr id="41" name="Group 40">
+                <a:extLst>
+                  <a:ext uri="{FF2B5EF4-FFF2-40B4-BE49-F238E27FC236}">
+                    <a16:creationId xmlns:a16="http://schemas.microsoft.com/office/drawing/2014/main" id="{45FA5B66-C3C8-4AE1-BE1C-356869426101}"/>
+                  </a:ext>
+                </a:extLst>
+              </p:cNvPr>
+              <p:cNvGrpSpPr/>
+              <p:nvPr/>
+            </p:nvGrpSpPr>
+            <p:grpSpPr>
+              <a:xfrm>
+                <a:off x="3492667" y="771331"/>
+                <a:ext cx="1845350" cy="1897643"/>
+                <a:chOff x="6234160" y="771331"/>
+                <a:chExt cx="1845350" cy="1897643"/>
+              </a:xfrm>
+            </p:grpSpPr>
+            <p:sp>
+              <p:nvSpPr>
+                <p:cNvPr id="43" name="Oval 42">
+                  <a:extLst>
+                    <a:ext uri="{FF2B5EF4-FFF2-40B4-BE49-F238E27FC236}">
+                      <a16:creationId xmlns:a16="http://schemas.microsoft.com/office/drawing/2014/main" id="{82B6B0F0-3ADC-46CF-BDF1-63125E0F60CC}"/>
+                    </a:ext>
+                  </a:extLst>
+                </p:cNvPr>
+                <p:cNvSpPr/>
+                <p:nvPr/>
+              </p:nvSpPr>
+              <p:spPr>
+                <a:xfrm>
+                  <a:off x="6234160" y="823624"/>
+                  <a:ext cx="1845350" cy="1845350"/>
+                </a:xfrm>
+                <a:prstGeom prst="ellipse">
+                  <a:avLst/>
+                </a:prstGeom>
+                <a:solidFill>
+                  <a:schemeClr val="accent5">
+                    <a:lumMod val="50000"/>
+                  </a:schemeClr>
+                </a:solidFill>
+              </p:spPr>
+              <p:style>
+                <a:lnRef idx="2">
+                  <a:schemeClr val="accent1">
+                    <a:shade val="50000"/>
+                  </a:schemeClr>
+                </a:lnRef>
+                <a:fillRef idx="1">
+                  <a:schemeClr val="accent1"/>
+                </a:fillRef>
+                <a:effectRef idx="0">
+                  <a:schemeClr val="accent1"/>
+                </a:effectRef>
+                <a:fontRef idx="minor">
+                  <a:schemeClr val="lt1"/>
+                </a:fontRef>
+              </p:style>
+              <p:txBody>
+                <a:bodyPr lIns="0" tIns="0" rtlCol="0" anchor="t"/>
+                <a:lstStyle/>
+                <a:p>
+                  <a:endParaRPr lang="en-GB" sz="4400" b="1" dirty="0"/>
+                </a:p>
+              </p:txBody>
+            </p:sp>
+            <p:sp>
+              <p:nvSpPr>
+                <p:cNvPr id="44" name="TextBox 43">
+                  <a:extLst>
+                    <a:ext uri="{FF2B5EF4-FFF2-40B4-BE49-F238E27FC236}">
+                      <a16:creationId xmlns:a16="http://schemas.microsoft.com/office/drawing/2014/main" id="{13B0C8C4-5205-4731-A14E-43B31BD8F99B}"/>
+                    </a:ext>
+                  </a:extLst>
+                </p:cNvPr>
+                <p:cNvSpPr txBox="1"/>
+                <p:nvPr/>
+              </p:nvSpPr>
+              <p:spPr>
+                <a:xfrm>
+                  <a:off x="6919080" y="771331"/>
+                  <a:ext cx="475510" cy="646331"/>
+                </a:xfrm>
+                <a:prstGeom prst="rect">
+                  <a:avLst/>
+                </a:prstGeom>
+                <a:noFill/>
+              </p:spPr>
+              <p:txBody>
+                <a:bodyPr wrap="square" rtlCol="0">
+                  <a:spAutoFit/>
+                </a:bodyPr>
+                <a:lstStyle/>
+                <a:p>
+                  <a:pPr algn="ctr"/>
+                  <a:r>
+                    <a:rPr lang="en-GB" sz="3600" b="1" dirty="0">
+                      <a:solidFill>
+                        <a:schemeClr val="bg2"/>
+                      </a:solidFill>
+                    </a:rPr>
+                    <a:t>2</a:t>
+                  </a:r>
+                </a:p>
+              </p:txBody>
+            </p:sp>
+          </p:grpSp>
+          <p:pic>
+            <p:nvPicPr>
+              <p:cNvPr id="42" name="Picture 41">
+                <a:extLst>
+                  <a:ext uri="{FF2B5EF4-FFF2-40B4-BE49-F238E27FC236}">
+                    <a16:creationId xmlns:a16="http://schemas.microsoft.com/office/drawing/2014/main" id="{1D0086F7-E779-4940-99FB-190966BC63E8}"/>
+                  </a:ext>
+                </a:extLst>
+              </p:cNvPr>
+              <p:cNvPicPr>
+                <a:picLocks noChangeAspect="1"/>
+              </p:cNvPicPr>
+              <p:nvPr/>
+            </p:nvPicPr>
+            <p:blipFill>
+              <a:blip r:embed="rId2">
+                <a:lum bright="70000" contrast="-70000"/>
+                <a:extLst>
+                  <a:ext uri="{28A0092B-C50C-407E-A947-70E740481C1C}">
+                    <a14:useLocalDpi xmlns:a14="http://schemas.microsoft.com/office/drawing/2010/main" val="0"/>
+                  </a:ext>
+                </a:extLst>
+              </a:blip>
+              <a:stretch>
+                <a:fillRect/>
+              </a:stretch>
+            </p:blipFill>
+            <p:spPr>
+              <a:xfrm>
+                <a:off x="3935411" y="1450418"/>
+                <a:ext cx="959861" cy="959861"/>
+              </a:xfrm>
+              <a:prstGeom prst="rect">
+                <a:avLst/>
+              </a:prstGeom>
+            </p:spPr>
+          </p:pic>
+        </p:grpSp>
+        <p:sp>
+          <p:nvSpPr>
+            <p:cNvPr id="2" name="TextBox 1">
+              <a:extLst>
+                <a:ext uri="{FF2B5EF4-FFF2-40B4-BE49-F238E27FC236}">
+                  <a16:creationId xmlns:a16="http://schemas.microsoft.com/office/drawing/2014/main" id="{68AFE84C-BED5-41A0-89EC-C78D3A049FFC}"/>
+                </a:ext>
+              </a:extLst>
+            </p:cNvPr>
+            <p:cNvSpPr txBox="1"/>
+            <p:nvPr/>
+          </p:nvSpPr>
+          <p:spPr>
+            <a:xfrm>
+              <a:off x="626084" y="3064906"/>
+              <a:ext cx="2864294" cy="1138773"/>
+            </a:xfrm>
+            <a:prstGeom prst="rect">
+              <a:avLst/>
+            </a:prstGeom>
+            <a:noFill/>
+          </p:spPr>
+          <p:txBody>
+            <a:bodyPr wrap="square" rtlCol="0">
+              <a:spAutoFit/>
+            </a:bodyPr>
+            <a:lstStyle/>
+            <a:p>
+              <a:r>
+                <a:rPr lang="en-GB" sz="2800" b="1" dirty="0">
+                  <a:solidFill>
+                    <a:schemeClr val="accent5">
+                      <a:lumMod val="50000"/>
+                    </a:schemeClr>
+                  </a:solidFill>
+                  <a:latin typeface="Bahnschrift SemiBold" panose="020B0502040204020203" pitchFamily="34" charset="0"/>
+                </a:rPr>
+                <a:t>Prepare</a:t>
+              </a:r>
+            </a:p>
+            <a:p>
+              <a:r>
+                <a:rPr lang="en-GB" sz="2000" b="1" dirty="0">
+                  <a:solidFill>
+                    <a:schemeClr val="tx1">
+                      <a:lumMod val="50000"/>
+                      <a:lumOff val="50000"/>
+                    </a:schemeClr>
+                  </a:solidFill>
+                  <a:latin typeface="Bahnschrift SemiBold" panose="020B0502040204020203" pitchFamily="34" charset="0"/>
+                </a:rPr>
+                <a:t>- URL construction</a:t>
+              </a:r>
+            </a:p>
+            <a:p>
+              <a:r>
+                <a:rPr lang="en-GB" sz="2000" b="1" dirty="0">
+                  <a:solidFill>
+                    <a:schemeClr val="tx1">
+                      <a:lumMod val="50000"/>
+                      <a:lumOff val="50000"/>
+                    </a:schemeClr>
+                  </a:solidFill>
+                  <a:latin typeface="Bahnschrift SemiBold" panose="020B0502040204020203" pitchFamily="34" charset="0"/>
+                </a:rPr>
+                <a:t>- Authentication</a:t>
+              </a:r>
+            </a:p>
+          </p:txBody>
+        </p:sp>
+        <p:grpSp>
+          <p:nvGrpSpPr>
+            <p:cNvPr id="30" name="Group 29">
+              <a:extLst>
+                <a:ext uri="{FF2B5EF4-FFF2-40B4-BE49-F238E27FC236}">
+                  <a16:creationId xmlns:a16="http://schemas.microsoft.com/office/drawing/2014/main" id="{373D3B2E-2894-494E-ABEE-CE8B86596058}"/>
+                </a:ext>
+              </a:extLst>
+            </p:cNvPr>
+            <p:cNvGrpSpPr/>
+            <p:nvPr/>
+          </p:nvGrpSpPr>
+          <p:grpSpPr>
+            <a:xfrm>
+              <a:off x="6358105" y="771331"/>
+              <a:ext cx="1845350" cy="1897643"/>
+              <a:chOff x="6358105" y="771331"/>
+              <a:chExt cx="1845350" cy="1897643"/>
+            </a:xfrm>
+          </p:grpSpPr>
+          <p:grpSp>
+            <p:nvGrpSpPr>
+              <p:cNvPr id="20" name="Group 19">
+                <a:extLst>
+                  <a:ext uri="{FF2B5EF4-FFF2-40B4-BE49-F238E27FC236}">
+                    <a16:creationId xmlns:a16="http://schemas.microsoft.com/office/drawing/2014/main" id="{354BA311-04C6-43D6-AF28-B5DD03A2FE32}"/>
+                  </a:ext>
+                </a:extLst>
+              </p:cNvPr>
+              <p:cNvGrpSpPr/>
+              <p:nvPr/>
+            </p:nvGrpSpPr>
+            <p:grpSpPr>
+              <a:xfrm>
+                <a:off x="6358105" y="771331"/>
+                <a:ext cx="1845350" cy="1897643"/>
+                <a:chOff x="6234160" y="771331"/>
+                <a:chExt cx="1845350" cy="1897643"/>
+              </a:xfrm>
+            </p:grpSpPr>
+            <p:sp>
+              <p:nvSpPr>
+                <p:cNvPr id="16" name="Oval 15">
+                  <a:extLst>
+                    <a:ext uri="{FF2B5EF4-FFF2-40B4-BE49-F238E27FC236}">
+                      <a16:creationId xmlns:a16="http://schemas.microsoft.com/office/drawing/2014/main" id="{43814879-86D5-4678-A47C-2DA89D6F35EF}"/>
+                    </a:ext>
+                  </a:extLst>
+                </p:cNvPr>
+                <p:cNvSpPr/>
+                <p:nvPr/>
+              </p:nvSpPr>
+              <p:spPr>
+                <a:xfrm>
+                  <a:off x="6234160" y="823624"/>
+                  <a:ext cx="1845350" cy="1845350"/>
+                </a:xfrm>
+                <a:prstGeom prst="ellipse">
+                  <a:avLst/>
+                </a:prstGeom>
+                <a:solidFill>
+                  <a:schemeClr val="accent5">
+                    <a:lumMod val="50000"/>
+                  </a:schemeClr>
+                </a:solidFill>
+              </p:spPr>
+              <p:style>
+                <a:lnRef idx="2">
+                  <a:schemeClr val="accent1">
+                    <a:shade val="50000"/>
+                  </a:schemeClr>
+                </a:lnRef>
+                <a:fillRef idx="1">
+                  <a:schemeClr val="accent1"/>
+                </a:fillRef>
+                <a:effectRef idx="0">
+                  <a:schemeClr val="accent1"/>
+                </a:effectRef>
+                <a:fontRef idx="minor">
+                  <a:schemeClr val="lt1"/>
+                </a:fontRef>
+              </p:style>
+              <p:txBody>
+                <a:bodyPr lIns="0" tIns="0" rtlCol="0" anchor="t"/>
+                <a:lstStyle/>
+                <a:p>
+                  <a:endParaRPr lang="en-GB" sz="4400" b="1" dirty="0"/>
+                </a:p>
+              </p:txBody>
+            </p:sp>
+            <p:sp>
+              <p:nvSpPr>
+                <p:cNvPr id="19" name="TextBox 18">
+                  <a:extLst>
+                    <a:ext uri="{FF2B5EF4-FFF2-40B4-BE49-F238E27FC236}">
+                      <a16:creationId xmlns:a16="http://schemas.microsoft.com/office/drawing/2014/main" id="{3BBB027C-677B-4C11-8E8E-1BDC6FED0456}"/>
+                    </a:ext>
+                  </a:extLst>
+                </p:cNvPr>
+                <p:cNvSpPr txBox="1"/>
+                <p:nvPr/>
+              </p:nvSpPr>
+              <p:spPr>
+                <a:xfrm>
+                  <a:off x="6919080" y="771331"/>
+                  <a:ext cx="475510" cy="646331"/>
+                </a:xfrm>
+                <a:prstGeom prst="rect">
+                  <a:avLst/>
+                </a:prstGeom>
+                <a:noFill/>
+              </p:spPr>
+              <p:txBody>
+                <a:bodyPr wrap="square" rtlCol="0">
+                  <a:spAutoFit/>
+                </a:bodyPr>
+                <a:lstStyle/>
+                <a:p>
+                  <a:pPr algn="ctr"/>
+                  <a:r>
+                    <a:rPr lang="en-GB" sz="3600" b="1" dirty="0">
+                      <a:solidFill>
+                        <a:schemeClr val="bg2"/>
+                      </a:solidFill>
+                    </a:rPr>
+                    <a:t>3</a:t>
+                  </a:r>
+                </a:p>
+              </p:txBody>
+            </p:sp>
+          </p:grpSp>
+          <p:pic>
+            <p:nvPicPr>
+              <p:cNvPr id="14" name="Picture 13">
+                <a:extLst>
+                  <a:ext uri="{FF2B5EF4-FFF2-40B4-BE49-F238E27FC236}">
+                    <a16:creationId xmlns:a16="http://schemas.microsoft.com/office/drawing/2014/main" id="{3BC8B2E2-8E65-4BAA-BAC8-D75671F16041}"/>
+                  </a:ext>
+                </a:extLst>
+              </p:cNvPr>
+              <p:cNvPicPr>
+                <a:picLocks noChangeAspect="1"/>
+              </p:cNvPicPr>
+              <p:nvPr/>
+            </p:nvPicPr>
+            <p:blipFill>
+              <a:blip r:embed="rId3">
+                <a:lum bright="70000" contrast="-70000"/>
+                <a:extLst>
+                  <a:ext uri="{28A0092B-C50C-407E-A947-70E740481C1C}">
+                    <a14:useLocalDpi xmlns:a14="http://schemas.microsoft.com/office/drawing/2010/main" val="0"/>
+                  </a:ext>
+                </a:extLst>
+              </a:blip>
+              <a:stretch>
+                <a:fillRect/>
+              </a:stretch>
+            </p:blipFill>
+            <p:spPr>
+              <a:xfrm>
+                <a:off x="6639459" y="1257182"/>
+                <a:ext cx="1282642" cy="1282642"/>
+              </a:xfrm>
+              <a:prstGeom prst="rect">
+                <a:avLst/>
+              </a:prstGeom>
+            </p:spPr>
+          </p:pic>
+        </p:grpSp>
+        <p:grpSp>
+          <p:nvGrpSpPr>
+            <p:cNvPr id="27" name="Group 26">
+              <a:extLst>
+                <a:ext uri="{FF2B5EF4-FFF2-40B4-BE49-F238E27FC236}">
+                  <a16:creationId xmlns:a16="http://schemas.microsoft.com/office/drawing/2014/main" id="{B40C5B48-CED0-43DB-9FB4-219805F0DDA4}"/>
+                </a:ext>
+              </a:extLst>
+            </p:cNvPr>
+            <p:cNvGrpSpPr/>
+            <p:nvPr/>
+          </p:nvGrpSpPr>
+          <p:grpSpPr>
+            <a:xfrm>
+              <a:off x="627229" y="771331"/>
+              <a:ext cx="1845350" cy="1897643"/>
+              <a:chOff x="6234160" y="771331"/>
+              <a:chExt cx="1845350" cy="1897643"/>
+            </a:xfrm>
+          </p:grpSpPr>
+          <p:sp>
+            <p:nvSpPr>
+              <p:cNvPr id="28" name="Oval 27">
+                <a:extLst>
+                  <a:ext uri="{FF2B5EF4-FFF2-40B4-BE49-F238E27FC236}">
+                    <a16:creationId xmlns:a16="http://schemas.microsoft.com/office/drawing/2014/main" id="{020281FB-ACCA-4677-92AC-9F440FF9C64B}"/>
+                  </a:ext>
+                </a:extLst>
+              </p:cNvPr>
+              <p:cNvSpPr/>
+              <p:nvPr/>
+            </p:nvSpPr>
+            <p:spPr>
+              <a:xfrm>
+                <a:off x="6234160" y="823624"/>
+                <a:ext cx="1845350" cy="1845350"/>
+              </a:xfrm>
+              <a:prstGeom prst="ellipse">
+                <a:avLst/>
+              </a:prstGeom>
+              <a:solidFill>
+                <a:schemeClr val="accent5">
+                  <a:lumMod val="50000"/>
+                </a:schemeClr>
+              </a:solidFill>
+            </p:spPr>
+            <p:style>
+              <a:lnRef idx="2">
+                <a:schemeClr val="accent1">
+                  <a:shade val="50000"/>
+                </a:schemeClr>
+              </a:lnRef>
+              <a:fillRef idx="1">
+                <a:schemeClr val="accent1"/>
+              </a:fillRef>
+              <a:effectRef idx="0">
+                <a:schemeClr val="accent1"/>
+              </a:effectRef>
+              <a:fontRef idx="minor">
+                <a:schemeClr val="lt1"/>
+              </a:fontRef>
+            </p:style>
+            <p:txBody>
+              <a:bodyPr lIns="0" tIns="0" rtlCol="0" anchor="t"/>
+              <a:lstStyle/>
+              <a:p>
+                <a:endParaRPr lang="en-GB" sz="4400" b="1" dirty="0"/>
+              </a:p>
+            </p:txBody>
+          </p:sp>
+          <p:sp>
+            <p:nvSpPr>
+              <p:cNvPr id="29" name="TextBox 28">
+                <a:extLst>
+                  <a:ext uri="{FF2B5EF4-FFF2-40B4-BE49-F238E27FC236}">
+                    <a16:creationId xmlns:a16="http://schemas.microsoft.com/office/drawing/2014/main" id="{73DAD7B5-3EF1-4B88-95CB-CCEAEDF5A1D1}"/>
+                  </a:ext>
+                </a:extLst>
+              </p:cNvPr>
+              <p:cNvSpPr txBox="1"/>
+              <p:nvPr/>
+            </p:nvSpPr>
+            <p:spPr>
+              <a:xfrm>
+                <a:off x="6919080" y="771331"/>
+                <a:ext cx="475510" cy="646331"/>
+              </a:xfrm>
+              <a:prstGeom prst="rect">
+                <a:avLst/>
+              </a:prstGeom>
+              <a:noFill/>
+            </p:spPr>
+            <p:txBody>
+              <a:bodyPr wrap="square" rtlCol="0">
+                <a:spAutoFit/>
+              </a:bodyPr>
+              <a:lstStyle/>
+              <a:p>
+                <a:pPr algn="ctr"/>
+                <a:r>
+                  <a:rPr lang="en-GB" sz="3600" b="1" dirty="0">
+                    <a:solidFill>
+                      <a:schemeClr val="bg2"/>
+                    </a:solidFill>
+                  </a:rPr>
+                  <a:t>1</a:t>
+                </a:r>
+              </a:p>
+            </p:txBody>
+          </p:sp>
+        </p:grpSp>
+        <p:grpSp>
+          <p:nvGrpSpPr>
+            <p:cNvPr id="33" name="Group 32">
+              <a:extLst>
+                <a:ext uri="{FF2B5EF4-FFF2-40B4-BE49-F238E27FC236}">
+                  <a16:creationId xmlns:a16="http://schemas.microsoft.com/office/drawing/2014/main" id="{1F5607C2-86B4-4CCF-8690-E32D8D2D2FEC}"/>
+                </a:ext>
+              </a:extLst>
+            </p:cNvPr>
+            <p:cNvGrpSpPr/>
+            <p:nvPr/>
+          </p:nvGrpSpPr>
+          <p:grpSpPr>
+            <a:xfrm>
+              <a:off x="9223544" y="771331"/>
+              <a:ext cx="1845350" cy="1897643"/>
+              <a:chOff x="9223544" y="771331"/>
+              <a:chExt cx="1845350" cy="1897643"/>
+            </a:xfrm>
+          </p:grpSpPr>
+          <p:grpSp>
+            <p:nvGrpSpPr>
+              <p:cNvPr id="21" name="Group 20">
+                <a:extLst>
+                  <a:ext uri="{FF2B5EF4-FFF2-40B4-BE49-F238E27FC236}">
+                    <a16:creationId xmlns:a16="http://schemas.microsoft.com/office/drawing/2014/main" id="{7B64E8D8-6386-4163-A432-2BD1A679EEDB}"/>
+                  </a:ext>
+                </a:extLst>
+              </p:cNvPr>
+              <p:cNvGrpSpPr/>
+              <p:nvPr/>
+            </p:nvGrpSpPr>
+            <p:grpSpPr>
+              <a:xfrm>
+                <a:off x="9223544" y="771331"/>
+                <a:ext cx="1845350" cy="1897643"/>
+                <a:chOff x="6234160" y="771331"/>
+                <a:chExt cx="1845350" cy="1897643"/>
+              </a:xfrm>
+            </p:grpSpPr>
+            <p:sp>
+              <p:nvSpPr>
+                <p:cNvPr id="22" name="Oval 21">
+                  <a:extLst>
+                    <a:ext uri="{FF2B5EF4-FFF2-40B4-BE49-F238E27FC236}">
+                      <a16:creationId xmlns:a16="http://schemas.microsoft.com/office/drawing/2014/main" id="{D7D18F47-4091-4EE8-8D45-00C4707BE8EB}"/>
+                    </a:ext>
+                  </a:extLst>
+                </p:cNvPr>
+                <p:cNvSpPr/>
+                <p:nvPr/>
+              </p:nvSpPr>
+              <p:spPr>
+                <a:xfrm>
+                  <a:off x="6234160" y="823624"/>
+                  <a:ext cx="1845350" cy="1845350"/>
+                </a:xfrm>
+                <a:prstGeom prst="ellipse">
+                  <a:avLst/>
+                </a:prstGeom>
+                <a:solidFill>
+                  <a:schemeClr val="accent5">
+                    <a:lumMod val="50000"/>
+                  </a:schemeClr>
+                </a:solidFill>
+              </p:spPr>
+              <p:style>
+                <a:lnRef idx="2">
+                  <a:schemeClr val="accent1">
+                    <a:shade val="50000"/>
+                  </a:schemeClr>
+                </a:lnRef>
+                <a:fillRef idx="1">
+                  <a:schemeClr val="accent1"/>
+                </a:fillRef>
+                <a:effectRef idx="0">
+                  <a:schemeClr val="accent1"/>
+                </a:effectRef>
+                <a:fontRef idx="minor">
+                  <a:schemeClr val="lt1"/>
+                </a:fontRef>
+              </p:style>
+              <p:txBody>
+                <a:bodyPr lIns="0" tIns="0" rtlCol="0" anchor="t"/>
+                <a:lstStyle/>
+                <a:p>
+                  <a:endParaRPr lang="en-GB" sz="4400" b="1" dirty="0"/>
+                </a:p>
+              </p:txBody>
+            </p:sp>
+            <p:sp>
+              <p:nvSpPr>
+                <p:cNvPr id="23" name="TextBox 22">
+                  <a:extLst>
+                    <a:ext uri="{FF2B5EF4-FFF2-40B4-BE49-F238E27FC236}">
+                      <a16:creationId xmlns:a16="http://schemas.microsoft.com/office/drawing/2014/main" id="{D9A5328F-FE5D-4B83-A1BF-F18644873BA5}"/>
+                    </a:ext>
+                  </a:extLst>
+                </p:cNvPr>
+                <p:cNvSpPr txBox="1"/>
+                <p:nvPr/>
+              </p:nvSpPr>
+              <p:spPr>
+                <a:xfrm>
+                  <a:off x="6919080" y="771331"/>
+                  <a:ext cx="475510" cy="646331"/>
+                </a:xfrm>
+                <a:prstGeom prst="rect">
+                  <a:avLst/>
+                </a:prstGeom>
+                <a:noFill/>
+              </p:spPr>
+              <p:txBody>
+                <a:bodyPr wrap="square" rtlCol="0">
+                  <a:spAutoFit/>
+                </a:bodyPr>
+                <a:lstStyle/>
+                <a:p>
+                  <a:pPr algn="ctr"/>
+                  <a:r>
+                    <a:rPr lang="en-GB" sz="3600" b="1" dirty="0">
+                      <a:solidFill>
+                        <a:schemeClr val="bg2"/>
+                      </a:solidFill>
+                    </a:rPr>
+                    <a:t>4</a:t>
+                  </a:r>
+                </a:p>
+              </p:txBody>
+            </p:sp>
+          </p:grpSp>
+          <p:pic>
+            <p:nvPicPr>
+              <p:cNvPr id="32" name="Picture 31">
+                <a:extLst>
+                  <a:ext uri="{FF2B5EF4-FFF2-40B4-BE49-F238E27FC236}">
+                    <a16:creationId xmlns:a16="http://schemas.microsoft.com/office/drawing/2014/main" id="{2B17E324-03A9-4060-A0CD-92F0BFF601AB}"/>
+                  </a:ext>
+                </a:extLst>
+              </p:cNvPr>
+              <p:cNvPicPr>
+                <a:picLocks noChangeAspect="1"/>
+              </p:cNvPicPr>
+              <p:nvPr/>
+            </p:nvPicPr>
+            <p:blipFill>
+              <a:blip r:embed="rId4">
+                <a:lum bright="70000" contrast="-70000"/>
+                <a:extLst>
+                  <a:ext uri="{28A0092B-C50C-407E-A947-70E740481C1C}">
+                    <a14:useLocalDpi xmlns:a14="http://schemas.microsoft.com/office/drawing/2010/main" val="0"/>
+                  </a:ext>
+                </a:extLst>
+              </a:blip>
+              <a:stretch>
+                <a:fillRect/>
+              </a:stretch>
+            </p:blipFill>
+            <p:spPr>
+              <a:xfrm>
+                <a:off x="9741701" y="1421387"/>
+                <a:ext cx="1140655" cy="1140655"/>
+              </a:xfrm>
+              <a:prstGeom prst="rect">
+                <a:avLst/>
+              </a:prstGeom>
+            </p:spPr>
+          </p:pic>
+        </p:grpSp>
+        <p:pic>
+          <p:nvPicPr>
+            <p:cNvPr id="4" name="Picture 3">
+              <a:extLst>
+                <a:ext uri="{FF2B5EF4-FFF2-40B4-BE49-F238E27FC236}">
+                  <a16:creationId xmlns:a16="http://schemas.microsoft.com/office/drawing/2014/main" id="{7EB271BA-973D-439E-A8B2-73B6C085F383}"/>
+                </a:ext>
+              </a:extLst>
+            </p:cNvPr>
+            <p:cNvPicPr>
+              <a:picLocks noChangeAspect="1"/>
+            </p:cNvPicPr>
+            <p:nvPr/>
+          </p:nvPicPr>
+          <p:blipFill>
+            <a:blip r:embed="rId5">
+              <a:lum bright="70000" contrast="-70000"/>
+              <a:extLst>
+                <a:ext uri="{28A0092B-C50C-407E-A947-70E740481C1C}">
+                  <a14:useLocalDpi xmlns:a14="http://schemas.microsoft.com/office/drawing/2010/main" val="0"/>
+                </a:ext>
+              </a:extLst>
+            </a:blip>
+            <a:stretch>
+              <a:fillRect/>
+            </a:stretch>
+          </p:blipFill>
+          <p:spPr>
+            <a:xfrm>
+              <a:off x="1047570" y="1417662"/>
+              <a:ext cx="1053206" cy="1053206"/>
+            </a:xfrm>
+            <a:prstGeom prst="rect">
+              <a:avLst/>
+            </a:prstGeom>
+          </p:spPr>
+        </p:pic>
+        <p:sp>
+          <p:nvSpPr>
+            <p:cNvPr id="31" name="TextBox 30">
+              <a:extLst>
+                <a:ext uri="{FF2B5EF4-FFF2-40B4-BE49-F238E27FC236}">
+                  <a16:creationId xmlns:a16="http://schemas.microsoft.com/office/drawing/2014/main" id="{7EA74D73-3793-404D-AC5A-9889034704A6}"/>
+                </a:ext>
+              </a:extLst>
+            </p:cNvPr>
+            <p:cNvSpPr txBox="1"/>
+            <p:nvPr/>
+          </p:nvSpPr>
+          <p:spPr>
+            <a:xfrm>
+              <a:off x="3492668" y="3064906"/>
+              <a:ext cx="2770110" cy="523220"/>
+            </a:xfrm>
+            <a:prstGeom prst="rect">
+              <a:avLst/>
+            </a:prstGeom>
+            <a:noFill/>
+          </p:spPr>
+          <p:txBody>
+            <a:bodyPr wrap="square" rtlCol="0">
+              <a:spAutoFit/>
+            </a:bodyPr>
+            <a:lstStyle/>
+            <a:p>
+              <a:r>
+                <a:rPr lang="en-GB" sz="2800" b="1" dirty="0">
+                  <a:solidFill>
+                    <a:schemeClr val="accent5">
+                      <a:lumMod val="50000"/>
+                    </a:schemeClr>
+                  </a:solidFill>
+                  <a:latin typeface="Bahnschrift SemiBold" panose="020B0502040204020203" pitchFamily="34" charset="0"/>
+                </a:rPr>
+                <a:t>GET request</a:t>
+              </a:r>
+            </a:p>
+          </p:txBody>
+        </p:sp>
+        <p:sp>
+          <p:nvSpPr>
+            <p:cNvPr id="34" name="TextBox 33">
+              <a:extLst>
+                <a:ext uri="{FF2B5EF4-FFF2-40B4-BE49-F238E27FC236}">
+                  <a16:creationId xmlns:a16="http://schemas.microsoft.com/office/drawing/2014/main" id="{1EFC3218-AD91-475D-82A5-9C63CE2D7B59}"/>
+                </a:ext>
+              </a:extLst>
+            </p:cNvPr>
+            <p:cNvSpPr txBox="1"/>
+            <p:nvPr/>
+          </p:nvSpPr>
+          <p:spPr>
+            <a:xfrm>
+              <a:off x="6359251" y="3064905"/>
+              <a:ext cx="2864293" cy="830997"/>
+            </a:xfrm>
+            <a:prstGeom prst="rect">
+              <a:avLst/>
+            </a:prstGeom>
+            <a:noFill/>
+          </p:spPr>
+          <p:txBody>
+            <a:bodyPr wrap="square" rtlCol="0">
+              <a:spAutoFit/>
+            </a:bodyPr>
+            <a:lstStyle/>
+            <a:p>
+              <a:r>
+                <a:rPr lang="en-GB" sz="2800" b="1" dirty="0">
+                  <a:solidFill>
+                    <a:schemeClr val="accent5">
+                      <a:lumMod val="50000"/>
+                    </a:schemeClr>
+                  </a:solidFill>
+                  <a:latin typeface="Bahnschrift SemiBold" panose="020B0502040204020203" pitchFamily="34" charset="0"/>
+                </a:rPr>
+                <a:t>Extract</a:t>
+              </a:r>
+            </a:p>
+            <a:p>
+              <a:r>
+                <a:rPr lang="en-GB" sz="2000" b="1" dirty="0">
+                  <a:solidFill>
+                    <a:schemeClr val="tx1">
+                      <a:lumMod val="50000"/>
+                      <a:lumOff val="50000"/>
+                    </a:schemeClr>
+                  </a:solidFill>
+                  <a:latin typeface="Bahnschrift SemiBold" panose="020B0502040204020203" pitchFamily="34" charset="0"/>
+                </a:rPr>
+                <a:t>and parse content</a:t>
+              </a:r>
+            </a:p>
+          </p:txBody>
+        </p:sp>
+        <p:sp>
+          <p:nvSpPr>
+            <p:cNvPr id="36" name="TextBox 35">
+              <a:extLst>
+                <a:ext uri="{FF2B5EF4-FFF2-40B4-BE49-F238E27FC236}">
+                  <a16:creationId xmlns:a16="http://schemas.microsoft.com/office/drawing/2014/main" id="{F6A48D41-0F9B-4088-A05D-18871D6CB335}"/>
+                </a:ext>
+              </a:extLst>
+            </p:cNvPr>
+            <p:cNvSpPr txBox="1"/>
+            <p:nvPr/>
+          </p:nvSpPr>
+          <p:spPr>
+            <a:xfrm>
+              <a:off x="9223545" y="3064905"/>
+              <a:ext cx="2491128" cy="830997"/>
+            </a:xfrm>
+            <a:prstGeom prst="rect">
+              <a:avLst/>
+            </a:prstGeom>
+            <a:noFill/>
+          </p:spPr>
+          <p:txBody>
+            <a:bodyPr wrap="square" rtlCol="0">
+              <a:spAutoFit/>
+            </a:bodyPr>
+            <a:lstStyle/>
+            <a:p>
+              <a:r>
+                <a:rPr lang="en-GB" sz="2800" b="1" dirty="0">
+                  <a:solidFill>
+                    <a:schemeClr val="accent5">
+                      <a:lumMod val="50000"/>
+                    </a:schemeClr>
+                  </a:solidFill>
+                  <a:latin typeface="Bahnschrift SemiBold" panose="020B0502040204020203" pitchFamily="34" charset="0"/>
+                </a:rPr>
+                <a:t>Select</a:t>
+              </a:r>
+            </a:p>
+            <a:p>
+              <a:r>
+                <a:rPr lang="en-GB" sz="2000" b="1" dirty="0">
+                  <a:solidFill>
+                    <a:schemeClr val="tx1">
+                      <a:lumMod val="50000"/>
+                      <a:lumOff val="50000"/>
+                    </a:schemeClr>
+                  </a:solidFill>
+                  <a:latin typeface="Bahnschrift SemiBold" panose="020B0502040204020203" pitchFamily="34" charset="0"/>
+                </a:rPr>
+                <a:t>the info you need</a:t>
+              </a:r>
+            </a:p>
+          </p:txBody>
+        </p:sp>
+      </p:grpSp>
+      <p:sp>
+        <p:nvSpPr>
+          <p:cNvPr id="45" name="Title 1">
+            <a:extLst>
+              <a:ext uri="{FF2B5EF4-FFF2-40B4-BE49-F238E27FC236}">
+                <a16:creationId xmlns:a16="http://schemas.microsoft.com/office/drawing/2014/main" id="{EFD12D2A-E76E-4DBD-B683-1CD85BA6E911}"/>
+              </a:ext>
+            </a:extLst>
+          </p:cNvPr>
+          <p:cNvSpPr txBox="1">
+            <a:spLocks/>
+          </p:cNvSpPr>
+          <p:nvPr/>
+        </p:nvSpPr>
+        <p:spPr>
+          <a:xfrm>
+            <a:off x="553294" y="46041"/>
+            <a:ext cx="10515600" cy="989222"/>
+          </a:xfrm>
+          <a:prstGeom prst="rect">
+            <a:avLst/>
+          </a:prstGeom>
+        </p:spPr>
+        <p:txBody>
+          <a:bodyPr vert="horz" lIns="91440" tIns="45720" rIns="91440" bIns="45720" rtlCol="0" anchor="b">
+            <a:normAutofit/>
+          </a:bodyPr>
+          <a:lstStyle>
+            <a:lvl1pPr algn="ctr" defTabSz="914400" rtl="0" eaLnBrk="1" latinLnBrk="0" hangingPunct="1">
+              <a:lnSpc>
+                <a:spcPct val="90000"/>
+              </a:lnSpc>
+              <a:spcBef>
+                <a:spcPct val="0"/>
+              </a:spcBef>
+              <a:buNone/>
+              <a:defRPr sz="6000" kern="1200">
+                <a:solidFill>
+                  <a:schemeClr val="tx1"/>
+                </a:solidFill>
+                <a:latin typeface="+mj-lt"/>
+                <a:ea typeface="+mj-ea"/>
+                <a:cs typeface="+mj-cs"/>
+              </a:defRPr>
+            </a:lvl1pPr>
+          </a:lstStyle>
+          <a:p>
+            <a:pPr algn="l"/>
+            <a:r>
+              <a:rPr lang="en-GB" sz="4800" dirty="0">
+                <a:solidFill>
+                  <a:schemeClr val="accent5">
+                    <a:lumMod val="75000"/>
+                  </a:schemeClr>
+                </a:solidFill>
+                <a:latin typeface="Bahnschrift Light" panose="020B0502040204020203" pitchFamily="34" charset="0"/>
+              </a:rPr>
+              <a:t>API workflow</a:t>
+            </a:r>
+          </a:p>
+        </p:txBody>
+      </p:sp>
       <p:sp>
         <p:nvSpPr>
           <p:cNvPr id="35" name="TextBox 34">
@@ -6063,7 +6964,7 @@
 </p:sld>
 </file>
 
-<file path=ppt/slides/slide4.xml><?xml version="1.0" encoding="utf-8"?>
+<file path=ppt/slides/slide5.xml><?xml version="1.0" encoding="utf-8"?>
 <p:sld xmlns:a="http://schemas.openxmlformats.org/drawingml/2006/main" xmlns:r="http://schemas.openxmlformats.org/officeDocument/2006/relationships" xmlns:p="http://schemas.openxmlformats.org/presentationml/2006/main">
   <p:cSld>
     <p:spTree>
@@ -6141,988 +7042,6 @@
     <p:extLst>
       <p:ext uri="{BB962C8B-B14F-4D97-AF65-F5344CB8AC3E}">
         <p14:creationId xmlns:p14="http://schemas.microsoft.com/office/powerpoint/2010/main" val="468650886"/>
-      </p:ext>
-    </p:extLst>
-  </p:cSld>
-  <p:clrMapOvr>
-    <a:masterClrMapping/>
-  </p:clrMapOvr>
-</p:sld>
-</file>
-
-<file path=ppt/slides/slide5.xml><?xml version="1.0" encoding="utf-8"?>
-<p:sld xmlns:a="http://schemas.openxmlformats.org/drawingml/2006/main" xmlns:r="http://schemas.openxmlformats.org/officeDocument/2006/relationships" xmlns:p="http://schemas.openxmlformats.org/presentationml/2006/main">
-  <p:cSld>
-    <p:spTree>
-      <p:nvGrpSpPr>
-        <p:cNvPr id="1" name=""/>
-        <p:cNvGrpSpPr/>
-        <p:nvPr/>
-      </p:nvGrpSpPr>
-      <p:grpSpPr>
-        <a:xfrm>
-          <a:off x="0" y="0"/>
-          <a:ext cx="0" cy="0"/>
-          <a:chOff x="0" y="0"/>
-          <a:chExt cx="0" cy="0"/>
-        </a:xfrm>
-      </p:grpSpPr>
-      <p:grpSp>
-        <p:nvGrpSpPr>
-          <p:cNvPr id="71" name="Group 70">
-            <a:extLst>
-              <a:ext uri="{FF2B5EF4-FFF2-40B4-BE49-F238E27FC236}">
-                <a16:creationId xmlns:a16="http://schemas.microsoft.com/office/drawing/2014/main" id="{E76DC818-B93F-4292-A99A-48F76A72ED60}"/>
-              </a:ext>
-            </a:extLst>
-          </p:cNvPr>
-          <p:cNvGrpSpPr/>
-          <p:nvPr/>
-        </p:nvGrpSpPr>
-        <p:grpSpPr>
-          <a:xfrm>
-            <a:off x="626084" y="1443976"/>
-            <a:ext cx="11286996" cy="3124572"/>
-            <a:chOff x="626083" y="771331"/>
-            <a:chExt cx="11286996" cy="3124572"/>
-          </a:xfrm>
-        </p:grpSpPr>
-        <p:grpSp>
-          <p:nvGrpSpPr>
-            <p:cNvPr id="72" name="Group 71">
-              <a:extLst>
-                <a:ext uri="{FF2B5EF4-FFF2-40B4-BE49-F238E27FC236}">
-                  <a16:creationId xmlns:a16="http://schemas.microsoft.com/office/drawing/2014/main" id="{1934E49D-DA5E-4F2E-A520-88EDADF5D425}"/>
-                </a:ext>
-              </a:extLst>
-            </p:cNvPr>
-            <p:cNvGrpSpPr/>
-            <p:nvPr/>
-          </p:nvGrpSpPr>
-          <p:grpSpPr>
-            <a:xfrm>
-              <a:off x="6358105" y="771331"/>
-              <a:ext cx="1845350" cy="1897643"/>
-              <a:chOff x="9223544" y="771331"/>
-              <a:chExt cx="1845350" cy="1897643"/>
-            </a:xfrm>
-          </p:grpSpPr>
-          <p:grpSp>
-            <p:nvGrpSpPr>
-              <p:cNvPr id="90" name="Group 89">
-                <a:extLst>
-                  <a:ext uri="{FF2B5EF4-FFF2-40B4-BE49-F238E27FC236}">
-                    <a16:creationId xmlns:a16="http://schemas.microsoft.com/office/drawing/2014/main" id="{A0FF00A5-2009-404D-94A8-32F1F351689B}"/>
-                  </a:ext>
-                </a:extLst>
-              </p:cNvPr>
-              <p:cNvGrpSpPr/>
-              <p:nvPr/>
-            </p:nvGrpSpPr>
-            <p:grpSpPr>
-              <a:xfrm>
-                <a:off x="9223544" y="771331"/>
-                <a:ext cx="1845350" cy="1897643"/>
-                <a:chOff x="6234160" y="771331"/>
-                <a:chExt cx="1845350" cy="1897643"/>
-              </a:xfrm>
-            </p:grpSpPr>
-            <p:sp>
-              <p:nvSpPr>
-                <p:cNvPr id="92" name="Oval 91">
-                  <a:extLst>
-                    <a:ext uri="{FF2B5EF4-FFF2-40B4-BE49-F238E27FC236}">
-                      <a16:creationId xmlns:a16="http://schemas.microsoft.com/office/drawing/2014/main" id="{CEF0AF62-762E-4994-8CE5-B972CA0BD954}"/>
-                    </a:ext>
-                  </a:extLst>
-                </p:cNvPr>
-                <p:cNvSpPr/>
-                <p:nvPr/>
-              </p:nvSpPr>
-              <p:spPr>
-                <a:xfrm>
-                  <a:off x="6234160" y="823624"/>
-                  <a:ext cx="1845350" cy="1845350"/>
-                </a:xfrm>
-                <a:prstGeom prst="ellipse">
-                  <a:avLst/>
-                </a:prstGeom>
-                <a:solidFill>
-                  <a:schemeClr val="accent5">
-                    <a:lumMod val="50000"/>
-                  </a:schemeClr>
-                </a:solidFill>
-              </p:spPr>
-              <p:style>
-                <a:lnRef idx="2">
-                  <a:schemeClr val="accent1">
-                    <a:shade val="50000"/>
-                  </a:schemeClr>
-                </a:lnRef>
-                <a:fillRef idx="1">
-                  <a:schemeClr val="accent1"/>
-                </a:fillRef>
-                <a:effectRef idx="0">
-                  <a:schemeClr val="accent1"/>
-                </a:effectRef>
-                <a:fontRef idx="minor">
-                  <a:schemeClr val="lt1"/>
-                </a:fontRef>
-              </p:style>
-              <p:txBody>
-                <a:bodyPr lIns="0" tIns="0" rtlCol="0" anchor="t"/>
-                <a:lstStyle/>
-                <a:p>
-                  <a:endParaRPr lang="en-GB" sz="4400" b="1" dirty="0"/>
-                </a:p>
-              </p:txBody>
-            </p:sp>
-            <p:sp>
-              <p:nvSpPr>
-                <p:cNvPr id="93" name="TextBox 92">
-                  <a:extLst>
-                    <a:ext uri="{FF2B5EF4-FFF2-40B4-BE49-F238E27FC236}">
-                      <a16:creationId xmlns:a16="http://schemas.microsoft.com/office/drawing/2014/main" id="{B778D133-7B43-4AAF-BA3C-B40D1E7D9B3E}"/>
-                    </a:ext>
-                  </a:extLst>
-                </p:cNvPr>
-                <p:cNvSpPr txBox="1"/>
-                <p:nvPr/>
-              </p:nvSpPr>
-              <p:spPr>
-                <a:xfrm>
-                  <a:off x="6919080" y="771331"/>
-                  <a:ext cx="475510" cy="646331"/>
-                </a:xfrm>
-                <a:prstGeom prst="rect">
-                  <a:avLst/>
-                </a:prstGeom>
-                <a:noFill/>
-              </p:spPr>
-              <p:txBody>
-                <a:bodyPr wrap="square" rtlCol="0">
-                  <a:spAutoFit/>
-                </a:bodyPr>
-                <a:lstStyle/>
-                <a:p>
-                  <a:pPr algn="ctr"/>
-                  <a:r>
-                    <a:rPr lang="en-GB" sz="3600" b="1" dirty="0">
-                      <a:solidFill>
-                        <a:schemeClr val="bg2"/>
-                      </a:solidFill>
-                    </a:rPr>
-                    <a:t>3</a:t>
-                  </a:r>
-                </a:p>
-              </p:txBody>
-            </p:sp>
-          </p:grpSp>
-          <p:pic>
-            <p:nvPicPr>
-              <p:cNvPr id="91" name="Picture 90">
-                <a:extLst>
-                  <a:ext uri="{FF2B5EF4-FFF2-40B4-BE49-F238E27FC236}">
-                    <a16:creationId xmlns:a16="http://schemas.microsoft.com/office/drawing/2014/main" id="{A56C8C85-5046-4706-A6F5-D33B928AC175}"/>
-                  </a:ext>
-                </a:extLst>
-              </p:cNvPr>
-              <p:cNvPicPr>
-                <a:picLocks noChangeAspect="1"/>
-              </p:cNvPicPr>
-              <p:nvPr/>
-            </p:nvPicPr>
-            <p:blipFill>
-              <a:blip r:embed="rId2">
-                <a:lum bright="70000" contrast="-70000"/>
-                <a:extLst>
-                  <a:ext uri="{28A0092B-C50C-407E-A947-70E740481C1C}">
-                    <a14:useLocalDpi xmlns:a14="http://schemas.microsoft.com/office/drawing/2010/main" val="0"/>
-                  </a:ext>
-                </a:extLst>
-              </a:blip>
-              <a:stretch>
-                <a:fillRect/>
-              </a:stretch>
-            </p:blipFill>
-            <p:spPr>
-              <a:xfrm>
-                <a:off x="9741701" y="1421387"/>
-                <a:ext cx="1140655" cy="1140655"/>
-              </a:xfrm>
-              <a:prstGeom prst="rect">
-                <a:avLst/>
-              </a:prstGeom>
-            </p:spPr>
-          </p:pic>
-        </p:grpSp>
-        <p:sp>
-          <p:nvSpPr>
-            <p:cNvPr id="73" name="TextBox 72">
-              <a:extLst>
-                <a:ext uri="{FF2B5EF4-FFF2-40B4-BE49-F238E27FC236}">
-                  <a16:creationId xmlns:a16="http://schemas.microsoft.com/office/drawing/2014/main" id="{1CCFE1CC-D475-413E-B868-DE716941353B}"/>
-                </a:ext>
-              </a:extLst>
-            </p:cNvPr>
-            <p:cNvSpPr txBox="1"/>
-            <p:nvPr/>
-          </p:nvSpPr>
-          <p:spPr>
-            <a:xfrm>
-              <a:off x="626083" y="3064906"/>
-              <a:ext cx="3296373" cy="830997"/>
-            </a:xfrm>
-            <a:prstGeom prst="rect">
-              <a:avLst/>
-            </a:prstGeom>
-            <a:noFill/>
-          </p:spPr>
-          <p:txBody>
-            <a:bodyPr wrap="square" rtlCol="0">
-              <a:spAutoFit/>
-            </a:bodyPr>
-            <a:lstStyle/>
-            <a:p>
-              <a:r>
-                <a:rPr lang="en-GB" sz="2800" b="1" dirty="0">
-                  <a:solidFill>
-                    <a:schemeClr val="accent5">
-                      <a:lumMod val="50000"/>
-                    </a:schemeClr>
-                  </a:solidFill>
-                  <a:latin typeface="Bahnschrift SemiBold" panose="020B0502040204020203" pitchFamily="34" charset="0"/>
-                </a:rPr>
-                <a:t>Prepare</a:t>
-              </a:r>
-            </a:p>
-            <a:p>
-              <a:r>
-                <a:rPr lang="en-GB" sz="2000" b="1" dirty="0">
-                  <a:solidFill>
-                    <a:schemeClr val="tx1">
-                      <a:lumMod val="50000"/>
-                      <a:lumOff val="50000"/>
-                    </a:schemeClr>
-                  </a:solidFill>
-                  <a:latin typeface="Bahnschrift SemiBold" panose="020B0502040204020203" pitchFamily="34" charset="0"/>
-                </a:rPr>
-                <a:t>- URL construction</a:t>
-              </a:r>
-            </a:p>
-          </p:txBody>
-        </p:sp>
-        <p:grpSp>
-          <p:nvGrpSpPr>
-            <p:cNvPr id="74" name="Group 73">
-              <a:extLst>
-                <a:ext uri="{FF2B5EF4-FFF2-40B4-BE49-F238E27FC236}">
-                  <a16:creationId xmlns:a16="http://schemas.microsoft.com/office/drawing/2014/main" id="{5B81FD76-D573-4908-B585-06BA4565A38C}"/>
-                </a:ext>
-              </a:extLst>
-            </p:cNvPr>
-            <p:cNvGrpSpPr/>
-            <p:nvPr/>
-          </p:nvGrpSpPr>
-          <p:grpSpPr>
-            <a:xfrm>
-              <a:off x="9223543" y="771331"/>
-              <a:ext cx="1845350" cy="1897643"/>
-              <a:chOff x="6358105" y="771331"/>
-              <a:chExt cx="1845350" cy="1897643"/>
-            </a:xfrm>
-          </p:grpSpPr>
-          <p:grpSp>
-            <p:nvGrpSpPr>
-              <p:cNvPr id="86" name="Group 85">
-                <a:extLst>
-                  <a:ext uri="{FF2B5EF4-FFF2-40B4-BE49-F238E27FC236}">
-                    <a16:creationId xmlns:a16="http://schemas.microsoft.com/office/drawing/2014/main" id="{2F37D4A5-21D1-492A-A9B8-90107F13E1EC}"/>
-                  </a:ext>
-                </a:extLst>
-              </p:cNvPr>
-              <p:cNvGrpSpPr/>
-              <p:nvPr/>
-            </p:nvGrpSpPr>
-            <p:grpSpPr>
-              <a:xfrm>
-                <a:off x="6358105" y="771331"/>
-                <a:ext cx="1845350" cy="1897643"/>
-                <a:chOff x="6234160" y="771331"/>
-                <a:chExt cx="1845350" cy="1897643"/>
-              </a:xfrm>
-            </p:grpSpPr>
-            <p:sp>
-              <p:nvSpPr>
-                <p:cNvPr id="88" name="Oval 87">
-                  <a:extLst>
-                    <a:ext uri="{FF2B5EF4-FFF2-40B4-BE49-F238E27FC236}">
-                      <a16:creationId xmlns:a16="http://schemas.microsoft.com/office/drawing/2014/main" id="{301E771A-B9CE-4485-BB1E-544E92D2AFC8}"/>
-                    </a:ext>
-                  </a:extLst>
-                </p:cNvPr>
-                <p:cNvSpPr/>
-                <p:nvPr/>
-              </p:nvSpPr>
-              <p:spPr>
-                <a:xfrm>
-                  <a:off x="6234160" y="823624"/>
-                  <a:ext cx="1845350" cy="1845350"/>
-                </a:xfrm>
-                <a:prstGeom prst="ellipse">
-                  <a:avLst/>
-                </a:prstGeom>
-                <a:solidFill>
-                  <a:schemeClr val="accent5">
-                    <a:lumMod val="50000"/>
-                  </a:schemeClr>
-                </a:solidFill>
-              </p:spPr>
-              <p:style>
-                <a:lnRef idx="2">
-                  <a:schemeClr val="accent1">
-                    <a:shade val="50000"/>
-                  </a:schemeClr>
-                </a:lnRef>
-                <a:fillRef idx="1">
-                  <a:schemeClr val="accent1"/>
-                </a:fillRef>
-                <a:effectRef idx="0">
-                  <a:schemeClr val="accent1"/>
-                </a:effectRef>
-                <a:fontRef idx="minor">
-                  <a:schemeClr val="lt1"/>
-                </a:fontRef>
-              </p:style>
-              <p:txBody>
-                <a:bodyPr lIns="0" tIns="0" rtlCol="0" anchor="t"/>
-                <a:lstStyle/>
-                <a:p>
-                  <a:endParaRPr lang="en-GB" sz="4400" b="1" dirty="0"/>
-                </a:p>
-              </p:txBody>
-            </p:sp>
-            <p:sp>
-              <p:nvSpPr>
-                <p:cNvPr id="89" name="TextBox 88">
-                  <a:extLst>
-                    <a:ext uri="{FF2B5EF4-FFF2-40B4-BE49-F238E27FC236}">
-                      <a16:creationId xmlns:a16="http://schemas.microsoft.com/office/drawing/2014/main" id="{81B184DA-C4CD-4BA5-933C-D485DF5677FA}"/>
-                    </a:ext>
-                  </a:extLst>
-                </p:cNvPr>
-                <p:cNvSpPr txBox="1"/>
-                <p:nvPr/>
-              </p:nvSpPr>
-              <p:spPr>
-                <a:xfrm>
-                  <a:off x="6919080" y="771331"/>
-                  <a:ext cx="475510" cy="646331"/>
-                </a:xfrm>
-                <a:prstGeom prst="rect">
-                  <a:avLst/>
-                </a:prstGeom>
-                <a:noFill/>
-              </p:spPr>
-              <p:txBody>
-                <a:bodyPr wrap="square" rtlCol="0">
-                  <a:spAutoFit/>
-                </a:bodyPr>
-                <a:lstStyle/>
-                <a:p>
-                  <a:pPr algn="ctr"/>
-                  <a:r>
-                    <a:rPr lang="en-GB" sz="3600" b="1" dirty="0">
-                      <a:solidFill>
-                        <a:schemeClr val="bg2"/>
-                      </a:solidFill>
-                    </a:rPr>
-                    <a:t>4</a:t>
-                  </a:r>
-                </a:p>
-              </p:txBody>
-            </p:sp>
-          </p:grpSp>
-          <p:pic>
-            <p:nvPicPr>
-              <p:cNvPr id="87" name="Picture 86">
-                <a:extLst>
-                  <a:ext uri="{FF2B5EF4-FFF2-40B4-BE49-F238E27FC236}">
-                    <a16:creationId xmlns:a16="http://schemas.microsoft.com/office/drawing/2014/main" id="{8E9BDD0C-2DD7-408B-B762-352786E05F3C}"/>
-                  </a:ext>
-                </a:extLst>
-              </p:cNvPr>
-              <p:cNvPicPr>
-                <a:picLocks noChangeAspect="1"/>
-              </p:cNvPicPr>
-              <p:nvPr/>
-            </p:nvPicPr>
-            <p:blipFill>
-              <a:blip r:embed="rId3">
-                <a:lum bright="70000" contrast="-70000"/>
-                <a:extLst>
-                  <a:ext uri="{28A0092B-C50C-407E-A947-70E740481C1C}">
-                    <a14:useLocalDpi xmlns:a14="http://schemas.microsoft.com/office/drawing/2010/main" val="0"/>
-                  </a:ext>
-                </a:extLst>
-              </a:blip>
-              <a:stretch>
-                <a:fillRect/>
-              </a:stretch>
-            </p:blipFill>
-            <p:spPr>
-              <a:xfrm>
-                <a:off x="6639459" y="1257182"/>
-                <a:ext cx="1282642" cy="1282642"/>
-              </a:xfrm>
-              <a:prstGeom prst="rect">
-                <a:avLst/>
-              </a:prstGeom>
-            </p:spPr>
-          </p:pic>
-        </p:grpSp>
-        <p:grpSp>
-          <p:nvGrpSpPr>
-            <p:cNvPr id="75" name="Group 74">
-              <a:extLst>
-                <a:ext uri="{FF2B5EF4-FFF2-40B4-BE49-F238E27FC236}">
-                  <a16:creationId xmlns:a16="http://schemas.microsoft.com/office/drawing/2014/main" id="{1312F440-5451-493C-86B8-DE920D5B3AF1}"/>
-                </a:ext>
-              </a:extLst>
-            </p:cNvPr>
-            <p:cNvGrpSpPr/>
-            <p:nvPr/>
-          </p:nvGrpSpPr>
-          <p:grpSpPr>
-            <a:xfrm>
-              <a:off x="3492667" y="771331"/>
-              <a:ext cx="1845350" cy="1897643"/>
-              <a:chOff x="6234160" y="771331"/>
-              <a:chExt cx="1845350" cy="1897643"/>
-            </a:xfrm>
-          </p:grpSpPr>
-          <p:sp>
-            <p:nvSpPr>
-              <p:cNvPr id="84" name="Oval 83">
-                <a:extLst>
-                  <a:ext uri="{FF2B5EF4-FFF2-40B4-BE49-F238E27FC236}">
-                    <a16:creationId xmlns:a16="http://schemas.microsoft.com/office/drawing/2014/main" id="{94F4EEEA-3604-4DE2-AC5D-87465D3457DE}"/>
-                  </a:ext>
-                </a:extLst>
-              </p:cNvPr>
-              <p:cNvSpPr/>
-              <p:nvPr/>
-            </p:nvSpPr>
-            <p:spPr>
-              <a:xfrm>
-                <a:off x="6234160" y="823624"/>
-                <a:ext cx="1845350" cy="1845350"/>
-              </a:xfrm>
-              <a:prstGeom prst="ellipse">
-                <a:avLst/>
-              </a:prstGeom>
-              <a:solidFill>
-                <a:schemeClr val="accent5">
-                  <a:lumMod val="50000"/>
-                </a:schemeClr>
-              </a:solidFill>
-            </p:spPr>
-            <p:style>
-              <a:lnRef idx="2">
-                <a:schemeClr val="accent1">
-                  <a:shade val="50000"/>
-                </a:schemeClr>
-              </a:lnRef>
-              <a:fillRef idx="1">
-                <a:schemeClr val="accent1"/>
-              </a:fillRef>
-              <a:effectRef idx="0">
-                <a:schemeClr val="accent1"/>
-              </a:effectRef>
-              <a:fontRef idx="minor">
-                <a:schemeClr val="lt1"/>
-              </a:fontRef>
-            </p:style>
-            <p:txBody>
-              <a:bodyPr lIns="0" tIns="0" rtlCol="0" anchor="t"/>
-              <a:lstStyle/>
-              <a:p>
-                <a:endParaRPr lang="en-GB" sz="4400" b="1" dirty="0"/>
-              </a:p>
-            </p:txBody>
-          </p:sp>
-          <p:sp>
-            <p:nvSpPr>
-              <p:cNvPr id="85" name="TextBox 84">
-                <a:extLst>
-                  <a:ext uri="{FF2B5EF4-FFF2-40B4-BE49-F238E27FC236}">
-                    <a16:creationId xmlns:a16="http://schemas.microsoft.com/office/drawing/2014/main" id="{1A492863-AD04-44DD-BD11-3E341077F08C}"/>
-                  </a:ext>
-                </a:extLst>
-              </p:cNvPr>
-              <p:cNvSpPr txBox="1"/>
-              <p:nvPr/>
-            </p:nvSpPr>
-            <p:spPr>
-              <a:xfrm>
-                <a:off x="6919080" y="771331"/>
-                <a:ext cx="475510" cy="646331"/>
-              </a:xfrm>
-              <a:prstGeom prst="rect">
-                <a:avLst/>
-              </a:prstGeom>
-              <a:noFill/>
-            </p:spPr>
-            <p:txBody>
-              <a:bodyPr wrap="square" rtlCol="0">
-                <a:spAutoFit/>
-              </a:bodyPr>
-              <a:lstStyle/>
-              <a:p>
-                <a:pPr algn="ctr"/>
-                <a:r>
-                  <a:rPr lang="en-GB" sz="3600" b="1" dirty="0">
-                    <a:solidFill>
-                      <a:schemeClr val="bg2"/>
-                    </a:solidFill>
-                  </a:rPr>
-                  <a:t>2</a:t>
-                </a:r>
-              </a:p>
-            </p:txBody>
-          </p:sp>
-        </p:grpSp>
-        <p:grpSp>
-          <p:nvGrpSpPr>
-            <p:cNvPr id="76" name="Group 75">
-              <a:extLst>
-                <a:ext uri="{FF2B5EF4-FFF2-40B4-BE49-F238E27FC236}">
-                  <a16:creationId xmlns:a16="http://schemas.microsoft.com/office/drawing/2014/main" id="{14C45A30-925D-46C8-8BB4-CEA6CCA14C35}"/>
-                </a:ext>
-              </a:extLst>
-            </p:cNvPr>
-            <p:cNvGrpSpPr/>
-            <p:nvPr/>
-          </p:nvGrpSpPr>
-          <p:grpSpPr>
-            <a:xfrm>
-              <a:off x="627229" y="771331"/>
-              <a:ext cx="1845350" cy="1897643"/>
-              <a:chOff x="6234160" y="771331"/>
-              <a:chExt cx="1845350" cy="1897643"/>
-            </a:xfrm>
-          </p:grpSpPr>
-          <p:sp>
-            <p:nvSpPr>
-              <p:cNvPr id="82" name="Oval 81">
-                <a:extLst>
-                  <a:ext uri="{FF2B5EF4-FFF2-40B4-BE49-F238E27FC236}">
-                    <a16:creationId xmlns:a16="http://schemas.microsoft.com/office/drawing/2014/main" id="{AC421048-CF00-441B-B88D-FDE85ADDF47E}"/>
-                  </a:ext>
-                </a:extLst>
-              </p:cNvPr>
-              <p:cNvSpPr/>
-              <p:nvPr/>
-            </p:nvSpPr>
-            <p:spPr>
-              <a:xfrm>
-                <a:off x="6234160" y="823624"/>
-                <a:ext cx="1845350" cy="1845350"/>
-              </a:xfrm>
-              <a:prstGeom prst="ellipse">
-                <a:avLst/>
-              </a:prstGeom>
-              <a:solidFill>
-                <a:schemeClr val="accent5">
-                  <a:lumMod val="50000"/>
-                </a:schemeClr>
-              </a:solidFill>
-            </p:spPr>
-            <p:style>
-              <a:lnRef idx="2">
-                <a:schemeClr val="accent1">
-                  <a:shade val="50000"/>
-                </a:schemeClr>
-              </a:lnRef>
-              <a:fillRef idx="1">
-                <a:schemeClr val="accent1"/>
-              </a:fillRef>
-              <a:effectRef idx="0">
-                <a:schemeClr val="accent1"/>
-              </a:effectRef>
-              <a:fontRef idx="minor">
-                <a:schemeClr val="lt1"/>
-              </a:fontRef>
-            </p:style>
-            <p:txBody>
-              <a:bodyPr lIns="0" tIns="0" rtlCol="0" anchor="t"/>
-              <a:lstStyle/>
-              <a:p>
-                <a:endParaRPr lang="en-GB" sz="4400" b="1" dirty="0"/>
-              </a:p>
-            </p:txBody>
-          </p:sp>
-          <p:sp>
-            <p:nvSpPr>
-              <p:cNvPr id="83" name="TextBox 82">
-                <a:extLst>
-                  <a:ext uri="{FF2B5EF4-FFF2-40B4-BE49-F238E27FC236}">
-                    <a16:creationId xmlns:a16="http://schemas.microsoft.com/office/drawing/2014/main" id="{0E614711-D2BB-4BF1-B4A1-7E61A151C1FC}"/>
-                  </a:ext>
-                </a:extLst>
-              </p:cNvPr>
-              <p:cNvSpPr txBox="1"/>
-              <p:nvPr/>
-            </p:nvSpPr>
-            <p:spPr>
-              <a:xfrm>
-                <a:off x="6919080" y="771331"/>
-                <a:ext cx="475510" cy="646331"/>
-              </a:xfrm>
-              <a:prstGeom prst="rect">
-                <a:avLst/>
-              </a:prstGeom>
-              <a:noFill/>
-            </p:spPr>
-            <p:txBody>
-              <a:bodyPr wrap="square" rtlCol="0">
-                <a:spAutoFit/>
-              </a:bodyPr>
-              <a:lstStyle/>
-              <a:p>
-                <a:pPr algn="ctr"/>
-                <a:r>
-                  <a:rPr lang="en-GB" sz="3600" b="1" dirty="0">
-                    <a:solidFill>
-                      <a:schemeClr val="bg2"/>
-                    </a:solidFill>
-                  </a:rPr>
-                  <a:t>1</a:t>
-                </a:r>
-              </a:p>
-            </p:txBody>
-          </p:sp>
-        </p:grpSp>
-        <p:pic>
-          <p:nvPicPr>
-            <p:cNvPr id="77" name="Picture 76">
-              <a:extLst>
-                <a:ext uri="{FF2B5EF4-FFF2-40B4-BE49-F238E27FC236}">
-                  <a16:creationId xmlns:a16="http://schemas.microsoft.com/office/drawing/2014/main" id="{CF0593A2-EB0E-41F3-B700-C5EECC4B6944}"/>
-                </a:ext>
-              </a:extLst>
-            </p:cNvPr>
-            <p:cNvPicPr>
-              <a:picLocks noChangeAspect="1"/>
-            </p:cNvPicPr>
-            <p:nvPr/>
-          </p:nvPicPr>
-          <p:blipFill>
-            <a:blip r:embed="rId4">
-              <a:lum bright="70000" contrast="-70000"/>
-              <a:extLst>
-                <a:ext uri="{28A0092B-C50C-407E-A947-70E740481C1C}">
-                  <a14:useLocalDpi xmlns:a14="http://schemas.microsoft.com/office/drawing/2010/main" val="0"/>
-                </a:ext>
-              </a:extLst>
-            </a:blip>
-            <a:stretch>
-              <a:fillRect/>
-            </a:stretch>
-          </p:blipFill>
-          <p:spPr>
-            <a:xfrm>
-              <a:off x="3935411" y="1450418"/>
-              <a:ext cx="959861" cy="959861"/>
-            </a:xfrm>
-            <a:prstGeom prst="rect">
-              <a:avLst/>
-            </a:prstGeom>
-          </p:spPr>
-        </p:pic>
-        <p:pic>
-          <p:nvPicPr>
-            <p:cNvPr id="78" name="Picture 77">
-              <a:extLst>
-                <a:ext uri="{FF2B5EF4-FFF2-40B4-BE49-F238E27FC236}">
-                  <a16:creationId xmlns:a16="http://schemas.microsoft.com/office/drawing/2014/main" id="{87AAFD73-BA91-4CB9-9382-54F47353FE81}"/>
-                </a:ext>
-              </a:extLst>
-            </p:cNvPr>
-            <p:cNvPicPr>
-              <a:picLocks noChangeAspect="1"/>
-            </p:cNvPicPr>
-            <p:nvPr/>
-          </p:nvPicPr>
-          <p:blipFill>
-            <a:blip r:embed="rId5">
-              <a:lum bright="70000" contrast="-70000"/>
-              <a:extLst>
-                <a:ext uri="{28A0092B-C50C-407E-A947-70E740481C1C}">
-                  <a14:useLocalDpi xmlns:a14="http://schemas.microsoft.com/office/drawing/2010/main" val="0"/>
-                </a:ext>
-              </a:extLst>
-            </a:blip>
-            <a:stretch>
-              <a:fillRect/>
-            </a:stretch>
-          </p:blipFill>
-          <p:spPr>
-            <a:xfrm>
-              <a:off x="1047570" y="1417662"/>
-              <a:ext cx="1053206" cy="1053206"/>
-            </a:xfrm>
-            <a:prstGeom prst="rect">
-              <a:avLst/>
-            </a:prstGeom>
-          </p:spPr>
-        </p:pic>
-        <p:sp>
-          <p:nvSpPr>
-            <p:cNvPr id="79" name="TextBox 78">
-              <a:extLst>
-                <a:ext uri="{FF2B5EF4-FFF2-40B4-BE49-F238E27FC236}">
-                  <a16:creationId xmlns:a16="http://schemas.microsoft.com/office/drawing/2014/main" id="{30C406BB-6C08-4953-80DC-77654BD38747}"/>
-                </a:ext>
-              </a:extLst>
-            </p:cNvPr>
-            <p:cNvSpPr txBox="1"/>
-            <p:nvPr/>
-          </p:nvSpPr>
-          <p:spPr>
-            <a:xfrm>
-              <a:off x="3492667" y="3064906"/>
-              <a:ext cx="3296373" cy="830997"/>
-            </a:xfrm>
-            <a:prstGeom prst="rect">
-              <a:avLst/>
-            </a:prstGeom>
-            <a:noFill/>
-          </p:spPr>
-          <p:txBody>
-            <a:bodyPr wrap="square" rtlCol="0">
-              <a:spAutoFit/>
-            </a:bodyPr>
-            <a:lstStyle/>
-            <a:p>
-              <a:r>
-                <a:rPr lang="en-GB" sz="2800" b="1" dirty="0">
-                  <a:solidFill>
-                    <a:schemeClr val="accent5">
-                      <a:lumMod val="50000"/>
-                    </a:schemeClr>
-                  </a:solidFill>
-                  <a:latin typeface="Bahnschrift SemiBold" panose="020B0502040204020203" pitchFamily="34" charset="0"/>
-                </a:rPr>
-                <a:t>Load info</a:t>
-              </a:r>
-            </a:p>
-            <a:p>
-              <a:r>
-                <a:rPr lang="en-GB" sz="2000" b="1" dirty="0">
-                  <a:solidFill>
-                    <a:schemeClr val="tx1">
-                      <a:lumMod val="50000"/>
-                      <a:lumOff val="50000"/>
-                    </a:schemeClr>
-                  </a:solidFill>
-                  <a:latin typeface="Bahnschrift SemiBold" panose="020B0502040204020203" pitchFamily="34" charset="0"/>
-                </a:rPr>
-                <a:t>get a local version</a:t>
-              </a:r>
-            </a:p>
-          </p:txBody>
-        </p:sp>
-        <p:sp>
-          <p:nvSpPr>
-            <p:cNvPr id="80" name="TextBox 79">
-              <a:extLst>
-                <a:ext uri="{FF2B5EF4-FFF2-40B4-BE49-F238E27FC236}">
-                  <a16:creationId xmlns:a16="http://schemas.microsoft.com/office/drawing/2014/main" id="{CAEC3FD2-EBFE-4AA0-937A-D2E906B481B2}"/>
-                </a:ext>
-              </a:extLst>
-            </p:cNvPr>
-            <p:cNvSpPr txBox="1"/>
-            <p:nvPr/>
-          </p:nvSpPr>
-          <p:spPr>
-            <a:xfrm>
-              <a:off x="6359251" y="3064905"/>
-              <a:ext cx="3296373" cy="830997"/>
-            </a:xfrm>
-            <a:prstGeom prst="rect">
-              <a:avLst/>
-            </a:prstGeom>
-            <a:noFill/>
-          </p:spPr>
-          <p:txBody>
-            <a:bodyPr wrap="square" rtlCol="0">
-              <a:spAutoFit/>
-            </a:bodyPr>
-            <a:lstStyle/>
-            <a:p>
-              <a:r>
-                <a:rPr lang="en-GB" sz="2800" b="1" dirty="0">
-                  <a:solidFill>
-                    <a:schemeClr val="accent5">
-                      <a:lumMod val="50000"/>
-                    </a:schemeClr>
-                  </a:solidFill>
-                  <a:latin typeface="Bahnschrift SemiBold" panose="020B0502040204020203" pitchFamily="34" charset="0"/>
-                </a:rPr>
-                <a:t>Select info</a:t>
-              </a:r>
-            </a:p>
-            <a:p>
-              <a:r>
-                <a:rPr lang="en-GB" sz="2000" b="1" dirty="0">
-                  <a:solidFill>
-                    <a:schemeClr val="tx1">
-                      <a:lumMod val="50000"/>
-                      <a:lumOff val="50000"/>
-                    </a:schemeClr>
-                  </a:solidFill>
-                  <a:latin typeface="Bahnschrift SemiBold" panose="020B0502040204020203" pitchFamily="34" charset="0"/>
-                </a:rPr>
-                <a:t>grab the node(s)</a:t>
-              </a:r>
-            </a:p>
-          </p:txBody>
-        </p:sp>
-        <p:sp>
-          <p:nvSpPr>
-            <p:cNvPr id="81" name="TextBox 80">
-              <a:extLst>
-                <a:ext uri="{FF2B5EF4-FFF2-40B4-BE49-F238E27FC236}">
-                  <a16:creationId xmlns:a16="http://schemas.microsoft.com/office/drawing/2014/main" id="{8B2AB00E-40E0-4A4C-97D7-4493630F7B82}"/>
-                </a:ext>
-              </a:extLst>
-            </p:cNvPr>
-            <p:cNvSpPr txBox="1"/>
-            <p:nvPr/>
-          </p:nvSpPr>
-          <p:spPr>
-            <a:xfrm>
-              <a:off x="9223544" y="3064905"/>
-              <a:ext cx="2689535" cy="830997"/>
-            </a:xfrm>
-            <a:prstGeom prst="rect">
-              <a:avLst/>
-            </a:prstGeom>
-            <a:noFill/>
-          </p:spPr>
-          <p:txBody>
-            <a:bodyPr wrap="square" rtlCol="0">
-              <a:spAutoFit/>
-            </a:bodyPr>
-            <a:lstStyle/>
-            <a:p>
-              <a:r>
-                <a:rPr lang="en-GB" sz="2800" b="1" dirty="0">
-                  <a:solidFill>
-                    <a:schemeClr val="accent5">
-                      <a:lumMod val="50000"/>
-                    </a:schemeClr>
-                  </a:solidFill>
-                  <a:latin typeface="Bahnschrift SemiBold" panose="020B0502040204020203" pitchFamily="34" charset="0"/>
-                </a:rPr>
-                <a:t>Extract </a:t>
-              </a:r>
-            </a:p>
-            <a:p>
-              <a:r>
-                <a:rPr lang="en-GB" sz="2000" b="1" dirty="0">
-                  <a:solidFill>
-                    <a:schemeClr val="tx1">
-                      <a:lumMod val="50000"/>
-                      <a:lumOff val="50000"/>
-                    </a:schemeClr>
-                  </a:solidFill>
-                  <a:latin typeface="Bahnschrift SemiBold" panose="020B0502040204020203" pitchFamily="34" charset="0"/>
-                </a:rPr>
-                <a:t>and parse to R</a:t>
-              </a:r>
-            </a:p>
-          </p:txBody>
-        </p:sp>
-      </p:grpSp>
-      <p:sp>
-        <p:nvSpPr>
-          <p:cNvPr id="45" name="Title 1">
-            <a:extLst>
-              <a:ext uri="{FF2B5EF4-FFF2-40B4-BE49-F238E27FC236}">
-                <a16:creationId xmlns:a16="http://schemas.microsoft.com/office/drawing/2014/main" id="{EFD12D2A-E76E-4DBD-B683-1CD85BA6E911}"/>
-              </a:ext>
-            </a:extLst>
-          </p:cNvPr>
-          <p:cNvSpPr txBox="1">
-            <a:spLocks/>
-          </p:cNvSpPr>
-          <p:nvPr/>
-        </p:nvSpPr>
-        <p:spPr>
-          <a:xfrm>
-            <a:off x="553294" y="46041"/>
-            <a:ext cx="10515600" cy="989222"/>
-          </a:xfrm>
-          <a:prstGeom prst="rect">
-            <a:avLst/>
-          </a:prstGeom>
-        </p:spPr>
-        <p:txBody>
-          <a:bodyPr vert="horz" lIns="91440" tIns="45720" rIns="91440" bIns="45720" rtlCol="0" anchor="b">
-            <a:normAutofit/>
-          </a:bodyPr>
-          <a:lstStyle>
-            <a:lvl1pPr algn="ctr" defTabSz="914400" rtl="0" eaLnBrk="1" latinLnBrk="0" hangingPunct="1">
-              <a:lnSpc>
-                <a:spcPct val="90000"/>
-              </a:lnSpc>
-              <a:spcBef>
-                <a:spcPct val="0"/>
-              </a:spcBef>
-              <a:buNone/>
-              <a:defRPr sz="6000" kern="1200">
-                <a:solidFill>
-                  <a:schemeClr val="tx1"/>
-                </a:solidFill>
-                <a:latin typeface="+mj-lt"/>
-                <a:ea typeface="+mj-ea"/>
-                <a:cs typeface="+mj-cs"/>
-              </a:defRPr>
-            </a:lvl1pPr>
-          </a:lstStyle>
-          <a:p>
-            <a:pPr algn="l"/>
-            <a:r>
-              <a:rPr lang="en-GB" sz="4800" dirty="0" err="1">
-                <a:solidFill>
-                  <a:schemeClr val="accent5">
-                    <a:lumMod val="75000"/>
-                  </a:schemeClr>
-                </a:solidFill>
-                <a:latin typeface="Bahnschrift Light" panose="020B0502040204020203" pitchFamily="34" charset="0"/>
-              </a:rPr>
-              <a:t>Webscraping</a:t>
-            </a:r>
-            <a:r>
-              <a:rPr lang="en-GB" sz="4800" dirty="0">
-                <a:solidFill>
-                  <a:schemeClr val="accent5">
-                    <a:lumMod val="75000"/>
-                  </a:schemeClr>
-                </a:solidFill>
-                <a:latin typeface="Bahnschrift Light" panose="020B0502040204020203" pitchFamily="34" charset="0"/>
-              </a:rPr>
-              <a:t> workflow</a:t>
-            </a:r>
-          </a:p>
-        </p:txBody>
-      </p:sp>
-    </p:spTree>
-    <p:extLst>
-      <p:ext uri="{BB962C8B-B14F-4D97-AF65-F5344CB8AC3E}">
-        <p14:creationId xmlns:p14="http://schemas.microsoft.com/office/powerpoint/2010/main" val="1029403929"/>
       </p:ext>
     </p:extLst>
   </p:cSld>
@@ -8101,6 +8020,988 @@
           </a:p>
         </p:txBody>
       </p:sp>
+    </p:spTree>
+    <p:extLst>
+      <p:ext uri="{BB962C8B-B14F-4D97-AF65-F5344CB8AC3E}">
+        <p14:creationId xmlns:p14="http://schemas.microsoft.com/office/powerpoint/2010/main" val="1029403929"/>
+      </p:ext>
+    </p:extLst>
+  </p:cSld>
+  <p:clrMapOvr>
+    <a:masterClrMapping/>
+  </p:clrMapOvr>
+</p:sld>
+</file>
+
+<file path=ppt/slides/slide7.xml><?xml version="1.0" encoding="utf-8"?>
+<p:sld xmlns:a="http://schemas.openxmlformats.org/drawingml/2006/main" xmlns:r="http://schemas.openxmlformats.org/officeDocument/2006/relationships" xmlns:p="http://schemas.openxmlformats.org/presentationml/2006/main">
+  <p:cSld>
+    <p:spTree>
+      <p:nvGrpSpPr>
+        <p:cNvPr id="1" name=""/>
+        <p:cNvGrpSpPr/>
+        <p:nvPr/>
+      </p:nvGrpSpPr>
+      <p:grpSpPr>
+        <a:xfrm>
+          <a:off x="0" y="0"/>
+          <a:ext cx="0" cy="0"/>
+          <a:chOff x="0" y="0"/>
+          <a:chExt cx="0" cy="0"/>
+        </a:xfrm>
+      </p:grpSpPr>
+      <p:grpSp>
+        <p:nvGrpSpPr>
+          <p:cNvPr id="71" name="Group 70">
+            <a:extLst>
+              <a:ext uri="{FF2B5EF4-FFF2-40B4-BE49-F238E27FC236}">
+                <a16:creationId xmlns:a16="http://schemas.microsoft.com/office/drawing/2014/main" id="{E76DC818-B93F-4292-A99A-48F76A72ED60}"/>
+              </a:ext>
+            </a:extLst>
+          </p:cNvPr>
+          <p:cNvGrpSpPr/>
+          <p:nvPr/>
+        </p:nvGrpSpPr>
+        <p:grpSpPr>
+          <a:xfrm>
+            <a:off x="626084" y="1443976"/>
+            <a:ext cx="11286996" cy="3124572"/>
+            <a:chOff x="626083" y="771331"/>
+            <a:chExt cx="11286996" cy="3124572"/>
+          </a:xfrm>
+        </p:grpSpPr>
+        <p:grpSp>
+          <p:nvGrpSpPr>
+            <p:cNvPr id="72" name="Group 71">
+              <a:extLst>
+                <a:ext uri="{FF2B5EF4-FFF2-40B4-BE49-F238E27FC236}">
+                  <a16:creationId xmlns:a16="http://schemas.microsoft.com/office/drawing/2014/main" id="{1934E49D-DA5E-4F2E-A520-88EDADF5D425}"/>
+                </a:ext>
+              </a:extLst>
+            </p:cNvPr>
+            <p:cNvGrpSpPr/>
+            <p:nvPr/>
+          </p:nvGrpSpPr>
+          <p:grpSpPr>
+            <a:xfrm>
+              <a:off x="6358105" y="771331"/>
+              <a:ext cx="1845350" cy="1897643"/>
+              <a:chOff x="9223544" y="771331"/>
+              <a:chExt cx="1845350" cy="1897643"/>
+            </a:xfrm>
+          </p:grpSpPr>
+          <p:grpSp>
+            <p:nvGrpSpPr>
+              <p:cNvPr id="90" name="Group 89">
+                <a:extLst>
+                  <a:ext uri="{FF2B5EF4-FFF2-40B4-BE49-F238E27FC236}">
+                    <a16:creationId xmlns:a16="http://schemas.microsoft.com/office/drawing/2014/main" id="{A0FF00A5-2009-404D-94A8-32F1F351689B}"/>
+                  </a:ext>
+                </a:extLst>
+              </p:cNvPr>
+              <p:cNvGrpSpPr/>
+              <p:nvPr/>
+            </p:nvGrpSpPr>
+            <p:grpSpPr>
+              <a:xfrm>
+                <a:off x="9223544" y="771331"/>
+                <a:ext cx="1845350" cy="1897643"/>
+                <a:chOff x="6234160" y="771331"/>
+                <a:chExt cx="1845350" cy="1897643"/>
+              </a:xfrm>
+            </p:grpSpPr>
+            <p:sp>
+              <p:nvSpPr>
+                <p:cNvPr id="92" name="Oval 91">
+                  <a:extLst>
+                    <a:ext uri="{FF2B5EF4-FFF2-40B4-BE49-F238E27FC236}">
+                      <a16:creationId xmlns:a16="http://schemas.microsoft.com/office/drawing/2014/main" id="{CEF0AF62-762E-4994-8CE5-B972CA0BD954}"/>
+                    </a:ext>
+                  </a:extLst>
+                </p:cNvPr>
+                <p:cNvSpPr/>
+                <p:nvPr/>
+              </p:nvSpPr>
+              <p:spPr>
+                <a:xfrm>
+                  <a:off x="6234160" y="823624"/>
+                  <a:ext cx="1845350" cy="1845350"/>
+                </a:xfrm>
+                <a:prstGeom prst="ellipse">
+                  <a:avLst/>
+                </a:prstGeom>
+                <a:solidFill>
+                  <a:schemeClr val="accent5">
+                    <a:lumMod val="50000"/>
+                  </a:schemeClr>
+                </a:solidFill>
+              </p:spPr>
+              <p:style>
+                <a:lnRef idx="2">
+                  <a:schemeClr val="accent1">
+                    <a:shade val="50000"/>
+                  </a:schemeClr>
+                </a:lnRef>
+                <a:fillRef idx="1">
+                  <a:schemeClr val="accent1"/>
+                </a:fillRef>
+                <a:effectRef idx="0">
+                  <a:schemeClr val="accent1"/>
+                </a:effectRef>
+                <a:fontRef idx="minor">
+                  <a:schemeClr val="lt1"/>
+                </a:fontRef>
+              </p:style>
+              <p:txBody>
+                <a:bodyPr lIns="0" tIns="0" rtlCol="0" anchor="t"/>
+                <a:lstStyle/>
+                <a:p>
+                  <a:endParaRPr lang="en-GB" sz="4400" b="1" dirty="0"/>
+                </a:p>
+              </p:txBody>
+            </p:sp>
+            <p:sp>
+              <p:nvSpPr>
+                <p:cNvPr id="93" name="TextBox 92">
+                  <a:extLst>
+                    <a:ext uri="{FF2B5EF4-FFF2-40B4-BE49-F238E27FC236}">
+                      <a16:creationId xmlns:a16="http://schemas.microsoft.com/office/drawing/2014/main" id="{B778D133-7B43-4AAF-BA3C-B40D1E7D9B3E}"/>
+                    </a:ext>
+                  </a:extLst>
+                </p:cNvPr>
+                <p:cNvSpPr txBox="1"/>
+                <p:nvPr/>
+              </p:nvSpPr>
+              <p:spPr>
+                <a:xfrm>
+                  <a:off x="6919080" y="771331"/>
+                  <a:ext cx="475510" cy="646331"/>
+                </a:xfrm>
+                <a:prstGeom prst="rect">
+                  <a:avLst/>
+                </a:prstGeom>
+                <a:noFill/>
+              </p:spPr>
+              <p:txBody>
+                <a:bodyPr wrap="square" rtlCol="0">
+                  <a:spAutoFit/>
+                </a:bodyPr>
+                <a:lstStyle/>
+                <a:p>
+                  <a:pPr algn="ctr"/>
+                  <a:r>
+                    <a:rPr lang="en-GB" sz="3600" b="1" dirty="0">
+                      <a:solidFill>
+                        <a:schemeClr val="bg2"/>
+                      </a:solidFill>
+                    </a:rPr>
+                    <a:t>3</a:t>
+                  </a:r>
+                </a:p>
+              </p:txBody>
+            </p:sp>
+          </p:grpSp>
+          <p:pic>
+            <p:nvPicPr>
+              <p:cNvPr id="91" name="Picture 90">
+                <a:extLst>
+                  <a:ext uri="{FF2B5EF4-FFF2-40B4-BE49-F238E27FC236}">
+                    <a16:creationId xmlns:a16="http://schemas.microsoft.com/office/drawing/2014/main" id="{A56C8C85-5046-4706-A6F5-D33B928AC175}"/>
+                  </a:ext>
+                </a:extLst>
+              </p:cNvPr>
+              <p:cNvPicPr>
+                <a:picLocks noChangeAspect="1"/>
+              </p:cNvPicPr>
+              <p:nvPr/>
+            </p:nvPicPr>
+            <p:blipFill>
+              <a:blip r:embed="rId2">
+                <a:lum bright="70000" contrast="-70000"/>
+                <a:extLst>
+                  <a:ext uri="{28A0092B-C50C-407E-A947-70E740481C1C}">
+                    <a14:useLocalDpi xmlns:a14="http://schemas.microsoft.com/office/drawing/2010/main" val="0"/>
+                  </a:ext>
+                </a:extLst>
+              </a:blip>
+              <a:stretch>
+                <a:fillRect/>
+              </a:stretch>
+            </p:blipFill>
+            <p:spPr>
+              <a:xfrm>
+                <a:off x="9741701" y="1421387"/>
+                <a:ext cx="1140655" cy="1140655"/>
+              </a:xfrm>
+              <a:prstGeom prst="rect">
+                <a:avLst/>
+              </a:prstGeom>
+            </p:spPr>
+          </p:pic>
+        </p:grpSp>
+        <p:sp>
+          <p:nvSpPr>
+            <p:cNvPr id="73" name="TextBox 72">
+              <a:extLst>
+                <a:ext uri="{FF2B5EF4-FFF2-40B4-BE49-F238E27FC236}">
+                  <a16:creationId xmlns:a16="http://schemas.microsoft.com/office/drawing/2014/main" id="{1CCFE1CC-D475-413E-B868-DE716941353B}"/>
+                </a:ext>
+              </a:extLst>
+            </p:cNvPr>
+            <p:cNvSpPr txBox="1"/>
+            <p:nvPr/>
+          </p:nvSpPr>
+          <p:spPr>
+            <a:xfrm>
+              <a:off x="626083" y="3064906"/>
+              <a:ext cx="3296373" cy="830997"/>
+            </a:xfrm>
+            <a:prstGeom prst="rect">
+              <a:avLst/>
+            </a:prstGeom>
+            <a:noFill/>
+          </p:spPr>
+          <p:txBody>
+            <a:bodyPr wrap="square" rtlCol="0">
+              <a:spAutoFit/>
+            </a:bodyPr>
+            <a:lstStyle/>
+            <a:p>
+              <a:r>
+                <a:rPr lang="en-GB" sz="2800" b="1" dirty="0">
+                  <a:solidFill>
+                    <a:schemeClr val="accent5">
+                      <a:lumMod val="50000"/>
+                    </a:schemeClr>
+                  </a:solidFill>
+                  <a:latin typeface="Bahnschrift SemiBold" panose="020B0502040204020203" pitchFamily="34" charset="0"/>
+                </a:rPr>
+                <a:t>Prepare</a:t>
+              </a:r>
+            </a:p>
+            <a:p>
+              <a:r>
+                <a:rPr lang="en-GB" sz="2000" b="1" dirty="0">
+                  <a:solidFill>
+                    <a:schemeClr val="tx1">
+                      <a:lumMod val="50000"/>
+                      <a:lumOff val="50000"/>
+                    </a:schemeClr>
+                  </a:solidFill>
+                  <a:latin typeface="Bahnschrift SemiBold" panose="020B0502040204020203" pitchFamily="34" charset="0"/>
+                </a:rPr>
+                <a:t>- URL construction</a:t>
+              </a:r>
+            </a:p>
+          </p:txBody>
+        </p:sp>
+        <p:grpSp>
+          <p:nvGrpSpPr>
+            <p:cNvPr id="74" name="Group 73">
+              <a:extLst>
+                <a:ext uri="{FF2B5EF4-FFF2-40B4-BE49-F238E27FC236}">
+                  <a16:creationId xmlns:a16="http://schemas.microsoft.com/office/drawing/2014/main" id="{5B81FD76-D573-4908-B585-06BA4565A38C}"/>
+                </a:ext>
+              </a:extLst>
+            </p:cNvPr>
+            <p:cNvGrpSpPr/>
+            <p:nvPr/>
+          </p:nvGrpSpPr>
+          <p:grpSpPr>
+            <a:xfrm>
+              <a:off x="9223543" y="771331"/>
+              <a:ext cx="1845350" cy="1897643"/>
+              <a:chOff x="6358105" y="771331"/>
+              <a:chExt cx="1845350" cy="1897643"/>
+            </a:xfrm>
+          </p:grpSpPr>
+          <p:grpSp>
+            <p:nvGrpSpPr>
+              <p:cNvPr id="86" name="Group 85">
+                <a:extLst>
+                  <a:ext uri="{FF2B5EF4-FFF2-40B4-BE49-F238E27FC236}">
+                    <a16:creationId xmlns:a16="http://schemas.microsoft.com/office/drawing/2014/main" id="{2F37D4A5-21D1-492A-A9B8-90107F13E1EC}"/>
+                  </a:ext>
+                </a:extLst>
+              </p:cNvPr>
+              <p:cNvGrpSpPr/>
+              <p:nvPr/>
+            </p:nvGrpSpPr>
+            <p:grpSpPr>
+              <a:xfrm>
+                <a:off x="6358105" y="771331"/>
+                <a:ext cx="1845350" cy="1897643"/>
+                <a:chOff x="6234160" y="771331"/>
+                <a:chExt cx="1845350" cy="1897643"/>
+              </a:xfrm>
+            </p:grpSpPr>
+            <p:sp>
+              <p:nvSpPr>
+                <p:cNvPr id="88" name="Oval 87">
+                  <a:extLst>
+                    <a:ext uri="{FF2B5EF4-FFF2-40B4-BE49-F238E27FC236}">
+                      <a16:creationId xmlns:a16="http://schemas.microsoft.com/office/drawing/2014/main" id="{301E771A-B9CE-4485-BB1E-544E92D2AFC8}"/>
+                    </a:ext>
+                  </a:extLst>
+                </p:cNvPr>
+                <p:cNvSpPr/>
+                <p:nvPr/>
+              </p:nvSpPr>
+              <p:spPr>
+                <a:xfrm>
+                  <a:off x="6234160" y="823624"/>
+                  <a:ext cx="1845350" cy="1845350"/>
+                </a:xfrm>
+                <a:prstGeom prst="ellipse">
+                  <a:avLst/>
+                </a:prstGeom>
+                <a:solidFill>
+                  <a:schemeClr val="accent5">
+                    <a:lumMod val="50000"/>
+                  </a:schemeClr>
+                </a:solidFill>
+              </p:spPr>
+              <p:style>
+                <a:lnRef idx="2">
+                  <a:schemeClr val="accent1">
+                    <a:shade val="50000"/>
+                  </a:schemeClr>
+                </a:lnRef>
+                <a:fillRef idx="1">
+                  <a:schemeClr val="accent1"/>
+                </a:fillRef>
+                <a:effectRef idx="0">
+                  <a:schemeClr val="accent1"/>
+                </a:effectRef>
+                <a:fontRef idx="minor">
+                  <a:schemeClr val="lt1"/>
+                </a:fontRef>
+              </p:style>
+              <p:txBody>
+                <a:bodyPr lIns="0" tIns="0" rtlCol="0" anchor="t"/>
+                <a:lstStyle/>
+                <a:p>
+                  <a:endParaRPr lang="en-GB" sz="4400" b="1" dirty="0"/>
+                </a:p>
+              </p:txBody>
+            </p:sp>
+            <p:sp>
+              <p:nvSpPr>
+                <p:cNvPr id="89" name="TextBox 88">
+                  <a:extLst>
+                    <a:ext uri="{FF2B5EF4-FFF2-40B4-BE49-F238E27FC236}">
+                      <a16:creationId xmlns:a16="http://schemas.microsoft.com/office/drawing/2014/main" id="{81B184DA-C4CD-4BA5-933C-D485DF5677FA}"/>
+                    </a:ext>
+                  </a:extLst>
+                </p:cNvPr>
+                <p:cNvSpPr txBox="1"/>
+                <p:nvPr/>
+              </p:nvSpPr>
+              <p:spPr>
+                <a:xfrm>
+                  <a:off x="6919080" y="771331"/>
+                  <a:ext cx="475510" cy="646331"/>
+                </a:xfrm>
+                <a:prstGeom prst="rect">
+                  <a:avLst/>
+                </a:prstGeom>
+                <a:noFill/>
+              </p:spPr>
+              <p:txBody>
+                <a:bodyPr wrap="square" rtlCol="0">
+                  <a:spAutoFit/>
+                </a:bodyPr>
+                <a:lstStyle/>
+                <a:p>
+                  <a:pPr algn="ctr"/>
+                  <a:r>
+                    <a:rPr lang="en-GB" sz="3600" b="1" dirty="0">
+                      <a:solidFill>
+                        <a:schemeClr val="bg2"/>
+                      </a:solidFill>
+                    </a:rPr>
+                    <a:t>4</a:t>
+                  </a:r>
+                </a:p>
+              </p:txBody>
+            </p:sp>
+          </p:grpSp>
+          <p:pic>
+            <p:nvPicPr>
+              <p:cNvPr id="87" name="Picture 86">
+                <a:extLst>
+                  <a:ext uri="{FF2B5EF4-FFF2-40B4-BE49-F238E27FC236}">
+                    <a16:creationId xmlns:a16="http://schemas.microsoft.com/office/drawing/2014/main" id="{8E9BDD0C-2DD7-408B-B762-352786E05F3C}"/>
+                  </a:ext>
+                </a:extLst>
+              </p:cNvPr>
+              <p:cNvPicPr>
+                <a:picLocks noChangeAspect="1"/>
+              </p:cNvPicPr>
+              <p:nvPr/>
+            </p:nvPicPr>
+            <p:blipFill>
+              <a:blip r:embed="rId3">
+                <a:lum bright="70000" contrast="-70000"/>
+                <a:extLst>
+                  <a:ext uri="{28A0092B-C50C-407E-A947-70E740481C1C}">
+                    <a14:useLocalDpi xmlns:a14="http://schemas.microsoft.com/office/drawing/2010/main" val="0"/>
+                  </a:ext>
+                </a:extLst>
+              </a:blip>
+              <a:stretch>
+                <a:fillRect/>
+              </a:stretch>
+            </p:blipFill>
+            <p:spPr>
+              <a:xfrm>
+                <a:off x="6639459" y="1257182"/>
+                <a:ext cx="1282642" cy="1282642"/>
+              </a:xfrm>
+              <a:prstGeom prst="rect">
+                <a:avLst/>
+              </a:prstGeom>
+            </p:spPr>
+          </p:pic>
+        </p:grpSp>
+        <p:grpSp>
+          <p:nvGrpSpPr>
+            <p:cNvPr id="75" name="Group 74">
+              <a:extLst>
+                <a:ext uri="{FF2B5EF4-FFF2-40B4-BE49-F238E27FC236}">
+                  <a16:creationId xmlns:a16="http://schemas.microsoft.com/office/drawing/2014/main" id="{1312F440-5451-493C-86B8-DE920D5B3AF1}"/>
+                </a:ext>
+              </a:extLst>
+            </p:cNvPr>
+            <p:cNvGrpSpPr/>
+            <p:nvPr/>
+          </p:nvGrpSpPr>
+          <p:grpSpPr>
+            <a:xfrm>
+              <a:off x="3492667" y="771331"/>
+              <a:ext cx="1845350" cy="1897643"/>
+              <a:chOff x="6234160" y="771331"/>
+              <a:chExt cx="1845350" cy="1897643"/>
+            </a:xfrm>
+          </p:grpSpPr>
+          <p:sp>
+            <p:nvSpPr>
+              <p:cNvPr id="84" name="Oval 83">
+                <a:extLst>
+                  <a:ext uri="{FF2B5EF4-FFF2-40B4-BE49-F238E27FC236}">
+                    <a16:creationId xmlns:a16="http://schemas.microsoft.com/office/drawing/2014/main" id="{94F4EEEA-3604-4DE2-AC5D-87465D3457DE}"/>
+                  </a:ext>
+                </a:extLst>
+              </p:cNvPr>
+              <p:cNvSpPr/>
+              <p:nvPr/>
+            </p:nvSpPr>
+            <p:spPr>
+              <a:xfrm>
+                <a:off x="6234160" y="823624"/>
+                <a:ext cx="1845350" cy="1845350"/>
+              </a:xfrm>
+              <a:prstGeom prst="ellipse">
+                <a:avLst/>
+              </a:prstGeom>
+              <a:solidFill>
+                <a:schemeClr val="accent5">
+                  <a:lumMod val="50000"/>
+                </a:schemeClr>
+              </a:solidFill>
+            </p:spPr>
+            <p:style>
+              <a:lnRef idx="2">
+                <a:schemeClr val="accent1">
+                  <a:shade val="50000"/>
+                </a:schemeClr>
+              </a:lnRef>
+              <a:fillRef idx="1">
+                <a:schemeClr val="accent1"/>
+              </a:fillRef>
+              <a:effectRef idx="0">
+                <a:schemeClr val="accent1"/>
+              </a:effectRef>
+              <a:fontRef idx="minor">
+                <a:schemeClr val="lt1"/>
+              </a:fontRef>
+            </p:style>
+            <p:txBody>
+              <a:bodyPr lIns="0" tIns="0" rtlCol="0" anchor="t"/>
+              <a:lstStyle/>
+              <a:p>
+                <a:endParaRPr lang="en-GB" sz="4400" b="1" dirty="0"/>
+              </a:p>
+            </p:txBody>
+          </p:sp>
+          <p:sp>
+            <p:nvSpPr>
+              <p:cNvPr id="85" name="TextBox 84">
+                <a:extLst>
+                  <a:ext uri="{FF2B5EF4-FFF2-40B4-BE49-F238E27FC236}">
+                    <a16:creationId xmlns:a16="http://schemas.microsoft.com/office/drawing/2014/main" id="{1A492863-AD04-44DD-BD11-3E341077F08C}"/>
+                  </a:ext>
+                </a:extLst>
+              </p:cNvPr>
+              <p:cNvSpPr txBox="1"/>
+              <p:nvPr/>
+            </p:nvSpPr>
+            <p:spPr>
+              <a:xfrm>
+                <a:off x="6919080" y="771331"/>
+                <a:ext cx="475510" cy="646331"/>
+              </a:xfrm>
+              <a:prstGeom prst="rect">
+                <a:avLst/>
+              </a:prstGeom>
+              <a:noFill/>
+            </p:spPr>
+            <p:txBody>
+              <a:bodyPr wrap="square" rtlCol="0">
+                <a:spAutoFit/>
+              </a:bodyPr>
+              <a:lstStyle/>
+              <a:p>
+                <a:pPr algn="ctr"/>
+                <a:r>
+                  <a:rPr lang="en-GB" sz="3600" b="1" dirty="0">
+                    <a:solidFill>
+                      <a:schemeClr val="bg2"/>
+                    </a:solidFill>
+                  </a:rPr>
+                  <a:t>2</a:t>
+                </a:r>
+              </a:p>
+            </p:txBody>
+          </p:sp>
+        </p:grpSp>
+        <p:grpSp>
+          <p:nvGrpSpPr>
+            <p:cNvPr id="76" name="Group 75">
+              <a:extLst>
+                <a:ext uri="{FF2B5EF4-FFF2-40B4-BE49-F238E27FC236}">
+                  <a16:creationId xmlns:a16="http://schemas.microsoft.com/office/drawing/2014/main" id="{14C45A30-925D-46C8-8BB4-CEA6CCA14C35}"/>
+                </a:ext>
+              </a:extLst>
+            </p:cNvPr>
+            <p:cNvGrpSpPr/>
+            <p:nvPr/>
+          </p:nvGrpSpPr>
+          <p:grpSpPr>
+            <a:xfrm>
+              <a:off x="627229" y="771331"/>
+              <a:ext cx="1845350" cy="1897643"/>
+              <a:chOff x="6234160" y="771331"/>
+              <a:chExt cx="1845350" cy="1897643"/>
+            </a:xfrm>
+          </p:grpSpPr>
+          <p:sp>
+            <p:nvSpPr>
+              <p:cNvPr id="82" name="Oval 81">
+                <a:extLst>
+                  <a:ext uri="{FF2B5EF4-FFF2-40B4-BE49-F238E27FC236}">
+                    <a16:creationId xmlns:a16="http://schemas.microsoft.com/office/drawing/2014/main" id="{AC421048-CF00-441B-B88D-FDE85ADDF47E}"/>
+                  </a:ext>
+                </a:extLst>
+              </p:cNvPr>
+              <p:cNvSpPr/>
+              <p:nvPr/>
+            </p:nvSpPr>
+            <p:spPr>
+              <a:xfrm>
+                <a:off x="6234160" y="823624"/>
+                <a:ext cx="1845350" cy="1845350"/>
+              </a:xfrm>
+              <a:prstGeom prst="ellipse">
+                <a:avLst/>
+              </a:prstGeom>
+              <a:solidFill>
+                <a:schemeClr val="accent5">
+                  <a:lumMod val="50000"/>
+                </a:schemeClr>
+              </a:solidFill>
+            </p:spPr>
+            <p:style>
+              <a:lnRef idx="2">
+                <a:schemeClr val="accent1">
+                  <a:shade val="50000"/>
+                </a:schemeClr>
+              </a:lnRef>
+              <a:fillRef idx="1">
+                <a:schemeClr val="accent1"/>
+              </a:fillRef>
+              <a:effectRef idx="0">
+                <a:schemeClr val="accent1"/>
+              </a:effectRef>
+              <a:fontRef idx="minor">
+                <a:schemeClr val="lt1"/>
+              </a:fontRef>
+            </p:style>
+            <p:txBody>
+              <a:bodyPr lIns="0" tIns="0" rtlCol="0" anchor="t"/>
+              <a:lstStyle/>
+              <a:p>
+                <a:endParaRPr lang="en-GB" sz="4400" b="1" dirty="0"/>
+              </a:p>
+            </p:txBody>
+          </p:sp>
+          <p:sp>
+            <p:nvSpPr>
+              <p:cNvPr id="83" name="TextBox 82">
+                <a:extLst>
+                  <a:ext uri="{FF2B5EF4-FFF2-40B4-BE49-F238E27FC236}">
+                    <a16:creationId xmlns:a16="http://schemas.microsoft.com/office/drawing/2014/main" id="{0E614711-D2BB-4BF1-B4A1-7E61A151C1FC}"/>
+                  </a:ext>
+                </a:extLst>
+              </p:cNvPr>
+              <p:cNvSpPr txBox="1"/>
+              <p:nvPr/>
+            </p:nvSpPr>
+            <p:spPr>
+              <a:xfrm>
+                <a:off x="6919080" y="771331"/>
+                <a:ext cx="475510" cy="646331"/>
+              </a:xfrm>
+              <a:prstGeom prst="rect">
+                <a:avLst/>
+              </a:prstGeom>
+              <a:noFill/>
+            </p:spPr>
+            <p:txBody>
+              <a:bodyPr wrap="square" rtlCol="0">
+                <a:spAutoFit/>
+              </a:bodyPr>
+              <a:lstStyle/>
+              <a:p>
+                <a:pPr algn="ctr"/>
+                <a:r>
+                  <a:rPr lang="en-GB" sz="3600" b="1" dirty="0">
+                    <a:solidFill>
+                      <a:schemeClr val="bg2"/>
+                    </a:solidFill>
+                  </a:rPr>
+                  <a:t>1</a:t>
+                </a:r>
+              </a:p>
+            </p:txBody>
+          </p:sp>
+        </p:grpSp>
+        <p:pic>
+          <p:nvPicPr>
+            <p:cNvPr id="77" name="Picture 76">
+              <a:extLst>
+                <a:ext uri="{FF2B5EF4-FFF2-40B4-BE49-F238E27FC236}">
+                  <a16:creationId xmlns:a16="http://schemas.microsoft.com/office/drawing/2014/main" id="{CF0593A2-EB0E-41F3-B700-C5EECC4B6944}"/>
+                </a:ext>
+              </a:extLst>
+            </p:cNvPr>
+            <p:cNvPicPr>
+              <a:picLocks noChangeAspect="1"/>
+            </p:cNvPicPr>
+            <p:nvPr/>
+          </p:nvPicPr>
+          <p:blipFill>
+            <a:blip r:embed="rId4">
+              <a:lum bright="70000" contrast="-70000"/>
+              <a:extLst>
+                <a:ext uri="{28A0092B-C50C-407E-A947-70E740481C1C}">
+                  <a14:useLocalDpi xmlns:a14="http://schemas.microsoft.com/office/drawing/2010/main" val="0"/>
+                </a:ext>
+              </a:extLst>
+            </a:blip>
+            <a:stretch>
+              <a:fillRect/>
+            </a:stretch>
+          </p:blipFill>
+          <p:spPr>
+            <a:xfrm>
+              <a:off x="3935411" y="1450418"/>
+              <a:ext cx="959861" cy="959861"/>
+            </a:xfrm>
+            <a:prstGeom prst="rect">
+              <a:avLst/>
+            </a:prstGeom>
+          </p:spPr>
+        </p:pic>
+        <p:pic>
+          <p:nvPicPr>
+            <p:cNvPr id="78" name="Picture 77">
+              <a:extLst>
+                <a:ext uri="{FF2B5EF4-FFF2-40B4-BE49-F238E27FC236}">
+                  <a16:creationId xmlns:a16="http://schemas.microsoft.com/office/drawing/2014/main" id="{87AAFD73-BA91-4CB9-9382-54F47353FE81}"/>
+                </a:ext>
+              </a:extLst>
+            </p:cNvPr>
+            <p:cNvPicPr>
+              <a:picLocks noChangeAspect="1"/>
+            </p:cNvPicPr>
+            <p:nvPr/>
+          </p:nvPicPr>
+          <p:blipFill>
+            <a:blip r:embed="rId5">
+              <a:lum bright="70000" contrast="-70000"/>
+              <a:extLst>
+                <a:ext uri="{28A0092B-C50C-407E-A947-70E740481C1C}">
+                  <a14:useLocalDpi xmlns:a14="http://schemas.microsoft.com/office/drawing/2010/main" val="0"/>
+                </a:ext>
+              </a:extLst>
+            </a:blip>
+            <a:stretch>
+              <a:fillRect/>
+            </a:stretch>
+          </p:blipFill>
+          <p:spPr>
+            <a:xfrm>
+              <a:off x="1047570" y="1417662"/>
+              <a:ext cx="1053206" cy="1053206"/>
+            </a:xfrm>
+            <a:prstGeom prst="rect">
+              <a:avLst/>
+            </a:prstGeom>
+          </p:spPr>
+        </p:pic>
+        <p:sp>
+          <p:nvSpPr>
+            <p:cNvPr id="79" name="TextBox 78">
+              <a:extLst>
+                <a:ext uri="{FF2B5EF4-FFF2-40B4-BE49-F238E27FC236}">
+                  <a16:creationId xmlns:a16="http://schemas.microsoft.com/office/drawing/2014/main" id="{30C406BB-6C08-4953-80DC-77654BD38747}"/>
+                </a:ext>
+              </a:extLst>
+            </p:cNvPr>
+            <p:cNvSpPr txBox="1"/>
+            <p:nvPr/>
+          </p:nvSpPr>
+          <p:spPr>
+            <a:xfrm>
+              <a:off x="3492667" y="3064906"/>
+              <a:ext cx="3296373" cy="830997"/>
+            </a:xfrm>
+            <a:prstGeom prst="rect">
+              <a:avLst/>
+            </a:prstGeom>
+            <a:noFill/>
+          </p:spPr>
+          <p:txBody>
+            <a:bodyPr wrap="square" rtlCol="0">
+              <a:spAutoFit/>
+            </a:bodyPr>
+            <a:lstStyle/>
+            <a:p>
+              <a:r>
+                <a:rPr lang="en-GB" sz="2800" b="1" dirty="0">
+                  <a:solidFill>
+                    <a:schemeClr val="accent5">
+                      <a:lumMod val="50000"/>
+                    </a:schemeClr>
+                  </a:solidFill>
+                  <a:latin typeface="Bahnschrift SemiBold" panose="020B0502040204020203" pitchFamily="34" charset="0"/>
+                </a:rPr>
+                <a:t>Load info</a:t>
+              </a:r>
+            </a:p>
+            <a:p>
+              <a:r>
+                <a:rPr lang="en-GB" sz="2000" b="1" dirty="0">
+                  <a:solidFill>
+                    <a:schemeClr val="tx1">
+                      <a:lumMod val="50000"/>
+                      <a:lumOff val="50000"/>
+                    </a:schemeClr>
+                  </a:solidFill>
+                  <a:latin typeface="Bahnschrift SemiBold" panose="020B0502040204020203" pitchFamily="34" charset="0"/>
+                </a:rPr>
+                <a:t>get a local version</a:t>
+              </a:r>
+            </a:p>
+          </p:txBody>
+        </p:sp>
+        <p:sp>
+          <p:nvSpPr>
+            <p:cNvPr id="80" name="TextBox 79">
+              <a:extLst>
+                <a:ext uri="{FF2B5EF4-FFF2-40B4-BE49-F238E27FC236}">
+                  <a16:creationId xmlns:a16="http://schemas.microsoft.com/office/drawing/2014/main" id="{CAEC3FD2-EBFE-4AA0-937A-D2E906B481B2}"/>
+                </a:ext>
+              </a:extLst>
+            </p:cNvPr>
+            <p:cNvSpPr txBox="1"/>
+            <p:nvPr/>
+          </p:nvSpPr>
+          <p:spPr>
+            <a:xfrm>
+              <a:off x="6359251" y="3064905"/>
+              <a:ext cx="3296373" cy="830997"/>
+            </a:xfrm>
+            <a:prstGeom prst="rect">
+              <a:avLst/>
+            </a:prstGeom>
+            <a:noFill/>
+          </p:spPr>
+          <p:txBody>
+            <a:bodyPr wrap="square" rtlCol="0">
+              <a:spAutoFit/>
+            </a:bodyPr>
+            <a:lstStyle/>
+            <a:p>
+              <a:r>
+                <a:rPr lang="en-GB" sz="2800" b="1" dirty="0">
+                  <a:solidFill>
+                    <a:schemeClr val="accent5">
+                      <a:lumMod val="50000"/>
+                    </a:schemeClr>
+                  </a:solidFill>
+                  <a:latin typeface="Bahnschrift SemiBold" panose="020B0502040204020203" pitchFamily="34" charset="0"/>
+                </a:rPr>
+                <a:t>Select info</a:t>
+              </a:r>
+            </a:p>
+            <a:p>
+              <a:r>
+                <a:rPr lang="en-GB" sz="2000" b="1" dirty="0">
+                  <a:solidFill>
+                    <a:schemeClr val="tx1">
+                      <a:lumMod val="50000"/>
+                      <a:lumOff val="50000"/>
+                    </a:schemeClr>
+                  </a:solidFill>
+                  <a:latin typeface="Bahnschrift SemiBold" panose="020B0502040204020203" pitchFamily="34" charset="0"/>
+                </a:rPr>
+                <a:t>grab the node(s)</a:t>
+              </a:r>
+            </a:p>
+          </p:txBody>
+        </p:sp>
+        <p:sp>
+          <p:nvSpPr>
+            <p:cNvPr id="81" name="TextBox 80">
+              <a:extLst>
+                <a:ext uri="{FF2B5EF4-FFF2-40B4-BE49-F238E27FC236}">
+                  <a16:creationId xmlns:a16="http://schemas.microsoft.com/office/drawing/2014/main" id="{8B2AB00E-40E0-4A4C-97D7-4493630F7B82}"/>
+                </a:ext>
+              </a:extLst>
+            </p:cNvPr>
+            <p:cNvSpPr txBox="1"/>
+            <p:nvPr/>
+          </p:nvSpPr>
+          <p:spPr>
+            <a:xfrm>
+              <a:off x="9223544" y="3064905"/>
+              <a:ext cx="2689535" cy="830997"/>
+            </a:xfrm>
+            <a:prstGeom prst="rect">
+              <a:avLst/>
+            </a:prstGeom>
+            <a:noFill/>
+          </p:spPr>
+          <p:txBody>
+            <a:bodyPr wrap="square" rtlCol="0">
+              <a:spAutoFit/>
+            </a:bodyPr>
+            <a:lstStyle/>
+            <a:p>
+              <a:r>
+                <a:rPr lang="en-GB" sz="2800" b="1" dirty="0">
+                  <a:solidFill>
+                    <a:schemeClr val="accent5">
+                      <a:lumMod val="50000"/>
+                    </a:schemeClr>
+                  </a:solidFill>
+                  <a:latin typeface="Bahnschrift SemiBold" panose="020B0502040204020203" pitchFamily="34" charset="0"/>
+                </a:rPr>
+                <a:t>Extract </a:t>
+              </a:r>
+            </a:p>
+            <a:p>
+              <a:r>
+                <a:rPr lang="en-GB" sz="2000" b="1" dirty="0">
+                  <a:solidFill>
+                    <a:schemeClr val="tx1">
+                      <a:lumMod val="50000"/>
+                      <a:lumOff val="50000"/>
+                    </a:schemeClr>
+                  </a:solidFill>
+                  <a:latin typeface="Bahnschrift SemiBold" panose="020B0502040204020203" pitchFamily="34" charset="0"/>
+                </a:rPr>
+                <a:t>and parse to R</a:t>
+              </a:r>
+            </a:p>
+          </p:txBody>
+        </p:sp>
+      </p:grpSp>
+      <p:sp>
+        <p:nvSpPr>
+          <p:cNvPr id="45" name="Title 1">
+            <a:extLst>
+              <a:ext uri="{FF2B5EF4-FFF2-40B4-BE49-F238E27FC236}">
+                <a16:creationId xmlns:a16="http://schemas.microsoft.com/office/drawing/2014/main" id="{EFD12D2A-E76E-4DBD-B683-1CD85BA6E911}"/>
+              </a:ext>
+            </a:extLst>
+          </p:cNvPr>
+          <p:cNvSpPr txBox="1">
+            <a:spLocks/>
+          </p:cNvSpPr>
+          <p:nvPr/>
+        </p:nvSpPr>
+        <p:spPr>
+          <a:xfrm>
+            <a:off x="553294" y="46041"/>
+            <a:ext cx="10515600" cy="989222"/>
+          </a:xfrm>
+          <a:prstGeom prst="rect">
+            <a:avLst/>
+          </a:prstGeom>
+        </p:spPr>
+        <p:txBody>
+          <a:bodyPr vert="horz" lIns="91440" tIns="45720" rIns="91440" bIns="45720" rtlCol="0" anchor="b">
+            <a:normAutofit/>
+          </a:bodyPr>
+          <a:lstStyle>
+            <a:lvl1pPr algn="ctr" defTabSz="914400" rtl="0" eaLnBrk="1" latinLnBrk="0" hangingPunct="1">
+              <a:lnSpc>
+                <a:spcPct val="90000"/>
+              </a:lnSpc>
+              <a:spcBef>
+                <a:spcPct val="0"/>
+              </a:spcBef>
+              <a:buNone/>
+              <a:defRPr sz="6000" kern="1200">
+                <a:solidFill>
+                  <a:schemeClr val="tx1"/>
+                </a:solidFill>
+                <a:latin typeface="+mj-lt"/>
+                <a:ea typeface="+mj-ea"/>
+                <a:cs typeface="+mj-cs"/>
+              </a:defRPr>
+            </a:lvl1pPr>
+          </a:lstStyle>
+          <a:p>
+            <a:pPr algn="l"/>
+            <a:r>
+              <a:rPr lang="en-GB" sz="4800" dirty="0" err="1">
+                <a:solidFill>
+                  <a:schemeClr val="accent5">
+                    <a:lumMod val="75000"/>
+                  </a:schemeClr>
+                </a:solidFill>
+                <a:latin typeface="Bahnschrift Light" panose="020B0502040204020203" pitchFamily="34" charset="0"/>
+              </a:rPr>
+              <a:t>Webscraping</a:t>
+            </a:r>
+            <a:r>
+              <a:rPr lang="en-GB" sz="4800" dirty="0">
+                <a:solidFill>
+                  <a:schemeClr val="accent5">
+                    <a:lumMod val="75000"/>
+                  </a:schemeClr>
+                </a:solidFill>
+                <a:latin typeface="Bahnschrift Light" panose="020B0502040204020203" pitchFamily="34" charset="0"/>
+              </a:rPr>
+              <a:t> workflow</a:t>
+            </a:r>
+          </a:p>
+        </p:txBody>
+      </p:sp>
       <p:sp>
         <p:nvSpPr>
           <p:cNvPr id="35" name="TextBox 34">
@@ -8703,7 +9604,7 @@
 </p:sld>
 </file>
 
-<file path=ppt/slides/slide7.xml><?xml version="1.0" encoding="utf-8"?>
+<file path=ppt/slides/slide8.xml><?xml version="1.0" encoding="utf-8"?>
 <p:sld xmlns:a="http://schemas.openxmlformats.org/drawingml/2006/main" xmlns:r="http://schemas.openxmlformats.org/officeDocument/2006/relationships" xmlns:p="http://schemas.openxmlformats.org/presentationml/2006/main">
   <p:cSld>
     <p:spTree>
@@ -8771,8 +9672,202 @@
             </a:pPr>
             <a:r>
               <a:rPr lang="en-GB" dirty="0"/>
-              <a:t>&lt;table class = “____” style = “____”&gt; _________  &lt;\table&gt;</a:t>
-            </a:r>
+              <a:t>&lt;div class = “intro”&gt; Here is my content text &lt;/div&gt;</a:t>
+            </a:r>
+          </a:p>
+        </p:txBody>
+      </p:sp>
+      <p:sp>
+        <p:nvSpPr>
+          <p:cNvPr id="4" name="TextBox 3">
+            <a:extLst>
+              <a:ext uri="{FF2B5EF4-FFF2-40B4-BE49-F238E27FC236}">
+                <a16:creationId xmlns:a16="http://schemas.microsoft.com/office/drawing/2014/main" id="{16E93B75-02F3-458F-B2AB-7DF42A329923}"/>
+              </a:ext>
+            </a:extLst>
+          </p:cNvPr>
+          <p:cNvSpPr txBox="1"/>
+          <p:nvPr/>
+        </p:nvSpPr>
+        <p:spPr>
+          <a:xfrm>
+            <a:off x="4927830" y="2499084"/>
+            <a:ext cx="1303562" cy="369332"/>
+          </a:xfrm>
+          <a:prstGeom prst="rect">
+            <a:avLst/>
+          </a:prstGeom>
+          <a:noFill/>
+        </p:spPr>
+        <p:txBody>
+          <a:bodyPr wrap="none" rtlCol="0">
+            <a:spAutoFit/>
+          </a:bodyPr>
+          <a:lstStyle/>
+          <a:p>
+            <a:r>
+              <a:rPr lang="en-GB" dirty="0" err="1">
+                <a:solidFill>
+                  <a:schemeClr val="accent5">
+                    <a:lumMod val="75000"/>
+                  </a:schemeClr>
+                </a:solidFill>
+                <a:latin typeface="Bahnschrift SemiBold" panose="020B0502040204020203" pitchFamily="34" charset="0"/>
+              </a:rPr>
+              <a:t>html_text</a:t>
+            </a:r>
+            <a:r>
+              <a:rPr lang="en-GB" dirty="0">
+                <a:solidFill>
+                  <a:schemeClr val="accent5">
+                    <a:lumMod val="75000"/>
+                  </a:schemeClr>
+                </a:solidFill>
+                <a:latin typeface="Bahnschrift SemiBold" panose="020B0502040204020203" pitchFamily="34" charset="0"/>
+              </a:rPr>
+              <a:t>()</a:t>
+            </a:r>
+          </a:p>
+        </p:txBody>
+      </p:sp>
+      <p:sp>
+        <p:nvSpPr>
+          <p:cNvPr id="5" name="TextBox 4">
+            <a:extLst>
+              <a:ext uri="{FF2B5EF4-FFF2-40B4-BE49-F238E27FC236}">
+                <a16:creationId xmlns:a16="http://schemas.microsoft.com/office/drawing/2014/main" id="{D0ADE970-4C84-45ED-AC37-A372087A724E}"/>
+              </a:ext>
+            </a:extLst>
+          </p:cNvPr>
+          <p:cNvSpPr txBox="1"/>
+          <p:nvPr/>
+        </p:nvSpPr>
+        <p:spPr>
+          <a:xfrm>
+            <a:off x="2543908" y="2499084"/>
+            <a:ext cx="1402948" cy="369332"/>
+          </a:xfrm>
+          <a:prstGeom prst="rect">
+            <a:avLst/>
+          </a:prstGeom>
+          <a:noFill/>
+        </p:spPr>
+        <p:txBody>
+          <a:bodyPr wrap="none" rtlCol="0">
+            <a:spAutoFit/>
+          </a:bodyPr>
+          <a:lstStyle/>
+          <a:p>
+            <a:r>
+              <a:rPr lang="en-GB" dirty="0" err="1">
+                <a:solidFill>
+                  <a:schemeClr val="accent5">
+                    <a:lumMod val="75000"/>
+                  </a:schemeClr>
+                </a:solidFill>
+                <a:latin typeface="Bahnschrift SemiBold" panose="020B0502040204020203" pitchFamily="34" charset="0"/>
+              </a:rPr>
+              <a:t>html_attrs</a:t>
+            </a:r>
+            <a:r>
+              <a:rPr lang="en-GB" dirty="0">
+                <a:solidFill>
+                  <a:schemeClr val="accent5">
+                    <a:lumMod val="75000"/>
+                  </a:schemeClr>
+                </a:solidFill>
+                <a:latin typeface="Bahnschrift SemiBold" panose="020B0502040204020203" pitchFamily="34" charset="0"/>
+              </a:rPr>
+              <a:t>()</a:t>
+            </a:r>
+          </a:p>
+        </p:txBody>
+      </p:sp>
+      <p:sp>
+        <p:nvSpPr>
+          <p:cNvPr id="6" name="Right Brace 5">
+            <a:extLst>
+              <a:ext uri="{FF2B5EF4-FFF2-40B4-BE49-F238E27FC236}">
+                <a16:creationId xmlns:a16="http://schemas.microsoft.com/office/drawing/2014/main" id="{1DF27D2B-BDEE-4CC9-A28C-AC9826AE5D27}"/>
+              </a:ext>
+            </a:extLst>
+          </p:cNvPr>
+          <p:cNvSpPr/>
+          <p:nvPr/>
+        </p:nvSpPr>
+        <p:spPr>
+          <a:xfrm rot="5400000">
+            <a:off x="3070067" y="2036478"/>
+            <a:ext cx="144815" cy="645459"/>
+          </a:xfrm>
+          <a:prstGeom prst="rightBrace">
+            <a:avLst/>
+          </a:prstGeom>
+        </p:spPr>
+        <p:style>
+          <a:lnRef idx="1">
+            <a:schemeClr val="accent1"/>
+          </a:lnRef>
+          <a:fillRef idx="0">
+            <a:schemeClr val="accent1"/>
+          </a:fillRef>
+          <a:effectRef idx="0">
+            <a:schemeClr val="accent1"/>
+          </a:effectRef>
+          <a:fontRef idx="minor">
+            <a:schemeClr val="tx1"/>
+          </a:fontRef>
+        </p:style>
+        <p:txBody>
+          <a:bodyPr rtlCol="0" anchor="ctr"/>
+          <a:lstStyle/>
+          <a:p>
+            <a:pPr algn="ctr"/>
+            <a:endParaRPr lang="en-GB"/>
+          </a:p>
+        </p:txBody>
+      </p:sp>
+      <p:sp>
+        <p:nvSpPr>
+          <p:cNvPr id="7" name="Right Brace 6">
+            <a:extLst>
+              <a:ext uri="{FF2B5EF4-FFF2-40B4-BE49-F238E27FC236}">
+                <a16:creationId xmlns:a16="http://schemas.microsoft.com/office/drawing/2014/main" id="{B44802C5-4EA3-456D-B873-9C9EBFB4FA36}"/>
+              </a:ext>
+            </a:extLst>
+          </p:cNvPr>
+          <p:cNvSpPr/>
+          <p:nvPr/>
+        </p:nvSpPr>
+        <p:spPr>
+          <a:xfrm rot="5400000">
+            <a:off x="5522258" y="671774"/>
+            <a:ext cx="144815" cy="3374867"/>
+          </a:xfrm>
+          <a:prstGeom prst="rightBrace">
+            <a:avLst/>
+          </a:prstGeom>
+        </p:spPr>
+        <p:style>
+          <a:lnRef idx="1">
+            <a:schemeClr val="accent1"/>
+          </a:lnRef>
+          <a:fillRef idx="0">
+            <a:schemeClr val="accent1"/>
+          </a:fillRef>
+          <a:effectRef idx="0">
+            <a:schemeClr val="accent1"/>
+          </a:effectRef>
+          <a:fontRef idx="minor">
+            <a:schemeClr val="tx1"/>
+          </a:fontRef>
+        </p:style>
+        <p:txBody>
+          <a:bodyPr rtlCol="0" anchor="ctr"/>
+          <a:lstStyle/>
+          <a:p>
+            <a:pPr algn="ctr"/>
+            <a:endParaRPr lang="en-GB"/>
           </a:p>
         </p:txBody>
       </p:sp>
@@ -9082,4 +10177,299 @@
     </a:ext>
   </a:extLst>
 </a:theme>
+</file>
+
+<file path=ppt/theme/theme2.xml><?xml version="1.0" encoding="utf-8"?>
+<a:theme xmlns:a="http://schemas.openxmlformats.org/drawingml/2006/main" name="Office Theme">
+  <a:themeElements>
+    <a:clrScheme name="Office">
+      <a:dk1>
+        <a:sysClr val="windowText" lastClr="000000"/>
+      </a:dk1>
+      <a:lt1>
+        <a:sysClr val="window" lastClr="FFFFFF"/>
+      </a:lt1>
+      <a:dk2>
+        <a:srgbClr val="44546A"/>
+      </a:dk2>
+      <a:lt2>
+        <a:srgbClr val="E7E6E6"/>
+      </a:lt2>
+      <a:accent1>
+        <a:srgbClr val="4472C4"/>
+      </a:accent1>
+      <a:accent2>
+        <a:srgbClr val="ED7D31"/>
+      </a:accent2>
+      <a:accent3>
+        <a:srgbClr val="A5A5A5"/>
+      </a:accent3>
+      <a:accent4>
+        <a:srgbClr val="FFC000"/>
+      </a:accent4>
+      <a:accent5>
+        <a:srgbClr val="5B9BD5"/>
+      </a:accent5>
+      <a:accent6>
+        <a:srgbClr val="70AD47"/>
+      </a:accent6>
+      <a:hlink>
+        <a:srgbClr val="0563C1"/>
+      </a:hlink>
+      <a:folHlink>
+        <a:srgbClr val="954F72"/>
+      </a:folHlink>
+    </a:clrScheme>
+    <a:fontScheme name="Office">
+      <a:majorFont>
+        <a:latin typeface="Calibri Light" panose="020F0302020204030204"/>
+        <a:ea typeface=""/>
+        <a:cs typeface=""/>
+        <a:font script="Jpan" typeface="游ゴシック Light"/>
+        <a:font script="Hang" typeface="맑은 고딕"/>
+        <a:font script="Hans" typeface="等线 Light"/>
+        <a:font script="Hant" typeface="新細明體"/>
+        <a:font script="Arab" typeface="Times New Roman"/>
+        <a:font script="Hebr" typeface="Times New Roman"/>
+        <a:font script="Thai" typeface="Angsana New"/>
+        <a:font script="Ethi" typeface="Nyala"/>
+        <a:font script="Beng" typeface="Vrinda"/>
+        <a:font script="Gujr" typeface="Shruti"/>
+        <a:font script="Khmr" typeface="MoolBoran"/>
+        <a:font script="Knda" typeface="Tunga"/>
+        <a:font script="Guru" typeface="Raavi"/>
+        <a:font script="Cans" typeface="Euphemia"/>
+        <a:font script="Cher" typeface="Plantagenet Cherokee"/>
+        <a:font script="Yiii" typeface="Microsoft Yi Baiti"/>
+        <a:font script="Tibt" typeface="Microsoft Himalaya"/>
+        <a:font script="Thaa" typeface="MV Boli"/>
+        <a:font script="Deva" typeface="Mangal"/>
+        <a:font script="Telu" typeface="Gautami"/>
+        <a:font script="Taml" typeface="Latha"/>
+        <a:font script="Syrc" typeface="Estrangelo Edessa"/>
+        <a:font script="Orya" typeface="Kalinga"/>
+        <a:font script="Mlym" typeface="Kartika"/>
+        <a:font script="Laoo" typeface="DokChampa"/>
+        <a:font script="Sinh" typeface="Iskoola Pota"/>
+        <a:font script="Mong" typeface="Mongolian Baiti"/>
+        <a:font script="Viet" typeface="Times New Roman"/>
+        <a:font script="Uigh" typeface="Microsoft Uighur"/>
+        <a:font script="Geor" typeface="Sylfaen"/>
+        <a:font script="Armn" typeface="Arial"/>
+        <a:font script="Bugi" typeface="Leelawadee UI"/>
+        <a:font script="Bopo" typeface="Microsoft JhengHei"/>
+        <a:font script="Java" typeface="Javanese Text"/>
+        <a:font script="Lisu" typeface="Segoe UI"/>
+        <a:font script="Mymr" typeface="Myanmar Text"/>
+        <a:font script="Nkoo" typeface="Ebrima"/>
+        <a:font script="Olck" typeface="Nirmala UI"/>
+        <a:font script="Osma" typeface="Ebrima"/>
+        <a:font script="Phag" typeface="Phagspa"/>
+        <a:font script="Syrn" typeface="Estrangelo Edessa"/>
+        <a:font script="Syrj" typeface="Estrangelo Edessa"/>
+        <a:font script="Syre" typeface="Estrangelo Edessa"/>
+        <a:font script="Sora" typeface="Nirmala UI"/>
+        <a:font script="Tale" typeface="Microsoft Tai Le"/>
+        <a:font script="Talu" typeface="Microsoft New Tai Lue"/>
+        <a:font script="Tfng" typeface="Ebrima"/>
+      </a:majorFont>
+      <a:minorFont>
+        <a:latin typeface="Calibri" panose="020F0502020204030204"/>
+        <a:ea typeface=""/>
+        <a:cs typeface=""/>
+        <a:font script="Jpan" typeface="游ゴシック"/>
+        <a:font script="Hang" typeface="맑은 고딕"/>
+        <a:font script="Hans" typeface="等线"/>
+        <a:font script="Hant" typeface="新細明體"/>
+        <a:font script="Arab" typeface="Arial"/>
+        <a:font script="Hebr" typeface="Arial"/>
+        <a:font script="Thai" typeface="Cordia New"/>
+        <a:font script="Ethi" typeface="Nyala"/>
+        <a:font script="Beng" typeface="Vrinda"/>
+        <a:font script="Gujr" typeface="Shruti"/>
+        <a:font script="Khmr" typeface="DaunPenh"/>
+        <a:font script="Knda" typeface="Tunga"/>
+        <a:font script="Guru" typeface="Raavi"/>
+        <a:font script="Cans" typeface="Euphemia"/>
+        <a:font script="Cher" typeface="Plantagenet Cherokee"/>
+        <a:font script="Yiii" typeface="Microsoft Yi Baiti"/>
+        <a:font script="Tibt" typeface="Microsoft Himalaya"/>
+        <a:font script="Thaa" typeface="MV Boli"/>
+        <a:font script="Deva" typeface="Mangal"/>
+        <a:font script="Telu" typeface="Gautami"/>
+        <a:font script="Taml" typeface="Latha"/>
+        <a:font script="Syrc" typeface="Estrangelo Edessa"/>
+        <a:font script="Orya" typeface="Kalinga"/>
+        <a:font script="Mlym" typeface="Kartika"/>
+        <a:font script="Laoo" typeface="DokChampa"/>
+        <a:font script="Sinh" typeface="Iskoola Pota"/>
+        <a:font script="Mong" typeface="Mongolian Baiti"/>
+        <a:font script="Viet" typeface="Arial"/>
+        <a:font script="Uigh" typeface="Microsoft Uighur"/>
+        <a:font script="Geor" typeface="Sylfaen"/>
+        <a:font script="Armn" typeface="Arial"/>
+        <a:font script="Bugi" typeface="Leelawadee UI"/>
+        <a:font script="Bopo" typeface="Microsoft JhengHei"/>
+        <a:font script="Java" typeface="Javanese Text"/>
+        <a:font script="Lisu" typeface="Segoe UI"/>
+        <a:font script="Mymr" typeface="Myanmar Text"/>
+        <a:font script="Nkoo" typeface="Ebrima"/>
+        <a:font script="Olck" typeface="Nirmala UI"/>
+        <a:font script="Osma" typeface="Ebrima"/>
+        <a:font script="Phag" typeface="Phagspa"/>
+        <a:font script="Syrn" typeface="Estrangelo Edessa"/>
+        <a:font script="Syrj" typeface="Estrangelo Edessa"/>
+        <a:font script="Syre" typeface="Estrangelo Edessa"/>
+        <a:font script="Sora" typeface="Nirmala UI"/>
+        <a:font script="Tale" typeface="Microsoft Tai Le"/>
+        <a:font script="Talu" typeface="Microsoft New Tai Lue"/>
+        <a:font script="Tfng" typeface="Ebrima"/>
+      </a:minorFont>
+    </a:fontScheme>
+    <a:fmtScheme name="Office">
+      <a:fillStyleLst>
+        <a:solidFill>
+          <a:schemeClr val="phClr"/>
+        </a:solidFill>
+        <a:gradFill rotWithShape="1">
+          <a:gsLst>
+            <a:gs pos="0">
+              <a:schemeClr val="phClr">
+                <a:lumMod val="110000"/>
+                <a:satMod val="105000"/>
+                <a:tint val="67000"/>
+              </a:schemeClr>
+            </a:gs>
+            <a:gs pos="50000">
+              <a:schemeClr val="phClr">
+                <a:lumMod val="105000"/>
+                <a:satMod val="103000"/>
+                <a:tint val="73000"/>
+              </a:schemeClr>
+            </a:gs>
+            <a:gs pos="100000">
+              <a:schemeClr val="phClr">
+                <a:lumMod val="105000"/>
+                <a:satMod val="109000"/>
+                <a:tint val="81000"/>
+              </a:schemeClr>
+            </a:gs>
+          </a:gsLst>
+          <a:lin ang="5400000" scaled="0"/>
+        </a:gradFill>
+        <a:gradFill rotWithShape="1">
+          <a:gsLst>
+            <a:gs pos="0">
+              <a:schemeClr val="phClr">
+                <a:satMod val="103000"/>
+                <a:lumMod val="102000"/>
+                <a:tint val="94000"/>
+              </a:schemeClr>
+            </a:gs>
+            <a:gs pos="50000">
+              <a:schemeClr val="phClr">
+                <a:satMod val="110000"/>
+                <a:lumMod val="100000"/>
+                <a:shade val="100000"/>
+              </a:schemeClr>
+            </a:gs>
+            <a:gs pos="100000">
+              <a:schemeClr val="phClr">
+                <a:lumMod val="99000"/>
+                <a:satMod val="120000"/>
+                <a:shade val="78000"/>
+              </a:schemeClr>
+            </a:gs>
+          </a:gsLst>
+          <a:lin ang="5400000" scaled="0"/>
+        </a:gradFill>
+      </a:fillStyleLst>
+      <a:lnStyleLst>
+        <a:ln w="6350" cap="flat" cmpd="sng" algn="ctr">
+          <a:solidFill>
+            <a:schemeClr val="phClr"/>
+          </a:solidFill>
+          <a:prstDash val="solid"/>
+          <a:miter lim="800000"/>
+        </a:ln>
+        <a:ln w="12700" cap="flat" cmpd="sng" algn="ctr">
+          <a:solidFill>
+            <a:schemeClr val="phClr"/>
+          </a:solidFill>
+          <a:prstDash val="solid"/>
+          <a:miter lim="800000"/>
+        </a:ln>
+        <a:ln w="19050" cap="flat" cmpd="sng" algn="ctr">
+          <a:solidFill>
+            <a:schemeClr val="phClr"/>
+          </a:solidFill>
+          <a:prstDash val="solid"/>
+          <a:miter lim="800000"/>
+        </a:ln>
+      </a:lnStyleLst>
+      <a:effectStyleLst>
+        <a:effectStyle>
+          <a:effectLst/>
+        </a:effectStyle>
+        <a:effectStyle>
+          <a:effectLst/>
+        </a:effectStyle>
+        <a:effectStyle>
+          <a:effectLst>
+            <a:outerShdw blurRad="57150" dist="19050" dir="5400000" algn="ctr" rotWithShape="0">
+              <a:srgbClr val="000000">
+                <a:alpha val="63000"/>
+              </a:srgbClr>
+            </a:outerShdw>
+          </a:effectLst>
+        </a:effectStyle>
+      </a:effectStyleLst>
+      <a:bgFillStyleLst>
+        <a:solidFill>
+          <a:schemeClr val="phClr"/>
+        </a:solidFill>
+        <a:solidFill>
+          <a:schemeClr val="phClr">
+            <a:tint val="95000"/>
+            <a:satMod val="170000"/>
+          </a:schemeClr>
+        </a:solidFill>
+        <a:gradFill rotWithShape="1">
+          <a:gsLst>
+            <a:gs pos="0">
+              <a:schemeClr val="phClr">
+                <a:tint val="93000"/>
+                <a:satMod val="150000"/>
+                <a:shade val="98000"/>
+                <a:lumMod val="102000"/>
+              </a:schemeClr>
+            </a:gs>
+            <a:gs pos="50000">
+              <a:schemeClr val="phClr">
+                <a:tint val="98000"/>
+                <a:satMod val="130000"/>
+                <a:shade val="90000"/>
+                <a:lumMod val="103000"/>
+              </a:schemeClr>
+            </a:gs>
+            <a:gs pos="100000">
+              <a:schemeClr val="phClr">
+                <a:shade val="63000"/>
+                <a:satMod val="120000"/>
+              </a:schemeClr>
+            </a:gs>
+          </a:gsLst>
+          <a:lin ang="5400000" scaled="0"/>
+        </a:gradFill>
+      </a:bgFillStyleLst>
+    </a:fmtScheme>
+  </a:themeElements>
+  <a:objectDefaults/>
+  <a:extraClrSchemeLst/>
+  <a:extLst>
+    <a:ext uri="{05A4C25C-085E-4340-85A3-A5531E510DB2}">
+      <thm15:themeFamily xmlns:thm15="http://schemas.microsoft.com/office/thememl/2012/main" name="Office Theme" id="{62F939B6-93AF-4DB8-9C6B-D6C7DFDC589F}" vid="{4A3C46E8-61CC-4603-A589-7422A47A8E4A}"/>
+    </a:ext>
+  </a:extLst>
+</a:theme>
 </file>
--- a/images/Images_pptx.pptx
+++ b/images/Images_pptx.pptx
@@ -9623,62 +9623,6 @@
       </p:grpSpPr>
       <p:sp>
         <p:nvSpPr>
-          <p:cNvPr id="2" name="Title 1">
-            <a:extLst>
-              <a:ext uri="{FF2B5EF4-FFF2-40B4-BE49-F238E27FC236}">
-                <a16:creationId xmlns:a16="http://schemas.microsoft.com/office/drawing/2014/main" id="{A68DE92A-B862-484E-8684-352C276EF4A1}"/>
-              </a:ext>
-            </a:extLst>
-          </p:cNvPr>
-          <p:cNvSpPr>
-            <a:spLocks noGrp="1"/>
-          </p:cNvSpPr>
-          <p:nvPr>
-            <p:ph type="title"/>
-          </p:nvPr>
-        </p:nvSpPr>
-        <p:spPr/>
-        <p:txBody>
-          <a:bodyPr/>
-          <a:lstStyle/>
-          <a:p>
-            <a:endParaRPr lang="en-GB"/>
-          </a:p>
-        </p:txBody>
-      </p:sp>
-      <p:sp>
-        <p:nvSpPr>
-          <p:cNvPr id="3" name="Content Placeholder 2">
-            <a:extLst>
-              <a:ext uri="{FF2B5EF4-FFF2-40B4-BE49-F238E27FC236}">
-                <a16:creationId xmlns:a16="http://schemas.microsoft.com/office/drawing/2014/main" id="{CBFED1A9-8AAA-484A-9954-27CA28C024B1}"/>
-              </a:ext>
-            </a:extLst>
-          </p:cNvPr>
-          <p:cNvSpPr>
-            <a:spLocks noGrp="1"/>
-          </p:cNvSpPr>
-          <p:nvPr>
-            <p:ph idx="1"/>
-          </p:nvPr>
-        </p:nvSpPr>
-        <p:spPr/>
-        <p:txBody>
-          <a:bodyPr/>
-          <a:lstStyle/>
-          <a:p>
-            <a:pPr marL="0" indent="0">
-              <a:buNone/>
-            </a:pPr>
-            <a:r>
-              <a:rPr lang="en-GB" dirty="0"/>
-              <a:t>&lt;div class = “intro”&gt; Here is my content text &lt;/div&gt;</a:t>
-            </a:r>
-          </a:p>
-        </p:txBody>
-      </p:sp>
-      <p:sp>
-        <p:nvSpPr>
           <p:cNvPr id="4" name="TextBox 3">
             <a:extLst>
               <a:ext uri="{FF2B5EF4-FFF2-40B4-BE49-F238E27FC236}">
@@ -9691,7 +9635,7 @@
         </p:nvSpPr>
         <p:spPr>
           <a:xfrm>
-            <a:off x="4927830" y="2499084"/>
+            <a:off x="5799358" y="5166665"/>
             <a:ext cx="1303562" cy="369332"/>
           </a:xfrm>
           <a:prstGeom prst="rect">
@@ -9744,7 +9688,7 @@
         </p:nvSpPr>
         <p:spPr>
           <a:xfrm>
-            <a:off x="2543908" y="2499084"/>
+            <a:off x="2465195" y="5728805"/>
             <a:ext cx="1402948" cy="369332"/>
           </a:xfrm>
           <a:prstGeom prst="rect">
@@ -9758,6 +9702,7 @@
           </a:bodyPr>
           <a:lstStyle/>
           <a:p>
+            <a:pPr algn="ctr"/>
             <a:r>
               <a:rPr lang="en-GB" dirty="0" err="1">
                 <a:solidFill>
@@ -9797,7 +9742,7 @@
         </p:nvSpPr>
         <p:spPr>
           <a:xfrm rot="5400000">
-            <a:off x="3070067" y="2036478"/>
+            <a:off x="4232720" y="4722766"/>
             <a:ext cx="144815" cy="645459"/>
           </a:xfrm>
           <a:prstGeom prst="rightBrace">
@@ -9841,8 +9786,863 @@
         </p:nvSpPr>
         <p:spPr>
           <a:xfrm rot="5400000">
-            <a:off x="5522258" y="671774"/>
-            <a:ext cx="144815" cy="3374867"/>
+            <a:off x="6320248" y="3564636"/>
+            <a:ext cx="128519" cy="2945424"/>
+          </a:xfrm>
+          <a:prstGeom prst="rightBrace">
+            <a:avLst/>
+          </a:prstGeom>
+        </p:spPr>
+        <p:style>
+          <a:lnRef idx="1">
+            <a:schemeClr val="accent1"/>
+          </a:lnRef>
+          <a:fillRef idx="0">
+            <a:schemeClr val="accent1"/>
+          </a:fillRef>
+          <a:effectRef idx="0">
+            <a:schemeClr val="accent1"/>
+          </a:effectRef>
+          <a:fontRef idx="minor">
+            <a:schemeClr val="tx1"/>
+          </a:fontRef>
+        </p:style>
+        <p:txBody>
+          <a:bodyPr rtlCol="0" anchor="ctr"/>
+          <a:lstStyle/>
+          <a:p>
+            <a:pPr algn="ctr"/>
+            <a:endParaRPr lang="en-GB"/>
+          </a:p>
+        </p:txBody>
+      </p:sp>
+      <p:sp>
+        <p:nvSpPr>
+          <p:cNvPr id="8" name="Content Placeholder 2">
+            <a:extLst>
+              <a:ext uri="{FF2B5EF4-FFF2-40B4-BE49-F238E27FC236}">
+                <a16:creationId xmlns:a16="http://schemas.microsoft.com/office/drawing/2014/main" id="{CA327B50-D8AE-4F1D-B3AB-A8B112F9AF60}"/>
+              </a:ext>
+            </a:extLst>
+          </p:cNvPr>
+          <p:cNvSpPr txBox="1">
+            <a:spLocks/>
+          </p:cNvSpPr>
+          <p:nvPr/>
+        </p:nvSpPr>
+        <p:spPr>
+          <a:xfrm>
+            <a:off x="718210" y="898566"/>
+            <a:ext cx="8132023" cy="461175"/>
+          </a:xfrm>
+          <a:prstGeom prst="rect">
+            <a:avLst/>
+          </a:prstGeom>
+        </p:spPr>
+        <p:txBody>
+          <a:bodyPr vert="horz" lIns="91440" tIns="45720" rIns="91440" bIns="45720" rtlCol="0">
+            <a:normAutofit fontScale="85000" lnSpcReduction="10000"/>
+          </a:bodyPr>
+          <a:lstStyle>
+            <a:lvl1pPr marL="228600" indent="-228600" algn="l" defTabSz="914400" rtl="0" eaLnBrk="1" latinLnBrk="0" hangingPunct="1">
+              <a:lnSpc>
+                <a:spcPct val="90000"/>
+              </a:lnSpc>
+              <a:spcBef>
+                <a:spcPts val="1000"/>
+              </a:spcBef>
+              <a:buFont typeface="Arial" panose="020B0604020202020204" pitchFamily="34" charset="0"/>
+              <a:buChar char="•"/>
+              <a:defRPr sz="2800" kern="1200">
+                <a:solidFill>
+                  <a:schemeClr val="tx1"/>
+                </a:solidFill>
+                <a:latin typeface="+mn-lt"/>
+                <a:ea typeface="+mn-ea"/>
+                <a:cs typeface="+mn-cs"/>
+              </a:defRPr>
+            </a:lvl1pPr>
+            <a:lvl2pPr marL="685800" indent="-228600" algn="l" defTabSz="914400" rtl="0" eaLnBrk="1" latinLnBrk="0" hangingPunct="1">
+              <a:lnSpc>
+                <a:spcPct val="90000"/>
+              </a:lnSpc>
+              <a:spcBef>
+                <a:spcPts val="500"/>
+              </a:spcBef>
+              <a:buFont typeface="Arial" panose="020B0604020202020204" pitchFamily="34" charset="0"/>
+              <a:buChar char="•"/>
+              <a:defRPr sz="2400" kern="1200">
+                <a:solidFill>
+                  <a:schemeClr val="tx1"/>
+                </a:solidFill>
+                <a:latin typeface="+mn-lt"/>
+                <a:ea typeface="+mn-ea"/>
+                <a:cs typeface="+mn-cs"/>
+              </a:defRPr>
+            </a:lvl2pPr>
+            <a:lvl3pPr marL="1143000" indent="-228600" algn="l" defTabSz="914400" rtl="0" eaLnBrk="1" latinLnBrk="0" hangingPunct="1">
+              <a:lnSpc>
+                <a:spcPct val="90000"/>
+              </a:lnSpc>
+              <a:spcBef>
+                <a:spcPts val="500"/>
+              </a:spcBef>
+              <a:buFont typeface="Arial" panose="020B0604020202020204" pitchFamily="34" charset="0"/>
+              <a:buChar char="•"/>
+              <a:defRPr sz="2000" kern="1200">
+                <a:solidFill>
+                  <a:schemeClr val="tx1"/>
+                </a:solidFill>
+                <a:latin typeface="+mn-lt"/>
+                <a:ea typeface="+mn-ea"/>
+                <a:cs typeface="+mn-cs"/>
+              </a:defRPr>
+            </a:lvl3pPr>
+            <a:lvl4pPr marL="1600200" indent="-228600" algn="l" defTabSz="914400" rtl="0" eaLnBrk="1" latinLnBrk="0" hangingPunct="1">
+              <a:lnSpc>
+                <a:spcPct val="90000"/>
+              </a:lnSpc>
+              <a:spcBef>
+                <a:spcPts val="500"/>
+              </a:spcBef>
+              <a:buFont typeface="Arial" panose="020B0604020202020204" pitchFamily="34" charset="0"/>
+              <a:buChar char="•"/>
+              <a:defRPr sz="1800" kern="1200">
+                <a:solidFill>
+                  <a:schemeClr val="tx1"/>
+                </a:solidFill>
+                <a:latin typeface="+mn-lt"/>
+                <a:ea typeface="+mn-ea"/>
+                <a:cs typeface="+mn-cs"/>
+              </a:defRPr>
+            </a:lvl4pPr>
+            <a:lvl5pPr marL="2057400" indent="-228600" algn="l" defTabSz="914400" rtl="0" eaLnBrk="1" latinLnBrk="0" hangingPunct="1">
+              <a:lnSpc>
+                <a:spcPct val="90000"/>
+              </a:lnSpc>
+              <a:spcBef>
+                <a:spcPts val="500"/>
+              </a:spcBef>
+              <a:buFont typeface="Arial" panose="020B0604020202020204" pitchFamily="34" charset="0"/>
+              <a:buChar char="•"/>
+              <a:defRPr sz="1800" kern="1200">
+                <a:solidFill>
+                  <a:schemeClr val="tx1"/>
+                </a:solidFill>
+                <a:latin typeface="+mn-lt"/>
+                <a:ea typeface="+mn-ea"/>
+                <a:cs typeface="+mn-cs"/>
+              </a:defRPr>
+            </a:lvl5pPr>
+            <a:lvl6pPr marL="2514600" indent="-228600" algn="l" defTabSz="914400" rtl="0" eaLnBrk="1" latinLnBrk="0" hangingPunct="1">
+              <a:lnSpc>
+                <a:spcPct val="90000"/>
+              </a:lnSpc>
+              <a:spcBef>
+                <a:spcPts val="500"/>
+              </a:spcBef>
+              <a:buFont typeface="Arial" panose="020B0604020202020204" pitchFamily="34" charset="0"/>
+              <a:buChar char="•"/>
+              <a:defRPr sz="1800" kern="1200">
+                <a:solidFill>
+                  <a:schemeClr val="tx1"/>
+                </a:solidFill>
+                <a:latin typeface="+mn-lt"/>
+                <a:ea typeface="+mn-ea"/>
+                <a:cs typeface="+mn-cs"/>
+              </a:defRPr>
+            </a:lvl6pPr>
+            <a:lvl7pPr marL="2971800" indent="-228600" algn="l" defTabSz="914400" rtl="0" eaLnBrk="1" latinLnBrk="0" hangingPunct="1">
+              <a:lnSpc>
+                <a:spcPct val="90000"/>
+              </a:lnSpc>
+              <a:spcBef>
+                <a:spcPts val="500"/>
+              </a:spcBef>
+              <a:buFont typeface="Arial" panose="020B0604020202020204" pitchFamily="34" charset="0"/>
+              <a:buChar char="•"/>
+              <a:defRPr sz="1800" kern="1200">
+                <a:solidFill>
+                  <a:schemeClr val="tx1"/>
+                </a:solidFill>
+                <a:latin typeface="+mn-lt"/>
+                <a:ea typeface="+mn-ea"/>
+                <a:cs typeface="+mn-cs"/>
+              </a:defRPr>
+            </a:lvl7pPr>
+            <a:lvl8pPr marL="3429000" indent="-228600" algn="l" defTabSz="914400" rtl="0" eaLnBrk="1" latinLnBrk="0" hangingPunct="1">
+              <a:lnSpc>
+                <a:spcPct val="90000"/>
+              </a:lnSpc>
+              <a:spcBef>
+                <a:spcPts val="500"/>
+              </a:spcBef>
+              <a:buFont typeface="Arial" panose="020B0604020202020204" pitchFamily="34" charset="0"/>
+              <a:buChar char="•"/>
+              <a:defRPr sz="1800" kern="1200">
+                <a:solidFill>
+                  <a:schemeClr val="tx1"/>
+                </a:solidFill>
+                <a:latin typeface="+mn-lt"/>
+                <a:ea typeface="+mn-ea"/>
+                <a:cs typeface="+mn-cs"/>
+              </a:defRPr>
+            </a:lvl8pPr>
+            <a:lvl9pPr marL="3886200" indent="-228600" algn="l" defTabSz="914400" rtl="0" eaLnBrk="1" latinLnBrk="0" hangingPunct="1">
+              <a:lnSpc>
+                <a:spcPct val="90000"/>
+              </a:lnSpc>
+              <a:spcBef>
+                <a:spcPts val="500"/>
+              </a:spcBef>
+              <a:buFont typeface="Arial" panose="020B0604020202020204" pitchFamily="34" charset="0"/>
+              <a:buChar char="•"/>
+              <a:defRPr sz="1800" kern="1200">
+                <a:solidFill>
+                  <a:schemeClr val="tx1"/>
+                </a:solidFill>
+                <a:latin typeface="+mn-lt"/>
+                <a:ea typeface="+mn-ea"/>
+                <a:cs typeface="+mn-cs"/>
+              </a:defRPr>
+            </a:lvl9pPr>
+          </a:lstStyle>
+          <a:p>
+            <a:pPr marL="0" indent="0">
+              <a:buFont typeface="Arial" panose="020B0604020202020204" pitchFamily="34" charset="0"/>
+              <a:buNone/>
+            </a:pPr>
+            <a:r>
+              <a:rPr lang="en-GB" dirty="0"/>
+              <a:t>&lt;div id = “intro” class = “basic”&gt; Here is my content text &lt;/div&gt;</a:t>
+            </a:r>
+          </a:p>
+        </p:txBody>
+      </p:sp>
+      <p:sp>
+        <p:nvSpPr>
+          <p:cNvPr id="9" name="TextBox 8">
+            <a:extLst>
+              <a:ext uri="{FF2B5EF4-FFF2-40B4-BE49-F238E27FC236}">
+                <a16:creationId xmlns:a16="http://schemas.microsoft.com/office/drawing/2014/main" id="{DBCD5E60-9395-45D1-B79F-7F640869F51E}"/>
+              </a:ext>
+            </a:extLst>
+          </p:cNvPr>
+          <p:cNvSpPr txBox="1"/>
+          <p:nvPr/>
+        </p:nvSpPr>
+        <p:spPr>
+          <a:xfrm>
+            <a:off x="539026" y="2619221"/>
+            <a:ext cx="2520242" cy="369332"/>
+          </a:xfrm>
+          <a:prstGeom prst="rect">
+            <a:avLst/>
+          </a:prstGeom>
+          <a:noFill/>
+        </p:spPr>
+        <p:txBody>
+          <a:bodyPr wrap="none" rtlCol="0">
+            <a:spAutoFit/>
+          </a:bodyPr>
+          <a:lstStyle/>
+          <a:p>
+            <a:pPr algn="ctr"/>
+            <a:r>
+              <a:rPr lang="en-GB" dirty="0" err="1">
+                <a:solidFill>
+                  <a:schemeClr val="accent5">
+                    <a:lumMod val="75000"/>
+                  </a:schemeClr>
+                </a:solidFill>
+                <a:latin typeface="Bahnschrift SemiBold" panose="020B0502040204020203" pitchFamily="34" charset="0"/>
+              </a:rPr>
+              <a:t>html_nodes</a:t>
+            </a:r>
+            <a:r>
+              <a:rPr lang="en-GB" dirty="0">
+                <a:solidFill>
+                  <a:schemeClr val="accent5">
+                    <a:lumMod val="75000"/>
+                  </a:schemeClr>
+                </a:solidFill>
+                <a:latin typeface="Bahnschrift SemiBold" panose="020B0502040204020203" pitchFamily="34" charset="0"/>
+              </a:rPr>
+              <a:t>(</a:t>
+            </a:r>
+            <a:r>
+              <a:rPr lang="en-GB" dirty="0" err="1">
+                <a:solidFill>
+                  <a:schemeClr val="accent5">
+                    <a:lumMod val="75000"/>
+                  </a:schemeClr>
+                </a:solidFill>
+                <a:latin typeface="Bahnschrift SemiBold" panose="020B0502040204020203" pitchFamily="34" charset="0"/>
+              </a:rPr>
+              <a:t>css</a:t>
+            </a:r>
+            <a:r>
+              <a:rPr lang="en-GB" dirty="0">
+                <a:solidFill>
+                  <a:schemeClr val="accent5">
+                    <a:lumMod val="75000"/>
+                  </a:schemeClr>
+                </a:solidFill>
+                <a:latin typeface="Bahnschrift SemiBold" panose="020B0502040204020203" pitchFamily="34" charset="0"/>
+              </a:rPr>
+              <a:t> = “div”)</a:t>
+            </a:r>
+          </a:p>
+        </p:txBody>
+      </p:sp>
+      <p:sp>
+        <p:nvSpPr>
+          <p:cNvPr id="10" name="TextBox 9">
+            <a:extLst>
+              <a:ext uri="{FF2B5EF4-FFF2-40B4-BE49-F238E27FC236}">
+                <a16:creationId xmlns:a16="http://schemas.microsoft.com/office/drawing/2014/main" id="{A155D0B7-2FC7-47F5-BECF-2625F8CC4045}"/>
+              </a:ext>
+            </a:extLst>
+          </p:cNvPr>
+          <p:cNvSpPr txBox="1"/>
+          <p:nvPr/>
+        </p:nvSpPr>
+        <p:spPr>
+          <a:xfrm>
+            <a:off x="2673301" y="1692703"/>
+            <a:ext cx="2816797" cy="369332"/>
+          </a:xfrm>
+          <a:prstGeom prst="rect">
+            <a:avLst/>
+          </a:prstGeom>
+          <a:noFill/>
+        </p:spPr>
+        <p:txBody>
+          <a:bodyPr wrap="none" rtlCol="0">
+            <a:spAutoFit/>
+          </a:bodyPr>
+          <a:lstStyle/>
+          <a:p>
+            <a:pPr algn="ctr"/>
+            <a:r>
+              <a:rPr lang="en-GB" dirty="0" err="1">
+                <a:solidFill>
+                  <a:schemeClr val="accent5">
+                    <a:lumMod val="75000"/>
+                  </a:schemeClr>
+                </a:solidFill>
+                <a:latin typeface="Bahnschrift SemiBold" panose="020B0502040204020203" pitchFamily="34" charset="0"/>
+              </a:rPr>
+              <a:t>html_nodes</a:t>
+            </a:r>
+            <a:r>
+              <a:rPr lang="en-GB" dirty="0">
+                <a:solidFill>
+                  <a:schemeClr val="accent5">
+                    <a:lumMod val="75000"/>
+                  </a:schemeClr>
+                </a:solidFill>
+                <a:latin typeface="Bahnschrift SemiBold" panose="020B0502040204020203" pitchFamily="34" charset="0"/>
+              </a:rPr>
+              <a:t>(</a:t>
+            </a:r>
+            <a:r>
+              <a:rPr lang="en-GB" dirty="0" err="1">
+                <a:solidFill>
+                  <a:schemeClr val="accent5">
+                    <a:lumMod val="75000"/>
+                  </a:schemeClr>
+                </a:solidFill>
+                <a:latin typeface="Bahnschrift SemiBold" panose="020B0502040204020203" pitchFamily="34" charset="0"/>
+              </a:rPr>
+              <a:t>css</a:t>
+            </a:r>
+            <a:r>
+              <a:rPr lang="en-GB" dirty="0">
+                <a:solidFill>
+                  <a:schemeClr val="accent5">
+                    <a:lumMod val="75000"/>
+                  </a:schemeClr>
+                </a:solidFill>
+                <a:latin typeface="Bahnschrift SemiBold" panose="020B0502040204020203" pitchFamily="34" charset="0"/>
+              </a:rPr>
+              <a:t> = “.basic”)</a:t>
+            </a:r>
+          </a:p>
+        </p:txBody>
+      </p:sp>
+      <p:cxnSp>
+        <p:nvCxnSpPr>
+          <p:cNvPr id="12" name="Straight Arrow Connector 11">
+            <a:extLst>
+              <a:ext uri="{FF2B5EF4-FFF2-40B4-BE49-F238E27FC236}">
+                <a16:creationId xmlns:a16="http://schemas.microsoft.com/office/drawing/2014/main" id="{28182174-9C89-4210-8890-36E6D81B9545}"/>
+              </a:ext>
+            </a:extLst>
+          </p:cNvPr>
+          <p:cNvCxnSpPr>
+            <a:cxnSpLocks/>
+          </p:cNvCxnSpPr>
+          <p:nvPr/>
+        </p:nvCxnSpPr>
+        <p:spPr>
+          <a:xfrm>
+            <a:off x="1199891" y="1300174"/>
+            <a:ext cx="0" cy="1295748"/>
+          </a:xfrm>
+          <a:prstGeom prst="straightConnector1">
+            <a:avLst/>
+          </a:prstGeom>
+          <a:ln>
+            <a:tailEnd type="triangle"/>
+          </a:ln>
+        </p:spPr>
+        <p:style>
+          <a:lnRef idx="1">
+            <a:schemeClr val="accent1"/>
+          </a:lnRef>
+          <a:fillRef idx="0">
+            <a:schemeClr val="accent1"/>
+          </a:fillRef>
+          <a:effectRef idx="0">
+            <a:schemeClr val="accent1"/>
+          </a:effectRef>
+          <a:fontRef idx="minor">
+            <a:schemeClr val="tx1"/>
+          </a:fontRef>
+        </p:style>
+      </p:cxnSp>
+      <p:cxnSp>
+        <p:nvCxnSpPr>
+          <p:cNvPr id="13" name="Straight Arrow Connector 12">
+            <a:extLst>
+              <a:ext uri="{FF2B5EF4-FFF2-40B4-BE49-F238E27FC236}">
+                <a16:creationId xmlns:a16="http://schemas.microsoft.com/office/drawing/2014/main" id="{71371BF6-9207-4DDD-A8B1-84F79CFC23F2}"/>
+              </a:ext>
+            </a:extLst>
+          </p:cNvPr>
+          <p:cNvCxnSpPr>
+            <a:cxnSpLocks/>
+          </p:cNvCxnSpPr>
+          <p:nvPr/>
+        </p:nvCxnSpPr>
+        <p:spPr>
+          <a:xfrm>
+            <a:off x="3578296" y="1300174"/>
+            <a:ext cx="0" cy="406622"/>
+          </a:xfrm>
+          <a:prstGeom prst="straightConnector1">
+            <a:avLst/>
+          </a:prstGeom>
+          <a:ln>
+            <a:tailEnd type="triangle"/>
+          </a:ln>
+        </p:spPr>
+        <p:style>
+          <a:lnRef idx="1">
+            <a:schemeClr val="accent1"/>
+          </a:lnRef>
+          <a:fillRef idx="0">
+            <a:schemeClr val="accent1"/>
+          </a:fillRef>
+          <a:effectRef idx="0">
+            <a:schemeClr val="accent1"/>
+          </a:effectRef>
+          <a:fontRef idx="minor">
+            <a:schemeClr val="tx1"/>
+          </a:fontRef>
+        </p:style>
+      </p:cxnSp>
+      <p:sp>
+        <p:nvSpPr>
+          <p:cNvPr id="27" name="TextBox 26">
+            <a:extLst>
+              <a:ext uri="{FF2B5EF4-FFF2-40B4-BE49-F238E27FC236}">
+                <a16:creationId xmlns:a16="http://schemas.microsoft.com/office/drawing/2014/main" id="{56BFD6EB-B0D9-4116-ABB5-BD437B84CF76}"/>
+              </a:ext>
+            </a:extLst>
+          </p:cNvPr>
+          <p:cNvSpPr txBox="1"/>
+          <p:nvPr/>
+        </p:nvSpPr>
+        <p:spPr>
+          <a:xfrm>
+            <a:off x="1493127" y="2155962"/>
+            <a:ext cx="2850460" cy="369332"/>
+          </a:xfrm>
+          <a:prstGeom prst="rect">
+            <a:avLst/>
+          </a:prstGeom>
+          <a:noFill/>
+        </p:spPr>
+        <p:txBody>
+          <a:bodyPr wrap="none" rtlCol="0">
+            <a:spAutoFit/>
+          </a:bodyPr>
+          <a:lstStyle/>
+          <a:p>
+            <a:pPr algn="ctr"/>
+            <a:r>
+              <a:rPr lang="en-GB" dirty="0" err="1">
+                <a:solidFill>
+                  <a:schemeClr val="accent5">
+                    <a:lumMod val="75000"/>
+                  </a:schemeClr>
+                </a:solidFill>
+                <a:latin typeface="Bahnschrift SemiBold" panose="020B0502040204020203" pitchFamily="34" charset="0"/>
+              </a:rPr>
+              <a:t>html_nodes</a:t>
+            </a:r>
+            <a:r>
+              <a:rPr lang="en-GB" dirty="0">
+                <a:solidFill>
+                  <a:schemeClr val="accent5">
+                    <a:lumMod val="75000"/>
+                  </a:schemeClr>
+                </a:solidFill>
+                <a:latin typeface="Bahnschrift SemiBold" panose="020B0502040204020203" pitchFamily="34" charset="0"/>
+              </a:rPr>
+              <a:t>(</a:t>
+            </a:r>
+            <a:r>
+              <a:rPr lang="en-GB" dirty="0" err="1">
+                <a:solidFill>
+                  <a:schemeClr val="accent5">
+                    <a:lumMod val="75000"/>
+                  </a:schemeClr>
+                </a:solidFill>
+                <a:latin typeface="Bahnschrift SemiBold" panose="020B0502040204020203" pitchFamily="34" charset="0"/>
+              </a:rPr>
+              <a:t>css</a:t>
+            </a:r>
+            <a:r>
+              <a:rPr lang="en-GB" dirty="0">
+                <a:solidFill>
+                  <a:schemeClr val="accent5">
+                    <a:lumMod val="75000"/>
+                  </a:schemeClr>
+                </a:solidFill>
+                <a:latin typeface="Bahnschrift SemiBold" panose="020B0502040204020203" pitchFamily="34" charset="0"/>
+              </a:rPr>
+              <a:t> = “#intro”)</a:t>
+            </a:r>
+          </a:p>
+        </p:txBody>
+      </p:sp>
+      <p:cxnSp>
+        <p:nvCxnSpPr>
+          <p:cNvPr id="28" name="Straight Arrow Connector 27">
+            <a:extLst>
+              <a:ext uri="{FF2B5EF4-FFF2-40B4-BE49-F238E27FC236}">
+                <a16:creationId xmlns:a16="http://schemas.microsoft.com/office/drawing/2014/main" id="{F8D5B328-650E-402B-BB08-BF00A5CCBAE1}"/>
+              </a:ext>
+            </a:extLst>
+          </p:cNvPr>
+          <p:cNvCxnSpPr>
+            <a:cxnSpLocks/>
+          </p:cNvCxnSpPr>
+          <p:nvPr/>
+        </p:nvCxnSpPr>
+        <p:spPr>
+          <a:xfrm>
+            <a:off x="1765357" y="1300174"/>
+            <a:ext cx="0" cy="853036"/>
+          </a:xfrm>
+          <a:prstGeom prst="straightConnector1">
+            <a:avLst/>
+          </a:prstGeom>
+          <a:ln>
+            <a:tailEnd type="triangle"/>
+          </a:ln>
+        </p:spPr>
+        <p:style>
+          <a:lnRef idx="1">
+            <a:schemeClr val="accent1"/>
+          </a:lnRef>
+          <a:fillRef idx="0">
+            <a:schemeClr val="accent1"/>
+          </a:fillRef>
+          <a:effectRef idx="0">
+            <a:schemeClr val="accent1"/>
+          </a:effectRef>
+          <a:fontRef idx="minor">
+            <a:schemeClr val="tx1"/>
+          </a:fontRef>
+        </p:style>
+      </p:cxnSp>
+      <p:sp>
+        <p:nvSpPr>
+          <p:cNvPr id="30" name="Content Placeholder 2">
+            <a:extLst>
+              <a:ext uri="{FF2B5EF4-FFF2-40B4-BE49-F238E27FC236}">
+                <a16:creationId xmlns:a16="http://schemas.microsoft.com/office/drawing/2014/main" id="{02A57B14-D4C5-4227-91BB-4294EAA3ADF6}"/>
+              </a:ext>
+            </a:extLst>
+          </p:cNvPr>
+          <p:cNvSpPr txBox="1">
+            <a:spLocks/>
+          </p:cNvSpPr>
+          <p:nvPr/>
+        </p:nvSpPr>
+        <p:spPr>
+          <a:xfrm>
+            <a:off x="845785" y="4451257"/>
+            <a:ext cx="8132023" cy="461175"/>
+          </a:xfrm>
+          <a:prstGeom prst="rect">
+            <a:avLst/>
+          </a:prstGeom>
+        </p:spPr>
+        <p:txBody>
+          <a:bodyPr vert="horz" lIns="91440" tIns="45720" rIns="91440" bIns="45720" rtlCol="0">
+            <a:normAutofit fontScale="85000" lnSpcReduction="10000"/>
+          </a:bodyPr>
+          <a:lstStyle>
+            <a:lvl1pPr marL="228600" indent="-228600" algn="l" defTabSz="914400" rtl="0" eaLnBrk="1" latinLnBrk="0" hangingPunct="1">
+              <a:lnSpc>
+                <a:spcPct val="90000"/>
+              </a:lnSpc>
+              <a:spcBef>
+                <a:spcPts val="1000"/>
+              </a:spcBef>
+              <a:buFont typeface="Arial" panose="020B0604020202020204" pitchFamily="34" charset="0"/>
+              <a:buChar char="•"/>
+              <a:defRPr sz="2800" kern="1200">
+                <a:solidFill>
+                  <a:schemeClr val="tx1"/>
+                </a:solidFill>
+                <a:latin typeface="+mn-lt"/>
+                <a:ea typeface="+mn-ea"/>
+                <a:cs typeface="+mn-cs"/>
+              </a:defRPr>
+            </a:lvl1pPr>
+            <a:lvl2pPr marL="685800" indent="-228600" algn="l" defTabSz="914400" rtl="0" eaLnBrk="1" latinLnBrk="0" hangingPunct="1">
+              <a:lnSpc>
+                <a:spcPct val="90000"/>
+              </a:lnSpc>
+              <a:spcBef>
+                <a:spcPts val="500"/>
+              </a:spcBef>
+              <a:buFont typeface="Arial" panose="020B0604020202020204" pitchFamily="34" charset="0"/>
+              <a:buChar char="•"/>
+              <a:defRPr sz="2400" kern="1200">
+                <a:solidFill>
+                  <a:schemeClr val="tx1"/>
+                </a:solidFill>
+                <a:latin typeface="+mn-lt"/>
+                <a:ea typeface="+mn-ea"/>
+                <a:cs typeface="+mn-cs"/>
+              </a:defRPr>
+            </a:lvl2pPr>
+            <a:lvl3pPr marL="1143000" indent="-228600" algn="l" defTabSz="914400" rtl="0" eaLnBrk="1" latinLnBrk="0" hangingPunct="1">
+              <a:lnSpc>
+                <a:spcPct val="90000"/>
+              </a:lnSpc>
+              <a:spcBef>
+                <a:spcPts val="500"/>
+              </a:spcBef>
+              <a:buFont typeface="Arial" panose="020B0604020202020204" pitchFamily="34" charset="0"/>
+              <a:buChar char="•"/>
+              <a:defRPr sz="2000" kern="1200">
+                <a:solidFill>
+                  <a:schemeClr val="tx1"/>
+                </a:solidFill>
+                <a:latin typeface="+mn-lt"/>
+                <a:ea typeface="+mn-ea"/>
+                <a:cs typeface="+mn-cs"/>
+              </a:defRPr>
+            </a:lvl3pPr>
+            <a:lvl4pPr marL="1600200" indent="-228600" algn="l" defTabSz="914400" rtl="0" eaLnBrk="1" latinLnBrk="0" hangingPunct="1">
+              <a:lnSpc>
+                <a:spcPct val="90000"/>
+              </a:lnSpc>
+              <a:spcBef>
+                <a:spcPts val="500"/>
+              </a:spcBef>
+              <a:buFont typeface="Arial" panose="020B0604020202020204" pitchFamily="34" charset="0"/>
+              <a:buChar char="•"/>
+              <a:defRPr sz="1800" kern="1200">
+                <a:solidFill>
+                  <a:schemeClr val="tx1"/>
+                </a:solidFill>
+                <a:latin typeface="+mn-lt"/>
+                <a:ea typeface="+mn-ea"/>
+                <a:cs typeface="+mn-cs"/>
+              </a:defRPr>
+            </a:lvl4pPr>
+            <a:lvl5pPr marL="2057400" indent="-228600" algn="l" defTabSz="914400" rtl="0" eaLnBrk="1" latinLnBrk="0" hangingPunct="1">
+              <a:lnSpc>
+                <a:spcPct val="90000"/>
+              </a:lnSpc>
+              <a:spcBef>
+                <a:spcPts val="500"/>
+              </a:spcBef>
+              <a:buFont typeface="Arial" panose="020B0604020202020204" pitchFamily="34" charset="0"/>
+              <a:buChar char="•"/>
+              <a:defRPr sz="1800" kern="1200">
+                <a:solidFill>
+                  <a:schemeClr val="tx1"/>
+                </a:solidFill>
+                <a:latin typeface="+mn-lt"/>
+                <a:ea typeface="+mn-ea"/>
+                <a:cs typeface="+mn-cs"/>
+              </a:defRPr>
+            </a:lvl5pPr>
+            <a:lvl6pPr marL="2514600" indent="-228600" algn="l" defTabSz="914400" rtl="0" eaLnBrk="1" latinLnBrk="0" hangingPunct="1">
+              <a:lnSpc>
+                <a:spcPct val="90000"/>
+              </a:lnSpc>
+              <a:spcBef>
+                <a:spcPts val="500"/>
+              </a:spcBef>
+              <a:buFont typeface="Arial" panose="020B0604020202020204" pitchFamily="34" charset="0"/>
+              <a:buChar char="•"/>
+              <a:defRPr sz="1800" kern="1200">
+                <a:solidFill>
+                  <a:schemeClr val="tx1"/>
+                </a:solidFill>
+                <a:latin typeface="+mn-lt"/>
+                <a:ea typeface="+mn-ea"/>
+                <a:cs typeface="+mn-cs"/>
+              </a:defRPr>
+            </a:lvl6pPr>
+            <a:lvl7pPr marL="2971800" indent="-228600" algn="l" defTabSz="914400" rtl="0" eaLnBrk="1" latinLnBrk="0" hangingPunct="1">
+              <a:lnSpc>
+                <a:spcPct val="90000"/>
+              </a:lnSpc>
+              <a:spcBef>
+                <a:spcPts val="500"/>
+              </a:spcBef>
+              <a:buFont typeface="Arial" panose="020B0604020202020204" pitchFamily="34" charset="0"/>
+              <a:buChar char="•"/>
+              <a:defRPr sz="1800" kern="1200">
+                <a:solidFill>
+                  <a:schemeClr val="tx1"/>
+                </a:solidFill>
+                <a:latin typeface="+mn-lt"/>
+                <a:ea typeface="+mn-ea"/>
+                <a:cs typeface="+mn-cs"/>
+              </a:defRPr>
+            </a:lvl7pPr>
+            <a:lvl8pPr marL="3429000" indent="-228600" algn="l" defTabSz="914400" rtl="0" eaLnBrk="1" latinLnBrk="0" hangingPunct="1">
+              <a:lnSpc>
+                <a:spcPct val="90000"/>
+              </a:lnSpc>
+              <a:spcBef>
+                <a:spcPts val="500"/>
+              </a:spcBef>
+              <a:buFont typeface="Arial" panose="020B0604020202020204" pitchFamily="34" charset="0"/>
+              <a:buChar char="•"/>
+              <a:defRPr sz="1800" kern="1200">
+                <a:solidFill>
+                  <a:schemeClr val="tx1"/>
+                </a:solidFill>
+                <a:latin typeface="+mn-lt"/>
+                <a:ea typeface="+mn-ea"/>
+                <a:cs typeface="+mn-cs"/>
+              </a:defRPr>
+            </a:lvl8pPr>
+            <a:lvl9pPr marL="3886200" indent="-228600" algn="l" defTabSz="914400" rtl="0" eaLnBrk="1" latinLnBrk="0" hangingPunct="1">
+              <a:lnSpc>
+                <a:spcPct val="90000"/>
+              </a:lnSpc>
+              <a:spcBef>
+                <a:spcPts val="500"/>
+              </a:spcBef>
+              <a:buFont typeface="Arial" panose="020B0604020202020204" pitchFamily="34" charset="0"/>
+              <a:buChar char="•"/>
+              <a:defRPr sz="1800" kern="1200">
+                <a:solidFill>
+                  <a:schemeClr val="tx1"/>
+                </a:solidFill>
+                <a:latin typeface="+mn-lt"/>
+                <a:ea typeface="+mn-ea"/>
+                <a:cs typeface="+mn-cs"/>
+              </a:defRPr>
+            </a:lvl9pPr>
+          </a:lstStyle>
+          <a:p>
+            <a:pPr marL="0" indent="0">
+              <a:buFont typeface="Arial" panose="020B0604020202020204" pitchFamily="34" charset="0"/>
+              <a:buNone/>
+            </a:pPr>
+            <a:r>
+              <a:rPr lang="en-GB" dirty="0"/>
+              <a:t>&lt;div id = “intro” class = “basic”&gt; Here is my content text &lt;/div&gt;</a:t>
+            </a:r>
+          </a:p>
+        </p:txBody>
+      </p:sp>
+      <p:sp>
+        <p:nvSpPr>
+          <p:cNvPr id="33" name="TextBox 32">
+            <a:extLst>
+              <a:ext uri="{FF2B5EF4-FFF2-40B4-BE49-F238E27FC236}">
+                <a16:creationId xmlns:a16="http://schemas.microsoft.com/office/drawing/2014/main" id="{789F36E3-817E-49E3-99C0-1BBD05C98023}"/>
+              </a:ext>
+            </a:extLst>
+          </p:cNvPr>
+          <p:cNvSpPr txBox="1"/>
+          <p:nvPr/>
+        </p:nvSpPr>
+        <p:spPr>
+          <a:xfrm>
+            <a:off x="3445866" y="5197383"/>
+            <a:ext cx="2170786" cy="307777"/>
+          </a:xfrm>
+          <a:prstGeom prst="rect">
+            <a:avLst/>
+          </a:prstGeom>
+          <a:noFill/>
+        </p:spPr>
+        <p:txBody>
+          <a:bodyPr wrap="none" rtlCol="0">
+            <a:spAutoFit/>
+          </a:bodyPr>
+          <a:lstStyle/>
+          <a:p>
+            <a:pPr algn="ctr"/>
+            <a:r>
+              <a:rPr lang="en-GB" sz="1400" dirty="0" err="1">
+                <a:solidFill>
+                  <a:schemeClr val="accent5">
+                    <a:lumMod val="75000"/>
+                  </a:schemeClr>
+                </a:solidFill>
+                <a:latin typeface="Bahnschrift SemiBold" panose="020B0502040204020203" pitchFamily="34" charset="0"/>
+              </a:rPr>
+              <a:t>html_attr</a:t>
+            </a:r>
+            <a:r>
+              <a:rPr lang="en-GB" sz="1400" dirty="0">
+                <a:solidFill>
+                  <a:schemeClr val="accent5">
+                    <a:lumMod val="75000"/>
+                  </a:schemeClr>
+                </a:solidFill>
+                <a:latin typeface="Bahnschrift SemiBold" panose="020B0502040204020203" pitchFamily="34" charset="0"/>
+              </a:rPr>
+              <a:t>(name = “class”)</a:t>
+            </a:r>
+          </a:p>
+        </p:txBody>
+      </p:sp>
+      <p:sp>
+        <p:nvSpPr>
+          <p:cNvPr id="34" name="Right Brace 33">
+            <a:extLst>
+              <a:ext uri="{FF2B5EF4-FFF2-40B4-BE49-F238E27FC236}">
+                <a16:creationId xmlns:a16="http://schemas.microsoft.com/office/drawing/2014/main" id="{3EBE9D46-FF2B-4407-819A-71100BFE5678}"/>
+              </a:ext>
+            </a:extLst>
+          </p:cNvPr>
+          <p:cNvSpPr/>
+          <p:nvPr/>
+        </p:nvSpPr>
+        <p:spPr>
+          <a:xfrm rot="5400000">
+            <a:off x="3040419" y="4118255"/>
+            <a:ext cx="132854" cy="3042022"/>
           </a:xfrm>
           <a:prstGeom prst="rightBrace">
             <a:avLst/>

--- a/images/Images_pptx.pptx
+++ b/images/Images_pptx.pptx
@@ -204,7 +204,7 @@
           <a:p>
             <a:fld id="{9E9AA8DD-40B9-448A-89CB-16B73E88C72D}" type="datetimeFigureOut">
               <a:rPr lang="en-GB" smtClean="0"/>
-              <a:t>26/09/2018</a:t>
+              <a:t>27/09/2018</a:t>
             </a:fld>
             <a:endParaRPr lang="en-GB"/>
           </a:p>
@@ -722,7 +722,7 @@
           <a:p>
             <a:fld id="{3E2FC8C7-FF0E-4FCF-804D-A269A90AB1E3}" type="datetimeFigureOut">
               <a:rPr lang="en-GB" smtClean="0"/>
-              <a:t>26/09/2018</a:t>
+              <a:t>27/09/2018</a:t>
             </a:fld>
             <a:endParaRPr lang="en-GB"/>
           </a:p>
@@ -922,7 +922,7 @@
           <a:p>
             <a:fld id="{3E2FC8C7-FF0E-4FCF-804D-A269A90AB1E3}" type="datetimeFigureOut">
               <a:rPr lang="en-GB" smtClean="0"/>
-              <a:t>26/09/2018</a:t>
+              <a:t>27/09/2018</a:t>
             </a:fld>
             <a:endParaRPr lang="en-GB"/>
           </a:p>
@@ -1132,7 +1132,7 @@
           <a:p>
             <a:fld id="{3E2FC8C7-FF0E-4FCF-804D-A269A90AB1E3}" type="datetimeFigureOut">
               <a:rPr lang="en-GB" smtClean="0"/>
-              <a:t>26/09/2018</a:t>
+              <a:t>27/09/2018</a:t>
             </a:fld>
             <a:endParaRPr lang="en-GB"/>
           </a:p>
@@ -1627,7 +1627,7 @@
           <a:p>
             <a:fld id="{3E2FC8C7-FF0E-4FCF-804D-A269A90AB1E3}" type="datetimeFigureOut">
               <a:rPr lang="en-GB" smtClean="0"/>
-              <a:t>26/09/2018</a:t>
+              <a:t>27/09/2018</a:t>
             </a:fld>
             <a:endParaRPr lang="en-GB"/>
           </a:p>
@@ -1903,7 +1903,7 @@
           <a:p>
             <a:fld id="{3E2FC8C7-FF0E-4FCF-804D-A269A90AB1E3}" type="datetimeFigureOut">
               <a:rPr lang="en-GB" smtClean="0"/>
-              <a:t>26/09/2018</a:t>
+              <a:t>27/09/2018</a:t>
             </a:fld>
             <a:endParaRPr lang="en-GB"/>
           </a:p>
@@ -2171,7 +2171,7 @@
           <a:p>
             <a:fld id="{3E2FC8C7-FF0E-4FCF-804D-A269A90AB1E3}" type="datetimeFigureOut">
               <a:rPr lang="en-GB" smtClean="0"/>
-              <a:t>26/09/2018</a:t>
+              <a:t>27/09/2018</a:t>
             </a:fld>
             <a:endParaRPr lang="en-GB"/>
           </a:p>
@@ -2586,7 +2586,7 @@
           <a:p>
             <a:fld id="{3E2FC8C7-FF0E-4FCF-804D-A269A90AB1E3}" type="datetimeFigureOut">
               <a:rPr lang="en-GB" smtClean="0"/>
-              <a:t>26/09/2018</a:t>
+              <a:t>27/09/2018</a:t>
             </a:fld>
             <a:endParaRPr lang="en-GB"/>
           </a:p>
@@ -2728,7 +2728,7 @@
           <a:p>
             <a:fld id="{3E2FC8C7-FF0E-4FCF-804D-A269A90AB1E3}" type="datetimeFigureOut">
               <a:rPr lang="en-GB" smtClean="0"/>
-              <a:t>26/09/2018</a:t>
+              <a:t>27/09/2018</a:t>
             </a:fld>
             <a:endParaRPr lang="en-GB"/>
           </a:p>
@@ -2841,7 +2841,7 @@
           <a:p>
             <a:fld id="{3E2FC8C7-FF0E-4FCF-804D-A269A90AB1E3}" type="datetimeFigureOut">
               <a:rPr lang="en-GB" smtClean="0"/>
-              <a:t>26/09/2018</a:t>
+              <a:t>27/09/2018</a:t>
             </a:fld>
             <a:endParaRPr lang="en-GB"/>
           </a:p>
@@ -3154,7 +3154,7 @@
           <a:p>
             <a:fld id="{3E2FC8C7-FF0E-4FCF-804D-A269A90AB1E3}" type="datetimeFigureOut">
               <a:rPr lang="en-GB" smtClean="0"/>
-              <a:t>26/09/2018</a:t>
+              <a:t>27/09/2018</a:t>
             </a:fld>
             <a:endParaRPr lang="en-GB"/>
           </a:p>
@@ -3443,7 +3443,7 @@
           <a:p>
             <a:fld id="{3E2FC8C7-FF0E-4FCF-804D-A269A90AB1E3}" type="datetimeFigureOut">
               <a:rPr lang="en-GB" smtClean="0"/>
-              <a:t>26/09/2018</a:t>
+              <a:t>27/09/2018</a:t>
             </a:fld>
             <a:endParaRPr lang="en-GB"/>
           </a:p>
@@ -3686,7 +3686,7 @@
           <a:p>
             <a:fld id="{3E2FC8C7-FF0E-4FCF-804D-A269A90AB1E3}" type="datetimeFigureOut">
               <a:rPr lang="en-GB" smtClean="0"/>
-              <a:t>26/09/2018</a:t>
+              <a:t>27/09/2018</a:t>
             </a:fld>
             <a:endParaRPr lang="en-GB"/>
           </a:p>
@@ -7083,9 +7083,9 @@
         <p:grpSpPr>
           <a:xfrm>
             <a:off x="626084" y="1443976"/>
-            <a:ext cx="11286996" cy="3124572"/>
+            <a:ext cx="11286996" cy="3432348"/>
             <a:chOff x="626083" y="771331"/>
-            <a:chExt cx="11286996" cy="3124572"/>
+            <a:chExt cx="11286996" cy="3432348"/>
           </a:xfrm>
         </p:grpSpPr>
         <p:grpSp>
@@ -7272,7 +7272,7 @@
           <p:spPr>
             <a:xfrm>
               <a:off x="626083" y="3064906"/>
-              <a:ext cx="3296373" cy="830997"/>
+              <a:ext cx="3296373" cy="1138773"/>
             </a:xfrm>
             <a:prstGeom prst="rect">
               <a:avLst/>
@@ -7309,6 +7309,20 @@
                   <a:latin typeface="Bahnschrift SemiBold" panose="020B0502040204020203" pitchFamily="34" charset="0"/>
                 </a:rPr>
                 <a:t>- URL construction</a:t>
+              </a:r>
+            </a:p>
+            <a:p>
+              <a:r>
+                <a:rPr lang="en-GB" sz="2000" b="1" dirty="0">
+                  <a:solidFill>
+                    <a:schemeClr val="tx1">
+                      <a:lumMod val="50000"/>
+                      <a:lumOff val="50000"/>
+                    </a:schemeClr>
+                  </a:solidFill>
+                  <a:latin typeface="Bahnschrift SemiBold" panose="020B0502040204020203" pitchFamily="34" charset="0"/>
+                </a:rPr>
+                <a:t>- Allowed to scrape?</a:t>
               </a:r>
             </a:p>
           </p:txBody>
@@ -8065,9 +8079,9 @@
         <p:grpSpPr>
           <a:xfrm>
             <a:off x="626084" y="1443976"/>
-            <a:ext cx="11286996" cy="3124572"/>
+            <a:ext cx="11286996" cy="3432348"/>
             <a:chOff x="626083" y="771331"/>
-            <a:chExt cx="11286996" cy="3124572"/>
+            <a:chExt cx="11286996" cy="3432348"/>
           </a:xfrm>
         </p:grpSpPr>
         <p:grpSp>
@@ -8254,7 +8268,7 @@
           <p:spPr>
             <a:xfrm>
               <a:off x="626083" y="3064906"/>
-              <a:ext cx="3296373" cy="830997"/>
+              <a:ext cx="3296373" cy="1138773"/>
             </a:xfrm>
             <a:prstGeom prst="rect">
               <a:avLst/>
@@ -8291,6 +8305,20 @@
                   <a:latin typeface="Bahnschrift SemiBold" panose="020B0502040204020203" pitchFamily="34" charset="0"/>
                 </a:rPr>
                 <a:t>- URL construction</a:t>
+              </a:r>
+            </a:p>
+            <a:p>
+              <a:r>
+                <a:rPr lang="en-GB" sz="2000" b="1" dirty="0">
+                  <a:solidFill>
+                    <a:schemeClr val="tx1">
+                      <a:lumMod val="50000"/>
+                      <a:lumOff val="50000"/>
+                    </a:schemeClr>
+                  </a:solidFill>
+                  <a:latin typeface="Bahnschrift SemiBold" panose="020B0502040204020203" pitchFamily="34" charset="0"/>
+                </a:rPr>
+                <a:t>- Allowed to scrape?</a:t>
               </a:r>
             </a:p>
           </p:txBody>
@@ -9017,7 +9045,7 @@
         <p:spPr>
           <a:xfrm>
             <a:off x="626084" y="5370133"/>
-            <a:ext cx="3296373" cy="584775"/>
+            <a:ext cx="3551500" cy="1077218"/>
           </a:xfrm>
           <a:prstGeom prst="rect">
             <a:avLst/>
@@ -9087,6 +9115,70 @@
               </a:rPr>
               <a:t>()</a:t>
             </a:r>
+          </a:p>
+          <a:p>
+            <a:endParaRPr lang="en-GB" sz="1600" dirty="0">
+              <a:solidFill>
+                <a:schemeClr val="accent2">
+                  <a:lumMod val="75000"/>
+                </a:schemeClr>
+              </a:solidFill>
+              <a:latin typeface="Lucida Console" panose="020B0609040504020204" pitchFamily="49" charset="0"/>
+            </a:endParaRPr>
+          </a:p>
+          <a:p>
+            <a:r>
+              <a:rPr lang="fr-BE" sz="1600" dirty="0" err="1">
+                <a:solidFill>
+                  <a:schemeClr val="accent2">
+                    <a:lumMod val="75000"/>
+                  </a:schemeClr>
+                </a:solidFill>
+                <a:latin typeface="Lucida Console" panose="020B0609040504020204" pitchFamily="49" charset="0"/>
+              </a:rPr>
+              <a:t>robotstxt</a:t>
+            </a:r>
+            <a:r>
+              <a:rPr lang="fr-BE" sz="1600" dirty="0">
+                <a:solidFill>
+                  <a:schemeClr val="accent2">
+                    <a:lumMod val="75000"/>
+                  </a:schemeClr>
+                </a:solidFill>
+                <a:latin typeface="Lucida Console" panose="020B0609040504020204" pitchFamily="49" charset="0"/>
+              </a:rPr>
+              <a:t>::</a:t>
+            </a:r>
+            <a:r>
+              <a:rPr lang="fr-BE" sz="1600" dirty="0" err="1">
+                <a:solidFill>
+                  <a:schemeClr val="accent2">
+                    <a:lumMod val="75000"/>
+                  </a:schemeClr>
+                </a:solidFill>
+                <a:latin typeface="Lucida Console" panose="020B0609040504020204" pitchFamily="49" charset="0"/>
+              </a:rPr>
+              <a:t>paths_allowed</a:t>
+            </a:r>
+            <a:r>
+              <a:rPr lang="fr-BE" sz="1600" dirty="0">
+                <a:solidFill>
+                  <a:schemeClr val="accent2">
+                    <a:lumMod val="75000"/>
+                  </a:schemeClr>
+                </a:solidFill>
+                <a:latin typeface="Lucida Console" panose="020B0609040504020204" pitchFamily="49" charset="0"/>
+              </a:rPr>
+              <a:t>()</a:t>
+            </a:r>
+            <a:endParaRPr lang="en-GB" sz="1600" dirty="0">
+              <a:solidFill>
+                <a:schemeClr val="accent2">
+                  <a:lumMod val="75000"/>
+                </a:schemeClr>
+              </a:solidFill>
+              <a:latin typeface="Lucida Console" panose="020B0609040504020204" pitchFamily="49" charset="0"/>
+            </a:endParaRPr>
           </a:p>
         </p:txBody>
       </p:sp>
@@ -9308,8 +9400,8 @@
         </p:nvSpPr>
         <p:spPr>
           <a:xfrm>
-            <a:off x="9223545" y="5364280"/>
-            <a:ext cx="3296373" cy="584775"/>
+            <a:off x="9223546" y="5364280"/>
+            <a:ext cx="2689534" cy="830997"/>
           </a:xfrm>
           <a:prstGeom prst="rect">
             <a:avLst/>
@@ -9377,7 +9469,7 @@
                 </a:solidFill>
                 <a:latin typeface="Lucida Console" panose="020B0609040504020204" pitchFamily="49" charset="0"/>
               </a:rPr>
-              <a:t>rvest</a:t>
+              <a:t>Rvest</a:t>
             </a:r>
             <a:r>
               <a:rPr lang="en-GB" sz="1600" dirty="0">
@@ -9399,7 +9491,53 @@
                 </a:solidFill>
                 <a:latin typeface="Lucida Console" panose="020B0609040504020204" pitchFamily="49" charset="0"/>
               </a:rPr>
-              <a:t>html_tables</a:t>
+              <a:t>html_attr</a:t>
+            </a:r>
+            <a:r>
+              <a:rPr lang="en-GB" sz="1600" dirty="0">
+                <a:solidFill>
+                  <a:schemeClr val="accent2">
+                    <a:lumMod val="75000"/>
+                  </a:schemeClr>
+                </a:solidFill>
+                <a:latin typeface="Lucida Console" panose="020B0609040504020204" pitchFamily="49" charset="0"/>
+              </a:rPr>
+              <a:t>()</a:t>
+            </a:r>
+          </a:p>
+          <a:p>
+            <a:r>
+              <a:rPr lang="en-GB" sz="1600" dirty="0" err="1">
+                <a:solidFill>
+                  <a:schemeClr val="accent2">
+                    <a:lumMod val="75000"/>
+                  </a:schemeClr>
+                </a:solidFill>
+                <a:latin typeface="Lucida Console" panose="020B0609040504020204" pitchFamily="49" charset="0"/>
+              </a:rPr>
+              <a:t>rvest</a:t>
+            </a:r>
+            <a:r>
+              <a:rPr lang="en-GB" sz="1600" dirty="0">
+                <a:solidFill>
+                  <a:schemeClr val="accent2">
+                    <a:lumMod val="75000"/>
+                  </a:schemeClr>
+                </a:solidFill>
+                <a:latin typeface="Lucida Console" panose="020B0609040504020204" pitchFamily="49" charset="0"/>
+              </a:rPr>
+              <a:t>::</a:t>
+            </a:r>
+            <a:r>
+              <a:rPr lang="en-GB" sz="1600" dirty="0" err="1">
+                <a:solidFill>
+                  <a:schemeClr val="accent2">
+                    <a:lumMod val="75000"/>
+                  </a:schemeClr>
+                </a:solidFill>
+                <a:latin typeface="Lucida Console" panose="020B0609040504020204" pitchFamily="49" charset="0"/>
+              </a:rPr>
+              <a:t>html_table</a:t>
             </a:r>
             <a:r>
               <a:rPr lang="en-GB" sz="1600" dirty="0">

--- a/images/Images_pptx.pptx
+++ b/images/Images_pptx.pptx
@@ -5,7 +5,7 @@
     <p:sldMasterId id="2147483648" r:id="rId1"/>
   </p:sldMasterIdLst>
   <p:notesMasterIdLst>
-    <p:notesMasterId r:id="rId10"/>
+    <p:notesMasterId r:id="rId11"/>
   </p:notesMasterIdLst>
   <p:sldIdLst>
     <p:sldId id="256" r:id="rId2"/>
@@ -16,6 +16,7 @@
     <p:sldId id="268" r:id="rId7"/>
     <p:sldId id="267" r:id="rId8"/>
     <p:sldId id="264" r:id="rId9"/>
+    <p:sldId id="269" r:id="rId10"/>
   </p:sldIdLst>
   <p:sldSz cx="12192000" cy="6858000"/>
   <p:notesSz cx="6858000" cy="9144000"/>
@@ -10822,6 +10823,969 @@
 </p:sld>
 </file>
 
+<file path=ppt/slides/slide9.xml><?xml version="1.0" encoding="utf-8"?>
+<p:sld xmlns:a="http://schemas.openxmlformats.org/drawingml/2006/main" xmlns:r="http://schemas.openxmlformats.org/officeDocument/2006/relationships" xmlns:p="http://schemas.openxmlformats.org/presentationml/2006/main">
+  <p:cSld>
+    <p:spTree>
+      <p:nvGrpSpPr>
+        <p:cNvPr id="1" name=""/>
+        <p:cNvGrpSpPr/>
+        <p:nvPr/>
+      </p:nvGrpSpPr>
+      <p:grpSpPr>
+        <a:xfrm>
+          <a:off x="0" y="0"/>
+          <a:ext cx="0" cy="0"/>
+          <a:chOff x="0" y="0"/>
+          <a:chExt cx="0" cy="0"/>
+        </a:xfrm>
+      </p:grpSpPr>
+      <p:sp>
+        <p:nvSpPr>
+          <p:cNvPr id="4" name="Rectangle 3">
+            <a:extLst>
+              <a:ext uri="{FF2B5EF4-FFF2-40B4-BE49-F238E27FC236}">
+                <a16:creationId xmlns:a16="http://schemas.microsoft.com/office/drawing/2014/main" id="{2D31AC6E-BD93-4861-B374-E7736407F44A}"/>
+              </a:ext>
+            </a:extLst>
+          </p:cNvPr>
+          <p:cNvSpPr/>
+          <p:nvPr/>
+        </p:nvSpPr>
+        <p:spPr>
+          <a:xfrm>
+            <a:off x="4199467" y="541867"/>
+            <a:ext cx="2768600" cy="897466"/>
+          </a:xfrm>
+          <a:prstGeom prst="rect">
+            <a:avLst/>
+          </a:prstGeom>
+        </p:spPr>
+        <p:style>
+          <a:lnRef idx="2">
+            <a:schemeClr val="accent1"/>
+          </a:lnRef>
+          <a:fillRef idx="1">
+            <a:schemeClr val="lt1"/>
+          </a:fillRef>
+          <a:effectRef idx="0">
+            <a:schemeClr val="accent1"/>
+          </a:effectRef>
+          <a:fontRef idx="minor">
+            <a:schemeClr val="dk1"/>
+          </a:fontRef>
+        </p:style>
+        <p:txBody>
+          <a:bodyPr rtlCol="0" anchor="ctr"/>
+          <a:lstStyle/>
+          <a:p>
+            <a:pPr algn="ctr"/>
+            <a:r>
+              <a:rPr lang="fr-BE" dirty="0"/>
+              <a:t>Is </a:t>
+            </a:r>
+            <a:r>
+              <a:rPr lang="fr-BE" dirty="0" err="1"/>
+              <a:t>there</a:t>
+            </a:r>
+            <a:r>
+              <a:rPr lang="fr-BE" dirty="0"/>
+              <a:t> an API?</a:t>
+            </a:r>
+            <a:endParaRPr lang="en-BE" dirty="0"/>
+          </a:p>
+        </p:txBody>
+      </p:sp>
+      <p:sp>
+        <p:nvSpPr>
+          <p:cNvPr id="5" name="Rectangle 4">
+            <a:extLst>
+              <a:ext uri="{FF2B5EF4-FFF2-40B4-BE49-F238E27FC236}">
+                <a16:creationId xmlns:a16="http://schemas.microsoft.com/office/drawing/2014/main" id="{2247DA7B-DB76-421C-A0A9-402D15805FAF}"/>
+              </a:ext>
+            </a:extLst>
+          </p:cNvPr>
+          <p:cNvSpPr/>
+          <p:nvPr/>
+        </p:nvSpPr>
+        <p:spPr>
+          <a:xfrm>
+            <a:off x="1693335" y="2345266"/>
+            <a:ext cx="2768600" cy="897466"/>
+          </a:xfrm>
+          <a:prstGeom prst="rect">
+            <a:avLst/>
+          </a:prstGeom>
+        </p:spPr>
+        <p:style>
+          <a:lnRef idx="2">
+            <a:schemeClr val="accent1"/>
+          </a:lnRef>
+          <a:fillRef idx="1">
+            <a:schemeClr val="lt1"/>
+          </a:fillRef>
+          <a:effectRef idx="0">
+            <a:schemeClr val="accent1"/>
+          </a:effectRef>
+          <a:fontRef idx="minor">
+            <a:schemeClr val="dk1"/>
+          </a:fontRef>
+        </p:style>
+        <p:txBody>
+          <a:bodyPr rtlCol="0" anchor="ctr"/>
+          <a:lstStyle/>
+          <a:p>
+            <a:pPr algn="ctr"/>
+            <a:r>
+              <a:rPr lang="fr-BE" dirty="0"/>
+              <a:t>Is </a:t>
+            </a:r>
+            <a:r>
+              <a:rPr lang="fr-BE" dirty="0" err="1"/>
+              <a:t>there</a:t>
+            </a:r>
+            <a:r>
+              <a:rPr lang="fr-BE" dirty="0"/>
+              <a:t> an </a:t>
+            </a:r>
+            <a:r>
+              <a:rPr lang="fr-BE" dirty="0" err="1"/>
+              <a:t>existing</a:t>
+            </a:r>
+            <a:r>
+              <a:rPr lang="fr-BE" dirty="0"/>
+              <a:t> </a:t>
+            </a:r>
+            <a:r>
+              <a:rPr lang="fr-BE" dirty="0" err="1"/>
+              <a:t>wrapping</a:t>
+            </a:r>
+            <a:r>
+              <a:rPr lang="fr-BE" dirty="0"/>
+              <a:t> package?</a:t>
+            </a:r>
+            <a:endParaRPr lang="en-BE" dirty="0"/>
+          </a:p>
+        </p:txBody>
+      </p:sp>
+      <p:cxnSp>
+        <p:nvCxnSpPr>
+          <p:cNvPr id="7" name="Straight Arrow Connector 6">
+            <a:extLst>
+              <a:ext uri="{FF2B5EF4-FFF2-40B4-BE49-F238E27FC236}">
+                <a16:creationId xmlns:a16="http://schemas.microsoft.com/office/drawing/2014/main" id="{61604E12-6F9A-4DF0-8C77-4CAB9FFE9154}"/>
+              </a:ext>
+            </a:extLst>
+          </p:cNvPr>
+          <p:cNvCxnSpPr/>
+          <p:nvPr/>
+        </p:nvCxnSpPr>
+        <p:spPr>
+          <a:xfrm flipH="1">
+            <a:off x="3708400" y="1439333"/>
+            <a:ext cx="1278467" cy="829734"/>
+          </a:xfrm>
+          <a:prstGeom prst="straightConnector1">
+            <a:avLst/>
+          </a:prstGeom>
+          <a:ln w="38100">
+            <a:headEnd w="lg" len="lg"/>
+            <a:tailEnd type="triangle"/>
+          </a:ln>
+        </p:spPr>
+        <p:style>
+          <a:lnRef idx="1">
+            <a:schemeClr val="accent1"/>
+          </a:lnRef>
+          <a:fillRef idx="0">
+            <a:schemeClr val="accent1"/>
+          </a:fillRef>
+          <a:effectRef idx="0">
+            <a:schemeClr val="accent1"/>
+          </a:effectRef>
+          <a:fontRef idx="minor">
+            <a:schemeClr val="tx1"/>
+          </a:fontRef>
+        </p:style>
+      </p:cxnSp>
+      <p:sp>
+        <p:nvSpPr>
+          <p:cNvPr id="8" name="TextBox 7">
+            <a:extLst>
+              <a:ext uri="{FF2B5EF4-FFF2-40B4-BE49-F238E27FC236}">
+                <a16:creationId xmlns:a16="http://schemas.microsoft.com/office/drawing/2014/main" id="{BBF7FEEA-98FB-4341-9C82-3462AA8A6423}"/>
+              </a:ext>
+            </a:extLst>
+          </p:cNvPr>
+          <p:cNvSpPr txBox="1"/>
+          <p:nvPr/>
+        </p:nvSpPr>
+        <p:spPr>
+          <a:xfrm>
+            <a:off x="3708400" y="1659467"/>
+            <a:ext cx="485518" cy="369332"/>
+          </a:xfrm>
+          <a:prstGeom prst="rect">
+            <a:avLst/>
+          </a:prstGeom>
+          <a:noFill/>
+        </p:spPr>
+        <p:txBody>
+          <a:bodyPr wrap="none" rtlCol="0">
+            <a:spAutoFit/>
+          </a:bodyPr>
+          <a:lstStyle/>
+          <a:p>
+            <a:r>
+              <a:rPr lang="fr-BE" dirty="0"/>
+              <a:t>Yes</a:t>
+            </a:r>
+            <a:endParaRPr lang="en-BE" dirty="0"/>
+          </a:p>
+        </p:txBody>
+      </p:sp>
+      <p:cxnSp>
+        <p:nvCxnSpPr>
+          <p:cNvPr id="9" name="Straight Arrow Connector 8">
+            <a:extLst>
+              <a:ext uri="{FF2B5EF4-FFF2-40B4-BE49-F238E27FC236}">
+                <a16:creationId xmlns:a16="http://schemas.microsoft.com/office/drawing/2014/main" id="{03E39331-ABE3-4317-BA22-3C333C9FD732}"/>
+              </a:ext>
+            </a:extLst>
+          </p:cNvPr>
+          <p:cNvCxnSpPr>
+            <a:cxnSpLocks/>
+          </p:cNvCxnSpPr>
+          <p:nvPr/>
+        </p:nvCxnSpPr>
+        <p:spPr>
+          <a:xfrm flipH="1">
+            <a:off x="1296860" y="3416300"/>
+            <a:ext cx="1035709" cy="977900"/>
+          </a:xfrm>
+          <a:prstGeom prst="straightConnector1">
+            <a:avLst/>
+          </a:prstGeom>
+          <a:ln w="38100">
+            <a:headEnd w="lg" len="lg"/>
+            <a:tailEnd type="triangle"/>
+          </a:ln>
+        </p:spPr>
+        <p:style>
+          <a:lnRef idx="1">
+            <a:schemeClr val="accent1"/>
+          </a:lnRef>
+          <a:fillRef idx="0">
+            <a:schemeClr val="accent1"/>
+          </a:fillRef>
+          <a:effectRef idx="0">
+            <a:schemeClr val="accent1"/>
+          </a:effectRef>
+          <a:fontRef idx="minor">
+            <a:schemeClr val="tx1"/>
+          </a:fontRef>
+        </p:style>
+      </p:cxnSp>
+      <p:sp>
+        <p:nvSpPr>
+          <p:cNvPr id="10" name="TextBox 9">
+            <a:extLst>
+              <a:ext uri="{FF2B5EF4-FFF2-40B4-BE49-F238E27FC236}">
+                <a16:creationId xmlns:a16="http://schemas.microsoft.com/office/drawing/2014/main" id="{32B761AD-9FAF-4EDD-8C81-53FA316699C5}"/>
+              </a:ext>
+            </a:extLst>
+          </p:cNvPr>
+          <p:cNvSpPr txBox="1"/>
+          <p:nvPr/>
+        </p:nvSpPr>
+        <p:spPr>
+          <a:xfrm>
+            <a:off x="1296860" y="3640668"/>
+            <a:ext cx="485518" cy="369332"/>
+          </a:xfrm>
+          <a:prstGeom prst="rect">
+            <a:avLst/>
+          </a:prstGeom>
+          <a:noFill/>
+        </p:spPr>
+        <p:txBody>
+          <a:bodyPr wrap="none" rtlCol="0">
+            <a:spAutoFit/>
+          </a:bodyPr>
+          <a:lstStyle/>
+          <a:p>
+            <a:r>
+              <a:rPr lang="fr-BE" dirty="0"/>
+              <a:t>Yes</a:t>
+            </a:r>
+            <a:endParaRPr lang="en-BE" dirty="0"/>
+          </a:p>
+        </p:txBody>
+      </p:sp>
+      <p:sp>
+        <p:nvSpPr>
+          <p:cNvPr id="11" name="Rectangle 10">
+            <a:extLst>
+              <a:ext uri="{FF2B5EF4-FFF2-40B4-BE49-F238E27FC236}">
+                <a16:creationId xmlns:a16="http://schemas.microsoft.com/office/drawing/2014/main" id="{B43484D9-1019-42E2-8AFA-415502FC12D4}"/>
+              </a:ext>
+            </a:extLst>
+          </p:cNvPr>
+          <p:cNvSpPr/>
+          <p:nvPr/>
+        </p:nvSpPr>
+        <p:spPr>
+          <a:xfrm>
+            <a:off x="155319" y="4511702"/>
+            <a:ext cx="2537081" cy="897466"/>
+          </a:xfrm>
+          <a:prstGeom prst="rect">
+            <a:avLst/>
+          </a:prstGeom>
+        </p:spPr>
+        <p:style>
+          <a:lnRef idx="2">
+            <a:schemeClr val="accent1"/>
+          </a:lnRef>
+          <a:fillRef idx="1">
+            <a:schemeClr val="lt1"/>
+          </a:fillRef>
+          <a:effectRef idx="0">
+            <a:schemeClr val="accent1"/>
+          </a:effectRef>
+          <a:fontRef idx="minor">
+            <a:schemeClr val="dk1"/>
+          </a:fontRef>
+        </p:style>
+        <p:txBody>
+          <a:bodyPr rtlCol="0" anchor="ctr"/>
+          <a:lstStyle/>
+          <a:p>
+            <a:pPr algn="ctr"/>
+            <a:r>
+              <a:rPr lang="fr-BE" dirty="0"/>
+              <a:t>Use the package!</a:t>
+            </a:r>
+            <a:endParaRPr lang="en-BE" dirty="0"/>
+          </a:p>
+        </p:txBody>
+      </p:sp>
+      <p:cxnSp>
+        <p:nvCxnSpPr>
+          <p:cNvPr id="13" name="Straight Arrow Connector 12">
+            <a:extLst>
+              <a:ext uri="{FF2B5EF4-FFF2-40B4-BE49-F238E27FC236}">
+                <a16:creationId xmlns:a16="http://schemas.microsoft.com/office/drawing/2014/main" id="{2A82FBF0-55E2-453C-9292-0A81A5A6FC36}"/>
+              </a:ext>
+            </a:extLst>
+          </p:cNvPr>
+          <p:cNvCxnSpPr>
+            <a:cxnSpLocks/>
+          </p:cNvCxnSpPr>
+          <p:nvPr/>
+        </p:nvCxnSpPr>
+        <p:spPr>
+          <a:xfrm>
+            <a:off x="3564467" y="3416300"/>
+            <a:ext cx="743753" cy="977900"/>
+          </a:xfrm>
+          <a:prstGeom prst="straightConnector1">
+            <a:avLst/>
+          </a:prstGeom>
+          <a:ln w="38100">
+            <a:headEnd w="lg" len="lg"/>
+            <a:tailEnd type="triangle"/>
+          </a:ln>
+        </p:spPr>
+        <p:style>
+          <a:lnRef idx="1">
+            <a:schemeClr val="accent1"/>
+          </a:lnRef>
+          <a:fillRef idx="0">
+            <a:schemeClr val="accent1"/>
+          </a:fillRef>
+          <a:effectRef idx="0">
+            <a:schemeClr val="accent1"/>
+          </a:effectRef>
+          <a:fontRef idx="minor">
+            <a:schemeClr val="tx1"/>
+          </a:fontRef>
+        </p:style>
+      </p:cxnSp>
+      <p:sp>
+        <p:nvSpPr>
+          <p:cNvPr id="14" name="TextBox 13">
+            <a:extLst>
+              <a:ext uri="{FF2B5EF4-FFF2-40B4-BE49-F238E27FC236}">
+                <a16:creationId xmlns:a16="http://schemas.microsoft.com/office/drawing/2014/main" id="{39FDF2D9-EB09-4941-9A21-1977DAE60925}"/>
+              </a:ext>
+            </a:extLst>
+          </p:cNvPr>
+          <p:cNvSpPr txBox="1"/>
+          <p:nvPr/>
+        </p:nvSpPr>
+        <p:spPr>
+          <a:xfrm>
+            <a:off x="3976417" y="3640668"/>
+            <a:ext cx="455574" cy="369332"/>
+          </a:xfrm>
+          <a:prstGeom prst="rect">
+            <a:avLst/>
+          </a:prstGeom>
+          <a:noFill/>
+        </p:spPr>
+        <p:txBody>
+          <a:bodyPr wrap="none" rtlCol="0">
+            <a:spAutoFit/>
+          </a:bodyPr>
+          <a:lstStyle/>
+          <a:p>
+            <a:r>
+              <a:rPr lang="fr-BE" dirty="0"/>
+              <a:t>No</a:t>
+            </a:r>
+            <a:endParaRPr lang="en-BE" dirty="0"/>
+          </a:p>
+        </p:txBody>
+      </p:sp>
+      <p:sp>
+        <p:nvSpPr>
+          <p:cNvPr id="15" name="Rectangle 14">
+            <a:extLst>
+              <a:ext uri="{FF2B5EF4-FFF2-40B4-BE49-F238E27FC236}">
+                <a16:creationId xmlns:a16="http://schemas.microsoft.com/office/drawing/2014/main" id="{1DF2672C-B9C1-4E00-80D3-F8E704771D48}"/>
+              </a:ext>
+            </a:extLst>
+          </p:cNvPr>
+          <p:cNvSpPr/>
+          <p:nvPr/>
+        </p:nvSpPr>
+        <p:spPr>
+          <a:xfrm>
+            <a:off x="3289445" y="4521201"/>
+            <a:ext cx="2345122" cy="897466"/>
+          </a:xfrm>
+          <a:prstGeom prst="rect">
+            <a:avLst/>
+          </a:prstGeom>
+          <a:solidFill>
+            <a:schemeClr val="tx2">
+              <a:lumMod val="20000"/>
+              <a:lumOff val="80000"/>
+            </a:schemeClr>
+          </a:solidFill>
+        </p:spPr>
+        <p:style>
+          <a:lnRef idx="2">
+            <a:schemeClr val="accent1"/>
+          </a:lnRef>
+          <a:fillRef idx="1">
+            <a:schemeClr val="lt1"/>
+          </a:fillRef>
+          <a:effectRef idx="0">
+            <a:schemeClr val="accent1"/>
+          </a:effectRef>
+          <a:fontRef idx="minor">
+            <a:schemeClr val="dk1"/>
+          </a:fontRef>
+        </p:style>
+        <p:txBody>
+          <a:bodyPr rtlCol="0" anchor="ctr"/>
+          <a:lstStyle/>
+          <a:p>
+            <a:pPr algn="ctr"/>
+            <a:r>
+              <a:rPr lang="fr-BE" dirty="0"/>
+              <a:t>Use </a:t>
+            </a:r>
+            <a:r>
+              <a:rPr lang="fr-BE" dirty="0" err="1"/>
+              <a:t>httr</a:t>
+            </a:r>
+            <a:r>
+              <a:rPr lang="fr-BE" dirty="0"/>
+              <a:t> to </a:t>
+            </a:r>
+            <a:r>
+              <a:rPr lang="fr-BE" dirty="0" err="1"/>
+              <a:t>get</a:t>
+            </a:r>
+            <a:r>
+              <a:rPr lang="fr-BE" dirty="0"/>
+              <a:t> data</a:t>
+            </a:r>
+            <a:endParaRPr lang="en-BE" dirty="0"/>
+          </a:p>
+        </p:txBody>
+      </p:sp>
+      <p:sp>
+        <p:nvSpPr>
+          <p:cNvPr id="17" name="Rectangle 16">
+            <a:extLst>
+              <a:ext uri="{FF2B5EF4-FFF2-40B4-BE49-F238E27FC236}">
+                <a16:creationId xmlns:a16="http://schemas.microsoft.com/office/drawing/2014/main" id="{4ABFE8D1-B8A3-4836-8652-96778ADDD4EE}"/>
+              </a:ext>
+            </a:extLst>
+          </p:cNvPr>
+          <p:cNvSpPr/>
+          <p:nvPr/>
+        </p:nvSpPr>
+        <p:spPr>
+          <a:xfrm>
+            <a:off x="7335413" y="2345266"/>
+            <a:ext cx="2768600" cy="897466"/>
+          </a:xfrm>
+          <a:prstGeom prst="rect">
+            <a:avLst/>
+          </a:prstGeom>
+          <a:ln>
+            <a:solidFill>
+              <a:schemeClr val="accent2"/>
+            </a:solidFill>
+          </a:ln>
+        </p:spPr>
+        <p:style>
+          <a:lnRef idx="2">
+            <a:schemeClr val="accent1"/>
+          </a:lnRef>
+          <a:fillRef idx="1">
+            <a:schemeClr val="lt1"/>
+          </a:fillRef>
+          <a:effectRef idx="0">
+            <a:schemeClr val="accent1"/>
+          </a:effectRef>
+          <a:fontRef idx="minor">
+            <a:schemeClr val="dk1"/>
+          </a:fontRef>
+        </p:style>
+        <p:txBody>
+          <a:bodyPr rtlCol="0" anchor="ctr"/>
+          <a:lstStyle/>
+          <a:p>
+            <a:pPr algn="ctr"/>
+            <a:r>
+              <a:rPr lang="fr-BE" dirty="0"/>
+              <a:t>Are </a:t>
+            </a:r>
+            <a:r>
+              <a:rPr lang="fr-BE" dirty="0" err="1"/>
+              <a:t>you</a:t>
+            </a:r>
+            <a:r>
+              <a:rPr lang="fr-BE" dirty="0"/>
+              <a:t> </a:t>
+            </a:r>
+            <a:r>
+              <a:rPr lang="fr-BE" dirty="0" err="1"/>
+              <a:t>allowed</a:t>
+            </a:r>
+            <a:r>
+              <a:rPr lang="fr-BE" dirty="0"/>
+              <a:t> </a:t>
+            </a:r>
+          </a:p>
+          <a:p>
+            <a:pPr algn="ctr"/>
+            <a:r>
+              <a:rPr lang="fr-BE" dirty="0"/>
+              <a:t>to </a:t>
+            </a:r>
+            <a:r>
+              <a:rPr lang="fr-BE" dirty="0" err="1"/>
+              <a:t>scrape</a:t>
+            </a:r>
+            <a:r>
+              <a:rPr lang="fr-BE" dirty="0"/>
+              <a:t>?</a:t>
+            </a:r>
+            <a:endParaRPr lang="en-BE" dirty="0"/>
+          </a:p>
+        </p:txBody>
+      </p:sp>
+      <p:cxnSp>
+        <p:nvCxnSpPr>
+          <p:cNvPr id="18" name="Straight Arrow Connector 17">
+            <a:extLst>
+              <a:ext uri="{FF2B5EF4-FFF2-40B4-BE49-F238E27FC236}">
+                <a16:creationId xmlns:a16="http://schemas.microsoft.com/office/drawing/2014/main" id="{55EAF5EF-08A5-49A7-B20F-F2C20C454BFA}"/>
+              </a:ext>
+            </a:extLst>
+          </p:cNvPr>
+          <p:cNvCxnSpPr>
+            <a:cxnSpLocks/>
+          </p:cNvCxnSpPr>
+          <p:nvPr/>
+        </p:nvCxnSpPr>
+        <p:spPr>
+          <a:xfrm>
+            <a:off x="6604000" y="1448832"/>
+            <a:ext cx="1049867" cy="820235"/>
+          </a:xfrm>
+          <a:prstGeom prst="straightConnector1">
+            <a:avLst/>
+          </a:prstGeom>
+          <a:ln w="38100">
+            <a:solidFill>
+              <a:schemeClr val="accent2"/>
+            </a:solidFill>
+            <a:headEnd w="lg" len="lg"/>
+            <a:tailEnd type="triangle"/>
+          </a:ln>
+        </p:spPr>
+        <p:style>
+          <a:lnRef idx="1">
+            <a:schemeClr val="accent1"/>
+          </a:lnRef>
+          <a:fillRef idx="0">
+            <a:schemeClr val="accent1"/>
+          </a:fillRef>
+          <a:effectRef idx="0">
+            <a:schemeClr val="accent1"/>
+          </a:effectRef>
+          <a:fontRef idx="minor">
+            <a:schemeClr val="tx1"/>
+          </a:fontRef>
+        </p:style>
+      </p:cxnSp>
+      <p:sp>
+        <p:nvSpPr>
+          <p:cNvPr id="19" name="TextBox 18">
+            <a:extLst>
+              <a:ext uri="{FF2B5EF4-FFF2-40B4-BE49-F238E27FC236}">
+                <a16:creationId xmlns:a16="http://schemas.microsoft.com/office/drawing/2014/main" id="{2BE504FD-2D07-46D0-8CBE-B9EB5E8E492A}"/>
+              </a:ext>
+            </a:extLst>
+          </p:cNvPr>
+          <p:cNvSpPr txBox="1"/>
+          <p:nvPr/>
+        </p:nvSpPr>
+        <p:spPr>
+          <a:xfrm>
+            <a:off x="7214033" y="1510268"/>
+            <a:ext cx="455574" cy="369332"/>
+          </a:xfrm>
+          <a:prstGeom prst="rect">
+            <a:avLst/>
+          </a:prstGeom>
+          <a:noFill/>
+        </p:spPr>
+        <p:txBody>
+          <a:bodyPr wrap="none" rtlCol="0">
+            <a:spAutoFit/>
+          </a:bodyPr>
+          <a:lstStyle/>
+          <a:p>
+            <a:r>
+              <a:rPr lang="fr-BE" dirty="0"/>
+              <a:t>No</a:t>
+            </a:r>
+            <a:endParaRPr lang="en-BE" dirty="0"/>
+          </a:p>
+        </p:txBody>
+      </p:sp>
+      <p:cxnSp>
+        <p:nvCxnSpPr>
+          <p:cNvPr id="20" name="Straight Arrow Connector 19">
+            <a:extLst>
+              <a:ext uri="{FF2B5EF4-FFF2-40B4-BE49-F238E27FC236}">
+                <a16:creationId xmlns:a16="http://schemas.microsoft.com/office/drawing/2014/main" id="{2267CB36-923B-4B20-A29E-A8CAB7C4B95B}"/>
+              </a:ext>
+            </a:extLst>
+          </p:cNvPr>
+          <p:cNvCxnSpPr>
+            <a:cxnSpLocks/>
+          </p:cNvCxnSpPr>
+          <p:nvPr/>
+        </p:nvCxnSpPr>
+        <p:spPr>
+          <a:xfrm flipH="1">
+            <a:off x="6938938" y="3416300"/>
+            <a:ext cx="1035709" cy="977900"/>
+          </a:xfrm>
+          <a:prstGeom prst="straightConnector1">
+            <a:avLst/>
+          </a:prstGeom>
+          <a:ln w="38100">
+            <a:solidFill>
+              <a:schemeClr val="accent2"/>
+            </a:solidFill>
+            <a:headEnd w="lg" len="lg"/>
+            <a:tailEnd type="triangle"/>
+          </a:ln>
+        </p:spPr>
+        <p:style>
+          <a:lnRef idx="1">
+            <a:schemeClr val="accent1"/>
+          </a:lnRef>
+          <a:fillRef idx="0">
+            <a:schemeClr val="accent1"/>
+          </a:fillRef>
+          <a:effectRef idx="0">
+            <a:schemeClr val="accent1"/>
+          </a:effectRef>
+          <a:fontRef idx="minor">
+            <a:schemeClr val="tx1"/>
+          </a:fontRef>
+        </p:style>
+      </p:cxnSp>
+      <p:sp>
+        <p:nvSpPr>
+          <p:cNvPr id="21" name="TextBox 20">
+            <a:extLst>
+              <a:ext uri="{FF2B5EF4-FFF2-40B4-BE49-F238E27FC236}">
+                <a16:creationId xmlns:a16="http://schemas.microsoft.com/office/drawing/2014/main" id="{400678DC-B9F2-42C8-BF50-E1FA66E7D5E9}"/>
+              </a:ext>
+            </a:extLst>
+          </p:cNvPr>
+          <p:cNvSpPr txBox="1"/>
+          <p:nvPr/>
+        </p:nvSpPr>
+        <p:spPr>
+          <a:xfrm>
+            <a:off x="6938938" y="3640668"/>
+            <a:ext cx="485518" cy="369332"/>
+          </a:xfrm>
+          <a:prstGeom prst="rect">
+            <a:avLst/>
+          </a:prstGeom>
+          <a:noFill/>
+          <a:ln>
+            <a:noFill/>
+          </a:ln>
+        </p:spPr>
+        <p:txBody>
+          <a:bodyPr wrap="none" rtlCol="0">
+            <a:spAutoFit/>
+          </a:bodyPr>
+          <a:lstStyle/>
+          <a:p>
+            <a:r>
+              <a:rPr lang="fr-BE" dirty="0"/>
+              <a:t>Yes</a:t>
+            </a:r>
+            <a:endParaRPr lang="en-BE" dirty="0"/>
+          </a:p>
+        </p:txBody>
+      </p:sp>
+      <p:cxnSp>
+        <p:nvCxnSpPr>
+          <p:cNvPr id="22" name="Straight Arrow Connector 21">
+            <a:extLst>
+              <a:ext uri="{FF2B5EF4-FFF2-40B4-BE49-F238E27FC236}">
+                <a16:creationId xmlns:a16="http://schemas.microsoft.com/office/drawing/2014/main" id="{945A0658-B98C-459A-A380-6CFC6069A5A0}"/>
+              </a:ext>
+            </a:extLst>
+          </p:cNvPr>
+          <p:cNvCxnSpPr>
+            <a:cxnSpLocks/>
+          </p:cNvCxnSpPr>
+          <p:nvPr/>
+        </p:nvCxnSpPr>
+        <p:spPr>
+          <a:xfrm>
+            <a:off x="9206545" y="3416300"/>
+            <a:ext cx="743753" cy="977900"/>
+          </a:xfrm>
+          <a:prstGeom prst="straightConnector1">
+            <a:avLst/>
+          </a:prstGeom>
+          <a:ln w="38100">
+            <a:solidFill>
+              <a:schemeClr val="accent2"/>
+            </a:solidFill>
+            <a:headEnd w="lg" len="lg"/>
+            <a:tailEnd type="triangle"/>
+          </a:ln>
+        </p:spPr>
+        <p:style>
+          <a:lnRef idx="1">
+            <a:schemeClr val="accent1"/>
+          </a:lnRef>
+          <a:fillRef idx="0">
+            <a:schemeClr val="accent1"/>
+          </a:fillRef>
+          <a:effectRef idx="0">
+            <a:schemeClr val="accent1"/>
+          </a:effectRef>
+          <a:fontRef idx="minor">
+            <a:schemeClr val="tx1"/>
+          </a:fontRef>
+        </p:style>
+      </p:cxnSp>
+      <p:sp>
+        <p:nvSpPr>
+          <p:cNvPr id="23" name="TextBox 22">
+            <a:extLst>
+              <a:ext uri="{FF2B5EF4-FFF2-40B4-BE49-F238E27FC236}">
+                <a16:creationId xmlns:a16="http://schemas.microsoft.com/office/drawing/2014/main" id="{00128FD0-AED9-4CBB-B7B7-EEEB4DA378DF}"/>
+              </a:ext>
+            </a:extLst>
+          </p:cNvPr>
+          <p:cNvSpPr txBox="1"/>
+          <p:nvPr/>
+        </p:nvSpPr>
+        <p:spPr>
+          <a:xfrm>
+            <a:off x="9618495" y="3640668"/>
+            <a:ext cx="455574" cy="369332"/>
+          </a:xfrm>
+          <a:prstGeom prst="rect">
+            <a:avLst/>
+          </a:prstGeom>
+          <a:noFill/>
+          <a:ln>
+            <a:noFill/>
+          </a:ln>
+        </p:spPr>
+        <p:txBody>
+          <a:bodyPr wrap="none" rtlCol="0">
+            <a:spAutoFit/>
+          </a:bodyPr>
+          <a:lstStyle/>
+          <a:p>
+            <a:r>
+              <a:rPr lang="fr-BE" dirty="0"/>
+              <a:t>No</a:t>
+            </a:r>
+            <a:endParaRPr lang="en-BE" dirty="0"/>
+          </a:p>
+        </p:txBody>
+      </p:sp>
+      <p:sp>
+        <p:nvSpPr>
+          <p:cNvPr id="24" name="Rectangle 23">
+            <a:extLst>
+              <a:ext uri="{FF2B5EF4-FFF2-40B4-BE49-F238E27FC236}">
+                <a16:creationId xmlns:a16="http://schemas.microsoft.com/office/drawing/2014/main" id="{39B4FC4B-705B-4731-AD19-997ACFBEF556}"/>
+              </a:ext>
+            </a:extLst>
+          </p:cNvPr>
+          <p:cNvSpPr/>
+          <p:nvPr/>
+        </p:nvSpPr>
+        <p:spPr>
+          <a:xfrm>
+            <a:off x="8928773" y="4521201"/>
+            <a:ext cx="2426511" cy="897466"/>
+          </a:xfrm>
+          <a:prstGeom prst="rect">
+            <a:avLst/>
+          </a:prstGeom>
+        </p:spPr>
+        <p:style>
+          <a:lnRef idx="2">
+            <a:schemeClr val="accent2"/>
+          </a:lnRef>
+          <a:fillRef idx="1">
+            <a:schemeClr val="lt1"/>
+          </a:fillRef>
+          <a:effectRef idx="0">
+            <a:schemeClr val="accent2"/>
+          </a:effectRef>
+          <a:fontRef idx="minor">
+            <a:schemeClr val="dk1"/>
+          </a:fontRef>
+        </p:style>
+        <p:txBody>
+          <a:bodyPr rtlCol="0" anchor="ctr"/>
+          <a:lstStyle/>
+          <a:p>
+            <a:pPr algn="ctr"/>
+            <a:r>
+              <a:rPr lang="fr-BE" dirty="0" err="1"/>
+              <a:t>Stay</a:t>
+            </a:r>
+            <a:r>
+              <a:rPr lang="fr-BE" dirty="0"/>
+              <a:t> </a:t>
+            </a:r>
+            <a:r>
+              <a:rPr lang="fr-BE" dirty="0" err="1"/>
+              <a:t>away</a:t>
+            </a:r>
+            <a:endParaRPr lang="en-BE" dirty="0"/>
+          </a:p>
+        </p:txBody>
+      </p:sp>
+      <p:sp>
+        <p:nvSpPr>
+          <p:cNvPr id="28" name="Rectangle 27">
+            <a:extLst>
+              <a:ext uri="{FF2B5EF4-FFF2-40B4-BE49-F238E27FC236}">
+                <a16:creationId xmlns:a16="http://schemas.microsoft.com/office/drawing/2014/main" id="{4B38DB10-94D7-4622-99A9-AC0FE40AEDA2}"/>
+              </a:ext>
+            </a:extLst>
+          </p:cNvPr>
+          <p:cNvSpPr/>
+          <p:nvPr/>
+        </p:nvSpPr>
+        <p:spPr>
+          <a:xfrm>
+            <a:off x="6086580" y="4521201"/>
+            <a:ext cx="2537081" cy="897466"/>
+          </a:xfrm>
+          <a:prstGeom prst="rect">
+            <a:avLst/>
+          </a:prstGeom>
+          <a:solidFill>
+            <a:schemeClr val="accent2">
+              <a:lumMod val="20000"/>
+              <a:lumOff val="80000"/>
+            </a:schemeClr>
+          </a:solidFill>
+        </p:spPr>
+        <p:style>
+          <a:lnRef idx="2">
+            <a:schemeClr val="accent2"/>
+          </a:lnRef>
+          <a:fillRef idx="1">
+            <a:schemeClr val="lt1"/>
+          </a:fillRef>
+          <a:effectRef idx="0">
+            <a:schemeClr val="accent2"/>
+          </a:effectRef>
+          <a:fontRef idx="minor">
+            <a:schemeClr val="dk1"/>
+          </a:fontRef>
+        </p:style>
+        <p:txBody>
+          <a:bodyPr rtlCol="0" anchor="ctr"/>
+          <a:lstStyle/>
+          <a:p>
+            <a:pPr algn="ctr"/>
+            <a:r>
+              <a:rPr lang="fr-BE" dirty="0"/>
+              <a:t>Use </a:t>
+            </a:r>
+            <a:r>
+              <a:rPr lang="fr-BE" dirty="0" err="1"/>
+              <a:t>rvest</a:t>
+            </a:r>
+            <a:r>
+              <a:rPr lang="fr-BE" dirty="0"/>
+              <a:t> to </a:t>
+            </a:r>
+            <a:r>
+              <a:rPr lang="fr-BE" dirty="0" err="1"/>
+              <a:t>scrape</a:t>
+            </a:r>
+            <a:endParaRPr lang="en-BE" dirty="0"/>
+          </a:p>
+        </p:txBody>
+      </p:sp>
+    </p:spTree>
+    <p:extLst>
+      <p:ext uri="{BB962C8B-B14F-4D97-AF65-F5344CB8AC3E}">
+        <p14:creationId xmlns:p14="http://schemas.microsoft.com/office/powerpoint/2010/main" val="3788600789"/>
+      </p:ext>
+    </p:extLst>
+  </p:cSld>
+  <p:clrMapOvr>
+    <a:masterClrMapping/>
+  </p:clrMapOvr>
+</p:sld>
+</file>
+
 <file path=ppt/theme/theme1.xml><?xml version="1.0" encoding="utf-8"?>
 <a:theme xmlns:a="http://schemas.openxmlformats.org/drawingml/2006/main" name="Office Theme">
   <a:themeElements>

--- a/images/Images_pptx.pptx
+++ b/images/Images_pptx.pptx
@@ -205,7 +205,7 @@
           <a:p>
             <a:fld id="{9E9AA8DD-40B9-448A-89CB-16B73E88C72D}" type="datetimeFigureOut">
               <a:rPr lang="en-GB" smtClean="0"/>
-              <a:t>27/09/2018</a:t>
+              <a:t>06/10/2018</a:t>
             </a:fld>
             <a:endParaRPr lang="en-GB"/>
           </a:p>
@@ -723,7 +723,7 @@
           <a:p>
             <a:fld id="{3E2FC8C7-FF0E-4FCF-804D-A269A90AB1E3}" type="datetimeFigureOut">
               <a:rPr lang="en-GB" smtClean="0"/>
-              <a:t>27/09/2018</a:t>
+              <a:t>06/10/2018</a:t>
             </a:fld>
             <a:endParaRPr lang="en-GB"/>
           </a:p>
@@ -923,7 +923,7 @@
           <a:p>
             <a:fld id="{3E2FC8C7-FF0E-4FCF-804D-A269A90AB1E3}" type="datetimeFigureOut">
               <a:rPr lang="en-GB" smtClean="0"/>
-              <a:t>27/09/2018</a:t>
+              <a:t>06/10/2018</a:t>
             </a:fld>
             <a:endParaRPr lang="en-GB"/>
           </a:p>
@@ -1133,7 +1133,7 @@
           <a:p>
             <a:fld id="{3E2FC8C7-FF0E-4FCF-804D-A269A90AB1E3}" type="datetimeFigureOut">
               <a:rPr lang="en-GB" smtClean="0"/>
-              <a:t>27/09/2018</a:t>
+              <a:t>06/10/2018</a:t>
             </a:fld>
             <a:endParaRPr lang="en-GB"/>
           </a:p>
@@ -1628,7 +1628,7 @@
           <a:p>
             <a:fld id="{3E2FC8C7-FF0E-4FCF-804D-A269A90AB1E3}" type="datetimeFigureOut">
               <a:rPr lang="en-GB" smtClean="0"/>
-              <a:t>27/09/2018</a:t>
+              <a:t>06/10/2018</a:t>
             </a:fld>
             <a:endParaRPr lang="en-GB"/>
           </a:p>
@@ -1904,7 +1904,7 @@
           <a:p>
             <a:fld id="{3E2FC8C7-FF0E-4FCF-804D-A269A90AB1E3}" type="datetimeFigureOut">
               <a:rPr lang="en-GB" smtClean="0"/>
-              <a:t>27/09/2018</a:t>
+              <a:t>06/10/2018</a:t>
             </a:fld>
             <a:endParaRPr lang="en-GB"/>
           </a:p>
@@ -2172,7 +2172,7 @@
           <a:p>
             <a:fld id="{3E2FC8C7-FF0E-4FCF-804D-A269A90AB1E3}" type="datetimeFigureOut">
               <a:rPr lang="en-GB" smtClean="0"/>
-              <a:t>27/09/2018</a:t>
+              <a:t>06/10/2018</a:t>
             </a:fld>
             <a:endParaRPr lang="en-GB"/>
           </a:p>
@@ -2587,7 +2587,7 @@
           <a:p>
             <a:fld id="{3E2FC8C7-FF0E-4FCF-804D-A269A90AB1E3}" type="datetimeFigureOut">
               <a:rPr lang="en-GB" smtClean="0"/>
-              <a:t>27/09/2018</a:t>
+              <a:t>06/10/2018</a:t>
             </a:fld>
             <a:endParaRPr lang="en-GB"/>
           </a:p>
@@ -2729,7 +2729,7 @@
           <a:p>
             <a:fld id="{3E2FC8C7-FF0E-4FCF-804D-A269A90AB1E3}" type="datetimeFigureOut">
               <a:rPr lang="en-GB" smtClean="0"/>
-              <a:t>27/09/2018</a:t>
+              <a:t>06/10/2018</a:t>
             </a:fld>
             <a:endParaRPr lang="en-GB"/>
           </a:p>
@@ -2842,7 +2842,7 @@
           <a:p>
             <a:fld id="{3E2FC8C7-FF0E-4FCF-804D-A269A90AB1E3}" type="datetimeFigureOut">
               <a:rPr lang="en-GB" smtClean="0"/>
-              <a:t>27/09/2018</a:t>
+              <a:t>06/10/2018</a:t>
             </a:fld>
             <a:endParaRPr lang="en-GB"/>
           </a:p>
@@ -3155,7 +3155,7 @@
           <a:p>
             <a:fld id="{3E2FC8C7-FF0E-4FCF-804D-A269A90AB1E3}" type="datetimeFigureOut">
               <a:rPr lang="en-GB" smtClean="0"/>
-              <a:t>27/09/2018</a:t>
+              <a:t>06/10/2018</a:t>
             </a:fld>
             <a:endParaRPr lang="en-GB"/>
           </a:p>
@@ -3444,7 +3444,7 @@
           <a:p>
             <a:fld id="{3E2FC8C7-FF0E-4FCF-804D-A269A90AB1E3}" type="datetimeFigureOut">
               <a:rPr lang="en-GB" smtClean="0"/>
-              <a:t>27/09/2018</a:t>
+              <a:t>06/10/2018</a:t>
             </a:fld>
             <a:endParaRPr lang="en-GB"/>
           </a:p>
@@ -3687,7 +3687,7 @@
           <a:p>
             <a:fld id="{3E2FC8C7-FF0E-4FCF-804D-A269A90AB1E3}" type="datetimeFigureOut">
               <a:rPr lang="en-GB" smtClean="0"/>
-              <a:t>27/09/2018</a:t>
+              <a:t>06/10/2018</a:t>
             </a:fld>
             <a:endParaRPr lang="en-GB"/>
           </a:p>
@@ -4285,6 +4285,18 @@
                 <a:sym typeface="Courier"/>
               </a:rPr>
               <a:t>city == </a:t>
+            </a:r>
+            <a:r>
+              <a:rPr lang="en" sz="2400" dirty="0">
+                <a:solidFill>
+                  <a:srgbClr val="036A07"/>
+                </a:solidFill>
+                <a:latin typeface="Courier"/>
+                <a:ea typeface="Courier"/>
+                <a:cs typeface="Courier"/>
+                <a:sym typeface="Courier"/>
+              </a:rPr>
+              <a:t>'</a:t>
             </a:r>
             <a:r>
               <a:rPr lang="en-GB" sz="2400" dirty="0">
